--- a/week_1/Week1.pptx
+++ b/week_1/Week1.pptx
@@ -5,7 +5,7 @@
     <p:sldMasterId id="2147483660" r:id="rId1"/>
   </p:sldMasterIdLst>
   <p:notesMasterIdLst>
-    <p:notesMasterId r:id="rId16"/>
+    <p:notesMasterId r:id="rId18"/>
   </p:notesMasterIdLst>
   <p:sldIdLst>
     <p:sldId id="256" r:id="rId2"/>
@@ -20,8 +20,10 @@
     <p:sldId id="272" r:id="rId11"/>
     <p:sldId id="267" r:id="rId12"/>
     <p:sldId id="277" r:id="rId13"/>
-    <p:sldId id="276" r:id="rId14"/>
+    <p:sldId id="279" r:id="rId14"/>
     <p:sldId id="273" r:id="rId15"/>
+    <p:sldId id="280" r:id="rId16"/>
+    <p:sldId id="281" r:id="rId17"/>
   </p:sldIdLst>
   <p:sldSz cx="12192000" cy="6858000"/>
   <p:notesSz cx="6858000" cy="9144000"/>
@@ -141,12 +143,14 @@
             <p14:sldId id="272"/>
             <p14:sldId id="267"/>
             <p14:sldId id="277"/>
-            <p14:sldId id="276"/>
+            <p14:sldId id="279"/>
           </p14:sldIdLst>
         </p14:section>
         <p14:section name="Master data" id="{AB32B160-0391-427B-B1E9-3B4A04A5E205}">
           <p14:sldIdLst>
             <p14:sldId id="273"/>
+            <p14:sldId id="280"/>
+            <p14:sldId id="281"/>
           </p14:sldIdLst>
         </p14:section>
       </p14:sectionLst>
@@ -5606,11 +5610,7 @@
         <a:p>
           <a:r>
             <a:rPr lang="en-US" smtClean="0"/>
-            <a:t> </a:t>
-          </a:r>
-          <a:r>
-            <a:rPr lang="en-US" smtClean="0"/>
-            <a:t>Purchasing Organization</a:t>
+            <a:t> Purchasing Organization</a:t>
           </a:r>
           <a:endParaRPr lang="en-US"/>
         </a:p>
@@ -5659,11 +5659,7 @@
         <a:p>
           <a:r>
             <a:rPr lang="en-US" smtClean="0"/>
-            <a:t> </a:t>
-          </a:r>
-          <a:r>
-            <a:rPr lang="en-US" smtClean="0"/>
-            <a:t>Purchasing Organization</a:t>
+            <a:t> Purchasing Organization</a:t>
           </a:r>
           <a:endParaRPr lang="en-US"/>
         </a:p>
@@ -6285,51 +6281,51 @@
     </dgm:pt>
   </dgm:ptLst>
   <dgm:cxnLst>
-    <dgm:cxn modelId="{D3AF49E3-7F95-4F10-B158-9DA22D2C0187}" type="presOf" srcId="{2834861F-4B64-4177-8CE7-0216F54EF80A}" destId="{E08F1783-0B60-4CB2-93BD-BA3AF0DE7755}" srcOrd="0" destOrd="0" presId="urn:microsoft.com/office/officeart/2005/8/layout/hierarchy6"/>
-    <dgm:cxn modelId="{FAF92952-DBD8-4455-AAD4-48129767EC80}" type="presOf" srcId="{69FFF6AA-8487-41AC-A6C5-68CE514C3B10}" destId="{2DDE84AC-E5B0-432E-B2B6-E5A2E74CF08B}" srcOrd="0" destOrd="0" presId="urn:microsoft.com/office/officeart/2005/8/layout/hierarchy6"/>
-    <dgm:cxn modelId="{A20A5C60-09DC-4C77-AEE0-4D0B53075880}" type="presOf" srcId="{B5A76360-D9E9-416C-BCB7-28FC0C62A63C}" destId="{EBBD8613-7B96-48B1-A5C1-7790D65458BC}" srcOrd="0" destOrd="0" presId="urn:microsoft.com/office/officeart/2005/8/layout/hierarchy6"/>
-    <dgm:cxn modelId="{6FEEF645-F710-4F81-9CCC-430C415A072B}" srcId="{EAE38EFC-7A56-4E9A-A5BD-7278BE090C64}" destId="{A5EAAFE0-D4AD-4715-B05C-E9A9C26C498E}" srcOrd="0" destOrd="0" parTransId="{7F6A3BA8-689C-4688-B33D-2D491B91B659}" sibTransId="{674B067B-36EF-4FDB-8B86-B1FC40D931E5}"/>
+    <dgm:cxn modelId="{3A8A169F-2BF3-447A-9C89-729493A49589}" srcId="{66B0DA7E-9108-42BB-910B-8A2F3B3DB5E9}" destId="{EAE38EFC-7A56-4E9A-A5BD-7278BE090C64}" srcOrd="0" destOrd="0" parTransId="{FF70C216-5F28-47B0-A95C-716307A14287}" sibTransId="{C79CD6E5-70D8-4BBC-9789-5ED975634F33}"/>
     <dgm:cxn modelId="{6C19F523-07EE-4851-9E3A-EAD2735DA6AD}" srcId="{B996AD30-A37F-45E2-A56C-4A93578795D0}" destId="{637545FA-5D5C-415A-B251-957A0D292BBF}" srcOrd="0" destOrd="0" parTransId="{51C7E774-777F-4D57-A8F1-8245F2BBBFA4}" sibTransId="{0A1D07E3-1DF8-4CF6-84B4-2539B4BBE579}"/>
-    <dgm:cxn modelId="{6B618E46-CA12-4791-BCF5-302472046EA6}" srcId="{590F06B3-EE6B-4773-B2AD-F710558B8DFD}" destId="{D02A3EE1-5902-4696-9CBA-832686A13E80}" srcOrd="1" destOrd="0" parTransId="{5B1A1E9A-0FAA-44E2-83A8-0AA5AEA9101E}" sibTransId="{C95E60D5-E0B8-4108-BFCB-E78D91E64F44}"/>
-    <dgm:cxn modelId="{23B89685-193D-4793-9DFA-4846A3DC0F7C}" type="presOf" srcId="{72EEF37C-F0F4-458C-96B4-4D0F8A3644BC}" destId="{5602066F-D563-4B4F-B73E-56106BE90537}" srcOrd="0" destOrd="0" presId="urn:microsoft.com/office/officeart/2005/8/layout/hierarchy6"/>
+    <dgm:cxn modelId="{9D182BD4-0EE3-4C3A-888C-77B44F9577E3}" type="presOf" srcId="{6E922380-A5E0-443E-95A5-7D9591192682}" destId="{660A799D-DD5E-4FA9-BBEC-A00023EC1B48}" srcOrd="0" destOrd="0" presId="urn:microsoft.com/office/officeart/2005/8/layout/hierarchy6"/>
+    <dgm:cxn modelId="{79475D8F-D1C6-4F21-A92F-247BAB2CF892}" type="presOf" srcId="{EAE38EFC-7A56-4E9A-A5BD-7278BE090C64}" destId="{EAC43240-0F38-4DD1-AFB9-F2B0A5848F06}" srcOrd="0" destOrd="0" presId="urn:microsoft.com/office/officeart/2005/8/layout/hierarchy6"/>
+    <dgm:cxn modelId="{32DCC3DF-FC63-4AEB-908C-EEC1C82CB2A4}" type="presOf" srcId="{6A856E58-8A7B-4CFF-A4A9-CC026F702904}" destId="{98B1E3AD-C25A-4EAE-BF49-178D79AC331E}" srcOrd="0" destOrd="0" presId="urn:microsoft.com/office/officeart/2005/8/layout/hierarchy6"/>
+    <dgm:cxn modelId="{200A6097-A89C-406E-B43D-61ED5CE85726}" type="presOf" srcId="{84427637-584A-4C2E-BDC9-1F5FA7002E31}" destId="{5AF8B841-F609-49E6-8512-7EC9FFCD5C3E}" srcOrd="0" destOrd="0" presId="urn:microsoft.com/office/officeart/2005/8/layout/hierarchy6"/>
+    <dgm:cxn modelId="{90F953FB-B28D-410D-966A-059343592817}" srcId="{F854E760-87DF-4BCB-8A7D-5C4065CA229A}" destId="{84427637-584A-4C2E-BDC9-1F5FA7002E31}" srcOrd="1" destOrd="0" parTransId="{4DD1A02F-0211-45F4-A00D-D280BDDD6D77}" sibTransId="{F02B00B6-0E00-4F4F-B26A-BE29A4EFC926}"/>
+    <dgm:cxn modelId="{CB155C94-4454-49BD-9E71-D6B2D5433A88}" type="presOf" srcId="{F002F477-2516-43EE-A739-4A8F4235A39E}" destId="{105E5E4C-44A3-474C-88F0-939BC2D69E25}" srcOrd="0" destOrd="0" presId="urn:microsoft.com/office/officeart/2005/8/layout/hierarchy6"/>
+    <dgm:cxn modelId="{968044B2-63A1-40A5-8DED-ED2DE95919FD}" type="presOf" srcId="{F854E760-87DF-4BCB-8A7D-5C4065CA229A}" destId="{9C3FB224-150E-441B-BA49-F0514C204289}" srcOrd="0" destOrd="0" presId="urn:microsoft.com/office/officeart/2005/8/layout/hierarchy6"/>
+    <dgm:cxn modelId="{1EAA2AC8-8D90-46FF-BF55-B577E3ECCE4B}" type="presOf" srcId="{2E9B1675-2CEF-4967-BD5B-0FCE22ACE24B}" destId="{E379E181-1EB0-47C1-9F32-D17B4A2218A0}" srcOrd="0" destOrd="0" presId="urn:microsoft.com/office/officeart/2005/8/layout/hierarchy6"/>
     <dgm:cxn modelId="{A93CC7A6-7166-4A81-A73B-1BFD0F490BBA}" type="presOf" srcId="{4DD1A02F-0211-45F4-A00D-D280BDDD6D77}" destId="{02A75639-5D6E-4D68-BB54-840527442859}" srcOrd="0" destOrd="0" presId="urn:microsoft.com/office/officeart/2005/8/layout/hierarchy6"/>
-    <dgm:cxn modelId="{70DA8CC6-7B09-4822-B1B0-06F86ADD166B}" type="presOf" srcId="{67DE24C3-4B48-4ACA-BA45-525AA611D0B0}" destId="{13C9503E-66B9-4D3D-88AE-A910F68FF2FE}" srcOrd="0" destOrd="0" presId="urn:microsoft.com/office/officeart/2005/8/layout/hierarchy6"/>
-    <dgm:cxn modelId="{FAF976C3-57F0-44BF-88F7-843B5597EB93}" type="presOf" srcId="{8FC150EE-DC8A-4789-B1EE-2A78A7955DA2}" destId="{19667AD1-3915-4E35-A4F9-8FEFC2441CF3}" srcOrd="0" destOrd="0" presId="urn:microsoft.com/office/officeart/2005/8/layout/hierarchy6"/>
-    <dgm:cxn modelId="{2C9B0D0B-D012-4AE2-A3C5-612C27CCDA1D}" srcId="{DCA55099-AECC-4473-A8C3-60369B7BD6BE}" destId="{B5A76360-D9E9-416C-BCB7-28FC0C62A63C}" srcOrd="1" destOrd="0" parTransId="{72EEF37C-F0F4-458C-96B4-4D0F8A3644BC}" sibTransId="{D8186131-02C9-4BEF-991B-C7A4E41285BB}"/>
-    <dgm:cxn modelId="{0A3515AF-07A3-4A40-82AD-7AB605394C12}" srcId="{F854E760-87DF-4BCB-8A7D-5C4065CA229A}" destId="{590F06B3-EE6B-4773-B2AD-F710558B8DFD}" srcOrd="0" destOrd="0" parTransId="{2E9B1675-2CEF-4967-BD5B-0FCE22ACE24B}" sibTransId="{5A614B03-8A9A-4850-80F4-18CD0F0C3FFD}"/>
+    <dgm:cxn modelId="{F8E768F2-7A49-41D8-BDFC-B31A0109E120}" type="presOf" srcId="{28162221-1AC9-43EA-B72D-20C5F9B121CB}" destId="{0D78A0FF-4056-4907-91DD-6A3892C8B291}" srcOrd="0" destOrd="0" presId="urn:microsoft.com/office/officeart/2005/8/layout/hierarchy6"/>
+    <dgm:cxn modelId="{E6A99C2F-5991-41AD-8436-FB95B89E72C9}" type="presOf" srcId="{D4A35DF8-6439-4142-932A-D8F181A49255}" destId="{50D52696-CA9D-46F5-8C97-92022C09A772}" srcOrd="0" destOrd="0" presId="urn:microsoft.com/office/officeart/2005/8/layout/hierarchy6"/>
+    <dgm:cxn modelId="{269BEAAA-4E0D-4244-A827-E2D7B64897A3}" type="presOf" srcId="{66B0DA7E-9108-42BB-910B-8A2F3B3DB5E9}" destId="{CFA57E76-4BB1-47B0-8881-276E9B171745}" srcOrd="0" destOrd="0" presId="urn:microsoft.com/office/officeart/2005/8/layout/hierarchy6"/>
+    <dgm:cxn modelId="{26F54EE0-8C60-4C83-A737-916A159BB9F5}" srcId="{69FFF6AA-8487-41AC-A6C5-68CE514C3B10}" destId="{F854E760-87DF-4BCB-8A7D-5C4065CA229A}" srcOrd="0" destOrd="0" parTransId="{61DB815F-A4B7-4933-B9CF-358A6CFA88B4}" sibTransId="{B3C7AD49-C188-4964-B3ED-CDACE0F6B6B4}"/>
     <dgm:cxn modelId="{E225CD04-C2C5-475D-AA4E-BA390F8CD13B}" type="presOf" srcId="{51C7E774-777F-4D57-A8F1-8245F2BBBFA4}" destId="{E70EC387-CFDC-4A90-BBA6-007D1E6D336B}" srcOrd="0" destOrd="0" presId="urn:microsoft.com/office/officeart/2005/8/layout/hierarchy6"/>
-    <dgm:cxn modelId="{200A6097-A89C-406E-B43D-61ED5CE85726}" type="presOf" srcId="{84427637-584A-4C2E-BDC9-1F5FA7002E31}" destId="{5AF8B841-F609-49E6-8512-7EC9FFCD5C3E}" srcOrd="0" destOrd="0" presId="urn:microsoft.com/office/officeart/2005/8/layout/hierarchy6"/>
-    <dgm:cxn modelId="{C4709C80-DEFC-4522-8272-E16A86E95756}" srcId="{84427637-584A-4C2E-BDC9-1F5FA7002E31}" destId="{66B0DA7E-9108-42BB-910B-8A2F3B3DB5E9}" srcOrd="0" destOrd="0" parTransId="{6E922380-A5E0-443E-95A5-7D9591192682}" sibTransId="{E192D33D-C72D-4727-8310-57AC1387E757}"/>
-    <dgm:cxn modelId="{B47813C5-8180-4281-89E8-A70276E79439}" type="presOf" srcId="{FF70C216-5F28-47B0-A95C-716307A14287}" destId="{96868860-C719-47BD-8D0E-ACF04911686E}" srcOrd="0" destOrd="0" presId="urn:microsoft.com/office/officeart/2005/8/layout/hierarchy6"/>
-    <dgm:cxn modelId="{1EAA2AC8-8D90-46FF-BF55-B577E3ECCE4B}" type="presOf" srcId="{2E9B1675-2CEF-4967-BD5B-0FCE22ACE24B}" destId="{E379E181-1EB0-47C1-9F32-D17B4A2218A0}" srcOrd="0" destOrd="0" presId="urn:microsoft.com/office/officeart/2005/8/layout/hierarchy6"/>
-    <dgm:cxn modelId="{7D57F18D-7A20-403E-AE07-0162767B447E}" type="presOf" srcId="{D02A3EE1-5902-4696-9CBA-832686A13E80}" destId="{23B28D20-D850-4DA5-80B5-1D50A5B62742}" srcOrd="0" destOrd="0" presId="urn:microsoft.com/office/officeart/2005/8/layout/hierarchy6"/>
-    <dgm:cxn modelId="{32DCC3DF-FC63-4AEB-908C-EEC1C82CB2A4}" type="presOf" srcId="{6A856E58-8A7B-4CFF-A4A9-CC026F702904}" destId="{98B1E3AD-C25A-4EAE-BF49-178D79AC331E}" srcOrd="0" destOrd="0" presId="urn:microsoft.com/office/officeart/2005/8/layout/hierarchy6"/>
-    <dgm:cxn modelId="{16346B7E-03D5-4271-9B26-DC7845491F0F}" srcId="{A5EAAFE0-D4AD-4715-B05C-E9A9C26C498E}" destId="{7373BDCA-4231-4421-824B-7999CE63513D}" srcOrd="0" destOrd="0" parTransId="{F002F477-2516-43EE-A739-4A8F4235A39E}" sibTransId="{2E0377A5-FAAE-4100-AD87-789174ABAA38}"/>
-    <dgm:cxn modelId="{CB155C94-4454-49BD-9E71-D6B2D5433A88}" type="presOf" srcId="{F002F477-2516-43EE-A739-4A8F4235A39E}" destId="{105E5E4C-44A3-474C-88F0-939BC2D69E25}" srcOrd="0" destOrd="0" presId="urn:microsoft.com/office/officeart/2005/8/layout/hierarchy6"/>
-    <dgm:cxn modelId="{DAE90C8F-94CA-4226-9039-B56BBA6EF563}" srcId="{637545FA-5D5C-415A-B251-957A0D292BBF}" destId="{8FC150EE-DC8A-4789-B1EE-2A78A7955DA2}" srcOrd="1" destOrd="0" parTransId="{F6074BC8-D96C-4207-B035-0E368DB19393}" sibTransId="{7A3FD2C2-D881-4DD4-9439-4FA67EF85846}"/>
-    <dgm:cxn modelId="{DFDE412C-0671-4262-BF46-BD3A77B67986}" type="presOf" srcId="{B996AD30-A37F-45E2-A56C-4A93578795D0}" destId="{5218A8C5-B966-4469-8CA6-51A52C8697E1}" srcOrd="0" destOrd="0" presId="urn:microsoft.com/office/officeart/2005/8/layout/hierarchy6"/>
-    <dgm:cxn modelId="{F2192461-9405-44E3-8961-C3899693C286}" type="presOf" srcId="{637545FA-5D5C-415A-B251-957A0D292BBF}" destId="{C2E54644-67E0-44CE-BDC3-6A9624F62B71}" srcOrd="0" destOrd="0" presId="urn:microsoft.com/office/officeart/2005/8/layout/hierarchy6"/>
-    <dgm:cxn modelId="{6C08225F-E32A-423B-996A-8C615FFE1DDF}" type="presOf" srcId="{CC6DA225-0CA4-4B73-8439-82CF37C05055}" destId="{356EE76E-92D0-412C-883B-47D349FC289F}" srcOrd="0" destOrd="0" presId="urn:microsoft.com/office/officeart/2005/8/layout/hierarchy6"/>
-    <dgm:cxn modelId="{239CD862-2957-471D-9CE6-7BEF29003A25}" srcId="{DCA55099-AECC-4473-A8C3-60369B7BD6BE}" destId="{67DE24C3-4B48-4ACA-BA45-525AA611D0B0}" srcOrd="0" destOrd="0" parTransId="{28162221-1AC9-43EA-B72D-20C5F9B121CB}" sibTransId="{B71F3325-BD91-4807-85FE-DC2B17242498}"/>
     <dgm:cxn modelId="{04660F25-BDFC-438E-A347-C86BEFC27DA4}" type="presOf" srcId="{A5EAAFE0-D4AD-4715-B05C-E9A9C26C498E}" destId="{F01CEA6A-11C1-4306-BEAA-9149D39C79D0}" srcOrd="0" destOrd="0" presId="urn:microsoft.com/office/officeart/2005/8/layout/hierarchy6"/>
-    <dgm:cxn modelId="{ED72C7A7-29DF-47A1-9D71-910185DBD086}" type="presOf" srcId="{7373BDCA-4231-4421-824B-7999CE63513D}" destId="{15F254DA-B05F-4433-9C94-5D59E01BCEC5}" srcOrd="0" destOrd="0" presId="urn:microsoft.com/office/officeart/2005/8/layout/hierarchy6"/>
-    <dgm:cxn modelId="{F16E85E9-807C-4E02-B8A1-8CB50E178E64}" type="presOf" srcId="{590F06B3-EE6B-4773-B2AD-F710558B8DFD}" destId="{3B63FE4B-5B11-4C64-82E1-C9DE1AB2E962}" srcOrd="0" destOrd="0" presId="urn:microsoft.com/office/officeart/2005/8/layout/hierarchy6"/>
-    <dgm:cxn modelId="{269BEAAA-4E0D-4244-A827-E2D7B64897A3}" type="presOf" srcId="{66B0DA7E-9108-42BB-910B-8A2F3B3DB5E9}" destId="{CFA57E76-4BB1-47B0-8881-276E9B171745}" srcOrd="0" destOrd="0" presId="urn:microsoft.com/office/officeart/2005/8/layout/hierarchy6"/>
     <dgm:cxn modelId="{101B9BCC-E65D-4C60-9CB1-E232B721E72D}" type="presOf" srcId="{F6074BC8-D96C-4207-B035-0E368DB19393}" destId="{162A5089-60B3-49C0-BFEA-C3E261124AAC}" srcOrd="0" destOrd="0" presId="urn:microsoft.com/office/officeart/2005/8/layout/hierarchy6"/>
     <dgm:cxn modelId="{6898A1AD-815A-48D7-A49A-7DB18A09787E}" srcId="{B996AD30-A37F-45E2-A56C-4A93578795D0}" destId="{D4A35DF8-6439-4142-932A-D8F181A49255}" srcOrd="1" destOrd="0" parTransId="{CC6DA225-0CA4-4B73-8439-82CF37C05055}" sibTransId="{901BB144-6DE9-49D7-BD79-46AA7C9F2AEB}"/>
+    <dgm:cxn modelId="{C4709C80-DEFC-4522-8272-E16A86E95756}" srcId="{84427637-584A-4C2E-BDC9-1F5FA7002E31}" destId="{66B0DA7E-9108-42BB-910B-8A2F3B3DB5E9}" srcOrd="0" destOrd="0" parTransId="{6E922380-A5E0-443E-95A5-7D9591192682}" sibTransId="{E192D33D-C72D-4727-8310-57AC1387E757}"/>
+    <dgm:cxn modelId="{B4755B5E-7C3D-41AA-A8EA-43107D6C77D6}" srcId="{590F06B3-EE6B-4773-B2AD-F710558B8DFD}" destId="{B996AD30-A37F-45E2-A56C-4A93578795D0}" srcOrd="0" destOrd="0" parTransId="{2834861F-4B64-4177-8CE7-0216F54EF80A}" sibTransId="{DE82F034-78C4-48B3-9BB2-76D27ADE0A36}"/>
+    <dgm:cxn modelId="{A20A5C60-09DC-4C77-AEE0-4D0B53075880}" type="presOf" srcId="{B5A76360-D9E9-416C-BCB7-28FC0C62A63C}" destId="{EBBD8613-7B96-48B1-A5C1-7790D65458BC}" srcOrd="0" destOrd="0" presId="urn:microsoft.com/office/officeart/2005/8/layout/hierarchy6"/>
+    <dgm:cxn modelId="{16346B7E-03D5-4271-9B26-DC7845491F0F}" srcId="{A5EAAFE0-D4AD-4715-B05C-E9A9C26C498E}" destId="{7373BDCA-4231-4421-824B-7999CE63513D}" srcOrd="0" destOrd="0" parTransId="{F002F477-2516-43EE-A739-4A8F4235A39E}" sibTransId="{2E0377A5-FAAE-4100-AD87-789174ABAA38}"/>
+    <dgm:cxn modelId="{DFDE412C-0671-4262-BF46-BD3A77B67986}" type="presOf" srcId="{B996AD30-A37F-45E2-A56C-4A93578795D0}" destId="{5218A8C5-B966-4469-8CA6-51A52C8697E1}" srcOrd="0" destOrd="0" presId="urn:microsoft.com/office/officeart/2005/8/layout/hierarchy6"/>
+    <dgm:cxn modelId="{6FEEF645-F710-4F81-9CCC-430C415A072B}" srcId="{EAE38EFC-7A56-4E9A-A5BD-7278BE090C64}" destId="{A5EAAFE0-D4AD-4715-B05C-E9A9C26C498E}" srcOrd="0" destOrd="0" parTransId="{7F6A3BA8-689C-4688-B33D-2D491B91B659}" sibTransId="{674B067B-36EF-4FDB-8B86-B1FC40D931E5}"/>
+    <dgm:cxn modelId="{ED72C7A7-29DF-47A1-9D71-910185DBD086}" type="presOf" srcId="{7373BDCA-4231-4421-824B-7999CE63513D}" destId="{15F254DA-B05F-4433-9C94-5D59E01BCEC5}" srcOrd="0" destOrd="0" presId="urn:microsoft.com/office/officeart/2005/8/layout/hierarchy6"/>
     <dgm:cxn modelId="{79AD6AE0-5742-4B47-A327-99D5252AB424}" type="presOf" srcId="{5B1A1E9A-0FAA-44E2-83A8-0AA5AEA9101E}" destId="{6EF7C97C-A9D3-45D4-B610-5AA6AC4F7606}" srcOrd="0" destOrd="0" presId="urn:microsoft.com/office/officeart/2005/8/layout/hierarchy6"/>
-    <dgm:cxn modelId="{968044B2-63A1-40A5-8DED-ED2DE95919FD}" type="presOf" srcId="{F854E760-87DF-4BCB-8A7D-5C4065CA229A}" destId="{9C3FB224-150E-441B-BA49-F0514C204289}" srcOrd="0" destOrd="0" presId="urn:microsoft.com/office/officeart/2005/8/layout/hierarchy6"/>
-    <dgm:cxn modelId="{B4755B5E-7C3D-41AA-A8EA-43107D6C77D6}" srcId="{590F06B3-EE6B-4773-B2AD-F710558B8DFD}" destId="{B996AD30-A37F-45E2-A56C-4A93578795D0}" srcOrd="0" destOrd="0" parTransId="{2834861F-4B64-4177-8CE7-0216F54EF80A}" sibTransId="{DE82F034-78C4-48B3-9BB2-76D27ADE0A36}"/>
-    <dgm:cxn modelId="{26F54EE0-8C60-4C83-A737-916A159BB9F5}" srcId="{69FFF6AA-8487-41AC-A6C5-68CE514C3B10}" destId="{F854E760-87DF-4BCB-8A7D-5C4065CA229A}" srcOrd="0" destOrd="0" parTransId="{61DB815F-A4B7-4933-B9CF-358A6CFA88B4}" sibTransId="{B3C7AD49-C188-4964-B3ED-CDACE0F6B6B4}"/>
+    <dgm:cxn modelId="{6C08225F-E32A-423B-996A-8C615FFE1DDF}" type="presOf" srcId="{CC6DA225-0CA4-4B73-8439-82CF37C05055}" destId="{356EE76E-92D0-412C-883B-47D349FC289F}" srcOrd="0" destOrd="0" presId="urn:microsoft.com/office/officeart/2005/8/layout/hierarchy6"/>
+    <dgm:cxn modelId="{6B618E46-CA12-4791-BCF5-302472046EA6}" srcId="{590F06B3-EE6B-4773-B2AD-F710558B8DFD}" destId="{D02A3EE1-5902-4696-9CBA-832686A13E80}" srcOrd="1" destOrd="0" parTransId="{5B1A1E9A-0FAA-44E2-83A8-0AA5AEA9101E}" sibTransId="{C95E60D5-E0B8-4108-BFCB-E78D91E64F44}"/>
+    <dgm:cxn modelId="{2E2DC95F-EEF6-4BC3-9799-B1F92EF11751}" srcId="{637545FA-5D5C-415A-B251-957A0D292BBF}" destId="{DCA55099-AECC-4473-A8C3-60369B7BD6BE}" srcOrd="0" destOrd="0" parTransId="{6A856E58-8A7B-4CFF-A4A9-CC026F702904}" sibTransId="{B949ABDD-E5F9-499A-ACE5-5853640DCB31}"/>
+    <dgm:cxn modelId="{D3AF49E3-7F95-4F10-B158-9DA22D2C0187}" type="presOf" srcId="{2834861F-4B64-4177-8CE7-0216F54EF80A}" destId="{E08F1783-0B60-4CB2-93BD-BA3AF0DE7755}" srcOrd="0" destOrd="0" presId="urn:microsoft.com/office/officeart/2005/8/layout/hierarchy6"/>
+    <dgm:cxn modelId="{7D57F18D-7A20-403E-AE07-0162767B447E}" type="presOf" srcId="{D02A3EE1-5902-4696-9CBA-832686A13E80}" destId="{23B28D20-D850-4DA5-80B5-1D50A5B62742}" srcOrd="0" destOrd="0" presId="urn:microsoft.com/office/officeart/2005/8/layout/hierarchy6"/>
+    <dgm:cxn modelId="{2C9B0D0B-D012-4AE2-A3C5-612C27CCDA1D}" srcId="{DCA55099-AECC-4473-A8C3-60369B7BD6BE}" destId="{B5A76360-D9E9-416C-BCB7-28FC0C62A63C}" srcOrd="1" destOrd="0" parTransId="{72EEF37C-F0F4-458C-96B4-4D0F8A3644BC}" sibTransId="{D8186131-02C9-4BEF-991B-C7A4E41285BB}"/>
+    <dgm:cxn modelId="{B47813C5-8180-4281-89E8-A70276E79439}" type="presOf" srcId="{FF70C216-5F28-47B0-A95C-716307A14287}" destId="{96868860-C719-47BD-8D0E-ACF04911686E}" srcOrd="0" destOrd="0" presId="urn:microsoft.com/office/officeart/2005/8/layout/hierarchy6"/>
+    <dgm:cxn modelId="{FAF92952-DBD8-4455-AAD4-48129767EC80}" type="presOf" srcId="{69FFF6AA-8487-41AC-A6C5-68CE514C3B10}" destId="{2DDE84AC-E5B0-432E-B2B6-E5A2E74CF08B}" srcOrd="0" destOrd="0" presId="urn:microsoft.com/office/officeart/2005/8/layout/hierarchy6"/>
+    <dgm:cxn modelId="{F2192461-9405-44E3-8961-C3899693C286}" type="presOf" srcId="{637545FA-5D5C-415A-B251-957A0D292BBF}" destId="{C2E54644-67E0-44CE-BDC3-6A9624F62B71}" srcOrd="0" destOrd="0" presId="urn:microsoft.com/office/officeart/2005/8/layout/hierarchy6"/>
+    <dgm:cxn modelId="{0A3515AF-07A3-4A40-82AD-7AB605394C12}" srcId="{F854E760-87DF-4BCB-8A7D-5C4065CA229A}" destId="{590F06B3-EE6B-4773-B2AD-F710558B8DFD}" srcOrd="0" destOrd="0" parTransId="{2E9B1675-2CEF-4967-BD5B-0FCE22ACE24B}" sibTransId="{5A614B03-8A9A-4850-80F4-18CD0F0C3FFD}"/>
     <dgm:cxn modelId="{C805413F-2916-484E-B054-BD2CEAD8CC45}" type="presOf" srcId="{DCA55099-AECC-4473-A8C3-60369B7BD6BE}" destId="{03960A92-9968-4E25-B9B6-DB8F8695351D}" srcOrd="0" destOrd="0" presId="urn:microsoft.com/office/officeart/2005/8/layout/hierarchy6"/>
-    <dgm:cxn modelId="{79475D8F-D1C6-4F21-A92F-247BAB2CF892}" type="presOf" srcId="{EAE38EFC-7A56-4E9A-A5BD-7278BE090C64}" destId="{EAC43240-0F38-4DD1-AFB9-F2B0A5848F06}" srcOrd="0" destOrd="0" presId="urn:microsoft.com/office/officeart/2005/8/layout/hierarchy6"/>
+    <dgm:cxn modelId="{70DA8CC6-7B09-4822-B1B0-06F86ADD166B}" type="presOf" srcId="{67DE24C3-4B48-4ACA-BA45-525AA611D0B0}" destId="{13C9503E-66B9-4D3D-88AE-A910F68FF2FE}" srcOrd="0" destOrd="0" presId="urn:microsoft.com/office/officeart/2005/8/layout/hierarchy6"/>
+    <dgm:cxn modelId="{239CD862-2957-471D-9CE6-7BEF29003A25}" srcId="{DCA55099-AECC-4473-A8C3-60369B7BD6BE}" destId="{67DE24C3-4B48-4ACA-BA45-525AA611D0B0}" srcOrd="0" destOrd="0" parTransId="{28162221-1AC9-43EA-B72D-20C5F9B121CB}" sibTransId="{B71F3325-BD91-4807-85FE-DC2B17242498}"/>
+    <dgm:cxn modelId="{DAE90C8F-94CA-4226-9039-B56BBA6EF563}" srcId="{637545FA-5D5C-415A-B251-957A0D292BBF}" destId="{8FC150EE-DC8A-4789-B1EE-2A78A7955DA2}" srcOrd="1" destOrd="0" parTransId="{F6074BC8-D96C-4207-B035-0E368DB19393}" sibTransId="{7A3FD2C2-D881-4DD4-9439-4FA67EF85846}"/>
+    <dgm:cxn modelId="{23B89685-193D-4793-9DFA-4846A3DC0F7C}" type="presOf" srcId="{72EEF37C-F0F4-458C-96B4-4D0F8A3644BC}" destId="{5602066F-D563-4B4F-B73E-56106BE90537}" srcOrd="0" destOrd="0" presId="urn:microsoft.com/office/officeart/2005/8/layout/hierarchy6"/>
+    <dgm:cxn modelId="{F16E85E9-807C-4E02-B8A1-8CB50E178E64}" type="presOf" srcId="{590F06B3-EE6B-4773-B2AD-F710558B8DFD}" destId="{3B63FE4B-5B11-4C64-82E1-C9DE1AB2E962}" srcOrd="0" destOrd="0" presId="urn:microsoft.com/office/officeart/2005/8/layout/hierarchy6"/>
+    <dgm:cxn modelId="{FAF976C3-57F0-44BF-88F7-843B5597EB93}" type="presOf" srcId="{8FC150EE-DC8A-4789-B1EE-2A78A7955DA2}" destId="{19667AD1-3915-4E35-A4F9-8FEFC2441CF3}" srcOrd="0" destOrd="0" presId="urn:microsoft.com/office/officeart/2005/8/layout/hierarchy6"/>
     <dgm:cxn modelId="{577EE3C8-9EF9-4BB9-9813-448CB00149A8}" type="presOf" srcId="{7F6A3BA8-689C-4688-B33D-2D491B91B659}" destId="{18D87BC3-B8C4-46B7-81FF-DB3BDC702085}" srcOrd="0" destOrd="0" presId="urn:microsoft.com/office/officeart/2005/8/layout/hierarchy6"/>
-    <dgm:cxn modelId="{3A8A169F-2BF3-447A-9C89-729493A49589}" srcId="{66B0DA7E-9108-42BB-910B-8A2F3B3DB5E9}" destId="{EAE38EFC-7A56-4E9A-A5BD-7278BE090C64}" srcOrd="0" destOrd="0" parTransId="{FF70C216-5F28-47B0-A95C-716307A14287}" sibTransId="{C79CD6E5-70D8-4BBC-9789-5ED975634F33}"/>
-    <dgm:cxn modelId="{F8E768F2-7A49-41D8-BDFC-B31A0109E120}" type="presOf" srcId="{28162221-1AC9-43EA-B72D-20C5F9B121CB}" destId="{0D78A0FF-4056-4907-91DD-6A3892C8B291}" srcOrd="0" destOrd="0" presId="urn:microsoft.com/office/officeart/2005/8/layout/hierarchy6"/>
-    <dgm:cxn modelId="{E6A99C2F-5991-41AD-8436-FB95B89E72C9}" type="presOf" srcId="{D4A35DF8-6439-4142-932A-D8F181A49255}" destId="{50D52696-CA9D-46F5-8C97-92022C09A772}" srcOrd="0" destOrd="0" presId="urn:microsoft.com/office/officeart/2005/8/layout/hierarchy6"/>
-    <dgm:cxn modelId="{90F953FB-B28D-410D-966A-059343592817}" srcId="{F854E760-87DF-4BCB-8A7D-5C4065CA229A}" destId="{84427637-584A-4C2E-BDC9-1F5FA7002E31}" srcOrd="1" destOrd="0" parTransId="{4DD1A02F-0211-45F4-A00D-D280BDDD6D77}" sibTransId="{F02B00B6-0E00-4F4F-B26A-BE29A4EFC926}"/>
-    <dgm:cxn modelId="{9D182BD4-0EE3-4C3A-888C-77B44F9577E3}" type="presOf" srcId="{6E922380-A5E0-443E-95A5-7D9591192682}" destId="{660A799D-DD5E-4FA9-BBEC-A00023EC1B48}" srcOrd="0" destOrd="0" presId="urn:microsoft.com/office/officeart/2005/8/layout/hierarchy6"/>
-    <dgm:cxn modelId="{2E2DC95F-EEF6-4BC3-9799-B1F92EF11751}" srcId="{637545FA-5D5C-415A-B251-957A0D292BBF}" destId="{DCA55099-AECC-4473-A8C3-60369B7BD6BE}" srcOrd="0" destOrd="0" parTransId="{6A856E58-8A7B-4CFF-A4A9-CC026F702904}" sibTransId="{B949ABDD-E5F9-499A-ACE5-5853640DCB31}"/>
     <dgm:cxn modelId="{1DF70698-8AAA-4BE4-BF68-8CD76533D47D}" type="presParOf" srcId="{2DDE84AC-E5B0-432E-B2B6-E5A2E74CF08B}" destId="{77C1C8C4-A015-4DCC-9116-39858D6D01EE}" srcOrd="0" destOrd="0" presId="urn:microsoft.com/office/officeart/2005/8/layout/hierarchy6"/>
     <dgm:cxn modelId="{E621C820-D1E5-4C24-BCA4-1F9FCD96CF85}" type="presParOf" srcId="{77C1C8C4-A015-4DCC-9116-39858D6D01EE}" destId="{945ED93E-ED63-4957-AFE2-B7C35A1A6CF6}" srcOrd="0" destOrd="0" presId="urn:microsoft.com/office/officeart/2005/8/layout/hierarchy6"/>
     <dgm:cxn modelId="{7030DC6D-F0D2-46EC-9A6D-EA71674882B3}" type="presParOf" srcId="{945ED93E-ED63-4957-AFE2-B7C35A1A6CF6}" destId="{07813DAF-08C7-407D-9B98-6F199645FC94}" srcOrd="0" destOrd="0" presId="urn:microsoft.com/office/officeart/2005/8/layout/hierarchy6"/>
@@ -6814,11 +6810,7 @@
         <a:p>
           <a:r>
             <a:rPr lang="en-US" smtClean="0"/>
-            <a:t> </a:t>
-          </a:r>
-          <a:r>
-            <a:rPr lang="en-US" smtClean="0"/>
-            <a:t>Purchasing Organization</a:t>
+            <a:t> Purchasing Organization</a:t>
           </a:r>
           <a:endParaRPr lang="en-US"/>
         </a:p>
@@ -7115,7 +7107,7 @@
       <dgm:spPr/>
     </dgm:pt>
     <dgm:pt modelId="{C2E54644-67E0-44CE-BDC3-6A9624F62B71}" type="pres">
-      <dgm:prSet presAssocID="{637545FA-5D5C-415A-B251-957A0D292BBF}" presName="level2Shape" presStyleLbl="node4" presStyleIdx="0" presStyleCnt="6" custScaleX="425643" custScaleY="161608" custLinFactY="100000" custLinFactNeighborY="162105"/>
+      <dgm:prSet presAssocID="{637545FA-5D5C-415A-B251-957A0D292BBF}" presName="level2Shape" presStyleLbl="node4" presStyleIdx="0" presStyleCnt="6" custScaleX="425643" custScaleY="161608" custLinFactY="100000" custLinFactNeighborY="140730"/>
       <dgm:spPr/>
       <dgm:t>
         <a:bodyPr/>
@@ -7145,7 +7137,7 @@
       <dgm:spPr/>
     </dgm:pt>
     <dgm:pt modelId="{03960A92-9968-4E25-B9B6-DB8F8695351D}" type="pres">
-      <dgm:prSet presAssocID="{DCA55099-AECC-4473-A8C3-60369B7BD6BE}" presName="level2Shape" presStyleLbl="node4" presStyleIdx="1" presStyleCnt="6" custScaleX="252466" custScaleY="161608" custLinFactY="146748" custLinFactNeighborY="200000"/>
+      <dgm:prSet presAssocID="{DCA55099-AECC-4473-A8C3-60369B7BD6BE}" presName="level2Shape" presStyleLbl="node4" presStyleIdx="1" presStyleCnt="6" custScaleX="252466" custScaleY="161608" custLinFactY="100000" custLinFactNeighborY="195760"/>
       <dgm:spPr/>
       <dgm:t>
         <a:bodyPr/>
@@ -7175,7 +7167,7 @@
       <dgm:spPr/>
     </dgm:pt>
     <dgm:pt modelId="{50D52696-CA9D-46F5-8C97-92022C09A772}" type="pres">
-      <dgm:prSet presAssocID="{D4A35DF8-6439-4142-932A-D8F181A49255}" presName="level2Shape" presStyleLbl="node4" presStyleIdx="2" presStyleCnt="6" custScaleX="440794" custScaleY="161608" custLinFactY="100000" custLinFactNeighborY="162105"/>
+      <dgm:prSet presAssocID="{D4A35DF8-6439-4142-932A-D8F181A49255}" presName="level2Shape" presStyleLbl="node4" presStyleIdx="2" presStyleCnt="6" custScaleX="440794" custScaleY="161608" custLinFactY="100000" custLinFactNeighborY="140730"/>
       <dgm:spPr/>
       <dgm:t>
         <a:bodyPr/>
@@ -7192,14 +7184,28 @@
     <dgm:pt modelId="{0545D670-A1E2-4089-A27F-89F669923129}" type="pres">
       <dgm:prSet presAssocID="{0D6B85DA-7B12-4E0E-8A5C-3BF3C07F6D83}" presName="Name19" presStyleLbl="parChTrans1D4" presStyleIdx="3" presStyleCnt="6"/>
       <dgm:spPr/>
+      <dgm:t>
+        <a:bodyPr/>
+        <a:lstStyle/>
+        <a:p>
+          <a:endParaRPr lang="en-US"/>
+        </a:p>
+      </dgm:t>
     </dgm:pt>
     <dgm:pt modelId="{0BACA1C5-91D8-4703-ACAC-100922D0A349}" type="pres">
       <dgm:prSet presAssocID="{5D964CC0-AC30-4033-B224-559C8D62B272}" presName="Name21" presStyleCnt="0"/>
       <dgm:spPr/>
     </dgm:pt>
     <dgm:pt modelId="{E6FE98C9-4564-4A1B-95FA-DE388EC7CBCA}" type="pres">
-      <dgm:prSet presAssocID="{5D964CC0-AC30-4033-B224-559C8D62B272}" presName="level2Shape" presStyleLbl="node4" presStyleIdx="3" presStyleCnt="6" custLinFactY="146748" custLinFactNeighborY="200000"/>
+      <dgm:prSet presAssocID="{5D964CC0-AC30-4033-B224-559C8D62B272}" presName="level2Shape" presStyleLbl="node4" presStyleIdx="3" presStyleCnt="6" custLinFactY="157368" custLinFactNeighborY="200000"/>
       <dgm:spPr/>
+      <dgm:t>
+        <a:bodyPr/>
+        <a:lstStyle/>
+        <a:p>
+          <a:endParaRPr lang="en-US"/>
+        </a:p>
+      </dgm:t>
     </dgm:pt>
     <dgm:pt modelId="{6EDDE820-759F-4334-BAF0-AEF0B9A6A603}" type="pres">
       <dgm:prSet presAssocID="{5D964CC0-AC30-4033-B224-559C8D62B272}" presName="hierChild3" presStyleCnt="0"/>
@@ -7311,7 +7317,7 @@
       <dgm:spPr/>
     </dgm:pt>
     <dgm:pt modelId="{EAC43240-0F38-4DD1-AFB9-F2B0A5848F06}" type="pres">
-      <dgm:prSet presAssocID="{EAE38EFC-7A56-4E9A-A5BD-7278BE090C64}" presName="level2Shape" presStyleLbl="node4" presStyleIdx="4" presStyleCnt="6" custScaleX="392402" custScaleY="161608" custLinFactY="100000" custLinFactNeighborY="162105"/>
+      <dgm:prSet presAssocID="{EAE38EFC-7A56-4E9A-A5BD-7278BE090C64}" presName="level2Shape" presStyleLbl="node4" presStyleIdx="4" presStyleCnt="6" custScaleX="392402" custScaleY="161608" custLinFactY="100000" custLinFactNeighborY="140730"/>
       <dgm:spPr/>
       <dgm:t>
         <a:bodyPr/>
@@ -7341,7 +7347,7 @@
       <dgm:spPr/>
     </dgm:pt>
     <dgm:pt modelId="{F01CEA6A-11C1-4306-BEAA-9149D39C79D0}" type="pres">
-      <dgm:prSet presAssocID="{A5EAAFE0-D4AD-4715-B05C-E9A9C26C498E}" presName="level2Shape" presStyleLbl="node4" presStyleIdx="5" presStyleCnt="6" custScaleX="495357" custScaleY="161608" custLinFactY="146748" custLinFactNeighborY="200000"/>
+      <dgm:prSet presAssocID="{A5EAAFE0-D4AD-4715-B05C-E9A9C26C498E}" presName="level2Shape" presStyleLbl="node4" presStyleIdx="5" presStyleCnt="6" custScaleX="495357" custScaleY="161608" custLinFactY="100000" custLinFactNeighborY="195760"/>
       <dgm:spPr/>
       <dgm:t>
         <a:bodyPr/>
@@ -7361,42 +7367,42 @@
     </dgm:pt>
   </dgm:ptLst>
   <dgm:cxnLst>
-    <dgm:cxn modelId="{52AA9C25-FCA2-4668-BC3C-EDB2C363FF10}" srcId="{D4A35DF8-6439-4142-932A-D8F181A49255}" destId="{5D964CC0-AC30-4033-B224-559C8D62B272}" srcOrd="0" destOrd="0" parTransId="{0D6B85DA-7B12-4E0E-8A5C-3BF3C07F6D83}" sibTransId="{5DC7DDFB-7AAE-45D2-8E7C-C4EDD29B0AC1}"/>
-    <dgm:cxn modelId="{6FEEF645-F710-4F81-9CCC-430C415A072B}" srcId="{EAE38EFC-7A56-4E9A-A5BD-7278BE090C64}" destId="{A5EAAFE0-D4AD-4715-B05C-E9A9C26C498E}" srcOrd="0" destOrd="0" parTransId="{7F6A3BA8-689C-4688-B33D-2D491B91B659}" sibTransId="{674B067B-36EF-4FDB-8B86-B1FC40D931E5}"/>
-    <dgm:cxn modelId="{9DAA8E6E-D1C6-49D3-A57D-6BDB90B3AFB5}" type="presOf" srcId="{5D964CC0-AC30-4033-B224-559C8D62B272}" destId="{E6FE98C9-4564-4A1B-95FA-DE388EC7CBCA}" srcOrd="0" destOrd="0" presId="urn:microsoft.com/office/officeart/2005/8/layout/hierarchy6"/>
+    <dgm:cxn modelId="{3B14EC95-34F4-48F3-A67B-B8D37A7A9180}" type="presOf" srcId="{69FFF6AA-8487-41AC-A6C5-68CE514C3B10}" destId="{2DDE84AC-E5B0-432E-B2B6-E5A2E74CF08B}" srcOrd="0" destOrd="0" presId="urn:microsoft.com/office/officeart/2005/8/layout/hierarchy6"/>
+    <dgm:cxn modelId="{3A8A169F-2BF3-447A-9C89-729493A49589}" srcId="{66B0DA7E-9108-42BB-910B-8A2F3B3DB5E9}" destId="{EAE38EFC-7A56-4E9A-A5BD-7278BE090C64}" srcOrd="0" destOrd="0" parTransId="{FF70C216-5F28-47B0-A95C-716307A14287}" sibTransId="{C79CD6E5-70D8-4BBC-9789-5ED975634F33}"/>
     <dgm:cxn modelId="{6C19F523-07EE-4851-9E3A-EAD2735DA6AD}" srcId="{B996AD30-A37F-45E2-A56C-4A93578795D0}" destId="{637545FA-5D5C-415A-B251-957A0D292BBF}" srcOrd="0" destOrd="0" parTransId="{51C7E774-777F-4D57-A8F1-8245F2BBBFA4}" sibTransId="{0A1D07E3-1DF8-4CF6-84B4-2539B4BBE579}"/>
-    <dgm:cxn modelId="{AF713798-CF1F-432C-A6D1-219E7BEE0934}" type="presOf" srcId="{D4A35DF8-6439-4142-932A-D8F181A49255}" destId="{50D52696-CA9D-46F5-8C97-92022C09A772}" srcOrd="0" destOrd="0" presId="urn:microsoft.com/office/officeart/2005/8/layout/hierarchy6"/>
+    <dgm:cxn modelId="{5F1F8DAA-3474-489D-9B57-480FEC43B2FB}" type="presOf" srcId="{6A856E58-8A7B-4CFF-A4A9-CC026F702904}" destId="{98B1E3AD-C25A-4EAE-BF49-178D79AC331E}" srcOrd="0" destOrd="0" presId="urn:microsoft.com/office/officeart/2005/8/layout/hierarchy6"/>
     <dgm:cxn modelId="{EC7A650D-8097-4A3C-B10F-E695D027395B}" type="presOf" srcId="{2834861F-4B64-4177-8CE7-0216F54EF80A}" destId="{E08F1783-0B60-4CB2-93BD-BA3AF0DE7755}" srcOrd="0" destOrd="0" presId="urn:microsoft.com/office/officeart/2005/8/layout/hierarchy6"/>
     <dgm:cxn modelId="{56B34CCF-26E9-4324-8EDF-2965BC4012EC}" type="presOf" srcId="{A5EAAFE0-D4AD-4715-B05C-E9A9C26C498E}" destId="{F01CEA6A-11C1-4306-BEAA-9149D39C79D0}" srcOrd="0" destOrd="0" presId="urn:microsoft.com/office/officeart/2005/8/layout/hierarchy6"/>
+    <dgm:cxn modelId="{90F953FB-B28D-410D-966A-059343592817}" srcId="{F854E760-87DF-4BCB-8A7D-5C4065CA229A}" destId="{84427637-584A-4C2E-BDC9-1F5FA7002E31}" srcOrd="1" destOrd="0" parTransId="{4DD1A02F-0211-45F4-A00D-D280BDDD6D77}" sibTransId="{F02B00B6-0E00-4F4F-B26A-BE29A4EFC926}"/>
     <dgm:cxn modelId="{CCF9C067-673E-4EF0-AE3C-85F7EC09D006}" type="presOf" srcId="{4DD1A02F-0211-45F4-A00D-D280BDDD6D77}" destId="{02A75639-5D6E-4D68-BB54-840527442859}" srcOrd="0" destOrd="0" presId="urn:microsoft.com/office/officeart/2005/8/layout/hierarchy6"/>
     <dgm:cxn modelId="{8D7A5831-68FA-4C34-8FBE-15E4AD931789}" type="presOf" srcId="{F854E760-87DF-4BCB-8A7D-5C4065CA229A}" destId="{9C3FB224-150E-441B-BA49-F0514C204289}" srcOrd="0" destOrd="0" presId="urn:microsoft.com/office/officeart/2005/8/layout/hierarchy6"/>
+    <dgm:cxn modelId="{4991CFA7-000A-4011-8DDE-B6E805A40C4E}" type="presOf" srcId="{6E922380-A5E0-443E-95A5-7D9591192682}" destId="{660A799D-DD5E-4FA9-BBEC-A00023EC1B48}" srcOrd="0" destOrd="0" presId="urn:microsoft.com/office/officeart/2005/8/layout/hierarchy6"/>
     <dgm:cxn modelId="{CEB37049-56EF-4382-A07A-6096315C68A1}" type="presOf" srcId="{5B1A1E9A-0FAA-44E2-83A8-0AA5AEA9101E}" destId="{6EF7C97C-A9D3-45D4-B610-5AA6AC4F7606}" srcOrd="0" destOrd="0" presId="urn:microsoft.com/office/officeart/2005/8/layout/hierarchy6"/>
+    <dgm:cxn modelId="{26F54EE0-8C60-4C83-A737-916A159BB9F5}" srcId="{69FFF6AA-8487-41AC-A6C5-68CE514C3B10}" destId="{F854E760-87DF-4BCB-8A7D-5C4065CA229A}" srcOrd="0" destOrd="0" parTransId="{61DB815F-A4B7-4933-B9CF-358A6CFA88B4}" sibTransId="{B3C7AD49-C188-4964-B3ED-CDACE0F6B6B4}"/>
+    <dgm:cxn modelId="{6898A1AD-815A-48D7-A49A-7DB18A09787E}" srcId="{B996AD30-A37F-45E2-A56C-4A93578795D0}" destId="{D4A35DF8-6439-4142-932A-D8F181A49255}" srcOrd="1" destOrd="0" parTransId="{CC6DA225-0CA4-4B73-8439-82CF37C05055}" sibTransId="{901BB144-6DE9-49D7-BD79-46AA7C9F2AEB}"/>
+    <dgm:cxn modelId="{C4709C80-DEFC-4522-8272-E16A86E95756}" srcId="{84427637-584A-4C2E-BDC9-1F5FA7002E31}" destId="{66B0DA7E-9108-42BB-910B-8A2F3B3DB5E9}" srcOrd="0" destOrd="0" parTransId="{6E922380-A5E0-443E-95A5-7D9591192682}" sibTransId="{E192D33D-C72D-4727-8310-57AC1387E757}"/>
+    <dgm:cxn modelId="{E8812AC9-859B-4C6A-BAE0-3EE9F715070F}" type="presOf" srcId="{7F6A3BA8-689C-4688-B33D-2D491B91B659}" destId="{18D87BC3-B8C4-46B7-81FF-DB3BDC702085}" srcOrd="0" destOrd="0" presId="urn:microsoft.com/office/officeart/2005/8/layout/hierarchy6"/>
+    <dgm:cxn modelId="{D56A5ADA-B8C0-4A04-95B0-88CA5866027E}" type="presOf" srcId="{EAE38EFC-7A56-4E9A-A5BD-7278BE090C64}" destId="{EAC43240-0F38-4DD1-AFB9-F2B0A5848F06}" srcOrd="0" destOrd="0" presId="urn:microsoft.com/office/officeart/2005/8/layout/hierarchy6"/>
+    <dgm:cxn modelId="{8FFC9DA8-50F3-4444-986D-6B129F865019}" type="presOf" srcId="{D02A3EE1-5902-4696-9CBA-832686A13E80}" destId="{23B28D20-D850-4DA5-80B5-1D50A5B62742}" srcOrd="0" destOrd="0" presId="urn:microsoft.com/office/officeart/2005/8/layout/hierarchy6"/>
+    <dgm:cxn modelId="{7D48A29F-9505-4647-A9AA-6AB2EFF41805}" type="presOf" srcId="{0D6B85DA-7B12-4E0E-8A5C-3BF3C07F6D83}" destId="{0545D670-A1E2-4089-A27F-89F669923129}" srcOrd="0" destOrd="0" presId="urn:microsoft.com/office/officeart/2005/8/layout/hierarchy6"/>
+    <dgm:cxn modelId="{B4755B5E-7C3D-41AA-A8EA-43107D6C77D6}" srcId="{590F06B3-EE6B-4773-B2AD-F710558B8DFD}" destId="{B996AD30-A37F-45E2-A56C-4A93578795D0}" srcOrd="0" destOrd="0" parTransId="{2834861F-4B64-4177-8CE7-0216F54EF80A}" sibTransId="{DE82F034-78C4-48B3-9BB2-76D27ADE0A36}"/>
+    <dgm:cxn modelId="{6FEEF645-F710-4F81-9CCC-430C415A072B}" srcId="{EAE38EFC-7A56-4E9A-A5BD-7278BE090C64}" destId="{A5EAAFE0-D4AD-4715-B05C-E9A9C26C498E}" srcOrd="0" destOrd="0" parTransId="{7F6A3BA8-689C-4688-B33D-2D491B91B659}" sibTransId="{674B067B-36EF-4FDB-8B86-B1FC40D931E5}"/>
     <dgm:cxn modelId="{6B618E46-CA12-4791-BCF5-302472046EA6}" srcId="{590F06B3-EE6B-4773-B2AD-F710558B8DFD}" destId="{D02A3EE1-5902-4696-9CBA-832686A13E80}" srcOrd="1" destOrd="0" parTransId="{5B1A1E9A-0FAA-44E2-83A8-0AA5AEA9101E}" sibTransId="{C95E60D5-E0B8-4108-BFCB-E78D91E64F44}"/>
+    <dgm:cxn modelId="{6D39924E-F8AE-472F-8AD4-5287FFDAB112}" type="presOf" srcId="{66B0DA7E-9108-42BB-910B-8A2F3B3DB5E9}" destId="{CFA57E76-4BB1-47B0-8881-276E9B171745}" srcOrd="0" destOrd="0" presId="urn:microsoft.com/office/officeart/2005/8/layout/hierarchy6"/>
+    <dgm:cxn modelId="{2E2DC95F-EEF6-4BC3-9799-B1F92EF11751}" srcId="{637545FA-5D5C-415A-B251-957A0D292BBF}" destId="{DCA55099-AECC-4473-A8C3-60369B7BD6BE}" srcOrd="0" destOrd="0" parTransId="{6A856E58-8A7B-4CFF-A4A9-CC026F702904}" sibTransId="{B949ABDD-E5F9-499A-ACE5-5853640DCB31}"/>
+    <dgm:cxn modelId="{56607FBA-72A6-458F-A6FE-5B49F2417C85}" type="presOf" srcId="{CC6DA225-0CA4-4B73-8439-82CF37C05055}" destId="{356EE76E-92D0-412C-883B-47D349FC289F}" srcOrd="0" destOrd="0" presId="urn:microsoft.com/office/officeart/2005/8/layout/hierarchy6"/>
+    <dgm:cxn modelId="{95AF5A72-6DB4-4012-874E-AF27D444BA53}" type="presOf" srcId="{FF70C216-5F28-47B0-A95C-716307A14287}" destId="{96868860-C719-47BD-8D0E-ACF04911686E}" srcOrd="0" destOrd="0" presId="urn:microsoft.com/office/officeart/2005/8/layout/hierarchy6"/>
+    <dgm:cxn modelId="{6898F9FA-F126-45FB-ACE2-995F0E658EA0}" type="presOf" srcId="{DCA55099-AECC-4473-A8C3-60369B7BD6BE}" destId="{03960A92-9968-4E25-B9B6-DB8F8695351D}" srcOrd="0" destOrd="0" presId="urn:microsoft.com/office/officeart/2005/8/layout/hierarchy6"/>
+    <dgm:cxn modelId="{0A3515AF-07A3-4A40-82AD-7AB605394C12}" srcId="{F854E760-87DF-4BCB-8A7D-5C4065CA229A}" destId="{590F06B3-EE6B-4773-B2AD-F710558B8DFD}" srcOrd="0" destOrd="0" parTransId="{2E9B1675-2CEF-4967-BD5B-0FCE22ACE24B}" sibTransId="{5A614B03-8A9A-4850-80F4-18CD0F0C3FFD}"/>
+    <dgm:cxn modelId="{A292BBBF-244E-4A3C-8A48-9354012BDFCE}" type="presOf" srcId="{2E9B1675-2CEF-4967-BD5B-0FCE22ACE24B}" destId="{E379E181-1EB0-47C1-9F32-D17B4A2218A0}" srcOrd="0" destOrd="0" presId="urn:microsoft.com/office/officeart/2005/8/layout/hierarchy6"/>
     <dgm:cxn modelId="{C92F2124-E93F-4DFB-BDD8-6CD005EC3BCC}" type="presOf" srcId="{590F06B3-EE6B-4773-B2AD-F710558B8DFD}" destId="{3B63FE4B-5B11-4C64-82E1-C9DE1AB2E962}" srcOrd="0" destOrd="0" presId="urn:microsoft.com/office/officeart/2005/8/layout/hierarchy6"/>
-    <dgm:cxn modelId="{0A3515AF-07A3-4A40-82AD-7AB605394C12}" srcId="{F854E760-87DF-4BCB-8A7D-5C4065CA229A}" destId="{590F06B3-EE6B-4773-B2AD-F710558B8DFD}" srcOrd="0" destOrd="0" parTransId="{2E9B1675-2CEF-4967-BD5B-0FCE22ACE24B}" sibTransId="{5A614B03-8A9A-4850-80F4-18CD0F0C3FFD}"/>
-    <dgm:cxn modelId="{6D39924E-F8AE-472F-8AD4-5287FFDAB112}" type="presOf" srcId="{66B0DA7E-9108-42BB-910B-8A2F3B3DB5E9}" destId="{CFA57E76-4BB1-47B0-8881-276E9B171745}" srcOrd="0" destOrd="0" presId="urn:microsoft.com/office/officeart/2005/8/layout/hierarchy6"/>
-    <dgm:cxn modelId="{C4709C80-DEFC-4522-8272-E16A86E95756}" srcId="{84427637-584A-4C2E-BDC9-1F5FA7002E31}" destId="{66B0DA7E-9108-42BB-910B-8A2F3B3DB5E9}" srcOrd="0" destOrd="0" parTransId="{6E922380-A5E0-443E-95A5-7D9591192682}" sibTransId="{E192D33D-C72D-4727-8310-57AC1387E757}"/>
-    <dgm:cxn modelId="{3B14EC95-34F4-48F3-A67B-B8D37A7A9180}" type="presOf" srcId="{69FFF6AA-8487-41AC-A6C5-68CE514C3B10}" destId="{2DDE84AC-E5B0-432E-B2B6-E5A2E74CF08B}" srcOrd="0" destOrd="0" presId="urn:microsoft.com/office/officeart/2005/8/layout/hierarchy6"/>
-    <dgm:cxn modelId="{56607FBA-72A6-458F-A6FE-5B49F2417C85}" type="presOf" srcId="{CC6DA225-0CA4-4B73-8439-82CF37C05055}" destId="{356EE76E-92D0-412C-883B-47D349FC289F}" srcOrd="0" destOrd="0" presId="urn:microsoft.com/office/officeart/2005/8/layout/hierarchy6"/>
-    <dgm:cxn modelId="{6898F9FA-F126-45FB-ACE2-995F0E658EA0}" type="presOf" srcId="{DCA55099-AECC-4473-A8C3-60369B7BD6BE}" destId="{03960A92-9968-4E25-B9B6-DB8F8695351D}" srcOrd="0" destOrd="0" presId="urn:microsoft.com/office/officeart/2005/8/layout/hierarchy6"/>
+    <dgm:cxn modelId="{3148D1B4-BA80-4D2C-8672-34397F979360}" type="presOf" srcId="{B996AD30-A37F-45E2-A56C-4A93578795D0}" destId="{5218A8C5-B966-4469-8CA6-51A52C8697E1}" srcOrd="0" destOrd="0" presId="urn:microsoft.com/office/officeart/2005/8/layout/hierarchy6"/>
+    <dgm:cxn modelId="{AF713798-CF1F-432C-A6D1-219E7BEE0934}" type="presOf" srcId="{D4A35DF8-6439-4142-932A-D8F181A49255}" destId="{50D52696-CA9D-46F5-8C97-92022C09A772}" srcOrd="0" destOrd="0" presId="urn:microsoft.com/office/officeart/2005/8/layout/hierarchy6"/>
+    <dgm:cxn modelId="{A9CAC778-A837-4F62-A4BB-9FE52F0C4D30}" type="presOf" srcId="{84427637-584A-4C2E-BDC9-1F5FA7002E31}" destId="{5AF8B841-F609-49E6-8512-7EC9FFCD5C3E}" srcOrd="0" destOrd="0" presId="urn:microsoft.com/office/officeart/2005/8/layout/hierarchy6"/>
+    <dgm:cxn modelId="{52AA9C25-FCA2-4668-BC3C-EDB2C363FF10}" srcId="{D4A35DF8-6439-4142-932A-D8F181A49255}" destId="{5D964CC0-AC30-4033-B224-559C8D62B272}" srcOrd="0" destOrd="0" parTransId="{0D6B85DA-7B12-4E0E-8A5C-3BF3C07F6D83}" sibTransId="{5DC7DDFB-7AAE-45D2-8E7C-C4EDD29B0AC1}"/>
+    <dgm:cxn modelId="{ED63A9D7-5046-40E4-B72E-13F10259013D}" type="presOf" srcId="{637545FA-5D5C-415A-B251-957A0D292BBF}" destId="{C2E54644-67E0-44CE-BDC3-6A9624F62B71}" srcOrd="0" destOrd="0" presId="urn:microsoft.com/office/officeart/2005/8/layout/hierarchy6"/>
+    <dgm:cxn modelId="{9DAA8E6E-D1C6-49D3-A57D-6BDB90B3AFB5}" type="presOf" srcId="{5D964CC0-AC30-4033-B224-559C8D62B272}" destId="{E6FE98C9-4564-4A1B-95FA-DE388EC7CBCA}" srcOrd="0" destOrd="0" presId="urn:microsoft.com/office/officeart/2005/8/layout/hierarchy6"/>
     <dgm:cxn modelId="{E7F02FC9-9EC5-4B5D-A2EB-8B48ED0A2B98}" type="presOf" srcId="{51C7E774-777F-4D57-A8F1-8245F2BBBFA4}" destId="{E70EC387-CFDC-4A90-BBA6-007D1E6D336B}" srcOrd="0" destOrd="0" presId="urn:microsoft.com/office/officeart/2005/8/layout/hierarchy6"/>
-    <dgm:cxn modelId="{4991CFA7-000A-4011-8DDE-B6E805A40C4E}" type="presOf" srcId="{6E922380-A5E0-443E-95A5-7D9591192682}" destId="{660A799D-DD5E-4FA9-BBEC-A00023EC1B48}" srcOrd="0" destOrd="0" presId="urn:microsoft.com/office/officeart/2005/8/layout/hierarchy6"/>
-    <dgm:cxn modelId="{7D48A29F-9505-4647-A9AA-6AB2EFF41805}" type="presOf" srcId="{0D6B85DA-7B12-4E0E-8A5C-3BF3C07F6D83}" destId="{0545D670-A1E2-4089-A27F-89F669923129}" srcOrd="0" destOrd="0" presId="urn:microsoft.com/office/officeart/2005/8/layout/hierarchy6"/>
-    <dgm:cxn modelId="{8FFC9DA8-50F3-4444-986D-6B129F865019}" type="presOf" srcId="{D02A3EE1-5902-4696-9CBA-832686A13E80}" destId="{23B28D20-D850-4DA5-80B5-1D50A5B62742}" srcOrd="0" destOrd="0" presId="urn:microsoft.com/office/officeart/2005/8/layout/hierarchy6"/>
-    <dgm:cxn modelId="{A292BBBF-244E-4A3C-8A48-9354012BDFCE}" type="presOf" srcId="{2E9B1675-2CEF-4967-BD5B-0FCE22ACE24B}" destId="{E379E181-1EB0-47C1-9F32-D17B4A2218A0}" srcOrd="0" destOrd="0" presId="urn:microsoft.com/office/officeart/2005/8/layout/hierarchy6"/>
-    <dgm:cxn modelId="{3148D1B4-BA80-4D2C-8672-34397F979360}" type="presOf" srcId="{B996AD30-A37F-45E2-A56C-4A93578795D0}" destId="{5218A8C5-B966-4469-8CA6-51A52C8697E1}" srcOrd="0" destOrd="0" presId="urn:microsoft.com/office/officeart/2005/8/layout/hierarchy6"/>
-    <dgm:cxn modelId="{D56A5ADA-B8C0-4A04-95B0-88CA5866027E}" type="presOf" srcId="{EAE38EFC-7A56-4E9A-A5BD-7278BE090C64}" destId="{EAC43240-0F38-4DD1-AFB9-F2B0A5848F06}" srcOrd="0" destOrd="0" presId="urn:microsoft.com/office/officeart/2005/8/layout/hierarchy6"/>
-    <dgm:cxn modelId="{5F1F8DAA-3474-489D-9B57-480FEC43B2FB}" type="presOf" srcId="{6A856E58-8A7B-4CFF-A4A9-CC026F702904}" destId="{98B1E3AD-C25A-4EAE-BF49-178D79AC331E}" srcOrd="0" destOrd="0" presId="urn:microsoft.com/office/officeart/2005/8/layout/hierarchy6"/>
-    <dgm:cxn modelId="{6898A1AD-815A-48D7-A49A-7DB18A09787E}" srcId="{B996AD30-A37F-45E2-A56C-4A93578795D0}" destId="{D4A35DF8-6439-4142-932A-D8F181A49255}" srcOrd="1" destOrd="0" parTransId="{CC6DA225-0CA4-4B73-8439-82CF37C05055}" sibTransId="{901BB144-6DE9-49D7-BD79-46AA7C9F2AEB}"/>
-    <dgm:cxn modelId="{B4755B5E-7C3D-41AA-A8EA-43107D6C77D6}" srcId="{590F06B3-EE6B-4773-B2AD-F710558B8DFD}" destId="{B996AD30-A37F-45E2-A56C-4A93578795D0}" srcOrd="0" destOrd="0" parTransId="{2834861F-4B64-4177-8CE7-0216F54EF80A}" sibTransId="{DE82F034-78C4-48B3-9BB2-76D27ADE0A36}"/>
-    <dgm:cxn modelId="{26F54EE0-8C60-4C83-A737-916A159BB9F5}" srcId="{69FFF6AA-8487-41AC-A6C5-68CE514C3B10}" destId="{F854E760-87DF-4BCB-8A7D-5C4065CA229A}" srcOrd="0" destOrd="0" parTransId="{61DB815F-A4B7-4933-B9CF-358A6CFA88B4}" sibTransId="{B3C7AD49-C188-4964-B3ED-CDACE0F6B6B4}"/>
-    <dgm:cxn modelId="{3A8A169F-2BF3-447A-9C89-729493A49589}" srcId="{66B0DA7E-9108-42BB-910B-8A2F3B3DB5E9}" destId="{EAE38EFC-7A56-4E9A-A5BD-7278BE090C64}" srcOrd="0" destOrd="0" parTransId="{FF70C216-5F28-47B0-A95C-716307A14287}" sibTransId="{C79CD6E5-70D8-4BBC-9789-5ED975634F33}"/>
-    <dgm:cxn modelId="{ED63A9D7-5046-40E4-B72E-13F10259013D}" type="presOf" srcId="{637545FA-5D5C-415A-B251-957A0D292BBF}" destId="{C2E54644-67E0-44CE-BDC3-6A9624F62B71}" srcOrd="0" destOrd="0" presId="urn:microsoft.com/office/officeart/2005/8/layout/hierarchy6"/>
-    <dgm:cxn modelId="{95AF5A72-6DB4-4012-874E-AF27D444BA53}" type="presOf" srcId="{FF70C216-5F28-47B0-A95C-716307A14287}" destId="{96868860-C719-47BD-8D0E-ACF04911686E}" srcOrd="0" destOrd="0" presId="urn:microsoft.com/office/officeart/2005/8/layout/hierarchy6"/>
-    <dgm:cxn modelId="{A9CAC778-A837-4F62-A4BB-9FE52F0C4D30}" type="presOf" srcId="{84427637-584A-4C2E-BDC9-1F5FA7002E31}" destId="{5AF8B841-F609-49E6-8512-7EC9FFCD5C3E}" srcOrd="0" destOrd="0" presId="urn:microsoft.com/office/officeart/2005/8/layout/hierarchy6"/>
-    <dgm:cxn modelId="{E8812AC9-859B-4C6A-BAE0-3EE9F715070F}" type="presOf" srcId="{7F6A3BA8-689C-4688-B33D-2D491B91B659}" destId="{18D87BC3-B8C4-46B7-81FF-DB3BDC702085}" srcOrd="0" destOrd="0" presId="urn:microsoft.com/office/officeart/2005/8/layout/hierarchy6"/>
-    <dgm:cxn modelId="{90F953FB-B28D-410D-966A-059343592817}" srcId="{F854E760-87DF-4BCB-8A7D-5C4065CA229A}" destId="{84427637-584A-4C2E-BDC9-1F5FA7002E31}" srcOrd="1" destOrd="0" parTransId="{4DD1A02F-0211-45F4-A00D-D280BDDD6D77}" sibTransId="{F02B00B6-0E00-4F4F-B26A-BE29A4EFC926}"/>
-    <dgm:cxn modelId="{2E2DC95F-EEF6-4BC3-9799-B1F92EF11751}" srcId="{637545FA-5D5C-415A-B251-957A0D292BBF}" destId="{DCA55099-AECC-4473-A8C3-60369B7BD6BE}" srcOrd="0" destOrd="0" parTransId="{6A856E58-8A7B-4CFF-A4A9-CC026F702904}" sibTransId="{B949ABDD-E5F9-499A-ACE5-5853640DCB31}"/>
     <dgm:cxn modelId="{EA4098A5-3F7C-4819-98E1-2AA5573A0141}" type="presParOf" srcId="{2DDE84AC-E5B0-432E-B2B6-E5A2E74CF08B}" destId="{77C1C8C4-A015-4DCC-9116-39858D6D01EE}" srcOrd="0" destOrd="0" presId="urn:microsoft.com/office/officeart/2005/8/layout/hierarchy6"/>
     <dgm:cxn modelId="{D439EDBC-4E1A-4711-A4DE-B36D143FE75A}" type="presParOf" srcId="{77C1C8C4-A015-4DCC-9116-39858D6D01EE}" destId="{945ED93E-ED63-4957-AFE2-B7C35A1A6CF6}" srcOrd="0" destOrd="0" presId="urn:microsoft.com/office/officeart/2005/8/layout/hierarchy6"/>
     <dgm:cxn modelId="{28F7FAFD-9054-4C67-AD06-50AC7DE71D08}" type="presParOf" srcId="{945ED93E-ED63-4957-AFE2-B7C35A1A6CF6}" destId="{07813DAF-08C7-407D-9B98-6F199645FC94}" srcOrd="0" destOrd="0" presId="urn:microsoft.com/office/officeart/2005/8/layout/hierarchy6"/>
@@ -7662,55 +7668,6 @@
         </a:p>
       </dgm:t>
     </dgm:pt>
-    <dgm:pt modelId="{D02A3EE1-5902-4696-9CBA-832686A13E80}">
-      <dgm:prSet custT="1"/>
-      <dgm:spPr>
-        <a:solidFill>
-          <a:schemeClr val="accent4">
-            <a:lumMod val="75000"/>
-          </a:schemeClr>
-        </a:solidFill>
-      </dgm:spPr>
-      <dgm:t>
-        <a:bodyPr/>
-        <a:lstStyle/>
-        <a:p>
-          <a:r>
-            <a:rPr lang="en-US" sz="1400" dirty="0" smtClean="0"/>
-            <a:t>Plant</a:t>
-          </a:r>
-          <a:endParaRPr lang="en-US" sz="1400" dirty="0"/>
-        </a:p>
-      </dgm:t>
-    </dgm:pt>
-    <dgm:pt modelId="{5B1A1E9A-0FAA-44E2-83A8-0AA5AEA9101E}" type="parTrans" cxnId="{6B618E46-CA12-4791-BCF5-302472046EA6}">
-      <dgm:prSet/>
-      <dgm:spPr>
-        <a:solidFill>
-          <a:schemeClr val="accent4">
-            <a:lumMod val="75000"/>
-          </a:schemeClr>
-        </a:solidFill>
-      </dgm:spPr>
-      <dgm:t>
-        <a:bodyPr/>
-        <a:lstStyle/>
-        <a:p>
-          <a:endParaRPr lang="en-US" sz="1400"/>
-        </a:p>
-      </dgm:t>
-    </dgm:pt>
-    <dgm:pt modelId="{C95E60D5-E0B8-4108-BFCB-E78D91E64F44}" type="sibTrans" cxnId="{6B618E46-CA12-4791-BCF5-302472046EA6}">
-      <dgm:prSet/>
-      <dgm:spPr/>
-      <dgm:t>
-        <a:bodyPr/>
-        <a:lstStyle/>
-        <a:p>
-          <a:endParaRPr lang="en-US" sz="1400"/>
-        </a:p>
-      </dgm:t>
-    </dgm:pt>
     <dgm:pt modelId="{66B0DA7E-9108-42BB-910B-8A2F3B3DB5E9}">
       <dgm:prSet custT="1"/>
       <dgm:spPr>
@@ -7871,10 +7828,6 @@
         <a:bodyPr/>
         <a:lstStyle/>
         <a:p>
-          <a:r>
-            <a:rPr lang="en-US" smtClean="0"/>
-            <a:t>Purchasing Organization</a:t>
-          </a:r>
           <a:endParaRPr lang="en-US"/>
         </a:p>
       </dgm:t>
@@ -7920,6 +7873,10 @@
         <a:bodyPr/>
         <a:lstStyle/>
         <a:p>
+          <a:r>
+            <a:rPr lang="en-US" smtClean="0"/>
+            <a:t> Purchasing Organization</a:t>
+          </a:r>
           <a:endParaRPr lang="en-US"/>
         </a:p>
       </dgm:t>
@@ -8001,7 +7958,7 @@
         </a:p>
       </dgm:t>
     </dgm:pt>
-    <dgm:pt modelId="{8957AA00-A704-4DC2-8C0F-B2DB9E12CB75}">
+    <dgm:pt modelId="{5D964CC0-AC30-4033-B224-559C8D62B272}">
       <dgm:prSet/>
       <dgm:spPr/>
       <dgm:t>
@@ -8012,7 +7969,7 @@
         </a:p>
       </dgm:t>
     </dgm:pt>
-    <dgm:pt modelId="{F01DEC85-3D23-4C0B-AD7F-EF50587BD217}" type="parTrans" cxnId="{33BC8ABD-9E38-4089-AB69-9F88E505167B}">
+    <dgm:pt modelId="{0D6B85DA-7B12-4E0E-8A5C-3BF3C07F6D83}" type="parTrans" cxnId="{52AA9C25-FCA2-4668-BC3C-EDB2C363FF10}">
       <dgm:prSet/>
       <dgm:spPr/>
       <dgm:t>
@@ -8023,7 +7980,7 @@
         </a:p>
       </dgm:t>
     </dgm:pt>
-    <dgm:pt modelId="{B45AD499-D741-4F3B-B34A-D0A39B1995BB}" type="sibTrans" cxnId="{33BC8ABD-9E38-4089-AB69-9F88E505167B}">
+    <dgm:pt modelId="{5DC7DDFB-7AAE-45D2-8E7C-C4EDD29B0AC1}" type="sibTrans" cxnId="{52AA9C25-FCA2-4668-BC3C-EDB2C363FF10}">
       <dgm:prSet/>
       <dgm:spPr/>
       <dgm:t>
@@ -8031,6 +7988,55 @@
         <a:lstStyle/>
         <a:p>
           <a:endParaRPr lang="en-US"/>
+        </a:p>
+      </dgm:t>
+    </dgm:pt>
+    <dgm:pt modelId="{D02A3EE1-5902-4696-9CBA-832686A13E80}">
+      <dgm:prSet custT="1"/>
+      <dgm:spPr>
+        <a:solidFill>
+          <a:schemeClr val="accent4">
+            <a:lumMod val="75000"/>
+          </a:schemeClr>
+        </a:solidFill>
+      </dgm:spPr>
+      <dgm:t>
+        <a:bodyPr/>
+        <a:lstStyle/>
+        <a:p>
+          <a:r>
+            <a:rPr lang="en-US" sz="1400" dirty="0" smtClean="0"/>
+            <a:t>Plant</a:t>
+          </a:r>
+          <a:endParaRPr lang="en-US" sz="1400" dirty="0"/>
+        </a:p>
+      </dgm:t>
+    </dgm:pt>
+    <dgm:pt modelId="{C95E60D5-E0B8-4108-BFCB-E78D91E64F44}" type="sibTrans" cxnId="{6B618E46-CA12-4791-BCF5-302472046EA6}">
+      <dgm:prSet/>
+      <dgm:spPr/>
+      <dgm:t>
+        <a:bodyPr/>
+        <a:lstStyle/>
+        <a:p>
+          <a:endParaRPr lang="en-US" sz="1400"/>
+        </a:p>
+      </dgm:t>
+    </dgm:pt>
+    <dgm:pt modelId="{5B1A1E9A-0FAA-44E2-83A8-0AA5AEA9101E}" type="parTrans" cxnId="{6B618E46-CA12-4791-BCF5-302472046EA6}">
+      <dgm:prSet/>
+      <dgm:spPr>
+        <a:solidFill>
+          <a:schemeClr val="accent4">
+            <a:lumMod val="75000"/>
+          </a:schemeClr>
+        </a:solidFill>
+      </dgm:spPr>
+      <dgm:t>
+        <a:bodyPr/>
+        <a:lstStyle/>
+        <a:p>
+          <a:endParaRPr lang="en-US" sz="1400"/>
         </a:p>
       </dgm:t>
     </dgm:pt>
@@ -8106,7 +8112,7 @@
       <dgm:spPr/>
     </dgm:pt>
     <dgm:pt modelId="{3B63FE4B-5B11-4C64-82E1-C9DE1AB2E962}" type="pres">
-      <dgm:prSet presAssocID="{590F06B3-EE6B-4773-B2AD-F710558B8DFD}" presName="level2Shape" presStyleLbl="node2" presStyleIdx="0" presStyleCnt="2" custScaleX="252466" custScaleY="161608"/>
+      <dgm:prSet presAssocID="{590F06B3-EE6B-4773-B2AD-F710558B8DFD}" presName="level2Shape" presStyleLbl="node2" presStyleIdx="0" presStyleCnt="2" custScaleX="252466" custScaleY="161608" custLinFactNeighborY="46410"/>
       <dgm:spPr/>
       <dgm:t>
         <a:bodyPr/>
@@ -8136,7 +8142,7 @@
       <dgm:spPr/>
     </dgm:pt>
     <dgm:pt modelId="{5218A8C5-B966-4469-8CA6-51A52C8697E1}" type="pres">
-      <dgm:prSet presAssocID="{B996AD30-A37F-45E2-A56C-4A93578795D0}" presName="level2Shape" presStyleLbl="node3" presStyleIdx="0" presStyleCnt="3" custScaleX="252466" custScaleY="161608" custLinFactNeighborX="-1792" custLinFactNeighborY="77882"/>
+      <dgm:prSet presAssocID="{B996AD30-A37F-45E2-A56C-4A93578795D0}" presName="level2Shape" presStyleLbl="node3" presStyleIdx="0" presStyleCnt="3" custScaleX="252466" custScaleY="161608" custLinFactY="47420" custLinFactNeighborY="100000"/>
       <dgm:spPr/>
       <dgm:t>
         <a:bodyPr/>
@@ -8166,7 +8172,7 @@
       <dgm:spPr/>
     </dgm:pt>
     <dgm:pt modelId="{C2E54644-67E0-44CE-BDC3-6A9624F62B71}" type="pres">
-      <dgm:prSet presAssocID="{637545FA-5D5C-415A-B251-957A0D292BBF}" presName="level2Shape" presStyleLbl="node4" presStyleIdx="0" presStyleCnt="6" custScaleX="252466" custScaleY="161608" custLinFactY="31779" custLinFactNeighborY="100000"/>
+      <dgm:prSet presAssocID="{637545FA-5D5C-415A-B251-957A0D292BBF}" presName="level2Shape" presStyleLbl="node4" presStyleIdx="0" presStyleCnt="6" custScaleX="425643" custScaleY="161608" custLinFactY="100000" custLinFactNeighborY="140730"/>
       <dgm:spPr/>
       <dgm:t>
         <a:bodyPr/>
@@ -8196,7 +8202,7 @@
       <dgm:spPr/>
     </dgm:pt>
     <dgm:pt modelId="{03960A92-9968-4E25-B9B6-DB8F8695351D}" type="pres">
-      <dgm:prSet presAssocID="{DCA55099-AECC-4473-A8C3-60369B7BD6BE}" presName="level2Shape" presStyleLbl="node4" presStyleIdx="1" presStyleCnt="6" custScaleX="252466" custScaleY="161608" custLinFactY="100000" custLinFactNeighborY="115140"/>
+      <dgm:prSet presAssocID="{DCA55099-AECC-4473-A8C3-60369B7BD6BE}" presName="level2Shape" presStyleLbl="node4" presStyleIdx="1" presStyleCnt="6" custScaleX="252466" custScaleY="161608" custLinFactY="100000" custLinFactNeighborY="195760"/>
       <dgm:spPr/>
       <dgm:t>
         <a:bodyPr/>
@@ -8226,7 +8232,7 @@
       <dgm:spPr/>
     </dgm:pt>
     <dgm:pt modelId="{50D52696-CA9D-46F5-8C97-92022C09A772}" type="pres">
-      <dgm:prSet presAssocID="{D4A35DF8-6439-4142-932A-D8F181A49255}" presName="level2Shape" presStyleLbl="node4" presStyleIdx="2" presStyleCnt="6" custScaleX="252466" custScaleY="161608" custLinFactY="31779" custLinFactNeighborY="100000"/>
+      <dgm:prSet presAssocID="{D4A35DF8-6439-4142-932A-D8F181A49255}" presName="level2Shape" presStyleLbl="node4" presStyleIdx="2" presStyleCnt="6" custScaleX="440794" custScaleY="161608" custLinFactY="100000" custLinFactNeighborY="140730"/>
       <dgm:spPr/>
       <dgm:t>
         <a:bodyPr/>
@@ -8240,20 +8246,34 @@
       <dgm:prSet presAssocID="{D4A35DF8-6439-4142-932A-D8F181A49255}" presName="hierChild3" presStyleCnt="0"/>
       <dgm:spPr/>
     </dgm:pt>
-    <dgm:pt modelId="{803D0DAE-D42F-4CE0-AB09-8E564BE0CA67}" type="pres">
-      <dgm:prSet presAssocID="{F01DEC85-3D23-4C0B-AD7F-EF50587BD217}" presName="Name19" presStyleLbl="parChTrans1D4" presStyleIdx="3" presStyleCnt="6"/>
+    <dgm:pt modelId="{0545D670-A1E2-4089-A27F-89F669923129}" type="pres">
+      <dgm:prSet presAssocID="{0D6B85DA-7B12-4E0E-8A5C-3BF3C07F6D83}" presName="Name19" presStyleLbl="parChTrans1D4" presStyleIdx="3" presStyleCnt="6"/>
+      <dgm:spPr/>
+      <dgm:t>
+        <a:bodyPr/>
+        <a:lstStyle/>
+        <a:p>
+          <a:endParaRPr lang="en-US"/>
+        </a:p>
+      </dgm:t>
+    </dgm:pt>
+    <dgm:pt modelId="{0BACA1C5-91D8-4703-ACAC-100922D0A349}" type="pres">
+      <dgm:prSet presAssocID="{5D964CC0-AC30-4033-B224-559C8D62B272}" presName="Name21" presStyleCnt="0"/>
       <dgm:spPr/>
     </dgm:pt>
-    <dgm:pt modelId="{F40B94B5-B341-419F-A569-6BA25DD891CD}" type="pres">
-      <dgm:prSet presAssocID="{8957AA00-A704-4DC2-8C0F-B2DB9E12CB75}" presName="Name21" presStyleCnt="0"/>
+    <dgm:pt modelId="{E6FE98C9-4564-4A1B-95FA-DE388EC7CBCA}" type="pres">
+      <dgm:prSet presAssocID="{5D964CC0-AC30-4033-B224-559C8D62B272}" presName="level2Shape" presStyleLbl="node4" presStyleIdx="3" presStyleCnt="6" custLinFactY="157368" custLinFactNeighborY="200000"/>
       <dgm:spPr/>
+      <dgm:t>
+        <a:bodyPr/>
+        <a:lstStyle/>
+        <a:p>
+          <a:endParaRPr lang="en-US"/>
+        </a:p>
+      </dgm:t>
     </dgm:pt>
-    <dgm:pt modelId="{77A6E255-1E26-4744-A9A5-FB8CCD5D144D}" type="pres">
-      <dgm:prSet presAssocID="{8957AA00-A704-4DC2-8C0F-B2DB9E12CB75}" presName="level2Shape" presStyleLbl="node4" presStyleIdx="3" presStyleCnt="6" custLinFactY="100000" custLinFactNeighborY="115140"/>
-      <dgm:spPr/>
-    </dgm:pt>
-    <dgm:pt modelId="{628281F8-C624-4768-9449-1CC38311D78D}" type="pres">
-      <dgm:prSet presAssocID="{8957AA00-A704-4DC2-8C0F-B2DB9E12CB75}" presName="hierChild3" presStyleCnt="0"/>
+    <dgm:pt modelId="{6EDDE820-759F-4334-BAF0-AEF0B9A6A603}" type="pres">
+      <dgm:prSet presAssocID="{5D964CC0-AC30-4033-B224-559C8D62B272}" presName="hierChild3" presStyleCnt="0"/>
       <dgm:spPr/>
     </dgm:pt>
     <dgm:pt modelId="{6EF7C97C-A9D3-45D4-B610-5AA6AC4F7606}" type="pres">
@@ -8272,7 +8292,7 @@
       <dgm:spPr/>
     </dgm:pt>
     <dgm:pt modelId="{23B28D20-D850-4DA5-80B5-1D50A5B62742}" type="pres">
-      <dgm:prSet presAssocID="{D02A3EE1-5902-4696-9CBA-832686A13E80}" presName="level2Shape" presStyleLbl="node3" presStyleIdx="1" presStyleCnt="3" custScaleX="252466" custScaleY="161608" custLinFactNeighborX="-1792" custLinFactNeighborY="77882"/>
+      <dgm:prSet presAssocID="{D02A3EE1-5902-4696-9CBA-832686A13E80}" presName="level2Shape" presStyleLbl="node3" presStyleIdx="1" presStyleCnt="3" custScaleX="252466" custScaleY="161608" custLinFactY="47420" custLinFactNeighborY="100000"/>
       <dgm:spPr/>
       <dgm:t>
         <a:bodyPr/>
@@ -8302,7 +8322,7 @@
       <dgm:spPr/>
     </dgm:pt>
     <dgm:pt modelId="{5AF8B841-F609-49E6-8512-7EC9FFCD5C3E}" type="pres">
-      <dgm:prSet presAssocID="{84427637-584A-4C2E-BDC9-1F5FA7002E31}" presName="level2Shape" presStyleLbl="node2" presStyleIdx="1" presStyleCnt="2" custScaleX="252466" custScaleY="161608"/>
+      <dgm:prSet presAssocID="{84427637-584A-4C2E-BDC9-1F5FA7002E31}" presName="level2Shape" presStyleLbl="node2" presStyleIdx="1" presStyleCnt="2" custScaleX="252466" custScaleY="161608" custLinFactNeighborY="46410"/>
       <dgm:spPr/>
       <dgm:t>
         <a:bodyPr/>
@@ -8332,7 +8352,7 @@
       <dgm:spPr/>
     </dgm:pt>
     <dgm:pt modelId="{CFA57E76-4BB1-47B0-8881-276E9B171745}" type="pres">
-      <dgm:prSet presAssocID="{66B0DA7E-9108-42BB-910B-8A2F3B3DB5E9}" presName="level2Shape" presStyleLbl="node3" presStyleIdx="2" presStyleCnt="3" custScaleX="252466" custScaleY="161608" custLinFactNeighborX="-1792" custLinFactNeighborY="77882"/>
+      <dgm:prSet presAssocID="{66B0DA7E-9108-42BB-910B-8A2F3B3DB5E9}" presName="level2Shape" presStyleLbl="node3" presStyleIdx="2" presStyleCnt="3" custScaleX="252466" custScaleY="161608" custLinFactY="47420" custLinFactNeighborY="100000"/>
       <dgm:spPr/>
       <dgm:t>
         <a:bodyPr/>
@@ -8362,7 +8382,7 @@
       <dgm:spPr/>
     </dgm:pt>
     <dgm:pt modelId="{EAC43240-0F38-4DD1-AFB9-F2B0A5848F06}" type="pres">
-      <dgm:prSet presAssocID="{EAE38EFC-7A56-4E9A-A5BD-7278BE090C64}" presName="level2Shape" presStyleLbl="node4" presStyleIdx="4" presStyleCnt="6" custScaleX="252466" custScaleY="161608" custLinFactY="31779" custLinFactNeighborX="-1793" custLinFactNeighborY="100000"/>
+      <dgm:prSet presAssocID="{EAE38EFC-7A56-4E9A-A5BD-7278BE090C64}" presName="level2Shape" presStyleLbl="node4" presStyleIdx="4" presStyleCnt="6" custScaleX="392402" custScaleY="161608" custLinFactY="100000" custLinFactNeighborY="140730"/>
       <dgm:spPr/>
       <dgm:t>
         <a:bodyPr/>
@@ -8392,7 +8412,7 @@
       <dgm:spPr/>
     </dgm:pt>
     <dgm:pt modelId="{F01CEA6A-11C1-4306-BEAA-9149D39C79D0}" type="pres">
-      <dgm:prSet presAssocID="{A5EAAFE0-D4AD-4715-B05C-E9A9C26C498E}" presName="level2Shape" presStyleLbl="node4" presStyleIdx="5" presStyleCnt="6" custScaleX="252466" custScaleY="161608" custLinFactY="100000" custLinFactNeighborX="-1793" custLinFactNeighborY="115140"/>
+      <dgm:prSet presAssocID="{A5EAAFE0-D4AD-4715-B05C-E9A9C26C498E}" presName="level2Shape" presStyleLbl="node4" presStyleIdx="5" presStyleCnt="6" custScaleX="495357" custScaleY="161608" custLinFactY="100000" custLinFactNeighborY="195760"/>
       <dgm:spPr/>
       <dgm:t>
         <a:bodyPr/>
@@ -8412,92 +8432,92 @@
     </dgm:pt>
   </dgm:ptLst>
   <dgm:cxnLst>
-    <dgm:cxn modelId="{AF4E4722-476B-40FF-B757-4FAF60B52D08}" type="presOf" srcId="{6E922380-A5E0-443E-95A5-7D9591192682}" destId="{660A799D-DD5E-4FA9-BBEC-A00023EC1B48}" srcOrd="0" destOrd="0" presId="urn:microsoft.com/office/officeart/2005/8/layout/hierarchy6"/>
+    <dgm:cxn modelId="{BA450644-D967-46EE-B10A-62BAFA4E3763}" type="presOf" srcId="{6A856E58-8A7B-4CFF-A4A9-CC026F702904}" destId="{98B1E3AD-C25A-4EAE-BF49-178D79AC331E}" srcOrd="0" destOrd="0" presId="urn:microsoft.com/office/officeart/2005/8/layout/hierarchy6"/>
+    <dgm:cxn modelId="{3A8A169F-2BF3-447A-9C89-729493A49589}" srcId="{66B0DA7E-9108-42BB-910B-8A2F3B3DB5E9}" destId="{EAE38EFC-7A56-4E9A-A5BD-7278BE090C64}" srcOrd="0" destOrd="0" parTransId="{FF70C216-5F28-47B0-A95C-716307A14287}" sibTransId="{C79CD6E5-70D8-4BBC-9789-5ED975634F33}"/>
+    <dgm:cxn modelId="{6C19F523-07EE-4851-9E3A-EAD2735DA6AD}" srcId="{B996AD30-A37F-45E2-A56C-4A93578795D0}" destId="{637545FA-5D5C-415A-B251-957A0D292BBF}" srcOrd="0" destOrd="0" parTransId="{51C7E774-777F-4D57-A8F1-8245F2BBBFA4}" sibTransId="{0A1D07E3-1DF8-4CF6-84B4-2539B4BBE579}"/>
+    <dgm:cxn modelId="{72F13F29-F6FE-400A-8A15-B5FDF474D1C1}" type="presOf" srcId="{DCA55099-AECC-4473-A8C3-60369B7BD6BE}" destId="{03960A92-9968-4E25-B9B6-DB8F8695351D}" srcOrd="0" destOrd="0" presId="urn:microsoft.com/office/officeart/2005/8/layout/hierarchy6"/>
+    <dgm:cxn modelId="{90F953FB-B28D-410D-966A-059343592817}" srcId="{F854E760-87DF-4BCB-8A7D-5C4065CA229A}" destId="{84427637-584A-4C2E-BDC9-1F5FA7002E31}" srcOrd="1" destOrd="0" parTransId="{4DD1A02F-0211-45F4-A00D-D280BDDD6D77}" sibTransId="{F02B00B6-0E00-4F4F-B26A-BE29A4EFC926}"/>
+    <dgm:cxn modelId="{B6D77C18-E92E-4260-BA6A-8C0CE18B0587}" type="presOf" srcId="{2834861F-4B64-4177-8CE7-0216F54EF80A}" destId="{E08F1783-0B60-4CB2-93BD-BA3AF0DE7755}" srcOrd="0" destOrd="0" presId="urn:microsoft.com/office/officeart/2005/8/layout/hierarchy6"/>
+    <dgm:cxn modelId="{387FFA27-1E77-4286-A681-5A26F9BA43EC}" type="presOf" srcId="{EAE38EFC-7A56-4E9A-A5BD-7278BE090C64}" destId="{EAC43240-0F38-4DD1-AFB9-F2B0A5848F06}" srcOrd="0" destOrd="0" presId="urn:microsoft.com/office/officeart/2005/8/layout/hierarchy6"/>
+    <dgm:cxn modelId="{F78704A1-2AFF-4C2C-8EDE-6B1CDDAEAF58}" type="presOf" srcId="{2E9B1675-2CEF-4967-BD5B-0FCE22ACE24B}" destId="{E379E181-1EB0-47C1-9F32-D17B4A2218A0}" srcOrd="0" destOrd="0" presId="urn:microsoft.com/office/officeart/2005/8/layout/hierarchy6"/>
+    <dgm:cxn modelId="{C9C37C7D-EC4E-4B13-B1AD-D2E1C53B6869}" type="presOf" srcId="{5D964CC0-AC30-4033-B224-559C8D62B272}" destId="{E6FE98C9-4564-4A1B-95FA-DE388EC7CBCA}" srcOrd="0" destOrd="0" presId="urn:microsoft.com/office/officeart/2005/8/layout/hierarchy6"/>
+    <dgm:cxn modelId="{31B21DF7-CF63-4BAE-8C96-34A73C7EB141}" type="presOf" srcId="{A5EAAFE0-D4AD-4715-B05C-E9A9C26C498E}" destId="{F01CEA6A-11C1-4306-BEAA-9149D39C79D0}" srcOrd="0" destOrd="0" presId="urn:microsoft.com/office/officeart/2005/8/layout/hierarchy6"/>
+    <dgm:cxn modelId="{40B94789-69CE-4396-B1CA-D8033A93E639}" type="presOf" srcId="{637545FA-5D5C-415A-B251-957A0D292BBF}" destId="{C2E54644-67E0-44CE-BDC3-6A9624F62B71}" srcOrd="0" destOrd="0" presId="urn:microsoft.com/office/officeart/2005/8/layout/hierarchy6"/>
+    <dgm:cxn modelId="{8E74B5A7-93D2-4CB7-A8D0-634A8AA76FD2}" type="presOf" srcId="{B996AD30-A37F-45E2-A56C-4A93578795D0}" destId="{5218A8C5-B966-4469-8CA6-51A52C8697E1}" srcOrd="0" destOrd="0" presId="urn:microsoft.com/office/officeart/2005/8/layout/hierarchy6"/>
+    <dgm:cxn modelId="{A97C2576-3F98-4437-B7A8-BA9C1B76C389}" type="presOf" srcId="{D4A35DF8-6439-4142-932A-D8F181A49255}" destId="{50D52696-CA9D-46F5-8C97-92022C09A772}" srcOrd="0" destOrd="0" presId="urn:microsoft.com/office/officeart/2005/8/layout/hierarchy6"/>
+    <dgm:cxn modelId="{26F54EE0-8C60-4C83-A737-916A159BB9F5}" srcId="{69FFF6AA-8487-41AC-A6C5-68CE514C3B10}" destId="{F854E760-87DF-4BCB-8A7D-5C4065CA229A}" srcOrd="0" destOrd="0" parTransId="{61DB815F-A4B7-4933-B9CF-358A6CFA88B4}" sibTransId="{B3C7AD49-C188-4964-B3ED-CDACE0F6B6B4}"/>
+    <dgm:cxn modelId="{64EDD822-A906-4B80-8F9B-CA20FA220AC8}" type="presOf" srcId="{69FFF6AA-8487-41AC-A6C5-68CE514C3B10}" destId="{2DDE84AC-E5B0-432E-B2B6-E5A2E74CF08B}" srcOrd="0" destOrd="0" presId="urn:microsoft.com/office/officeart/2005/8/layout/hierarchy6"/>
+    <dgm:cxn modelId="{23003297-067E-4A64-A462-EF4EDD70A06F}" type="presOf" srcId="{F854E760-87DF-4BCB-8A7D-5C4065CA229A}" destId="{9C3FB224-150E-441B-BA49-F0514C204289}" srcOrd="0" destOrd="0" presId="urn:microsoft.com/office/officeart/2005/8/layout/hierarchy6"/>
+    <dgm:cxn modelId="{6898A1AD-815A-48D7-A49A-7DB18A09787E}" srcId="{B996AD30-A37F-45E2-A56C-4A93578795D0}" destId="{D4A35DF8-6439-4142-932A-D8F181A49255}" srcOrd="1" destOrd="0" parTransId="{CC6DA225-0CA4-4B73-8439-82CF37C05055}" sibTransId="{901BB144-6DE9-49D7-BD79-46AA7C9F2AEB}"/>
+    <dgm:cxn modelId="{C4709C80-DEFC-4522-8272-E16A86E95756}" srcId="{84427637-584A-4C2E-BDC9-1F5FA7002E31}" destId="{66B0DA7E-9108-42BB-910B-8A2F3B3DB5E9}" srcOrd="0" destOrd="0" parTransId="{6E922380-A5E0-443E-95A5-7D9591192682}" sibTransId="{E192D33D-C72D-4727-8310-57AC1387E757}"/>
+    <dgm:cxn modelId="{B4755B5E-7C3D-41AA-A8EA-43107D6C77D6}" srcId="{590F06B3-EE6B-4773-B2AD-F710558B8DFD}" destId="{B996AD30-A37F-45E2-A56C-4A93578795D0}" srcOrd="0" destOrd="0" parTransId="{2834861F-4B64-4177-8CE7-0216F54EF80A}" sibTransId="{DE82F034-78C4-48B3-9BB2-76D27ADE0A36}"/>
+    <dgm:cxn modelId="{3160C87F-704F-4D2B-BDA0-70ECE419CBD0}" type="presOf" srcId="{4DD1A02F-0211-45F4-A00D-D280BDDD6D77}" destId="{02A75639-5D6E-4D68-BB54-840527442859}" srcOrd="0" destOrd="0" presId="urn:microsoft.com/office/officeart/2005/8/layout/hierarchy6"/>
+    <dgm:cxn modelId="{2BBF3153-E6CF-4F35-90AA-9E08AB31E3FE}" type="presOf" srcId="{590F06B3-EE6B-4773-B2AD-F710558B8DFD}" destId="{3B63FE4B-5B11-4C64-82E1-C9DE1AB2E962}" srcOrd="0" destOrd="0" presId="urn:microsoft.com/office/officeart/2005/8/layout/hierarchy6"/>
     <dgm:cxn modelId="{6FEEF645-F710-4F81-9CCC-430C415A072B}" srcId="{EAE38EFC-7A56-4E9A-A5BD-7278BE090C64}" destId="{A5EAAFE0-D4AD-4715-B05C-E9A9C26C498E}" srcOrd="0" destOrd="0" parTransId="{7F6A3BA8-689C-4688-B33D-2D491B91B659}" sibTransId="{674B067B-36EF-4FDB-8B86-B1FC40D931E5}"/>
-    <dgm:cxn modelId="{65642AA7-A386-4542-B27E-B543D3CEF339}" type="presOf" srcId="{8957AA00-A704-4DC2-8C0F-B2DB9E12CB75}" destId="{77A6E255-1E26-4744-A9A5-FB8CCD5D144D}" srcOrd="0" destOrd="0" presId="urn:microsoft.com/office/officeart/2005/8/layout/hierarchy6"/>
-    <dgm:cxn modelId="{B79103F2-D36E-46E2-9770-E8F8D654269B}" type="presOf" srcId="{51C7E774-777F-4D57-A8F1-8245F2BBBFA4}" destId="{E70EC387-CFDC-4A90-BBA6-007D1E6D336B}" srcOrd="0" destOrd="0" presId="urn:microsoft.com/office/officeart/2005/8/layout/hierarchy6"/>
-    <dgm:cxn modelId="{6C19F523-07EE-4851-9E3A-EAD2735DA6AD}" srcId="{B996AD30-A37F-45E2-A56C-4A93578795D0}" destId="{637545FA-5D5C-415A-B251-957A0D292BBF}" srcOrd="0" destOrd="0" parTransId="{51C7E774-777F-4D57-A8F1-8245F2BBBFA4}" sibTransId="{0A1D07E3-1DF8-4CF6-84B4-2539B4BBE579}"/>
-    <dgm:cxn modelId="{EA5330BA-6B61-4EE3-BD56-3DBBA74E13B5}" type="presOf" srcId="{D4A35DF8-6439-4142-932A-D8F181A49255}" destId="{50D52696-CA9D-46F5-8C97-92022C09A772}" srcOrd="0" destOrd="0" presId="urn:microsoft.com/office/officeart/2005/8/layout/hierarchy6"/>
-    <dgm:cxn modelId="{F4B9AC7A-EFCE-4F7D-ABE8-CEF39114DCC1}" type="presOf" srcId="{A5EAAFE0-D4AD-4715-B05C-E9A9C26C498E}" destId="{F01CEA6A-11C1-4306-BEAA-9149D39C79D0}" srcOrd="0" destOrd="0" presId="urn:microsoft.com/office/officeart/2005/8/layout/hierarchy6"/>
-    <dgm:cxn modelId="{926985C2-28CC-4DB8-BE1B-9E2B99B729A6}" type="presOf" srcId="{F01DEC85-3D23-4C0B-AD7F-EF50587BD217}" destId="{803D0DAE-D42F-4CE0-AB09-8E564BE0CA67}" srcOrd="0" destOrd="0" presId="urn:microsoft.com/office/officeart/2005/8/layout/hierarchy6"/>
-    <dgm:cxn modelId="{0CA9E6CE-BAC5-4BEF-BFD4-6B9B7DF2355F}" type="presOf" srcId="{2E9B1675-2CEF-4967-BD5B-0FCE22ACE24B}" destId="{E379E181-1EB0-47C1-9F32-D17B4A2218A0}" srcOrd="0" destOrd="0" presId="urn:microsoft.com/office/officeart/2005/8/layout/hierarchy6"/>
     <dgm:cxn modelId="{6B618E46-CA12-4791-BCF5-302472046EA6}" srcId="{590F06B3-EE6B-4773-B2AD-F710558B8DFD}" destId="{D02A3EE1-5902-4696-9CBA-832686A13E80}" srcOrd="1" destOrd="0" parTransId="{5B1A1E9A-0FAA-44E2-83A8-0AA5AEA9101E}" sibTransId="{C95E60D5-E0B8-4108-BFCB-E78D91E64F44}"/>
-    <dgm:cxn modelId="{F821E3AC-1267-40C8-BF73-65CB5EB3DD50}" type="presOf" srcId="{CC6DA225-0CA4-4B73-8439-82CF37C05055}" destId="{356EE76E-92D0-412C-883B-47D349FC289F}" srcOrd="0" destOrd="0" presId="urn:microsoft.com/office/officeart/2005/8/layout/hierarchy6"/>
-    <dgm:cxn modelId="{0E8C14AA-06C5-424E-82CB-6077FBE1DA59}" type="presOf" srcId="{637545FA-5D5C-415A-B251-957A0D292BBF}" destId="{C2E54644-67E0-44CE-BDC3-6A9624F62B71}" srcOrd="0" destOrd="0" presId="urn:microsoft.com/office/officeart/2005/8/layout/hierarchy6"/>
+    <dgm:cxn modelId="{2E2DC95F-EEF6-4BC3-9799-B1F92EF11751}" srcId="{637545FA-5D5C-415A-B251-957A0D292BBF}" destId="{DCA55099-AECC-4473-A8C3-60369B7BD6BE}" srcOrd="0" destOrd="0" parTransId="{6A856E58-8A7B-4CFF-A4A9-CC026F702904}" sibTransId="{B949ABDD-E5F9-499A-ACE5-5853640DCB31}"/>
+    <dgm:cxn modelId="{6D7A7D2B-6915-462C-9FAA-59423D1F92DC}" type="presOf" srcId="{6E922380-A5E0-443E-95A5-7D9591192682}" destId="{660A799D-DD5E-4FA9-BBEC-A00023EC1B48}" srcOrd="0" destOrd="0" presId="urn:microsoft.com/office/officeart/2005/8/layout/hierarchy6"/>
+    <dgm:cxn modelId="{6CA6FCB0-D795-4CC2-BA0A-5181F6EF1AD0}" type="presOf" srcId="{66B0DA7E-9108-42BB-910B-8A2F3B3DB5E9}" destId="{CFA57E76-4BB1-47B0-8881-276E9B171745}" srcOrd="0" destOrd="0" presId="urn:microsoft.com/office/officeart/2005/8/layout/hierarchy6"/>
+    <dgm:cxn modelId="{35284590-03F5-465A-BBCB-0E3A912BB73B}" type="presOf" srcId="{FF70C216-5F28-47B0-A95C-716307A14287}" destId="{96868860-C719-47BD-8D0E-ACF04911686E}" srcOrd="0" destOrd="0" presId="urn:microsoft.com/office/officeart/2005/8/layout/hierarchy6"/>
+    <dgm:cxn modelId="{59A811BF-A098-435F-B862-AF18DDBE5C02}" type="presOf" srcId="{5B1A1E9A-0FAA-44E2-83A8-0AA5AEA9101E}" destId="{6EF7C97C-A9D3-45D4-B610-5AA6AC4F7606}" srcOrd="0" destOrd="0" presId="urn:microsoft.com/office/officeart/2005/8/layout/hierarchy6"/>
     <dgm:cxn modelId="{0A3515AF-07A3-4A40-82AD-7AB605394C12}" srcId="{F854E760-87DF-4BCB-8A7D-5C4065CA229A}" destId="{590F06B3-EE6B-4773-B2AD-F710558B8DFD}" srcOrd="0" destOrd="0" parTransId="{2E9B1675-2CEF-4967-BD5B-0FCE22ACE24B}" sibTransId="{5A614B03-8A9A-4850-80F4-18CD0F0C3FFD}"/>
-    <dgm:cxn modelId="{C4709C80-DEFC-4522-8272-E16A86E95756}" srcId="{84427637-584A-4C2E-BDC9-1F5FA7002E31}" destId="{66B0DA7E-9108-42BB-910B-8A2F3B3DB5E9}" srcOrd="0" destOrd="0" parTransId="{6E922380-A5E0-443E-95A5-7D9591192682}" sibTransId="{E192D33D-C72D-4727-8310-57AC1387E757}"/>
-    <dgm:cxn modelId="{B0A1F6DA-5CA2-46B2-8159-CD5B4BE3DC2E}" type="presOf" srcId="{66B0DA7E-9108-42BB-910B-8A2F3B3DB5E9}" destId="{CFA57E76-4BB1-47B0-8881-276E9B171745}" srcOrd="0" destOrd="0" presId="urn:microsoft.com/office/officeart/2005/8/layout/hierarchy6"/>
-    <dgm:cxn modelId="{8AC57A0C-66D3-4EE8-A40A-9F2047806483}" type="presOf" srcId="{590F06B3-EE6B-4773-B2AD-F710558B8DFD}" destId="{3B63FE4B-5B11-4C64-82E1-C9DE1AB2E962}" srcOrd="0" destOrd="0" presId="urn:microsoft.com/office/officeart/2005/8/layout/hierarchy6"/>
-    <dgm:cxn modelId="{AEAD208E-59C7-421F-9ED9-CCFBEB772676}" type="presOf" srcId="{DCA55099-AECC-4473-A8C3-60369B7BD6BE}" destId="{03960A92-9968-4E25-B9B6-DB8F8695351D}" srcOrd="0" destOrd="0" presId="urn:microsoft.com/office/officeart/2005/8/layout/hierarchy6"/>
-    <dgm:cxn modelId="{16C81144-AE3D-4DD7-9A54-1FFF74692F92}" type="presOf" srcId="{FF70C216-5F28-47B0-A95C-716307A14287}" destId="{96868860-C719-47BD-8D0E-ACF04911686E}" srcOrd="0" destOrd="0" presId="urn:microsoft.com/office/officeart/2005/8/layout/hierarchy6"/>
-    <dgm:cxn modelId="{33BC8ABD-9E38-4089-AB69-9F88E505167B}" srcId="{D4A35DF8-6439-4142-932A-D8F181A49255}" destId="{8957AA00-A704-4DC2-8C0F-B2DB9E12CB75}" srcOrd="0" destOrd="0" parTransId="{F01DEC85-3D23-4C0B-AD7F-EF50587BD217}" sibTransId="{B45AD499-D741-4F3B-B34A-D0A39B1995BB}"/>
-    <dgm:cxn modelId="{03329B9A-AFCA-4263-AA97-7D881242D682}" type="presOf" srcId="{6A856E58-8A7B-4CFF-A4A9-CC026F702904}" destId="{98B1E3AD-C25A-4EAE-BF49-178D79AC331E}" srcOrd="0" destOrd="0" presId="urn:microsoft.com/office/officeart/2005/8/layout/hierarchy6"/>
-    <dgm:cxn modelId="{D82972D8-7DD6-4CD7-8DF1-A50F7F2308C2}" type="presOf" srcId="{F854E760-87DF-4BCB-8A7D-5C4065CA229A}" destId="{9C3FB224-150E-441B-BA49-F0514C204289}" srcOrd="0" destOrd="0" presId="urn:microsoft.com/office/officeart/2005/8/layout/hierarchy6"/>
-    <dgm:cxn modelId="{307176CD-535F-4A91-8787-3944362E26CF}" type="presOf" srcId="{D02A3EE1-5902-4696-9CBA-832686A13E80}" destId="{23B28D20-D850-4DA5-80B5-1D50A5B62742}" srcOrd="0" destOrd="0" presId="urn:microsoft.com/office/officeart/2005/8/layout/hierarchy6"/>
-    <dgm:cxn modelId="{45C650DC-47C4-4A7E-9A46-5A562D162707}" type="presOf" srcId="{7F6A3BA8-689C-4688-B33D-2D491B91B659}" destId="{18D87BC3-B8C4-46B7-81FF-DB3BDC702085}" srcOrd="0" destOrd="0" presId="urn:microsoft.com/office/officeart/2005/8/layout/hierarchy6"/>
-    <dgm:cxn modelId="{AED2C3CB-8678-44A9-93AA-2822D8674F41}" type="presOf" srcId="{2834861F-4B64-4177-8CE7-0216F54EF80A}" destId="{E08F1783-0B60-4CB2-93BD-BA3AF0DE7755}" srcOrd="0" destOrd="0" presId="urn:microsoft.com/office/officeart/2005/8/layout/hierarchy6"/>
-    <dgm:cxn modelId="{D6D84494-7CED-4A8B-82F2-8C4120988C51}" type="presOf" srcId="{69FFF6AA-8487-41AC-A6C5-68CE514C3B10}" destId="{2DDE84AC-E5B0-432E-B2B6-E5A2E74CF08B}" srcOrd="0" destOrd="0" presId="urn:microsoft.com/office/officeart/2005/8/layout/hierarchy6"/>
-    <dgm:cxn modelId="{30B3A0CE-9E82-4881-A127-D56285723A0C}" type="presOf" srcId="{84427637-584A-4C2E-BDC9-1F5FA7002E31}" destId="{5AF8B841-F609-49E6-8512-7EC9FFCD5C3E}" srcOrd="0" destOrd="0" presId="urn:microsoft.com/office/officeart/2005/8/layout/hierarchy6"/>
-    <dgm:cxn modelId="{6898A1AD-815A-48D7-A49A-7DB18A09787E}" srcId="{B996AD30-A37F-45E2-A56C-4A93578795D0}" destId="{D4A35DF8-6439-4142-932A-D8F181A49255}" srcOrd="1" destOrd="0" parTransId="{CC6DA225-0CA4-4B73-8439-82CF37C05055}" sibTransId="{901BB144-6DE9-49D7-BD79-46AA7C9F2AEB}"/>
-    <dgm:cxn modelId="{8AD1BC36-2973-4901-A15B-679589A9203E}" type="presOf" srcId="{B996AD30-A37F-45E2-A56C-4A93578795D0}" destId="{5218A8C5-B966-4469-8CA6-51A52C8697E1}" srcOrd="0" destOrd="0" presId="urn:microsoft.com/office/officeart/2005/8/layout/hierarchy6"/>
-    <dgm:cxn modelId="{B4755B5E-7C3D-41AA-A8EA-43107D6C77D6}" srcId="{590F06B3-EE6B-4773-B2AD-F710558B8DFD}" destId="{B996AD30-A37F-45E2-A56C-4A93578795D0}" srcOrd="0" destOrd="0" parTransId="{2834861F-4B64-4177-8CE7-0216F54EF80A}" sibTransId="{DE82F034-78C4-48B3-9BB2-76D27ADE0A36}"/>
-    <dgm:cxn modelId="{26F54EE0-8C60-4C83-A737-916A159BB9F5}" srcId="{69FFF6AA-8487-41AC-A6C5-68CE514C3B10}" destId="{F854E760-87DF-4BCB-8A7D-5C4065CA229A}" srcOrd="0" destOrd="0" parTransId="{61DB815F-A4B7-4933-B9CF-358A6CFA88B4}" sibTransId="{B3C7AD49-C188-4964-B3ED-CDACE0F6B6B4}"/>
-    <dgm:cxn modelId="{3A8A169F-2BF3-447A-9C89-729493A49589}" srcId="{66B0DA7E-9108-42BB-910B-8A2F3B3DB5E9}" destId="{EAE38EFC-7A56-4E9A-A5BD-7278BE090C64}" srcOrd="0" destOrd="0" parTransId="{FF70C216-5F28-47B0-A95C-716307A14287}" sibTransId="{C79CD6E5-70D8-4BBC-9789-5ED975634F33}"/>
-    <dgm:cxn modelId="{FBB5DB17-394E-4F46-B30A-5F6F6E73D89F}" type="presOf" srcId="{EAE38EFC-7A56-4E9A-A5BD-7278BE090C64}" destId="{EAC43240-0F38-4DD1-AFB9-F2B0A5848F06}" srcOrd="0" destOrd="0" presId="urn:microsoft.com/office/officeart/2005/8/layout/hierarchy6"/>
-    <dgm:cxn modelId="{B6CFFDAE-4B65-45B4-A24A-9B5901AFE1B1}" type="presOf" srcId="{4DD1A02F-0211-45F4-A00D-D280BDDD6D77}" destId="{02A75639-5D6E-4D68-BB54-840527442859}" srcOrd="0" destOrd="0" presId="urn:microsoft.com/office/officeart/2005/8/layout/hierarchy6"/>
-    <dgm:cxn modelId="{90F953FB-B28D-410D-966A-059343592817}" srcId="{F854E760-87DF-4BCB-8A7D-5C4065CA229A}" destId="{84427637-584A-4C2E-BDC9-1F5FA7002E31}" srcOrd="1" destOrd="0" parTransId="{4DD1A02F-0211-45F4-A00D-D280BDDD6D77}" sibTransId="{F02B00B6-0E00-4F4F-B26A-BE29A4EFC926}"/>
-    <dgm:cxn modelId="{2E2DC95F-EEF6-4BC3-9799-B1F92EF11751}" srcId="{637545FA-5D5C-415A-B251-957A0D292BBF}" destId="{DCA55099-AECC-4473-A8C3-60369B7BD6BE}" srcOrd="0" destOrd="0" parTransId="{6A856E58-8A7B-4CFF-A4A9-CC026F702904}" sibTransId="{B949ABDD-E5F9-499A-ACE5-5853640DCB31}"/>
-    <dgm:cxn modelId="{6E52392A-C11E-4C42-9CEE-E36A180281C5}" type="presOf" srcId="{5B1A1E9A-0FAA-44E2-83A8-0AA5AEA9101E}" destId="{6EF7C97C-A9D3-45D4-B610-5AA6AC4F7606}" srcOrd="0" destOrd="0" presId="urn:microsoft.com/office/officeart/2005/8/layout/hierarchy6"/>
-    <dgm:cxn modelId="{BA7C5689-311D-4828-9BEC-0D6DFE53E7DC}" type="presParOf" srcId="{2DDE84AC-E5B0-432E-B2B6-E5A2E74CF08B}" destId="{77C1C8C4-A015-4DCC-9116-39858D6D01EE}" srcOrd="0" destOrd="0" presId="urn:microsoft.com/office/officeart/2005/8/layout/hierarchy6"/>
-    <dgm:cxn modelId="{69ECEB93-1FC0-42A8-9F1F-D4876E7EBCCA}" type="presParOf" srcId="{77C1C8C4-A015-4DCC-9116-39858D6D01EE}" destId="{945ED93E-ED63-4957-AFE2-B7C35A1A6CF6}" srcOrd="0" destOrd="0" presId="urn:microsoft.com/office/officeart/2005/8/layout/hierarchy6"/>
-    <dgm:cxn modelId="{D2B05A10-D217-4DCF-BA04-DBEF48890C56}" type="presParOf" srcId="{945ED93E-ED63-4957-AFE2-B7C35A1A6CF6}" destId="{07813DAF-08C7-407D-9B98-6F199645FC94}" srcOrd="0" destOrd="0" presId="urn:microsoft.com/office/officeart/2005/8/layout/hierarchy6"/>
-    <dgm:cxn modelId="{1B43D11C-3040-46E0-A43B-0FDC7873F02B}" type="presParOf" srcId="{07813DAF-08C7-407D-9B98-6F199645FC94}" destId="{9C3FB224-150E-441B-BA49-F0514C204289}" srcOrd="0" destOrd="0" presId="urn:microsoft.com/office/officeart/2005/8/layout/hierarchy6"/>
-    <dgm:cxn modelId="{046E7827-A73A-4E31-A9D1-C30A0D7738A5}" type="presParOf" srcId="{07813DAF-08C7-407D-9B98-6F199645FC94}" destId="{738B6952-5D28-4A64-B86B-153CEAE6E576}" srcOrd="1" destOrd="0" presId="urn:microsoft.com/office/officeart/2005/8/layout/hierarchy6"/>
-    <dgm:cxn modelId="{75B385A7-6EF3-49F1-8EE3-B9374AFB1320}" type="presParOf" srcId="{738B6952-5D28-4A64-B86B-153CEAE6E576}" destId="{E379E181-1EB0-47C1-9F32-D17B4A2218A0}" srcOrd="0" destOrd="0" presId="urn:microsoft.com/office/officeart/2005/8/layout/hierarchy6"/>
-    <dgm:cxn modelId="{84BB4A17-B2B3-4C1B-87AA-806EA6218AC7}" type="presParOf" srcId="{738B6952-5D28-4A64-B86B-153CEAE6E576}" destId="{6A9F8184-828C-4739-B54A-DC706E485636}" srcOrd="1" destOrd="0" presId="urn:microsoft.com/office/officeart/2005/8/layout/hierarchy6"/>
-    <dgm:cxn modelId="{BA714711-404B-490E-AC32-CE083275EA5D}" type="presParOf" srcId="{6A9F8184-828C-4739-B54A-DC706E485636}" destId="{3B63FE4B-5B11-4C64-82E1-C9DE1AB2E962}" srcOrd="0" destOrd="0" presId="urn:microsoft.com/office/officeart/2005/8/layout/hierarchy6"/>
-    <dgm:cxn modelId="{2A7CE626-E5C9-4F7A-BE91-EEB75CE4C5C7}" type="presParOf" srcId="{6A9F8184-828C-4739-B54A-DC706E485636}" destId="{E41253A2-7D49-4746-A22D-37640DD7E8EB}" srcOrd="1" destOrd="0" presId="urn:microsoft.com/office/officeart/2005/8/layout/hierarchy6"/>
-    <dgm:cxn modelId="{726BBBED-870D-4B86-8664-6F8D84DC829A}" type="presParOf" srcId="{E41253A2-7D49-4746-A22D-37640DD7E8EB}" destId="{E08F1783-0B60-4CB2-93BD-BA3AF0DE7755}" srcOrd="0" destOrd="0" presId="urn:microsoft.com/office/officeart/2005/8/layout/hierarchy6"/>
-    <dgm:cxn modelId="{B0E35D99-C6AF-440C-83D2-F3C403A254FD}" type="presParOf" srcId="{E41253A2-7D49-4746-A22D-37640DD7E8EB}" destId="{0558E391-1FCE-4ADB-A03E-F87FF2AAEA6B}" srcOrd="1" destOrd="0" presId="urn:microsoft.com/office/officeart/2005/8/layout/hierarchy6"/>
-    <dgm:cxn modelId="{F390F472-E0C3-4A4C-8E1A-FE5753435B47}" type="presParOf" srcId="{0558E391-1FCE-4ADB-A03E-F87FF2AAEA6B}" destId="{5218A8C5-B966-4469-8CA6-51A52C8697E1}" srcOrd="0" destOrd="0" presId="urn:microsoft.com/office/officeart/2005/8/layout/hierarchy6"/>
-    <dgm:cxn modelId="{98B928B0-2597-4EB6-9C31-0FFE1F0F5E18}" type="presParOf" srcId="{0558E391-1FCE-4ADB-A03E-F87FF2AAEA6B}" destId="{48B3F07E-D9C0-4AE5-95D1-B2BEA0981788}" srcOrd="1" destOrd="0" presId="urn:microsoft.com/office/officeart/2005/8/layout/hierarchy6"/>
-    <dgm:cxn modelId="{64F0ED4B-9244-450B-B3F3-CCF47D761730}" type="presParOf" srcId="{48B3F07E-D9C0-4AE5-95D1-B2BEA0981788}" destId="{E70EC387-CFDC-4A90-BBA6-007D1E6D336B}" srcOrd="0" destOrd="0" presId="urn:microsoft.com/office/officeart/2005/8/layout/hierarchy6"/>
-    <dgm:cxn modelId="{FD9074B9-E169-4864-B411-546681E7229F}" type="presParOf" srcId="{48B3F07E-D9C0-4AE5-95D1-B2BEA0981788}" destId="{7DCF6FBC-4125-49DE-AF80-EB68648FEE9B}" srcOrd="1" destOrd="0" presId="urn:microsoft.com/office/officeart/2005/8/layout/hierarchy6"/>
-    <dgm:cxn modelId="{48B0F7B1-75ED-44D3-BB58-03907F3D0257}" type="presParOf" srcId="{7DCF6FBC-4125-49DE-AF80-EB68648FEE9B}" destId="{C2E54644-67E0-44CE-BDC3-6A9624F62B71}" srcOrd="0" destOrd="0" presId="urn:microsoft.com/office/officeart/2005/8/layout/hierarchy6"/>
-    <dgm:cxn modelId="{29DBC389-F334-4365-9A0D-D2C359C36A06}" type="presParOf" srcId="{7DCF6FBC-4125-49DE-AF80-EB68648FEE9B}" destId="{B6D7251D-3CB0-4218-9DBA-018EEA7D5E9B}" srcOrd="1" destOrd="0" presId="urn:microsoft.com/office/officeart/2005/8/layout/hierarchy6"/>
-    <dgm:cxn modelId="{80EEF398-E270-49CC-BEDB-394B0D007A43}" type="presParOf" srcId="{B6D7251D-3CB0-4218-9DBA-018EEA7D5E9B}" destId="{98B1E3AD-C25A-4EAE-BF49-178D79AC331E}" srcOrd="0" destOrd="0" presId="urn:microsoft.com/office/officeart/2005/8/layout/hierarchy6"/>
-    <dgm:cxn modelId="{4089885F-EA10-495D-8C9C-B7BA97E3C5C3}" type="presParOf" srcId="{B6D7251D-3CB0-4218-9DBA-018EEA7D5E9B}" destId="{3A94CAFF-0D50-4BF9-A94C-18D4150E74A6}" srcOrd="1" destOrd="0" presId="urn:microsoft.com/office/officeart/2005/8/layout/hierarchy6"/>
-    <dgm:cxn modelId="{FB221DE4-5817-40BD-91DF-941CE085C34C}" type="presParOf" srcId="{3A94CAFF-0D50-4BF9-A94C-18D4150E74A6}" destId="{03960A92-9968-4E25-B9B6-DB8F8695351D}" srcOrd="0" destOrd="0" presId="urn:microsoft.com/office/officeart/2005/8/layout/hierarchy6"/>
-    <dgm:cxn modelId="{B4A0C2CE-B308-4F08-8AB8-4456FDA15625}" type="presParOf" srcId="{3A94CAFF-0D50-4BF9-A94C-18D4150E74A6}" destId="{2DB1649C-665E-43E8-AF72-8CA5C89EBBE5}" srcOrd="1" destOrd="0" presId="urn:microsoft.com/office/officeart/2005/8/layout/hierarchy6"/>
-    <dgm:cxn modelId="{1FA41FB6-1067-4105-9DB1-D4FC0DE16594}" type="presParOf" srcId="{48B3F07E-D9C0-4AE5-95D1-B2BEA0981788}" destId="{356EE76E-92D0-412C-883B-47D349FC289F}" srcOrd="2" destOrd="0" presId="urn:microsoft.com/office/officeart/2005/8/layout/hierarchy6"/>
-    <dgm:cxn modelId="{EB0E9CCD-C4AC-4569-B148-C80C9D5B6FFB}" type="presParOf" srcId="{48B3F07E-D9C0-4AE5-95D1-B2BEA0981788}" destId="{C5B1BCF7-4B65-4BCE-80C7-090EE9190BEA}" srcOrd="3" destOrd="0" presId="urn:microsoft.com/office/officeart/2005/8/layout/hierarchy6"/>
-    <dgm:cxn modelId="{F03E40F4-8AEC-4FA5-93C8-EA3F5FE8D996}" type="presParOf" srcId="{C5B1BCF7-4B65-4BCE-80C7-090EE9190BEA}" destId="{50D52696-CA9D-46F5-8C97-92022C09A772}" srcOrd="0" destOrd="0" presId="urn:microsoft.com/office/officeart/2005/8/layout/hierarchy6"/>
-    <dgm:cxn modelId="{2F37FF02-1C99-4814-A908-B359B1CDB8A1}" type="presParOf" srcId="{C5B1BCF7-4B65-4BCE-80C7-090EE9190BEA}" destId="{DB077FA8-1765-4FDA-ACEA-B6459EFC354B}" srcOrd="1" destOrd="0" presId="urn:microsoft.com/office/officeart/2005/8/layout/hierarchy6"/>
-    <dgm:cxn modelId="{16265491-7818-42FB-85A3-0AF0638963C0}" type="presParOf" srcId="{DB077FA8-1765-4FDA-ACEA-B6459EFC354B}" destId="{803D0DAE-D42F-4CE0-AB09-8E564BE0CA67}" srcOrd="0" destOrd="0" presId="urn:microsoft.com/office/officeart/2005/8/layout/hierarchy6"/>
-    <dgm:cxn modelId="{A6FC0004-1298-418A-9BA9-63DE85EF6FA0}" type="presParOf" srcId="{DB077FA8-1765-4FDA-ACEA-B6459EFC354B}" destId="{F40B94B5-B341-419F-A569-6BA25DD891CD}" srcOrd="1" destOrd="0" presId="urn:microsoft.com/office/officeart/2005/8/layout/hierarchy6"/>
-    <dgm:cxn modelId="{F3F73623-2B81-47AF-9C1A-1A6BB0428DC6}" type="presParOf" srcId="{F40B94B5-B341-419F-A569-6BA25DD891CD}" destId="{77A6E255-1E26-4744-A9A5-FB8CCD5D144D}" srcOrd="0" destOrd="0" presId="urn:microsoft.com/office/officeart/2005/8/layout/hierarchy6"/>
-    <dgm:cxn modelId="{EE648CB5-4F7C-421C-8304-9CAABFC65124}" type="presParOf" srcId="{F40B94B5-B341-419F-A569-6BA25DD891CD}" destId="{628281F8-C624-4768-9449-1CC38311D78D}" srcOrd="1" destOrd="0" presId="urn:microsoft.com/office/officeart/2005/8/layout/hierarchy6"/>
-    <dgm:cxn modelId="{A5BDF37F-5765-4020-B2D7-8D084983339F}" type="presParOf" srcId="{E41253A2-7D49-4746-A22D-37640DD7E8EB}" destId="{6EF7C97C-A9D3-45D4-B610-5AA6AC4F7606}" srcOrd="2" destOrd="0" presId="urn:microsoft.com/office/officeart/2005/8/layout/hierarchy6"/>
-    <dgm:cxn modelId="{0FE0B9A1-8149-4836-BB8F-D1E87B4BB280}" type="presParOf" srcId="{E41253A2-7D49-4746-A22D-37640DD7E8EB}" destId="{32B8B505-15F5-491E-B0EA-E8553D2DC456}" srcOrd="3" destOrd="0" presId="urn:microsoft.com/office/officeart/2005/8/layout/hierarchy6"/>
-    <dgm:cxn modelId="{EDF10CDF-B53D-4560-B393-676CF00827A0}" type="presParOf" srcId="{32B8B505-15F5-491E-B0EA-E8553D2DC456}" destId="{23B28D20-D850-4DA5-80B5-1D50A5B62742}" srcOrd="0" destOrd="0" presId="urn:microsoft.com/office/officeart/2005/8/layout/hierarchy6"/>
-    <dgm:cxn modelId="{6B0A333C-466C-41EB-AA82-1CA13209A159}" type="presParOf" srcId="{32B8B505-15F5-491E-B0EA-E8553D2DC456}" destId="{A44142FF-D47E-44F0-BB8B-100546C8FFDD}" srcOrd="1" destOrd="0" presId="urn:microsoft.com/office/officeart/2005/8/layout/hierarchy6"/>
-    <dgm:cxn modelId="{1919136F-6C10-43BF-84C1-47395EE8095E}" type="presParOf" srcId="{738B6952-5D28-4A64-B86B-153CEAE6E576}" destId="{02A75639-5D6E-4D68-BB54-840527442859}" srcOrd="2" destOrd="0" presId="urn:microsoft.com/office/officeart/2005/8/layout/hierarchy6"/>
-    <dgm:cxn modelId="{F48C2887-20E1-4564-835D-1653577410F4}" type="presParOf" srcId="{738B6952-5D28-4A64-B86B-153CEAE6E576}" destId="{A23FE89D-0A5A-4E84-BCE6-18A13AEE42F6}" srcOrd="3" destOrd="0" presId="urn:microsoft.com/office/officeart/2005/8/layout/hierarchy6"/>
-    <dgm:cxn modelId="{AEF9F3FE-6B60-4452-A42D-18D20382AEC2}" type="presParOf" srcId="{A23FE89D-0A5A-4E84-BCE6-18A13AEE42F6}" destId="{5AF8B841-F609-49E6-8512-7EC9FFCD5C3E}" srcOrd="0" destOrd="0" presId="urn:microsoft.com/office/officeart/2005/8/layout/hierarchy6"/>
-    <dgm:cxn modelId="{549DAAE0-C279-4018-8624-D34EDC13B96F}" type="presParOf" srcId="{A23FE89D-0A5A-4E84-BCE6-18A13AEE42F6}" destId="{0E265392-6AF4-4731-A36C-35197F1ED85A}" srcOrd="1" destOrd="0" presId="urn:microsoft.com/office/officeart/2005/8/layout/hierarchy6"/>
-    <dgm:cxn modelId="{0185FA0C-6DB6-4006-BC78-DB227A14E569}" type="presParOf" srcId="{0E265392-6AF4-4731-A36C-35197F1ED85A}" destId="{660A799D-DD5E-4FA9-BBEC-A00023EC1B48}" srcOrd="0" destOrd="0" presId="urn:microsoft.com/office/officeart/2005/8/layout/hierarchy6"/>
-    <dgm:cxn modelId="{732A4DD9-AA51-4FA0-93F6-20507638A353}" type="presParOf" srcId="{0E265392-6AF4-4731-A36C-35197F1ED85A}" destId="{0448ED9A-7360-4DC8-B482-12C455D07CFE}" srcOrd="1" destOrd="0" presId="urn:microsoft.com/office/officeart/2005/8/layout/hierarchy6"/>
-    <dgm:cxn modelId="{8AD6106A-B47D-407A-981F-F6FB3473AA5A}" type="presParOf" srcId="{0448ED9A-7360-4DC8-B482-12C455D07CFE}" destId="{CFA57E76-4BB1-47B0-8881-276E9B171745}" srcOrd="0" destOrd="0" presId="urn:microsoft.com/office/officeart/2005/8/layout/hierarchy6"/>
-    <dgm:cxn modelId="{0D3F6F08-7C41-4A7A-AD65-892B5BD0DC06}" type="presParOf" srcId="{0448ED9A-7360-4DC8-B482-12C455D07CFE}" destId="{33E129CD-E71B-4B9B-B90F-64B295F65A7D}" srcOrd="1" destOrd="0" presId="urn:microsoft.com/office/officeart/2005/8/layout/hierarchy6"/>
-    <dgm:cxn modelId="{CDB850D8-EE96-4C6A-8E66-4E93955AB576}" type="presParOf" srcId="{33E129CD-E71B-4B9B-B90F-64B295F65A7D}" destId="{96868860-C719-47BD-8D0E-ACF04911686E}" srcOrd="0" destOrd="0" presId="urn:microsoft.com/office/officeart/2005/8/layout/hierarchy6"/>
-    <dgm:cxn modelId="{D149EB18-43F1-492A-AC0B-C7950CE671DA}" type="presParOf" srcId="{33E129CD-E71B-4B9B-B90F-64B295F65A7D}" destId="{43696550-756D-4C6A-A488-749DD4182BC5}" srcOrd="1" destOrd="0" presId="urn:microsoft.com/office/officeart/2005/8/layout/hierarchy6"/>
-    <dgm:cxn modelId="{8F736483-B1A9-4C1F-ABEB-47EA25DE04D7}" type="presParOf" srcId="{43696550-756D-4C6A-A488-749DD4182BC5}" destId="{EAC43240-0F38-4DD1-AFB9-F2B0A5848F06}" srcOrd="0" destOrd="0" presId="urn:microsoft.com/office/officeart/2005/8/layout/hierarchy6"/>
-    <dgm:cxn modelId="{8D88A29B-2D61-4F7C-A852-D778DA523EE7}" type="presParOf" srcId="{43696550-756D-4C6A-A488-749DD4182BC5}" destId="{70AC41C2-8AA4-42CA-B166-F3C7DFCE1C3A}" srcOrd="1" destOrd="0" presId="urn:microsoft.com/office/officeart/2005/8/layout/hierarchy6"/>
-    <dgm:cxn modelId="{92112717-8951-45A5-BCC9-2AAF566EE2D6}" type="presParOf" srcId="{70AC41C2-8AA4-42CA-B166-F3C7DFCE1C3A}" destId="{18D87BC3-B8C4-46B7-81FF-DB3BDC702085}" srcOrd="0" destOrd="0" presId="urn:microsoft.com/office/officeart/2005/8/layout/hierarchy6"/>
-    <dgm:cxn modelId="{E9042FA7-FE15-4223-9B00-7ABCE345D2B9}" type="presParOf" srcId="{70AC41C2-8AA4-42CA-B166-F3C7DFCE1C3A}" destId="{6AE9705C-7667-4A92-ADA2-5631085F825A}" srcOrd="1" destOrd="0" presId="urn:microsoft.com/office/officeart/2005/8/layout/hierarchy6"/>
-    <dgm:cxn modelId="{843F9105-BA46-4ABF-868D-960AD7273E5E}" type="presParOf" srcId="{6AE9705C-7667-4A92-ADA2-5631085F825A}" destId="{F01CEA6A-11C1-4306-BEAA-9149D39C79D0}" srcOrd="0" destOrd="0" presId="urn:microsoft.com/office/officeart/2005/8/layout/hierarchy6"/>
-    <dgm:cxn modelId="{4CCABBDB-D44B-434A-9852-C26FA5DFF354}" type="presParOf" srcId="{6AE9705C-7667-4A92-ADA2-5631085F825A}" destId="{95AE6687-76A0-4E68-9EA3-DFF850AAD5A3}" srcOrd="1" destOrd="0" presId="urn:microsoft.com/office/officeart/2005/8/layout/hierarchy6"/>
-    <dgm:cxn modelId="{BC51B93B-3FD6-4032-AB98-5323E85C03B5}" type="presParOf" srcId="{2DDE84AC-E5B0-432E-B2B6-E5A2E74CF08B}" destId="{277CF412-4C8B-4D9C-AE92-F951317A09B4}" srcOrd="1" destOrd="0" presId="urn:microsoft.com/office/officeart/2005/8/layout/hierarchy6"/>
+    <dgm:cxn modelId="{ECFA33F2-0AFA-4AD9-A055-33025ECAACD3}" type="presOf" srcId="{CC6DA225-0CA4-4B73-8439-82CF37C05055}" destId="{356EE76E-92D0-412C-883B-47D349FC289F}" srcOrd="0" destOrd="0" presId="urn:microsoft.com/office/officeart/2005/8/layout/hierarchy6"/>
+    <dgm:cxn modelId="{D3A4716B-DCFD-40FD-BD62-17AC87FDB891}" type="presOf" srcId="{0D6B85DA-7B12-4E0E-8A5C-3BF3C07F6D83}" destId="{0545D670-A1E2-4089-A27F-89F669923129}" srcOrd="0" destOrd="0" presId="urn:microsoft.com/office/officeart/2005/8/layout/hierarchy6"/>
+    <dgm:cxn modelId="{ACC9822C-12E7-4533-9AF1-FC542C86ACBD}" type="presOf" srcId="{84427637-584A-4C2E-BDC9-1F5FA7002E31}" destId="{5AF8B841-F609-49E6-8512-7EC9FFCD5C3E}" srcOrd="0" destOrd="0" presId="urn:microsoft.com/office/officeart/2005/8/layout/hierarchy6"/>
+    <dgm:cxn modelId="{4B39DD42-62A4-4870-94A7-572082B029D0}" type="presOf" srcId="{51C7E774-777F-4D57-A8F1-8245F2BBBFA4}" destId="{E70EC387-CFDC-4A90-BBA6-007D1E6D336B}" srcOrd="0" destOrd="0" presId="urn:microsoft.com/office/officeart/2005/8/layout/hierarchy6"/>
+    <dgm:cxn modelId="{52AA9C25-FCA2-4668-BC3C-EDB2C363FF10}" srcId="{D4A35DF8-6439-4142-932A-D8F181A49255}" destId="{5D964CC0-AC30-4033-B224-559C8D62B272}" srcOrd="0" destOrd="0" parTransId="{0D6B85DA-7B12-4E0E-8A5C-3BF3C07F6D83}" sibTransId="{5DC7DDFB-7AAE-45D2-8E7C-C4EDD29B0AC1}"/>
+    <dgm:cxn modelId="{5E8A2FBD-CF26-4294-B8AC-5EE32A15105C}" type="presOf" srcId="{D02A3EE1-5902-4696-9CBA-832686A13E80}" destId="{23B28D20-D850-4DA5-80B5-1D50A5B62742}" srcOrd="0" destOrd="0" presId="urn:microsoft.com/office/officeart/2005/8/layout/hierarchy6"/>
+    <dgm:cxn modelId="{965AD8BA-0066-464E-8B51-7F483C27A838}" type="presOf" srcId="{7F6A3BA8-689C-4688-B33D-2D491B91B659}" destId="{18D87BC3-B8C4-46B7-81FF-DB3BDC702085}" srcOrd="0" destOrd="0" presId="urn:microsoft.com/office/officeart/2005/8/layout/hierarchy6"/>
+    <dgm:cxn modelId="{227031E9-3710-4C3F-B895-504EABD1ADA0}" type="presParOf" srcId="{2DDE84AC-E5B0-432E-B2B6-E5A2E74CF08B}" destId="{77C1C8C4-A015-4DCC-9116-39858D6D01EE}" srcOrd="0" destOrd="0" presId="urn:microsoft.com/office/officeart/2005/8/layout/hierarchy6"/>
+    <dgm:cxn modelId="{817A1FFA-8917-4290-99D2-D560E906BA29}" type="presParOf" srcId="{77C1C8C4-A015-4DCC-9116-39858D6D01EE}" destId="{945ED93E-ED63-4957-AFE2-B7C35A1A6CF6}" srcOrd="0" destOrd="0" presId="urn:microsoft.com/office/officeart/2005/8/layout/hierarchy6"/>
+    <dgm:cxn modelId="{143226FF-7F7D-4FAD-AE8F-93EBBCF2973C}" type="presParOf" srcId="{945ED93E-ED63-4957-AFE2-B7C35A1A6CF6}" destId="{07813DAF-08C7-407D-9B98-6F199645FC94}" srcOrd="0" destOrd="0" presId="urn:microsoft.com/office/officeart/2005/8/layout/hierarchy6"/>
+    <dgm:cxn modelId="{ECCB55D5-AB1B-48BE-976B-CD42807EB4AF}" type="presParOf" srcId="{07813DAF-08C7-407D-9B98-6F199645FC94}" destId="{9C3FB224-150E-441B-BA49-F0514C204289}" srcOrd="0" destOrd="0" presId="urn:microsoft.com/office/officeart/2005/8/layout/hierarchy6"/>
+    <dgm:cxn modelId="{0E080959-22FA-4302-B5FC-EAD6793B95E9}" type="presParOf" srcId="{07813DAF-08C7-407D-9B98-6F199645FC94}" destId="{738B6952-5D28-4A64-B86B-153CEAE6E576}" srcOrd="1" destOrd="0" presId="urn:microsoft.com/office/officeart/2005/8/layout/hierarchy6"/>
+    <dgm:cxn modelId="{0469E005-C6FE-4FB5-9118-4E1E8DD64E13}" type="presParOf" srcId="{738B6952-5D28-4A64-B86B-153CEAE6E576}" destId="{E379E181-1EB0-47C1-9F32-D17B4A2218A0}" srcOrd="0" destOrd="0" presId="urn:microsoft.com/office/officeart/2005/8/layout/hierarchy6"/>
+    <dgm:cxn modelId="{3552487D-B5DF-479F-A19D-63A4F6E5B8BB}" type="presParOf" srcId="{738B6952-5D28-4A64-B86B-153CEAE6E576}" destId="{6A9F8184-828C-4739-B54A-DC706E485636}" srcOrd="1" destOrd="0" presId="urn:microsoft.com/office/officeart/2005/8/layout/hierarchy6"/>
+    <dgm:cxn modelId="{D74CC7A5-891F-41D7-A3E6-3E32B09B55EC}" type="presParOf" srcId="{6A9F8184-828C-4739-B54A-DC706E485636}" destId="{3B63FE4B-5B11-4C64-82E1-C9DE1AB2E962}" srcOrd="0" destOrd="0" presId="urn:microsoft.com/office/officeart/2005/8/layout/hierarchy6"/>
+    <dgm:cxn modelId="{1F119169-690D-4E0A-9A95-0869D066076D}" type="presParOf" srcId="{6A9F8184-828C-4739-B54A-DC706E485636}" destId="{E41253A2-7D49-4746-A22D-37640DD7E8EB}" srcOrd="1" destOrd="0" presId="urn:microsoft.com/office/officeart/2005/8/layout/hierarchy6"/>
+    <dgm:cxn modelId="{6A2BF4C9-6DFA-4976-8FEF-2816617F4E63}" type="presParOf" srcId="{E41253A2-7D49-4746-A22D-37640DD7E8EB}" destId="{E08F1783-0B60-4CB2-93BD-BA3AF0DE7755}" srcOrd="0" destOrd="0" presId="urn:microsoft.com/office/officeart/2005/8/layout/hierarchy6"/>
+    <dgm:cxn modelId="{86E76EAA-B388-484C-87FF-010F1C01BFFD}" type="presParOf" srcId="{E41253A2-7D49-4746-A22D-37640DD7E8EB}" destId="{0558E391-1FCE-4ADB-A03E-F87FF2AAEA6B}" srcOrd="1" destOrd="0" presId="urn:microsoft.com/office/officeart/2005/8/layout/hierarchy6"/>
+    <dgm:cxn modelId="{7F2C6AAB-FB25-46E9-B202-C4E0AEF68515}" type="presParOf" srcId="{0558E391-1FCE-4ADB-A03E-F87FF2AAEA6B}" destId="{5218A8C5-B966-4469-8CA6-51A52C8697E1}" srcOrd="0" destOrd="0" presId="urn:microsoft.com/office/officeart/2005/8/layout/hierarchy6"/>
+    <dgm:cxn modelId="{E0FA6F1C-2F9A-405B-B6AE-E743001FEC29}" type="presParOf" srcId="{0558E391-1FCE-4ADB-A03E-F87FF2AAEA6B}" destId="{48B3F07E-D9C0-4AE5-95D1-B2BEA0981788}" srcOrd="1" destOrd="0" presId="urn:microsoft.com/office/officeart/2005/8/layout/hierarchy6"/>
+    <dgm:cxn modelId="{B7819339-F8CC-4EF0-9634-A40AC085E4F9}" type="presParOf" srcId="{48B3F07E-D9C0-4AE5-95D1-B2BEA0981788}" destId="{E70EC387-CFDC-4A90-BBA6-007D1E6D336B}" srcOrd="0" destOrd="0" presId="urn:microsoft.com/office/officeart/2005/8/layout/hierarchy6"/>
+    <dgm:cxn modelId="{1D30808E-EEEE-446F-91C7-20D4CCB55A16}" type="presParOf" srcId="{48B3F07E-D9C0-4AE5-95D1-B2BEA0981788}" destId="{7DCF6FBC-4125-49DE-AF80-EB68648FEE9B}" srcOrd="1" destOrd="0" presId="urn:microsoft.com/office/officeart/2005/8/layout/hierarchy6"/>
+    <dgm:cxn modelId="{B2475DD8-5D63-46C5-B90D-1D0F694E56BC}" type="presParOf" srcId="{7DCF6FBC-4125-49DE-AF80-EB68648FEE9B}" destId="{C2E54644-67E0-44CE-BDC3-6A9624F62B71}" srcOrd="0" destOrd="0" presId="urn:microsoft.com/office/officeart/2005/8/layout/hierarchy6"/>
+    <dgm:cxn modelId="{EBA19ABD-D73F-44F6-90E2-06A0A33A5780}" type="presParOf" srcId="{7DCF6FBC-4125-49DE-AF80-EB68648FEE9B}" destId="{B6D7251D-3CB0-4218-9DBA-018EEA7D5E9B}" srcOrd="1" destOrd="0" presId="urn:microsoft.com/office/officeart/2005/8/layout/hierarchy6"/>
+    <dgm:cxn modelId="{DEC7DB29-9751-4189-8E63-E1DFCC97AD6D}" type="presParOf" srcId="{B6D7251D-3CB0-4218-9DBA-018EEA7D5E9B}" destId="{98B1E3AD-C25A-4EAE-BF49-178D79AC331E}" srcOrd="0" destOrd="0" presId="urn:microsoft.com/office/officeart/2005/8/layout/hierarchy6"/>
+    <dgm:cxn modelId="{07BAC037-0CF1-4D01-AAE9-5C4D814A7D05}" type="presParOf" srcId="{B6D7251D-3CB0-4218-9DBA-018EEA7D5E9B}" destId="{3A94CAFF-0D50-4BF9-A94C-18D4150E74A6}" srcOrd="1" destOrd="0" presId="urn:microsoft.com/office/officeart/2005/8/layout/hierarchy6"/>
+    <dgm:cxn modelId="{524FBCB8-C742-4DAD-9E98-5A1A647CB836}" type="presParOf" srcId="{3A94CAFF-0D50-4BF9-A94C-18D4150E74A6}" destId="{03960A92-9968-4E25-B9B6-DB8F8695351D}" srcOrd="0" destOrd="0" presId="urn:microsoft.com/office/officeart/2005/8/layout/hierarchy6"/>
+    <dgm:cxn modelId="{D881E47C-6C48-4806-9DFE-8FB0BE688645}" type="presParOf" srcId="{3A94CAFF-0D50-4BF9-A94C-18D4150E74A6}" destId="{2DB1649C-665E-43E8-AF72-8CA5C89EBBE5}" srcOrd="1" destOrd="0" presId="urn:microsoft.com/office/officeart/2005/8/layout/hierarchy6"/>
+    <dgm:cxn modelId="{866A25A3-C3D6-48A2-B9E9-EBADE5906BC5}" type="presParOf" srcId="{48B3F07E-D9C0-4AE5-95D1-B2BEA0981788}" destId="{356EE76E-92D0-412C-883B-47D349FC289F}" srcOrd="2" destOrd="0" presId="urn:microsoft.com/office/officeart/2005/8/layout/hierarchy6"/>
+    <dgm:cxn modelId="{4F80944A-CFF8-45C8-8296-BE038EEAD707}" type="presParOf" srcId="{48B3F07E-D9C0-4AE5-95D1-B2BEA0981788}" destId="{C5B1BCF7-4B65-4BCE-80C7-090EE9190BEA}" srcOrd="3" destOrd="0" presId="urn:microsoft.com/office/officeart/2005/8/layout/hierarchy6"/>
+    <dgm:cxn modelId="{18AE370F-F7D8-4176-BB31-AA3B9E6D2125}" type="presParOf" srcId="{C5B1BCF7-4B65-4BCE-80C7-090EE9190BEA}" destId="{50D52696-CA9D-46F5-8C97-92022C09A772}" srcOrd="0" destOrd="0" presId="urn:microsoft.com/office/officeart/2005/8/layout/hierarchy6"/>
+    <dgm:cxn modelId="{A12C2FCB-3D06-4552-88D0-DD4F0B857D52}" type="presParOf" srcId="{C5B1BCF7-4B65-4BCE-80C7-090EE9190BEA}" destId="{DB077FA8-1765-4FDA-ACEA-B6459EFC354B}" srcOrd="1" destOrd="0" presId="urn:microsoft.com/office/officeart/2005/8/layout/hierarchy6"/>
+    <dgm:cxn modelId="{F4F8CF37-134A-4AF7-AD51-EAAC25CB0094}" type="presParOf" srcId="{DB077FA8-1765-4FDA-ACEA-B6459EFC354B}" destId="{0545D670-A1E2-4089-A27F-89F669923129}" srcOrd="0" destOrd="0" presId="urn:microsoft.com/office/officeart/2005/8/layout/hierarchy6"/>
+    <dgm:cxn modelId="{76CBC17E-D21C-4B5E-A453-8D2C833B9F03}" type="presParOf" srcId="{DB077FA8-1765-4FDA-ACEA-B6459EFC354B}" destId="{0BACA1C5-91D8-4703-ACAC-100922D0A349}" srcOrd="1" destOrd="0" presId="urn:microsoft.com/office/officeart/2005/8/layout/hierarchy6"/>
+    <dgm:cxn modelId="{42100043-3B3E-4EA9-8C5D-151E73EE7C82}" type="presParOf" srcId="{0BACA1C5-91D8-4703-ACAC-100922D0A349}" destId="{E6FE98C9-4564-4A1B-95FA-DE388EC7CBCA}" srcOrd="0" destOrd="0" presId="urn:microsoft.com/office/officeart/2005/8/layout/hierarchy6"/>
+    <dgm:cxn modelId="{B4DE2A47-30ED-4DDC-9FB6-C0E0734814BF}" type="presParOf" srcId="{0BACA1C5-91D8-4703-ACAC-100922D0A349}" destId="{6EDDE820-759F-4334-BAF0-AEF0B9A6A603}" srcOrd="1" destOrd="0" presId="urn:microsoft.com/office/officeart/2005/8/layout/hierarchy6"/>
+    <dgm:cxn modelId="{FBD2D48C-1B5B-42DE-8556-1330135F746B}" type="presParOf" srcId="{E41253A2-7D49-4746-A22D-37640DD7E8EB}" destId="{6EF7C97C-A9D3-45D4-B610-5AA6AC4F7606}" srcOrd="2" destOrd="0" presId="urn:microsoft.com/office/officeart/2005/8/layout/hierarchy6"/>
+    <dgm:cxn modelId="{A6CA55CD-CEE1-4376-BA0B-E3ADF8DEA3A8}" type="presParOf" srcId="{E41253A2-7D49-4746-A22D-37640DD7E8EB}" destId="{32B8B505-15F5-491E-B0EA-E8553D2DC456}" srcOrd="3" destOrd="0" presId="urn:microsoft.com/office/officeart/2005/8/layout/hierarchy6"/>
+    <dgm:cxn modelId="{379F31E1-FD01-4595-A820-822C324847D9}" type="presParOf" srcId="{32B8B505-15F5-491E-B0EA-E8553D2DC456}" destId="{23B28D20-D850-4DA5-80B5-1D50A5B62742}" srcOrd="0" destOrd="0" presId="urn:microsoft.com/office/officeart/2005/8/layout/hierarchy6"/>
+    <dgm:cxn modelId="{3D6B3F5A-239B-488B-B308-DB8E9A3692A1}" type="presParOf" srcId="{32B8B505-15F5-491E-B0EA-E8553D2DC456}" destId="{A44142FF-D47E-44F0-BB8B-100546C8FFDD}" srcOrd="1" destOrd="0" presId="urn:microsoft.com/office/officeart/2005/8/layout/hierarchy6"/>
+    <dgm:cxn modelId="{7D8E58F6-554F-4576-A253-9C9C3B66F412}" type="presParOf" srcId="{738B6952-5D28-4A64-B86B-153CEAE6E576}" destId="{02A75639-5D6E-4D68-BB54-840527442859}" srcOrd="2" destOrd="0" presId="urn:microsoft.com/office/officeart/2005/8/layout/hierarchy6"/>
+    <dgm:cxn modelId="{51CB113F-B75A-49B4-997F-EFB060E6EDFF}" type="presParOf" srcId="{738B6952-5D28-4A64-B86B-153CEAE6E576}" destId="{A23FE89D-0A5A-4E84-BCE6-18A13AEE42F6}" srcOrd="3" destOrd="0" presId="urn:microsoft.com/office/officeart/2005/8/layout/hierarchy6"/>
+    <dgm:cxn modelId="{5718753D-C3DC-4730-AA05-E2FD2C8BC6BF}" type="presParOf" srcId="{A23FE89D-0A5A-4E84-BCE6-18A13AEE42F6}" destId="{5AF8B841-F609-49E6-8512-7EC9FFCD5C3E}" srcOrd="0" destOrd="0" presId="urn:microsoft.com/office/officeart/2005/8/layout/hierarchy6"/>
+    <dgm:cxn modelId="{FF692B7F-9A87-431A-AB24-DFABE8C512BA}" type="presParOf" srcId="{A23FE89D-0A5A-4E84-BCE6-18A13AEE42F6}" destId="{0E265392-6AF4-4731-A36C-35197F1ED85A}" srcOrd="1" destOrd="0" presId="urn:microsoft.com/office/officeart/2005/8/layout/hierarchy6"/>
+    <dgm:cxn modelId="{12F5565D-76FC-44D9-A354-98A3D9B86B9E}" type="presParOf" srcId="{0E265392-6AF4-4731-A36C-35197F1ED85A}" destId="{660A799D-DD5E-4FA9-BBEC-A00023EC1B48}" srcOrd="0" destOrd="0" presId="urn:microsoft.com/office/officeart/2005/8/layout/hierarchy6"/>
+    <dgm:cxn modelId="{419D97B6-E985-4471-B4F9-6D1B3393132A}" type="presParOf" srcId="{0E265392-6AF4-4731-A36C-35197F1ED85A}" destId="{0448ED9A-7360-4DC8-B482-12C455D07CFE}" srcOrd="1" destOrd="0" presId="urn:microsoft.com/office/officeart/2005/8/layout/hierarchy6"/>
+    <dgm:cxn modelId="{2AA85582-FC54-4022-9D34-E558B1F8E3D8}" type="presParOf" srcId="{0448ED9A-7360-4DC8-B482-12C455D07CFE}" destId="{CFA57E76-4BB1-47B0-8881-276E9B171745}" srcOrd="0" destOrd="0" presId="urn:microsoft.com/office/officeart/2005/8/layout/hierarchy6"/>
+    <dgm:cxn modelId="{570F322E-96C7-4622-B918-B9576575D1CD}" type="presParOf" srcId="{0448ED9A-7360-4DC8-B482-12C455D07CFE}" destId="{33E129CD-E71B-4B9B-B90F-64B295F65A7D}" srcOrd="1" destOrd="0" presId="urn:microsoft.com/office/officeart/2005/8/layout/hierarchy6"/>
+    <dgm:cxn modelId="{4BDDE62B-5614-42C9-ADAC-B3783D02DF48}" type="presParOf" srcId="{33E129CD-E71B-4B9B-B90F-64B295F65A7D}" destId="{96868860-C719-47BD-8D0E-ACF04911686E}" srcOrd="0" destOrd="0" presId="urn:microsoft.com/office/officeart/2005/8/layout/hierarchy6"/>
+    <dgm:cxn modelId="{9A020B39-C1FF-479A-9E6A-56F6540C0C5F}" type="presParOf" srcId="{33E129CD-E71B-4B9B-B90F-64B295F65A7D}" destId="{43696550-756D-4C6A-A488-749DD4182BC5}" srcOrd="1" destOrd="0" presId="urn:microsoft.com/office/officeart/2005/8/layout/hierarchy6"/>
+    <dgm:cxn modelId="{02221770-815C-47BB-A712-6EF703930552}" type="presParOf" srcId="{43696550-756D-4C6A-A488-749DD4182BC5}" destId="{EAC43240-0F38-4DD1-AFB9-F2B0A5848F06}" srcOrd="0" destOrd="0" presId="urn:microsoft.com/office/officeart/2005/8/layout/hierarchy6"/>
+    <dgm:cxn modelId="{8C43299A-79A6-4EF9-AA06-EB54EE584D9D}" type="presParOf" srcId="{43696550-756D-4C6A-A488-749DD4182BC5}" destId="{70AC41C2-8AA4-42CA-B166-F3C7DFCE1C3A}" srcOrd="1" destOrd="0" presId="urn:microsoft.com/office/officeart/2005/8/layout/hierarchy6"/>
+    <dgm:cxn modelId="{84B85C02-F4FF-451A-867B-EE3269E9DFDE}" type="presParOf" srcId="{70AC41C2-8AA4-42CA-B166-F3C7DFCE1C3A}" destId="{18D87BC3-B8C4-46B7-81FF-DB3BDC702085}" srcOrd="0" destOrd="0" presId="urn:microsoft.com/office/officeart/2005/8/layout/hierarchy6"/>
+    <dgm:cxn modelId="{6E11C244-9E11-4874-A328-887DBA70A892}" type="presParOf" srcId="{70AC41C2-8AA4-42CA-B166-F3C7DFCE1C3A}" destId="{6AE9705C-7667-4A92-ADA2-5631085F825A}" srcOrd="1" destOrd="0" presId="urn:microsoft.com/office/officeart/2005/8/layout/hierarchy6"/>
+    <dgm:cxn modelId="{DD0650BD-BC71-4478-B2C6-E4589151AA89}" type="presParOf" srcId="{6AE9705C-7667-4A92-ADA2-5631085F825A}" destId="{F01CEA6A-11C1-4306-BEAA-9149D39C79D0}" srcOrd="0" destOrd="0" presId="urn:microsoft.com/office/officeart/2005/8/layout/hierarchy6"/>
+    <dgm:cxn modelId="{C59A03F9-560A-488F-AEF2-0CEE8CA21FAE}" type="presParOf" srcId="{6AE9705C-7667-4A92-ADA2-5631085F825A}" destId="{95AE6687-76A0-4E68-9EA3-DFF850AAD5A3}" srcOrd="1" destOrd="0" presId="urn:microsoft.com/office/officeart/2005/8/layout/hierarchy6"/>
+    <dgm:cxn modelId="{F760E177-C38B-4134-B48B-0865A3EDA813}" type="presParOf" srcId="{2DDE84AC-E5B0-432E-B2B6-E5A2E74CF08B}" destId="{277CF412-4C8B-4D9C-AE92-F951317A09B4}" srcOrd="1" destOrd="0" presId="urn:microsoft.com/office/officeart/2005/8/layout/hierarchy6"/>
   </dgm:cxnLst>
   <dgm:bg/>
   <dgm:whole/>
@@ -11381,11 +11401,7 @@
           </a:pPr>
           <a:r>
             <a:rPr lang="en-US" sz="1300" kern="1200" smtClean="0"/>
-            <a:t> </a:t>
-          </a:r>
-          <a:r>
-            <a:rPr lang="en-US" sz="1300" kern="1200" smtClean="0"/>
-            <a:t>Purchasing Organization</a:t>
+            <a:t> Purchasing Organization</a:t>
           </a:r>
           <a:endParaRPr lang="en-US" sz="1300" kern="1200"/>
         </a:p>
@@ -12189,11 +12205,7 @@
           </a:pPr>
           <a:r>
             <a:rPr lang="en-US" sz="1300" kern="1200" smtClean="0"/>
-            <a:t> </a:t>
-          </a:r>
-          <a:r>
-            <a:rPr lang="en-US" sz="1300" kern="1200" smtClean="0"/>
-            <a:t>Purchasing Organization</a:t>
+            <a:t> Purchasing Organization</a:t>
           </a:r>
           <a:endParaRPr lang="en-US" sz="1300" kern="1200"/>
         </a:p>
@@ -12357,8 +12369,8 @@
       </dsp:nvSpPr>
       <dsp:spPr>
         <a:xfrm>
-          <a:off x="4060318" y="1300114"/>
-          <a:ext cx="1056893" cy="451024"/>
+          <a:off x="4116611" y="1065368"/>
+          <a:ext cx="1375169" cy="586847"/>
         </a:xfrm>
         <a:prstGeom prst="roundRect">
           <a:avLst>
@@ -12422,8 +12434,8 @@
         </a:p>
       </dsp:txBody>
       <dsp:txXfrm>
-        <a:off x="4073528" y="1313324"/>
-        <a:ext cx="1030473" cy="424604"/>
+        <a:off x="4133799" y="1082556"/>
+        <a:ext cx="1340793" cy="552471"/>
       </dsp:txXfrm>
     </dsp:sp>
     <dsp:sp modelId="{E379E181-1EB0-47C1-9F32-D17B4A2218A0}">
@@ -12433,8 +12445,8 @@
       </dsp:nvSpPr>
       <dsp:spPr>
         <a:xfrm>
-          <a:off x="3364981" y="1751138"/>
-          <a:ext cx="1223783" cy="241157"/>
+          <a:off x="3211878" y="1652215"/>
+          <a:ext cx="1592317" cy="313780"/>
         </a:xfrm>
         <a:custGeom>
           <a:avLst/>
@@ -12445,16 +12457,16 @@
           <a:pathLst>
             <a:path>
               <a:moveTo>
-                <a:pt x="1223783" y="0"/>
+                <a:pt x="1592317" y="0"/>
               </a:moveTo>
               <a:lnTo>
-                <a:pt x="1223783" y="120578"/>
+                <a:pt x="1592317" y="156890"/>
               </a:lnTo>
               <a:lnTo>
-                <a:pt x="0" y="120578"/>
+                <a:pt x="0" y="156890"/>
               </a:lnTo>
               <a:lnTo>
-                <a:pt x="0" y="241157"/>
+                <a:pt x="0" y="313780"/>
               </a:lnTo>
             </a:path>
           </a:pathLst>
@@ -12494,8 +12506,8 @@
       </dsp:nvSpPr>
       <dsp:spPr>
         <a:xfrm>
-          <a:off x="2836535" y="1992296"/>
-          <a:ext cx="1056893" cy="451024"/>
+          <a:off x="2524294" y="1965995"/>
+          <a:ext cx="1375169" cy="586847"/>
         </a:xfrm>
         <a:prstGeom prst="roundRect">
           <a:avLst>
@@ -12559,8 +12571,8 @@
         </a:p>
       </dsp:txBody>
       <dsp:txXfrm>
-        <a:off x="2849745" y="2005506"/>
-        <a:ext cx="1030473" cy="424604"/>
+        <a:off x="2541482" y="1983183"/>
+        <a:ext cx="1340793" cy="552471"/>
       </dsp:txXfrm>
     </dsp:sp>
     <dsp:sp modelId="{E08F1783-0B60-4CB2-93BD-BA3AF0DE7755}">
@@ -12570,8 +12582,8 @@
       </dsp:nvSpPr>
       <dsp:spPr>
         <a:xfrm>
-          <a:off x="2773741" y="2443320"/>
-          <a:ext cx="591240" cy="393538"/>
+          <a:off x="2442589" y="2552843"/>
+          <a:ext cx="769289" cy="512049"/>
         </a:xfrm>
         <a:custGeom>
           <a:avLst/>
@@ -12582,16 +12594,16 @@
           <a:pathLst>
             <a:path>
               <a:moveTo>
-                <a:pt x="591240" y="0"/>
+                <a:pt x="769289" y="0"/>
               </a:moveTo>
               <a:lnTo>
-                <a:pt x="591240" y="196769"/>
+                <a:pt x="769289" y="256024"/>
               </a:lnTo>
               <a:lnTo>
-                <a:pt x="0" y="196769"/>
+                <a:pt x="0" y="256024"/>
               </a:lnTo>
               <a:lnTo>
-                <a:pt x="0" y="393538"/>
+                <a:pt x="0" y="512049"/>
               </a:lnTo>
             </a:path>
           </a:pathLst>
@@ -12631,8 +12643,8 @@
       </dsp:nvSpPr>
       <dsp:spPr>
         <a:xfrm>
-          <a:off x="2245294" y="2836858"/>
-          <a:ext cx="1056893" cy="451024"/>
+          <a:off x="1755005" y="3064892"/>
+          <a:ext cx="1375169" cy="586847"/>
         </a:xfrm>
         <a:prstGeom prst="roundRect">
           <a:avLst>
@@ -12696,8 +12708,8 @@
         </a:p>
       </dsp:txBody>
       <dsp:txXfrm>
-        <a:off x="2258504" y="2850068"/>
-        <a:ext cx="1030473" cy="424604"/>
+        <a:off x="1772193" y="3082080"/>
+        <a:ext cx="1340793" cy="552471"/>
       </dsp:txXfrm>
     </dsp:sp>
     <dsp:sp modelId="{E70EC387-CFDC-4A90-BBA6-007D1E6D336B}">
@@ -12707,8 +12719,8 @@
       </dsp:nvSpPr>
       <dsp:spPr>
         <a:xfrm>
-          <a:off x="1788303" y="3287882"/>
-          <a:ext cx="985437" cy="431703"/>
+          <a:off x="1160394" y="3651739"/>
+          <a:ext cx="1282195" cy="484088"/>
         </a:xfrm>
         <a:custGeom>
           <a:avLst/>
@@ -12719,16 +12731,16 @@
           <a:pathLst>
             <a:path>
               <a:moveTo>
-                <a:pt x="985437" y="0"/>
+                <a:pt x="1282195" y="0"/>
               </a:moveTo>
               <a:lnTo>
-                <a:pt x="985437" y="215851"/>
+                <a:pt x="1282195" y="242044"/>
               </a:lnTo>
               <a:lnTo>
-                <a:pt x="0" y="215851"/>
+                <a:pt x="0" y="242044"/>
               </a:lnTo>
               <a:lnTo>
-                <a:pt x="0" y="431703"/>
+                <a:pt x="0" y="484088"/>
               </a:lnTo>
             </a:path>
           </a:pathLst>
@@ -12768,8 +12780,8 @@
       </dsp:nvSpPr>
       <dsp:spPr>
         <a:xfrm>
-          <a:off x="897373" y="3719585"/>
-          <a:ext cx="1781860" cy="451024"/>
+          <a:off x="1166" y="4135828"/>
+          <a:ext cx="2318456" cy="586847"/>
         </a:xfrm>
         <a:prstGeom prst="roundRect">
           <a:avLst>
@@ -12833,8 +12845,8 @@
         </a:p>
       </dsp:txBody>
       <dsp:txXfrm>
-        <a:off x="910583" y="3732795"/>
-        <a:ext cx="1755440" cy="424604"/>
+        <a:off x="18354" y="4153016"/>
+        <a:ext cx="2284080" cy="552471"/>
       </dsp:txXfrm>
     </dsp:sp>
     <dsp:sp modelId="{98B1E3AD-C25A-4EAE-BF49-178D79AC331E}">
@@ -12844,8 +12856,8 @@
       </dsp:nvSpPr>
       <dsp:spPr>
         <a:xfrm>
-          <a:off x="1742583" y="4170609"/>
-          <a:ext cx="91440" cy="347860"/>
+          <a:off x="1114674" y="4722675"/>
+          <a:ext cx="91440" cy="336457"/>
         </a:xfrm>
         <a:custGeom>
           <a:avLst/>
@@ -12859,7 +12871,7 @@
                 <a:pt x="45720" y="0"/>
               </a:moveTo>
               <a:lnTo>
-                <a:pt x="45720" y="347860"/>
+                <a:pt x="45720" y="336457"/>
               </a:lnTo>
             </a:path>
           </a:pathLst>
@@ -12899,8 +12911,8 @@
       </dsp:nvSpPr>
       <dsp:spPr>
         <a:xfrm>
-          <a:off x="1259857" y="4518469"/>
-          <a:ext cx="1056893" cy="451024"/>
+          <a:off x="472809" y="5059132"/>
+          <a:ext cx="1375169" cy="586847"/>
         </a:xfrm>
         <a:prstGeom prst="roundRect">
           <a:avLst>
@@ -12940,12 +12952,12 @@
         </a:fontRef>
       </dsp:style>
       <dsp:txBody>
-        <a:bodyPr spcFirstLastPara="0" vert="horz" wrap="square" lIns="49530" tIns="49530" rIns="49530" bIns="49530" numCol="1" spcCol="1270" anchor="ctr" anchorCtr="0">
+        <a:bodyPr spcFirstLastPara="0" vert="horz" wrap="square" lIns="64770" tIns="64770" rIns="64770" bIns="64770" numCol="1" spcCol="1270" anchor="ctr" anchorCtr="0">
           <a:noAutofit/>
         </a:bodyPr>
         <a:lstStyle/>
         <a:p>
-          <a:pPr lvl="0" algn="ctr" defTabSz="577850">
+          <a:pPr lvl="0" algn="ctr" defTabSz="755650">
             <a:lnSpc>
               <a:spcPct val="90000"/>
             </a:lnSpc>
@@ -12956,12 +12968,12 @@
               <a:spcPct val="35000"/>
             </a:spcAft>
           </a:pPr>
-          <a:endParaRPr lang="en-US" sz="1300" kern="1200"/>
+          <a:endParaRPr lang="en-US" sz="1700" kern="1200"/>
         </a:p>
       </dsp:txBody>
       <dsp:txXfrm>
-        <a:off x="1273067" y="4531679"/>
-        <a:ext cx="1030473" cy="424604"/>
+        <a:off x="489997" y="5076320"/>
+        <a:ext cx="1340793" cy="552471"/>
       </dsp:txXfrm>
     </dsp:sp>
     <dsp:sp modelId="{356EE76E-92D0-412C-883B-47D349FC289F}">
@@ -12971,8 +12983,8 @@
       </dsp:nvSpPr>
       <dsp:spPr>
         <a:xfrm>
-          <a:off x="2773741" y="3287882"/>
-          <a:ext cx="953724" cy="431703"/>
+          <a:off x="2442589" y="3651739"/>
+          <a:ext cx="1240932" cy="484088"/>
         </a:xfrm>
         <a:custGeom>
           <a:avLst/>
@@ -12986,13 +12998,13 @@
                 <a:pt x="0" y="0"/>
               </a:moveTo>
               <a:lnTo>
-                <a:pt x="0" y="215851"/>
+                <a:pt x="0" y="242044"/>
               </a:lnTo>
               <a:lnTo>
-                <a:pt x="953724" y="215851"/>
+                <a:pt x="1240932" y="242044"/>
               </a:lnTo>
               <a:lnTo>
-                <a:pt x="953724" y="431703"/>
+                <a:pt x="1240932" y="484088"/>
               </a:lnTo>
             </a:path>
           </a:pathLst>
@@ -13032,8 +13044,8 @@
       </dsp:nvSpPr>
       <dsp:spPr>
         <a:xfrm>
-          <a:off x="2804822" y="3719585"/>
-          <a:ext cx="1845286" cy="451024"/>
+          <a:off x="2483030" y="4135828"/>
+          <a:ext cx="2400982" cy="586847"/>
         </a:xfrm>
         <a:prstGeom prst="roundRect">
           <a:avLst>
@@ -13097,8 +13109,8 @@
         </a:p>
       </dsp:txBody>
       <dsp:txXfrm>
-        <a:off x="2818032" y="3732795"/>
-        <a:ext cx="1818866" cy="424604"/>
+        <a:off x="2500218" y="4153016"/>
+        <a:ext cx="2366606" cy="552471"/>
       </dsp:txXfrm>
     </dsp:sp>
     <dsp:sp modelId="{0545D670-A1E2-4089-A27F-89F669923129}">
@@ -13108,8 +13120,8 @@
       </dsp:nvSpPr>
       <dsp:spPr>
         <a:xfrm>
-          <a:off x="3681745" y="4170609"/>
-          <a:ext cx="91440" cy="347860"/>
+          <a:off x="3637802" y="4722675"/>
+          <a:ext cx="91440" cy="560174"/>
         </a:xfrm>
         <a:custGeom>
           <a:avLst/>
@@ -13123,7 +13135,7 @@
                 <a:pt x="45720" y="0"/>
               </a:moveTo>
               <a:lnTo>
-                <a:pt x="45720" y="347860"/>
+                <a:pt x="45720" y="560174"/>
               </a:lnTo>
             </a:path>
           </a:pathLst>
@@ -13163,8 +13175,8 @@
       </dsp:nvSpPr>
       <dsp:spPr>
         <a:xfrm>
-          <a:off x="3518151" y="4518469"/>
-          <a:ext cx="418627" cy="279085"/>
+          <a:off x="3411174" y="5282850"/>
+          <a:ext cx="544694" cy="363129"/>
         </a:xfrm>
         <a:prstGeom prst="roundRect">
           <a:avLst>
@@ -13207,12 +13219,12 @@
         </a:fontRef>
       </dsp:style>
       <dsp:txBody>
-        <a:bodyPr spcFirstLastPara="0" vert="horz" wrap="square" lIns="45720" tIns="45720" rIns="45720" bIns="45720" numCol="1" spcCol="1270" anchor="ctr" anchorCtr="0">
+        <a:bodyPr spcFirstLastPara="0" vert="horz" wrap="square" lIns="60960" tIns="60960" rIns="60960" bIns="60960" numCol="1" spcCol="1270" anchor="ctr" anchorCtr="0">
           <a:noAutofit/>
         </a:bodyPr>
         <a:lstStyle/>
         <a:p>
-          <a:pPr lvl="0" algn="ctr" defTabSz="533400">
+          <a:pPr lvl="0" algn="ctr" defTabSz="711200">
             <a:lnSpc>
               <a:spcPct val="90000"/>
             </a:lnSpc>
@@ -13223,12 +13235,12 @@
               <a:spcPct val="35000"/>
             </a:spcAft>
           </a:pPr>
-          <a:endParaRPr lang="en-US" sz="1200" kern="1200"/>
+          <a:endParaRPr lang="en-US" sz="1600" kern="1200"/>
         </a:p>
       </dsp:txBody>
       <dsp:txXfrm>
-        <a:off x="3526325" y="4526643"/>
-        <a:ext cx="402279" cy="262737"/>
+        <a:off x="3421810" y="5293486"/>
+        <a:ext cx="523422" cy="341857"/>
       </dsp:txXfrm>
     </dsp:sp>
     <dsp:sp modelId="{6EF7C97C-A9D3-45D4-B610-5AA6AC4F7606}">
@@ -13238,8 +13250,8 @@
       </dsp:nvSpPr>
       <dsp:spPr>
         <a:xfrm>
-          <a:off x="3364981" y="2443320"/>
-          <a:ext cx="591240" cy="393538"/>
+          <a:off x="3211878" y="2552843"/>
+          <a:ext cx="769289" cy="512049"/>
         </a:xfrm>
         <a:custGeom>
           <a:avLst/>
@@ -13253,13 +13265,13 @@
                 <a:pt x="0" y="0"/>
               </a:moveTo>
               <a:lnTo>
-                <a:pt x="0" y="196769"/>
+                <a:pt x="0" y="256024"/>
               </a:lnTo>
               <a:lnTo>
-                <a:pt x="591240" y="196769"/>
+                <a:pt x="769289" y="256024"/>
               </a:lnTo>
               <a:lnTo>
-                <a:pt x="591240" y="393538"/>
+                <a:pt x="769289" y="512049"/>
               </a:lnTo>
             </a:path>
           </a:pathLst>
@@ -13299,8 +13311,8 @@
       </dsp:nvSpPr>
       <dsp:spPr>
         <a:xfrm>
-          <a:off x="3427775" y="2836858"/>
-          <a:ext cx="1056893" cy="451024"/>
+          <a:off x="3293583" y="3064892"/>
+          <a:ext cx="1375169" cy="586847"/>
         </a:xfrm>
         <a:prstGeom prst="roundRect">
           <a:avLst>
@@ -13364,8 +13376,8 @@
         </a:p>
       </dsp:txBody>
       <dsp:txXfrm>
-        <a:off x="3440985" y="2850068"/>
-        <a:ext cx="1030473" cy="424604"/>
+        <a:off x="3310771" y="3082080"/>
+        <a:ext cx="1340793" cy="552471"/>
       </dsp:txXfrm>
     </dsp:sp>
     <dsp:sp modelId="{02A75639-5D6E-4D68-BB54-840527442859}">
@@ -13375,8 +13387,8 @@
       </dsp:nvSpPr>
       <dsp:spPr>
         <a:xfrm>
-          <a:off x="4588765" y="1751138"/>
-          <a:ext cx="1223783" cy="241157"/>
+          <a:off x="4804196" y="1652215"/>
+          <a:ext cx="1592317" cy="313780"/>
         </a:xfrm>
         <a:custGeom>
           <a:avLst/>
@@ -13390,13 +13402,13 @@
                 <a:pt x="0" y="0"/>
               </a:moveTo>
               <a:lnTo>
-                <a:pt x="0" y="120578"/>
+                <a:pt x="0" y="156890"/>
               </a:lnTo>
               <a:lnTo>
-                <a:pt x="1223783" y="120578"/>
+                <a:pt x="1592317" y="156890"/>
               </a:lnTo>
               <a:lnTo>
-                <a:pt x="1223783" y="241157"/>
+                <a:pt x="1592317" y="313780"/>
               </a:lnTo>
             </a:path>
           </a:pathLst>
@@ -13436,8 +13448,8 @@
       </dsp:nvSpPr>
       <dsp:spPr>
         <a:xfrm>
-          <a:off x="5284101" y="1992296"/>
-          <a:ext cx="1056893" cy="451024"/>
+          <a:off x="5708929" y="1965995"/>
+          <a:ext cx="1375169" cy="586847"/>
         </a:xfrm>
         <a:prstGeom prst="roundRect">
           <a:avLst>
@@ -13501,8 +13513,8 @@
         </a:p>
       </dsp:txBody>
       <dsp:txXfrm>
-        <a:off x="5297311" y="2005506"/>
-        <a:ext cx="1030473" cy="424604"/>
+        <a:off x="5726117" y="1983183"/>
+        <a:ext cx="1340793" cy="552471"/>
       </dsp:txXfrm>
     </dsp:sp>
     <dsp:sp modelId="{660A799D-DD5E-4FA9-BBEC-A00023EC1B48}">
@@ -13512,8 +13524,8 @@
       </dsp:nvSpPr>
       <dsp:spPr>
         <a:xfrm>
-          <a:off x="5766828" y="2443320"/>
-          <a:ext cx="91440" cy="393538"/>
+          <a:off x="6350794" y="2552843"/>
+          <a:ext cx="91440" cy="512049"/>
         </a:xfrm>
         <a:custGeom>
           <a:avLst/>
@@ -13527,7 +13539,7 @@
                 <a:pt x="45720" y="0"/>
               </a:moveTo>
               <a:lnTo>
-                <a:pt x="45720" y="393538"/>
+                <a:pt x="45720" y="512049"/>
               </a:lnTo>
             </a:path>
           </a:pathLst>
@@ -13567,8 +13579,8 @@
       </dsp:nvSpPr>
       <dsp:spPr>
         <a:xfrm>
-          <a:off x="5284101" y="2836858"/>
-          <a:ext cx="1056893" cy="451024"/>
+          <a:off x="5708929" y="3064892"/>
+          <a:ext cx="1375169" cy="586847"/>
         </a:xfrm>
         <a:prstGeom prst="roundRect">
           <a:avLst>
@@ -13632,8 +13644,8 @@
         </a:p>
       </dsp:txBody>
       <dsp:txXfrm>
-        <a:off x="5297311" y="2850068"/>
-        <a:ext cx="1030473" cy="424604"/>
+        <a:off x="5726117" y="3082080"/>
+        <a:ext cx="1340793" cy="552471"/>
       </dsp:txXfrm>
     </dsp:sp>
     <dsp:sp modelId="{96868860-C719-47BD-8D0E-ACF04911686E}">
@@ -13643,8 +13655,8 @@
       </dsp:nvSpPr>
       <dsp:spPr>
         <a:xfrm>
-          <a:off x="5766828" y="3287882"/>
-          <a:ext cx="91440" cy="431703"/>
+          <a:off x="6350794" y="3651739"/>
+          <a:ext cx="91440" cy="484088"/>
         </a:xfrm>
         <a:custGeom>
           <a:avLst/>
@@ -13658,7 +13670,7 @@
                 <a:pt x="45720" y="0"/>
               </a:moveTo>
               <a:lnTo>
-                <a:pt x="45720" y="431703"/>
+                <a:pt x="45720" y="484088"/>
               </a:lnTo>
             </a:path>
           </a:pathLst>
@@ -13698,8 +13710,8 @@
       </dsp:nvSpPr>
       <dsp:spPr>
         <a:xfrm>
-          <a:off x="4991196" y="3719585"/>
-          <a:ext cx="1642704" cy="451024"/>
+          <a:off x="5327817" y="4135828"/>
+          <a:ext cx="2137393" cy="586847"/>
         </a:xfrm>
         <a:prstGeom prst="roundRect">
           <a:avLst>
@@ -13763,8 +13775,8 @@
         </a:p>
       </dsp:txBody>
       <dsp:txXfrm>
-        <a:off x="5004406" y="3732795"/>
-        <a:ext cx="1616284" cy="424604"/>
+        <a:off x="5345005" y="4153016"/>
+        <a:ext cx="2103017" cy="552471"/>
       </dsp:txXfrm>
     </dsp:sp>
     <dsp:sp modelId="{18D87BC3-B8C4-46B7-81FF-DB3BDC702085}">
@@ -13774,8 +13786,8 @@
       </dsp:nvSpPr>
       <dsp:spPr>
         <a:xfrm>
-          <a:off x="5766828" y="4170609"/>
-          <a:ext cx="91440" cy="347860"/>
+          <a:off x="6350794" y="4722675"/>
+          <a:ext cx="91440" cy="336457"/>
         </a:xfrm>
         <a:custGeom>
           <a:avLst/>
@@ -13789,7 +13801,7 @@
                 <a:pt x="45720" y="0"/>
               </a:moveTo>
               <a:lnTo>
-                <a:pt x="45720" y="347860"/>
+                <a:pt x="45720" y="336457"/>
               </a:lnTo>
             </a:path>
           </a:pathLst>
@@ -13829,8 +13841,8 @@
       </dsp:nvSpPr>
       <dsp:spPr>
         <a:xfrm>
-          <a:off x="4775697" y="4518469"/>
-          <a:ext cx="2073702" cy="451024"/>
+          <a:off x="5047422" y="5059132"/>
+          <a:ext cx="2698184" cy="586847"/>
         </a:xfrm>
         <a:prstGeom prst="roundRect">
           <a:avLst>
@@ -13870,12 +13882,12 @@
         </a:fontRef>
       </dsp:style>
       <dsp:txBody>
-        <a:bodyPr spcFirstLastPara="0" vert="horz" wrap="square" lIns="49530" tIns="49530" rIns="49530" bIns="49530" numCol="1" spcCol="1270" anchor="ctr" anchorCtr="0">
+        <a:bodyPr spcFirstLastPara="0" vert="horz" wrap="square" lIns="64770" tIns="64770" rIns="64770" bIns="64770" numCol="1" spcCol="1270" anchor="ctr" anchorCtr="0">
           <a:noAutofit/>
         </a:bodyPr>
         <a:lstStyle/>
         <a:p>
-          <a:pPr lvl="0" algn="ctr" defTabSz="577850">
+          <a:pPr lvl="0" algn="ctr" defTabSz="755650">
             <a:lnSpc>
               <a:spcPct val="90000"/>
             </a:lnSpc>
@@ -13887,19 +13899,15 @@
             </a:spcAft>
           </a:pPr>
           <a:r>
-            <a:rPr lang="en-US" sz="1300" kern="1200" smtClean="0"/>
-            <a:t> </a:t>
+            <a:rPr lang="en-US" sz="1700" kern="1200" smtClean="0"/>
+            <a:t> Purchasing Organization</a:t>
           </a:r>
-          <a:r>
-            <a:rPr lang="en-US" sz="1300" kern="1200" smtClean="0"/>
-            <a:t>Purchasing Organization</a:t>
-          </a:r>
-          <a:endParaRPr lang="en-US" sz="1300" kern="1200"/>
+          <a:endParaRPr lang="en-US" sz="1700" kern="1200"/>
         </a:p>
       </dsp:txBody>
       <dsp:txXfrm>
-        <a:off x="4788907" y="4531679"/>
-        <a:ext cx="2047282" cy="424604"/>
+        <a:off x="5064610" y="5076320"/>
+        <a:ext cx="2663808" cy="552471"/>
       </dsp:txXfrm>
     </dsp:sp>
   </dsp:spTree>
@@ -13921,8 +13929,8 @@
       </dsp:nvSpPr>
       <dsp:spPr>
         <a:xfrm>
-          <a:off x="2858034" y="742510"/>
-          <a:ext cx="1072981" cy="457889"/>
+          <a:off x="4116611" y="1065368"/>
+          <a:ext cx="1375169" cy="586847"/>
         </a:xfrm>
         <a:prstGeom prst="roundRect">
           <a:avLst>
@@ -13986,8 +13994,8 @@
         </a:p>
       </dsp:txBody>
       <dsp:txXfrm>
-        <a:off x="2871445" y="755921"/>
-        <a:ext cx="1046159" cy="431067"/>
+        <a:off x="4133799" y="1082556"/>
+        <a:ext cx="1340793" cy="552471"/>
       </dsp:txXfrm>
     </dsp:sp>
     <dsp:sp modelId="{E379E181-1EB0-47C1-9F32-D17B4A2218A0}">
@@ -13997,8 +14005,8 @@
       </dsp:nvSpPr>
       <dsp:spPr>
         <a:xfrm>
-          <a:off x="2494164" y="1200399"/>
-          <a:ext cx="900360" cy="113333"/>
+          <a:off x="3211878" y="1652215"/>
+          <a:ext cx="1592317" cy="313780"/>
         </a:xfrm>
         <a:custGeom>
           <a:avLst/>
@@ -14009,16 +14017,16 @@
           <a:pathLst>
             <a:path>
               <a:moveTo>
-                <a:pt x="900360" y="0"/>
+                <a:pt x="1592317" y="0"/>
               </a:moveTo>
               <a:lnTo>
-                <a:pt x="900360" y="56666"/>
+                <a:pt x="1592317" y="156890"/>
               </a:lnTo>
               <a:lnTo>
-                <a:pt x="0" y="56666"/>
+                <a:pt x="0" y="156890"/>
               </a:lnTo>
               <a:lnTo>
-                <a:pt x="0" y="113333"/>
+                <a:pt x="0" y="313780"/>
               </a:lnTo>
             </a:path>
           </a:pathLst>
@@ -14058,8 +14066,8 @@
       </dsp:nvSpPr>
       <dsp:spPr>
         <a:xfrm>
-          <a:off x="1957673" y="1313733"/>
-          <a:ext cx="1072981" cy="457889"/>
+          <a:off x="2524294" y="1965995"/>
+          <a:ext cx="1375169" cy="586847"/>
         </a:xfrm>
         <a:prstGeom prst="roundRect">
           <a:avLst>
@@ -14123,8 +14131,8 @@
         </a:p>
       </dsp:txBody>
       <dsp:txXfrm>
-        <a:off x="1971084" y="1327144"/>
-        <a:ext cx="1046159" cy="431067"/>
+        <a:off x="2541482" y="1983183"/>
+        <a:ext cx="1340793" cy="552471"/>
       </dsp:txXfrm>
     </dsp:sp>
     <dsp:sp modelId="{E08F1783-0B60-4CB2-93BD-BA3AF0DE7755}">
@@ -14134,8 +14142,8 @@
       </dsp:nvSpPr>
       <dsp:spPr>
         <a:xfrm>
-          <a:off x="1886307" y="1771622"/>
-          <a:ext cx="607856" cy="333999"/>
+          <a:off x="2442589" y="2552843"/>
+          <a:ext cx="769289" cy="512049"/>
         </a:xfrm>
         <a:custGeom>
           <a:avLst/>
@@ -14146,16 +14154,16 @@
           <a:pathLst>
             <a:path>
               <a:moveTo>
-                <a:pt x="607856" y="0"/>
+                <a:pt x="769289" y="0"/>
               </a:moveTo>
               <a:lnTo>
-                <a:pt x="607856" y="166999"/>
+                <a:pt x="769289" y="256024"/>
               </a:lnTo>
               <a:lnTo>
-                <a:pt x="0" y="166999"/>
+                <a:pt x="0" y="256024"/>
               </a:lnTo>
               <a:lnTo>
-                <a:pt x="0" y="333999"/>
+                <a:pt x="0" y="512049"/>
               </a:lnTo>
             </a:path>
           </a:pathLst>
@@ -14195,8 +14203,8 @@
       </dsp:nvSpPr>
       <dsp:spPr>
         <a:xfrm>
-          <a:off x="1349817" y="2105621"/>
-          <a:ext cx="1072981" cy="457889"/>
+          <a:off x="1755005" y="3064892"/>
+          <a:ext cx="1375169" cy="586847"/>
         </a:xfrm>
         <a:prstGeom prst="roundRect">
           <a:avLst>
@@ -14260,8 +14268,8 @@
         </a:p>
       </dsp:txBody>
       <dsp:txXfrm>
-        <a:off x="1363228" y="2119032"/>
-        <a:ext cx="1046159" cy="431067"/>
+        <a:off x="1772193" y="3082080"/>
+        <a:ext cx="1340793" cy="552471"/>
       </dsp:txXfrm>
     </dsp:sp>
     <dsp:sp modelId="{E70EC387-CFDC-4A90-BBA6-007D1E6D336B}">
@@ -14271,8 +14279,8 @@
       </dsp:nvSpPr>
       <dsp:spPr>
         <a:xfrm>
-          <a:off x="1293682" y="2563511"/>
-          <a:ext cx="592624" cy="266041"/>
+          <a:off x="1160394" y="3651739"/>
+          <a:ext cx="1282195" cy="484088"/>
         </a:xfrm>
         <a:custGeom>
           <a:avLst/>
@@ -14283,16 +14291,16 @@
           <a:pathLst>
             <a:path>
               <a:moveTo>
-                <a:pt x="592624" y="0"/>
+                <a:pt x="1282195" y="0"/>
               </a:moveTo>
               <a:lnTo>
-                <a:pt x="592624" y="133020"/>
+                <a:pt x="1282195" y="242044"/>
               </a:lnTo>
               <a:lnTo>
-                <a:pt x="0" y="133020"/>
+                <a:pt x="0" y="242044"/>
               </a:lnTo>
               <a:lnTo>
-                <a:pt x="0" y="266041"/>
+                <a:pt x="0" y="484088"/>
               </a:lnTo>
             </a:path>
           </a:pathLst>
@@ -14332,8 +14340,8 @@
       </dsp:nvSpPr>
       <dsp:spPr>
         <a:xfrm>
-          <a:off x="757192" y="2829553"/>
-          <a:ext cx="1072981" cy="457889"/>
+          <a:off x="1166" y="4135828"/>
+          <a:ext cx="2318456" cy="586847"/>
         </a:xfrm>
         <a:prstGeom prst="roundRect">
           <a:avLst>
@@ -14397,8 +14405,8 @@
         </a:p>
       </dsp:txBody>
       <dsp:txXfrm>
-        <a:off x="770603" y="2842964"/>
-        <a:ext cx="1046159" cy="431067"/>
+        <a:off x="18354" y="4153016"/>
+        <a:ext cx="2284080" cy="552471"/>
       </dsp:txXfrm>
     </dsp:sp>
     <dsp:sp modelId="{98B1E3AD-C25A-4EAE-BF49-178D79AC331E}">
@@ -14408,8 +14416,8 @@
       </dsp:nvSpPr>
       <dsp:spPr>
         <a:xfrm>
-          <a:off x="1247962" y="3287442"/>
-          <a:ext cx="91440" cy="349523"/>
+          <a:off x="1114674" y="4722675"/>
+          <a:ext cx="91440" cy="336457"/>
         </a:xfrm>
         <a:custGeom>
           <a:avLst/>
@@ -14423,7 +14431,7 @@
                 <a:pt x="45720" y="0"/>
               </a:moveTo>
               <a:lnTo>
-                <a:pt x="45720" y="349523"/>
+                <a:pt x="45720" y="336457"/>
               </a:lnTo>
             </a:path>
           </a:pathLst>
@@ -14463,8 +14471,8 @@
       </dsp:nvSpPr>
       <dsp:spPr>
         <a:xfrm>
-          <a:off x="757192" y="3636965"/>
-          <a:ext cx="1072981" cy="457889"/>
+          <a:off x="472809" y="5059132"/>
+          <a:ext cx="1375169" cy="586847"/>
         </a:xfrm>
         <a:prstGeom prst="roundRect">
           <a:avLst>
@@ -14504,12 +14512,12 @@
         </a:fontRef>
       </dsp:style>
       <dsp:txBody>
-        <a:bodyPr spcFirstLastPara="0" vert="horz" wrap="square" lIns="45720" tIns="45720" rIns="45720" bIns="45720" numCol="1" spcCol="1270" anchor="ctr" anchorCtr="0">
+        <a:bodyPr spcFirstLastPara="0" vert="horz" wrap="square" lIns="64770" tIns="64770" rIns="64770" bIns="64770" numCol="1" spcCol="1270" anchor="ctr" anchorCtr="0">
           <a:noAutofit/>
         </a:bodyPr>
         <a:lstStyle/>
         <a:p>
-          <a:pPr lvl="0" algn="ctr" defTabSz="533400">
+          <a:pPr lvl="0" algn="ctr" defTabSz="755650">
             <a:lnSpc>
               <a:spcPct val="90000"/>
             </a:lnSpc>
@@ -14520,16 +14528,12 @@
               <a:spcPct val="35000"/>
             </a:spcAft>
           </a:pPr>
-          <a:r>
-            <a:rPr lang="en-US" sz="1200" kern="1200" smtClean="0"/>
-            <a:t>Purchasing Organization</a:t>
-          </a:r>
-          <a:endParaRPr lang="en-US" sz="1200" kern="1200"/>
+          <a:endParaRPr lang="en-US" sz="1700" kern="1200"/>
         </a:p>
       </dsp:txBody>
       <dsp:txXfrm>
-        <a:off x="770603" y="3650376"/>
-        <a:ext cx="1046159" cy="431067"/>
+        <a:off x="489997" y="5076320"/>
+        <a:ext cx="1340793" cy="552471"/>
       </dsp:txXfrm>
     </dsp:sp>
     <dsp:sp modelId="{356EE76E-92D0-412C-883B-47D349FC289F}">
@@ -14539,8 +14543,8 @@
       </dsp:nvSpPr>
       <dsp:spPr>
         <a:xfrm>
-          <a:off x="1886307" y="2563511"/>
-          <a:ext cx="607856" cy="266041"/>
+          <a:off x="2442589" y="3651739"/>
+          <a:ext cx="1240932" cy="484088"/>
         </a:xfrm>
         <a:custGeom>
           <a:avLst/>
@@ -14554,13 +14558,13 @@
                 <a:pt x="0" y="0"/>
               </a:moveTo>
               <a:lnTo>
-                <a:pt x="0" y="133020"/>
+                <a:pt x="0" y="242044"/>
               </a:lnTo>
               <a:lnTo>
-                <a:pt x="607856" y="133020"/>
+                <a:pt x="1240932" y="242044"/>
               </a:lnTo>
               <a:lnTo>
-                <a:pt x="607856" y="266041"/>
+                <a:pt x="1240932" y="484088"/>
               </a:lnTo>
             </a:path>
           </a:pathLst>
@@ -14600,8 +14604,8 @@
       </dsp:nvSpPr>
       <dsp:spPr>
         <a:xfrm>
-          <a:off x="1957673" y="2829553"/>
-          <a:ext cx="1072981" cy="457889"/>
+          <a:off x="2483030" y="4135828"/>
+          <a:ext cx="2400982" cy="586847"/>
         </a:xfrm>
         <a:prstGeom prst="roundRect">
           <a:avLst>
@@ -14665,19 +14669,19 @@
         </a:p>
       </dsp:txBody>
       <dsp:txXfrm>
-        <a:off x="1971084" y="2842964"/>
-        <a:ext cx="1046159" cy="431067"/>
+        <a:off x="2500218" y="4153016"/>
+        <a:ext cx="2366606" cy="552471"/>
       </dsp:txXfrm>
     </dsp:sp>
-    <dsp:sp modelId="{803D0DAE-D42F-4CE0-AB09-8E564BE0CA67}">
+    <dsp:sp modelId="{0545D670-A1E2-4089-A27F-89F669923129}">
       <dsp:nvSpPr>
         <dsp:cNvPr id="0" name=""/>
         <dsp:cNvSpPr/>
       </dsp:nvSpPr>
       <dsp:spPr>
         <a:xfrm>
-          <a:off x="2448444" y="3287442"/>
-          <a:ext cx="91440" cy="349523"/>
+          <a:off x="3637802" y="4722675"/>
+          <a:ext cx="91440" cy="560174"/>
         </a:xfrm>
         <a:custGeom>
           <a:avLst/>
@@ -14691,7 +14695,7 @@
                 <a:pt x="45720" y="0"/>
               </a:moveTo>
               <a:lnTo>
-                <a:pt x="45720" y="349523"/>
+                <a:pt x="45720" y="560174"/>
               </a:lnTo>
             </a:path>
           </a:pathLst>
@@ -14724,15 +14728,15 @@
         <a:fontRef idx="minor"/>
       </dsp:style>
     </dsp:sp>
-    <dsp:sp modelId="{77A6E255-1E26-4744-A9A5-FB8CCD5D144D}">
+    <dsp:sp modelId="{E6FE98C9-4564-4A1B-95FA-DE388EC7CBCA}">
       <dsp:nvSpPr>
         <dsp:cNvPr id="0" name=""/>
         <dsp:cNvSpPr/>
       </dsp:nvSpPr>
       <dsp:spPr>
         <a:xfrm>
-          <a:off x="2281664" y="3636965"/>
-          <a:ext cx="425000" cy="283333"/>
+          <a:off x="3411174" y="5282850"/>
+          <a:ext cx="544694" cy="363129"/>
         </a:xfrm>
         <a:prstGeom prst="roundRect">
           <a:avLst>
@@ -14775,12 +14779,12 @@
         </a:fontRef>
       </dsp:style>
       <dsp:txBody>
-        <a:bodyPr spcFirstLastPara="0" vert="horz" wrap="square" lIns="45720" tIns="45720" rIns="45720" bIns="45720" numCol="1" spcCol="1270" anchor="ctr" anchorCtr="0">
+        <a:bodyPr spcFirstLastPara="0" vert="horz" wrap="square" lIns="60960" tIns="60960" rIns="60960" bIns="60960" numCol="1" spcCol="1270" anchor="ctr" anchorCtr="0">
           <a:noAutofit/>
         </a:bodyPr>
         <a:lstStyle/>
         <a:p>
-          <a:pPr lvl="0" algn="ctr" defTabSz="533400">
+          <a:pPr lvl="0" algn="ctr" defTabSz="711200">
             <a:lnSpc>
               <a:spcPct val="90000"/>
             </a:lnSpc>
@@ -14791,12 +14795,12 @@
               <a:spcPct val="35000"/>
             </a:spcAft>
           </a:pPr>
-          <a:endParaRPr lang="en-US" sz="1200" kern="1200"/>
+          <a:endParaRPr lang="en-US" sz="1600" kern="1200"/>
         </a:p>
       </dsp:txBody>
       <dsp:txXfrm>
-        <a:off x="2289963" y="3645264"/>
-        <a:ext cx="408402" cy="266735"/>
+        <a:off x="3421810" y="5293486"/>
+        <a:ext cx="523422" cy="341857"/>
       </dsp:txXfrm>
     </dsp:sp>
     <dsp:sp modelId="{6EF7C97C-A9D3-45D4-B610-5AA6AC4F7606}">
@@ -14806,8 +14810,8 @@
       </dsp:nvSpPr>
       <dsp:spPr>
         <a:xfrm>
-          <a:off x="2494164" y="1771622"/>
-          <a:ext cx="592624" cy="333999"/>
+          <a:off x="3211878" y="2552843"/>
+          <a:ext cx="769289" cy="512049"/>
         </a:xfrm>
         <a:custGeom>
           <a:avLst/>
@@ -14821,13 +14825,13 @@
                 <a:pt x="0" y="0"/>
               </a:moveTo>
               <a:lnTo>
-                <a:pt x="0" y="166999"/>
+                <a:pt x="0" y="256024"/>
               </a:lnTo>
               <a:lnTo>
-                <a:pt x="592624" y="166999"/>
+                <a:pt x="769289" y="256024"/>
               </a:lnTo>
               <a:lnTo>
-                <a:pt x="592624" y="333999"/>
+                <a:pt x="769289" y="512049"/>
               </a:lnTo>
             </a:path>
           </a:pathLst>
@@ -14867,8 +14871,8 @@
       </dsp:nvSpPr>
       <dsp:spPr>
         <a:xfrm>
-          <a:off x="2550298" y="2105621"/>
-          <a:ext cx="1072981" cy="457889"/>
+          <a:off x="3293583" y="3064892"/>
+          <a:ext cx="1375169" cy="586847"/>
         </a:xfrm>
         <a:prstGeom prst="roundRect">
           <a:avLst>
@@ -14932,8 +14936,8 @@
         </a:p>
       </dsp:txBody>
       <dsp:txXfrm>
-        <a:off x="2563709" y="2119032"/>
-        <a:ext cx="1046159" cy="431067"/>
+        <a:off x="3310771" y="3082080"/>
+        <a:ext cx="1340793" cy="552471"/>
       </dsp:txXfrm>
     </dsp:sp>
     <dsp:sp modelId="{02A75639-5D6E-4D68-BB54-840527442859}">
@@ -14943,8 +14947,8 @@
       </dsp:nvSpPr>
       <dsp:spPr>
         <a:xfrm>
-          <a:off x="3394525" y="1200399"/>
-          <a:ext cx="900360" cy="113333"/>
+          <a:off x="4804196" y="1652215"/>
+          <a:ext cx="1592317" cy="313780"/>
         </a:xfrm>
         <a:custGeom>
           <a:avLst/>
@@ -14958,13 +14962,13 @@
                 <a:pt x="0" y="0"/>
               </a:moveTo>
               <a:lnTo>
-                <a:pt x="0" y="56666"/>
+                <a:pt x="0" y="156890"/>
               </a:lnTo>
               <a:lnTo>
-                <a:pt x="900360" y="56666"/>
+                <a:pt x="1592317" y="156890"/>
               </a:lnTo>
               <a:lnTo>
-                <a:pt x="900360" y="113333"/>
+                <a:pt x="1592317" y="313780"/>
               </a:lnTo>
             </a:path>
           </a:pathLst>
@@ -15004,8 +15008,8 @@
       </dsp:nvSpPr>
       <dsp:spPr>
         <a:xfrm>
-          <a:off x="3758395" y="1313733"/>
-          <a:ext cx="1072981" cy="457889"/>
+          <a:off x="5708929" y="1965995"/>
+          <a:ext cx="1375169" cy="586847"/>
         </a:xfrm>
         <a:prstGeom prst="roundRect">
           <a:avLst>
@@ -15069,8 +15073,8 @@
         </a:p>
       </dsp:txBody>
       <dsp:txXfrm>
-        <a:off x="3771806" y="1327144"/>
-        <a:ext cx="1046159" cy="431067"/>
+        <a:off x="5726117" y="1983183"/>
+        <a:ext cx="1340793" cy="552471"/>
       </dsp:txXfrm>
     </dsp:sp>
     <dsp:sp modelId="{660A799D-DD5E-4FA9-BBEC-A00023EC1B48}">
@@ -15080,8 +15084,8 @@
       </dsp:nvSpPr>
       <dsp:spPr>
         <a:xfrm>
-          <a:off x="4241550" y="1771622"/>
-          <a:ext cx="91440" cy="333999"/>
+          <a:off x="6350794" y="2552843"/>
+          <a:ext cx="91440" cy="512049"/>
         </a:xfrm>
         <a:custGeom>
           <a:avLst/>
@@ -15092,16 +15096,10 @@
           <a:pathLst>
             <a:path>
               <a:moveTo>
-                <a:pt x="53336" y="0"/>
+                <a:pt x="45720" y="0"/>
               </a:moveTo>
               <a:lnTo>
-                <a:pt x="53336" y="166999"/>
-              </a:lnTo>
-              <a:lnTo>
-                <a:pt x="45720" y="166999"/>
-              </a:lnTo>
-              <a:lnTo>
-                <a:pt x="45720" y="333999"/>
+                <a:pt x="45720" y="512049"/>
               </a:lnTo>
             </a:path>
           </a:pathLst>
@@ -15141,8 +15139,8 @@
       </dsp:nvSpPr>
       <dsp:spPr>
         <a:xfrm>
-          <a:off x="3750779" y="2105621"/>
-          <a:ext cx="1072981" cy="457889"/>
+          <a:off x="5708929" y="3064892"/>
+          <a:ext cx="1375169" cy="586847"/>
         </a:xfrm>
         <a:prstGeom prst="roundRect">
           <a:avLst>
@@ -15206,8 +15204,8 @@
         </a:p>
       </dsp:txBody>
       <dsp:txXfrm>
-        <a:off x="3764190" y="2119032"/>
-        <a:ext cx="1046159" cy="431067"/>
+        <a:off x="5726117" y="3082080"/>
+        <a:ext cx="1340793" cy="552471"/>
       </dsp:txXfrm>
     </dsp:sp>
     <dsp:sp modelId="{96868860-C719-47BD-8D0E-ACF04911686E}">
@@ -15217,8 +15215,8 @@
       </dsp:nvSpPr>
       <dsp:spPr>
         <a:xfrm>
-          <a:off x="4241545" y="2563511"/>
-          <a:ext cx="91440" cy="266041"/>
+          <a:off x="6350794" y="3651739"/>
+          <a:ext cx="91440" cy="484088"/>
         </a:xfrm>
         <a:custGeom>
           <a:avLst/>
@@ -15229,16 +15227,10 @@
           <a:pathLst>
             <a:path>
               <a:moveTo>
-                <a:pt x="45724" y="0"/>
+                <a:pt x="45720" y="0"/>
               </a:moveTo>
               <a:lnTo>
-                <a:pt x="45724" y="133020"/>
-              </a:lnTo>
-              <a:lnTo>
-                <a:pt x="45720" y="133020"/>
-              </a:lnTo>
-              <a:lnTo>
-                <a:pt x="45720" y="266041"/>
+                <a:pt x="45720" y="484088"/>
               </a:lnTo>
             </a:path>
           </a:pathLst>
@@ -15278,8 +15270,8 @@
       </dsp:nvSpPr>
       <dsp:spPr>
         <a:xfrm>
-          <a:off x="3750775" y="2829553"/>
-          <a:ext cx="1072981" cy="457889"/>
+          <a:off x="5327817" y="4135828"/>
+          <a:ext cx="2137393" cy="586847"/>
         </a:xfrm>
         <a:prstGeom prst="roundRect">
           <a:avLst>
@@ -15343,8 +15335,8 @@
         </a:p>
       </dsp:txBody>
       <dsp:txXfrm>
-        <a:off x="3764186" y="2842964"/>
-        <a:ext cx="1046159" cy="431067"/>
+        <a:off x="5345005" y="4153016"/>
+        <a:ext cx="2103017" cy="552471"/>
       </dsp:txXfrm>
     </dsp:sp>
     <dsp:sp modelId="{18D87BC3-B8C4-46B7-81FF-DB3BDC702085}">
@@ -15354,8 +15346,8 @@
       </dsp:nvSpPr>
       <dsp:spPr>
         <a:xfrm>
-          <a:off x="4241545" y="3287442"/>
-          <a:ext cx="91440" cy="349523"/>
+          <a:off x="6350794" y="4722675"/>
+          <a:ext cx="91440" cy="336457"/>
         </a:xfrm>
         <a:custGeom>
           <a:avLst/>
@@ -15369,7 +15361,7 @@
                 <a:pt x="45720" y="0"/>
               </a:moveTo>
               <a:lnTo>
-                <a:pt x="45720" y="349523"/>
+                <a:pt x="45720" y="336457"/>
               </a:lnTo>
             </a:path>
           </a:pathLst>
@@ -15409,8 +15401,8 @@
       </dsp:nvSpPr>
       <dsp:spPr>
         <a:xfrm>
-          <a:off x="3750775" y="3636965"/>
-          <a:ext cx="1072981" cy="457889"/>
+          <a:off x="5047422" y="5059132"/>
+          <a:ext cx="2698184" cy="586847"/>
         </a:xfrm>
         <a:prstGeom prst="roundRect">
           <a:avLst>
@@ -15450,12 +15442,12 @@
         </a:fontRef>
       </dsp:style>
       <dsp:txBody>
-        <a:bodyPr spcFirstLastPara="0" vert="horz" wrap="square" lIns="45720" tIns="45720" rIns="45720" bIns="45720" numCol="1" spcCol="1270" anchor="ctr" anchorCtr="0">
+        <a:bodyPr spcFirstLastPara="0" vert="horz" wrap="square" lIns="64770" tIns="64770" rIns="64770" bIns="64770" numCol="1" spcCol="1270" anchor="ctr" anchorCtr="0">
           <a:noAutofit/>
         </a:bodyPr>
         <a:lstStyle/>
         <a:p>
-          <a:pPr lvl="0" algn="ctr" defTabSz="533400">
+          <a:pPr lvl="0" algn="ctr" defTabSz="755650">
             <a:lnSpc>
               <a:spcPct val="90000"/>
             </a:lnSpc>
@@ -15466,12 +15458,16 @@
               <a:spcPct val="35000"/>
             </a:spcAft>
           </a:pPr>
-          <a:endParaRPr lang="en-US" sz="1200" kern="1200"/>
+          <a:r>
+            <a:rPr lang="en-US" sz="1700" kern="1200" smtClean="0"/>
+            <a:t> Purchasing Organization</a:t>
+          </a:r>
+          <a:endParaRPr lang="en-US" sz="1700" kern="1200"/>
         </a:p>
       </dsp:txBody>
       <dsp:txXfrm>
-        <a:off x="3764186" y="3650376"/>
-        <a:ext cx="1046159" cy="431067"/>
+        <a:off x="5064610" y="5076320"/>
+        <a:ext cx="2663808" cy="552471"/>
       </dsp:txXfrm>
     </dsp:sp>
   </dsp:spTree>
@@ -22791,7 +22787,7 @@
           <a:p>
             <a:fld id="{C89FFD96-5C2E-45EE-876D-2D3B1037E39C}" type="datetimeFigureOut">
               <a:rPr lang="en-US" smtClean="0"/>
-              <a:t>3/26/2019</a:t>
+              <a:t>3/27/2019</a:t>
             </a:fld>
             <a:endParaRPr lang="en-US"/>
           </a:p>
@@ -23462,7 +23458,7 @@
           <a:p>
             <a:fld id="{A23CBA62-6571-4664-B353-FAABED0BECC5}" type="datetime1">
               <a:rPr lang="en-US" smtClean="0"/>
-              <a:t>3/26/2019</a:t>
+              <a:t>3/27/2019</a:t>
             </a:fld>
             <a:endParaRPr lang="en-US"/>
           </a:p>
@@ -23766,7 +23762,7 @@
           <a:p>
             <a:fld id="{56C72042-511A-4E0C-87A0-24FD9731FADB}" type="datetime1">
               <a:rPr lang="en-US" smtClean="0"/>
-              <a:t>3/26/2019</a:t>
+              <a:t>3/27/2019</a:t>
             </a:fld>
             <a:endParaRPr lang="en-US"/>
           </a:p>
@@ -23982,7 +23978,7 @@
           <a:p>
             <a:fld id="{76102BE9-56C9-4970-AE60-AB13EF307AFC}" type="datetime1">
               <a:rPr lang="en-US" smtClean="0"/>
-              <a:t>3/26/2019</a:t>
+              <a:t>3/27/2019</a:t>
             </a:fld>
             <a:endParaRPr lang="en-US"/>
           </a:p>
@@ -24270,7 +24266,7 @@
           <a:p>
             <a:fld id="{DE029455-A55F-44DB-84A2-8E6A79949023}" type="datetime1">
               <a:rPr lang="en-US" smtClean="0"/>
-              <a:t>3/26/2019</a:t>
+              <a:t>3/27/2019</a:t>
             </a:fld>
             <a:endParaRPr lang="en-US"/>
           </a:p>
@@ -24619,7 +24615,7 @@
           <a:p>
             <a:fld id="{7C43463D-3182-4FB1-AB83-66C265AE3A2C}" type="datetime1">
               <a:rPr lang="en-US" smtClean="0"/>
-              <a:t>3/26/2019</a:t>
+              <a:t>3/27/2019</a:t>
             </a:fld>
             <a:endParaRPr lang="en-US"/>
           </a:p>
@@ -25130,7 +25126,7 @@
           <a:p>
             <a:fld id="{EAB2074E-2F5B-49B5-A1A4-EFE2923C8895}" type="datetime1">
               <a:rPr lang="en-US" smtClean="0"/>
-              <a:t>3/26/2019</a:t>
+              <a:t>3/27/2019</a:t>
             </a:fld>
             <a:endParaRPr lang="en-US"/>
           </a:p>
@@ -25689,7 +25685,7 @@
           <a:p>
             <a:fld id="{39EF4B75-04C8-4125-9330-B2AA6183C0A9}" type="datetime1">
               <a:rPr lang="en-US" smtClean="0"/>
-              <a:t>3/26/2019</a:t>
+              <a:t>3/27/2019</a:t>
             </a:fld>
             <a:endParaRPr lang="en-US"/>
           </a:p>
@@ -25932,7 +25928,7 @@
           <a:p>
             <a:fld id="{704A1DBF-99E7-4C9C-8FDF-03DDC0EBB1C0}" type="datetime1">
               <a:rPr lang="en-US" smtClean="0"/>
-              <a:t>3/26/2019</a:t>
+              <a:t>3/27/2019</a:t>
             </a:fld>
             <a:endParaRPr lang="en-US"/>
           </a:p>
@@ -26152,7 +26148,7 @@
           <a:p>
             <a:fld id="{06060EE1-D873-4D26-8118-7CAF01DCCFC9}" type="datetime1">
               <a:rPr lang="en-US" smtClean="0"/>
-              <a:t>3/26/2019</a:t>
+              <a:t>3/27/2019</a:t>
             </a:fld>
             <a:endParaRPr lang="en-US"/>
           </a:p>
@@ -26538,7 +26534,7 @@
           <a:p>
             <a:fld id="{EE8C3B3E-BA42-4213-BE5F-87601DEBB943}" type="datetime1">
               <a:rPr lang="en-US" smtClean="0"/>
-              <a:t>3/26/2019</a:t>
+              <a:t>3/27/2019</a:t>
             </a:fld>
             <a:endParaRPr lang="en-US"/>
           </a:p>
@@ -26999,7 +26995,7 @@
           <a:p>
             <a:fld id="{7B562178-4E15-4757-8DC0-D6053D2980AF}" type="datetime1">
               <a:rPr lang="en-US" smtClean="0"/>
-              <a:t>3/26/2019</a:t>
+              <a:t>3/27/2019</a:t>
             </a:fld>
             <a:endParaRPr lang="en-US"/>
           </a:p>
@@ -27323,7 +27319,7 @@
           <a:p>
             <a:fld id="{A5F5E756-DBB8-4B89-A557-FE3CC61FA62B}" type="datetime1">
               <a:rPr lang="en-US" smtClean="0"/>
-              <a:t>3/26/2019</a:t>
+              <a:t>3/27/2019</a:t>
             </a:fld>
             <a:endParaRPr lang="en-US"/>
           </a:p>
@@ -29172,7 +29168,7 @@
         </p:blipFill>
         <p:spPr>
           <a:xfrm>
-            <a:off x="2651760" y="4518660"/>
+            <a:off x="2666514" y="4429140"/>
             <a:ext cx="320040" cy="320040"/>
           </a:xfrm>
           <a:prstGeom prst="rect">
@@ -29202,7 +29198,7 @@
         </p:blipFill>
         <p:spPr>
           <a:xfrm>
-            <a:off x="3910605" y="4511040"/>
+            <a:off x="3910605" y="4441936"/>
             <a:ext cx="320040" cy="320040"/>
           </a:xfrm>
           <a:prstGeom prst="rect">
@@ -29546,14 +29542,14 @@
             <p:ph idx="1"/>
             <p:extLst>
               <p:ext uri="{D42A27DB-BD31-4B8C-83A1-F6EECF244321}">
-                <p14:modId xmlns:p14="http://schemas.microsoft.com/office/powerpoint/2010/main" val="3722783020"/>
+                <p14:modId xmlns:p14="http://schemas.microsoft.com/office/powerpoint/2010/main" val="1598733055"/>
               </p:ext>
             </p:extLst>
           </p:nvPr>
         </p:nvGraphicFramePr>
         <p:xfrm>
           <a:off x="997326" y="809366"/>
-          <a:ext cx="7746773" cy="5301886"/>
+          <a:ext cx="7746773" cy="5645980"/>
         </p:xfrm>
         <a:graphic>
           <a:graphicData uri="http://schemas.openxmlformats.org/drawingml/2006/diagram">
@@ -29712,7 +29708,7 @@
         </p:nvGrpSpPr>
         <p:grpSpPr>
           <a:xfrm>
-            <a:off x="8442446" y="1623338"/>
+            <a:off x="9218820" y="1623338"/>
             <a:ext cx="2104904" cy="532076"/>
             <a:chOff x="7688462" y="1377082"/>
             <a:chExt cx="1664119" cy="532076"/>
@@ -29800,7 +29796,7 @@
         <p:spPr>
           <a:xfrm flipV="1">
             <a:off x="6025635" y="1889376"/>
-            <a:ext cx="2416811" cy="1732"/>
+            <a:ext cx="3193185" cy="1732"/>
           </a:xfrm>
           <a:prstGeom prst="straightConnector1">
             <a:avLst/>
@@ -29832,7 +29828,7 @@
         </p:nvGrpSpPr>
         <p:grpSpPr>
           <a:xfrm>
-            <a:off x="8466271" y="2247741"/>
+            <a:off x="9242645" y="2247741"/>
             <a:ext cx="2049994" cy="861881"/>
             <a:chOff x="7808686" y="1028106"/>
             <a:chExt cx="2049994" cy="1213819"/>
@@ -29980,7 +29976,7 @@
         <p:spPr>
           <a:xfrm flipV="1">
             <a:off x="7083910" y="2689843"/>
-            <a:ext cx="1382361" cy="2391"/>
+            <a:ext cx="2158735" cy="2391"/>
           </a:xfrm>
           <a:prstGeom prst="straightConnector1">
             <a:avLst/>
@@ -30012,7 +30008,7 @@
         </p:nvGrpSpPr>
         <p:grpSpPr>
           <a:xfrm>
-            <a:off x="8504616" y="3329493"/>
+            <a:off x="9280990" y="3329493"/>
             <a:ext cx="2042734" cy="463482"/>
             <a:chOff x="7808686" y="1007028"/>
             <a:chExt cx="2049994" cy="1234897"/>
@@ -30130,7 +30126,7 @@
         <p:spPr>
           <a:xfrm flipV="1">
             <a:off x="7005930" y="3571089"/>
-            <a:ext cx="1498686" cy="20375"/>
+            <a:ext cx="2275060" cy="20375"/>
           </a:xfrm>
           <a:prstGeom prst="straightConnector1">
             <a:avLst/>
@@ -30235,7 +30231,7 @@
         </p:blipFill>
         <p:spPr>
           <a:xfrm flipH="1">
-            <a:off x="2559693" y="4262097"/>
+            <a:off x="1810199" y="4794788"/>
             <a:ext cx="626132" cy="383952"/>
           </a:xfrm>
           <a:prstGeom prst="rect">
@@ -30264,7 +30260,7 @@
         </p:blipFill>
         <p:spPr>
           <a:xfrm flipH="1">
-            <a:off x="4495307" y="4237316"/>
+            <a:off x="4342227" y="4794788"/>
             <a:ext cx="626132" cy="383952"/>
           </a:xfrm>
           <a:prstGeom prst="rect">
@@ -30293,7 +30289,7 @@
         </p:blipFill>
         <p:spPr>
           <a:xfrm flipH="1">
-            <a:off x="6585729" y="4262097"/>
+            <a:off x="7058969" y="4725658"/>
             <a:ext cx="626132" cy="383952"/>
           </a:xfrm>
           <a:prstGeom prst="rect">
@@ -30309,7 +30305,7 @@
         </p:nvGrpSpPr>
         <p:grpSpPr>
           <a:xfrm>
-            <a:off x="8466271" y="4530682"/>
+            <a:off x="9294473" y="4986764"/>
             <a:ext cx="2029251" cy="443772"/>
             <a:chOff x="7795065" y="1002200"/>
             <a:chExt cx="2049994" cy="1182382"/>
@@ -30402,7 +30398,7 @@
         </p:nvCxnSpPr>
         <p:spPr>
           <a:xfrm>
-            <a:off x="7628919" y="4747486"/>
+            <a:off x="8472027" y="5208649"/>
             <a:ext cx="822446" cy="5081"/>
           </a:xfrm>
           <a:prstGeom prst="straightConnector1">
@@ -30435,8 +30431,8 @@
         </p:nvSpPr>
         <p:spPr>
           <a:xfrm>
-            <a:off x="2156695" y="5316726"/>
-            <a:ext cx="3240690" cy="517787"/>
+            <a:off x="1435552" y="5796951"/>
+            <a:ext cx="3520895" cy="670331"/>
           </a:xfrm>
           <a:prstGeom prst="roundRect">
             <a:avLst/>
@@ -30511,7 +30507,7 @@
         </p:blipFill>
         <p:spPr>
           <a:xfrm>
-            <a:off x="3487707" y="5110598"/>
+            <a:off x="3074228" y="5671315"/>
             <a:ext cx="497780" cy="390054"/>
           </a:xfrm>
           <a:prstGeom prst="rect">
@@ -30541,7 +30537,7 @@
         </p:blipFill>
         <p:spPr>
           <a:xfrm>
-            <a:off x="6577731" y="5109610"/>
+            <a:off x="7118947" y="5671315"/>
             <a:ext cx="497780" cy="390054"/>
           </a:xfrm>
           <a:prstGeom prst="rect">
@@ -30559,13 +30555,13 @@
   <p:clrMapOvr>
     <a:masterClrMapping/>
   </p:clrMapOvr>
-  <mc:AlternateContent xmlns:mc="http://schemas.openxmlformats.org/markup-compatibility/2006">
-    <mc:Choice xmlns:p14="http://schemas.microsoft.com/office/powerpoint/2010/main" Requires="p14">
+  <mc:AlternateContent xmlns:mc="http://schemas.openxmlformats.org/markup-compatibility/2006" xmlns:p14="http://schemas.microsoft.com/office/powerpoint/2010/main">
+    <mc:Choice Requires="p14">
       <p:transition spd="slow" p14:dur="900">
         <p14:warp dir="in"/>
       </p:transition>
     </mc:Choice>
-    <mc:Fallback>
+    <mc:Fallback xmlns="">
       <p:transition spd="slow">
         <p:fade/>
       </p:transition>
@@ -30637,16 +30633,12 @@
           </p:cNvGraphicFramePr>
           <p:nvPr>
             <p:ph idx="1"/>
-            <p:extLst>
-              <p:ext uri="{D42A27DB-BD31-4B8C-83A1-F6EECF244321}">
-                <p14:modId xmlns:p14="http://schemas.microsoft.com/office/powerpoint/2010/main" val="2354210521"/>
-              </p:ext>
-            </p:extLst>
+            <p:extLst/>
           </p:nvPr>
         </p:nvGraphicFramePr>
         <p:xfrm>
-          <a:off x="2371439" y="1555510"/>
-          <a:ext cx="5588569" cy="4227802"/>
+          <a:off x="997326" y="809366"/>
+          <a:ext cx="7746773" cy="5645980"/>
         </p:xfrm>
         <a:graphic>
           <a:graphicData uri="http://schemas.openxmlformats.org/drawingml/2006/diagram">
@@ -30699,7 +30691,7 @@
         </p:blipFill>
         <p:spPr>
           <a:xfrm>
-            <a:off x="5352560" y="1633677"/>
+            <a:off x="5206474" y="1481527"/>
             <a:ext cx="819161" cy="819161"/>
           </a:xfrm>
           <a:prstGeom prst="rect">
@@ -30729,7 +30721,7 @@
         </p:blipFill>
         <p:spPr>
           <a:xfrm>
-            <a:off x="4646498" y="2610473"/>
+            <a:off x="3985487" y="2530296"/>
             <a:ext cx="402577" cy="402577"/>
           </a:xfrm>
           <a:prstGeom prst="rect">
@@ -30759,7 +30751,7 @@
         </p:blipFill>
         <p:spPr>
           <a:xfrm>
-            <a:off x="6499727" y="2623715"/>
+            <a:off x="6660217" y="2480387"/>
             <a:ext cx="423693" cy="423693"/>
           </a:xfrm>
           <a:prstGeom prst="rect">
@@ -30789,7 +30781,7 @@
         </p:blipFill>
         <p:spPr>
           <a:xfrm>
-            <a:off x="6464941" y="3375540"/>
+            <a:off x="6595867" y="3386432"/>
             <a:ext cx="410063" cy="410063"/>
           </a:xfrm>
           <a:prstGeom prst="rect">
@@ -30805,7 +30797,7 @@
         </p:nvGrpSpPr>
         <p:grpSpPr>
           <a:xfrm>
-            <a:off x="8473531" y="1782218"/>
+            <a:off x="9218820" y="1623338"/>
             <a:ext cx="2104904" cy="532076"/>
             <a:chOff x="7688462" y="1377082"/>
             <a:chExt cx="1664119" cy="532076"/>
@@ -30891,9 +30883,9 @@
           <p:nvPr/>
         </p:nvCxnSpPr>
         <p:spPr>
-          <a:xfrm>
-            <a:off x="6171721" y="2043258"/>
-            <a:ext cx="2301810" cy="4998"/>
+          <a:xfrm flipV="1">
+            <a:off x="6025635" y="1889376"/>
+            <a:ext cx="3193185" cy="1732"/>
           </a:xfrm>
           <a:prstGeom prst="straightConnector1">
             <a:avLst/>
@@ -30925,7 +30917,7 @@
         </p:nvGrpSpPr>
         <p:grpSpPr>
           <a:xfrm>
-            <a:off x="8466271" y="2369661"/>
+            <a:off x="9242645" y="2247741"/>
             <a:ext cx="2049994" cy="861881"/>
             <a:chOff x="7808686" y="1028106"/>
             <a:chExt cx="2049994" cy="1213819"/>
@@ -31072,8 +31064,8 @@
         </p:nvCxnSpPr>
         <p:spPr>
           <a:xfrm flipV="1">
-            <a:off x="6923420" y="2811763"/>
-            <a:ext cx="1542851" cy="23799"/>
+            <a:off x="7083910" y="2689843"/>
+            <a:ext cx="2158735" cy="2391"/>
           </a:xfrm>
           <a:prstGeom prst="straightConnector1">
             <a:avLst/>
@@ -31105,10 +31097,10 @@
         </p:nvGrpSpPr>
         <p:grpSpPr>
           <a:xfrm>
-            <a:off x="8473531" y="3325393"/>
-            <a:ext cx="2042734" cy="516822"/>
+            <a:off x="9280990" y="3329493"/>
+            <a:ext cx="2042734" cy="463482"/>
             <a:chOff x="7808686" y="1007028"/>
-            <a:chExt cx="2049994" cy="1377016"/>
+            <a:chExt cx="2049994" cy="1234897"/>
           </a:xfrm>
         </p:grpSpPr>
         <p:sp>
@@ -31179,7 +31171,7 @@
           </p:nvSpPr>
           <p:spPr>
             <a:xfrm>
-              <a:off x="7808686" y="1201662"/>
+              <a:off x="7808686" y="1059543"/>
               <a:ext cx="2049994" cy="1182382"/>
             </a:xfrm>
             <a:prstGeom prst="roundRect">
@@ -31215,14 +31207,15 @@
         <p:nvCxnSpPr>
           <p:cNvPr id="37" name="Straight Arrow Connector 36"/>
           <p:cNvCxnSpPr>
+            <a:stCxn id="12" idx="3"/>
             <a:endCxn id="35" idx="1"/>
           </p:cNvCxnSpPr>
           <p:nvPr/>
         </p:nvCxnSpPr>
         <p:spPr>
           <a:xfrm flipV="1">
-            <a:off x="7208520" y="3620329"/>
-            <a:ext cx="1265011" cy="18001"/>
+            <a:off x="7005930" y="3571089"/>
+            <a:ext cx="2275060" cy="20375"/>
           </a:xfrm>
           <a:prstGeom prst="straightConnector1">
             <a:avLst/>
@@ -31268,7 +31261,7 @@
         </p:blipFill>
         <p:spPr>
           <a:xfrm>
-            <a:off x="5276477" y="3383150"/>
+            <a:off x="4740369" y="3453476"/>
             <a:ext cx="410063" cy="410063"/>
           </a:xfrm>
           <a:prstGeom prst="rect">
@@ -31298,7 +31291,7 @@
         </p:blipFill>
         <p:spPr>
           <a:xfrm>
-            <a:off x="4046739" y="3383149"/>
+            <a:off x="3572008" y="3448299"/>
             <a:ext cx="410063" cy="410063"/>
           </a:xfrm>
           <a:prstGeom prst="rect">
@@ -31327,7 +31320,7 @@
         </p:blipFill>
         <p:spPr>
           <a:xfrm flipH="1">
-            <a:off x="3478975" y="4077669"/>
+            <a:off x="1810199" y="4794788"/>
             <a:ext cx="626132" cy="383952"/>
           </a:xfrm>
           <a:prstGeom prst="rect">
@@ -31356,7 +31349,7 @@
         </p:blipFill>
         <p:spPr>
           <a:xfrm flipH="1">
-            <a:off x="4693394" y="4094253"/>
+            <a:off x="4342227" y="4794788"/>
             <a:ext cx="626132" cy="383952"/>
           </a:xfrm>
           <a:prstGeom prst="rect">
@@ -31385,7 +31378,7 @@
         </p:blipFill>
         <p:spPr>
           <a:xfrm flipH="1">
-            <a:off x="6385059" y="4104636"/>
+            <a:off x="7058969" y="4725658"/>
             <a:ext cx="626132" cy="383952"/>
           </a:xfrm>
           <a:prstGeom prst="rect">
@@ -31401,7 +31394,7 @@
         </p:nvGrpSpPr>
         <p:grpSpPr>
           <a:xfrm>
-            <a:off x="8473531" y="4053366"/>
+            <a:off x="9294473" y="4986764"/>
             <a:ext cx="2029251" cy="443772"/>
             <a:chOff x="7795065" y="1002200"/>
             <a:chExt cx="2049994" cy="1182382"/>
@@ -31493,9 +31486,9 @@
           <p:nvPr/>
         </p:nvCxnSpPr>
         <p:spPr>
-          <a:xfrm flipV="1">
-            <a:off x="7144063" y="4282705"/>
-            <a:ext cx="1343098" cy="9037"/>
+          <a:xfrm>
+            <a:off x="8472027" y="5208649"/>
+            <a:ext cx="822446" cy="5081"/>
           </a:xfrm>
           <a:prstGeom prst="straightConnector1">
             <a:avLst/>
@@ -31527,8 +31520,8 @@
         </p:nvSpPr>
         <p:spPr>
           <a:xfrm>
-            <a:off x="3109355" y="5134565"/>
-            <a:ext cx="4076701" cy="540808"/>
+            <a:off x="961697" y="5856891"/>
+            <a:ext cx="7788165" cy="610392"/>
           </a:xfrm>
           <a:prstGeom prst="roundRect">
             <a:avLst/>
@@ -31566,7 +31559,7 @@
           <a:p>
             <a:pPr lvl="0" algn="ctr"/>
             <a:r>
-              <a:rPr lang="en-US" sz="1400" smtClean="0"/>
+              <a:rPr lang="en-US" smtClean="0"/>
               <a:t> </a:t>
             </a:r>
             <a:r>
@@ -31603,8 +31596,8 @@
         </p:blipFill>
         <p:spPr>
           <a:xfrm>
-            <a:off x="5118999" y="4901004"/>
-            <a:ext cx="467121" cy="467121"/>
+            <a:off x="4843817" y="5671315"/>
+            <a:ext cx="497780" cy="390054"/>
           </a:xfrm>
           <a:prstGeom prst="rect">
             <a:avLst/>
@@ -31614,7 +31607,7 @@
     </p:spTree>
     <p:extLst>
       <p:ext uri="{BB962C8B-B14F-4D97-AF65-F5344CB8AC3E}">
-        <p14:creationId xmlns:p14="http://schemas.microsoft.com/office/powerpoint/2010/main" val="405590021"/>
+        <p14:creationId xmlns:p14="http://schemas.microsoft.com/office/powerpoint/2010/main" val="3306183574"/>
       </p:ext>
     </p:extLst>
   </p:cSld>
@@ -31758,8 +31751,8 @@
         </p:nvSpPr>
         <p:spPr>
           <a:xfrm>
-            <a:off x="6211018" y="3409589"/>
-            <a:ext cx="1639019" cy="728931"/>
+            <a:off x="6579014" y="3417951"/>
+            <a:ext cx="1388975" cy="728931"/>
           </a:xfrm>
           <a:prstGeom prst="flowChartMagneticDisk">
             <a:avLst/>
@@ -31801,8 +31794,8 @@
         </p:nvSpPr>
         <p:spPr>
           <a:xfrm>
-            <a:off x="9323631" y="3417873"/>
-            <a:ext cx="1781269" cy="854357"/>
+            <a:off x="9340426" y="3401711"/>
+            <a:ext cx="1620799" cy="792651"/>
           </a:xfrm>
           <a:prstGeom prst="flowChartMagneticDisk">
             <a:avLst/>
@@ -31844,8 +31837,544 @@
         </p:nvSpPr>
         <p:spPr>
           <a:xfrm>
-            <a:off x="4855103" y="4571280"/>
-            <a:ext cx="1355915" cy="728931"/>
+            <a:off x="5380989" y="4584996"/>
+            <a:ext cx="835978" cy="728931"/>
+          </a:xfrm>
+          <a:prstGeom prst="flowChartMagneticDisk">
+            <a:avLst/>
+          </a:prstGeom>
+        </p:spPr>
+        <p:style>
+          <a:lnRef idx="2">
+            <a:schemeClr val="accent1">
+              <a:shade val="50000"/>
+            </a:schemeClr>
+          </a:lnRef>
+          <a:fillRef idx="1">
+            <a:schemeClr val="accent1"/>
+          </a:fillRef>
+          <a:effectRef idx="0">
+            <a:schemeClr val="accent1"/>
+          </a:effectRef>
+          <a:fontRef idx="minor">
+            <a:schemeClr val="lt1"/>
+          </a:fontRef>
+        </p:style>
+        <p:txBody>
+          <a:bodyPr rtlCol="0" anchor="ctr"/>
+          <a:lstStyle/>
+          <a:p>
+            <a:pPr algn="ctr"/>
+            <a:r>
+              <a:rPr lang="en-US" sz="1100"/>
+              <a:t>Material </a:t>
+            </a:r>
+          </a:p>
+        </p:txBody>
+      </p:sp>
+      <p:sp>
+        <p:nvSpPr>
+          <p:cNvPr id="10" name="Flowchart: Magnetic Disk 9"/>
+          <p:cNvSpPr/>
+          <p:nvPr/>
+        </p:nvSpPr>
+        <p:spPr>
+          <a:xfrm>
+            <a:off x="7133381" y="4589209"/>
+            <a:ext cx="908532" cy="728931"/>
+          </a:xfrm>
+          <a:prstGeom prst="flowChartMagneticDisk">
+            <a:avLst/>
+          </a:prstGeom>
+        </p:spPr>
+        <p:style>
+          <a:lnRef idx="2">
+            <a:schemeClr val="accent1">
+              <a:shade val="50000"/>
+            </a:schemeClr>
+          </a:lnRef>
+          <a:fillRef idx="1">
+            <a:schemeClr val="accent1"/>
+          </a:fillRef>
+          <a:effectRef idx="0">
+            <a:schemeClr val="accent1"/>
+          </a:effectRef>
+          <a:fontRef idx="minor">
+            <a:schemeClr val="lt1"/>
+          </a:fontRef>
+        </p:style>
+        <p:txBody>
+          <a:bodyPr rtlCol="0" anchor="ctr"/>
+          <a:lstStyle/>
+          <a:p>
+            <a:pPr algn="ctr"/>
+            <a:r>
+              <a:rPr lang="en-US" sz="1100"/>
+              <a:t>Vendor </a:t>
+            </a:r>
+          </a:p>
+        </p:txBody>
+      </p:sp>
+      <p:sp>
+        <p:nvSpPr>
+          <p:cNvPr id="6" name="Flowchart: Magnetic Disk 5"/>
+          <p:cNvSpPr/>
+          <p:nvPr/>
+        </p:nvSpPr>
+        <p:spPr>
+          <a:xfrm>
+            <a:off x="8146437" y="4546585"/>
+            <a:ext cx="955352" cy="767342"/>
+          </a:xfrm>
+          <a:prstGeom prst="flowChartMagneticDisk">
+            <a:avLst/>
+          </a:prstGeom>
+        </p:spPr>
+        <p:style>
+          <a:lnRef idx="2">
+            <a:schemeClr val="accent1">
+              <a:shade val="50000"/>
+            </a:schemeClr>
+          </a:lnRef>
+          <a:fillRef idx="1">
+            <a:schemeClr val="accent1"/>
+          </a:fillRef>
+          <a:effectRef idx="0">
+            <a:schemeClr val="accent1"/>
+          </a:effectRef>
+          <a:fontRef idx="minor">
+            <a:schemeClr val="lt1"/>
+          </a:fontRef>
+        </p:style>
+        <p:txBody>
+          <a:bodyPr rtlCol="0" anchor="ctr"/>
+          <a:lstStyle/>
+          <a:p>
+            <a:pPr algn="ctr"/>
+            <a:r>
+              <a:rPr lang="en-US" sz="1100"/>
+              <a:t>Purchase Info record</a:t>
+            </a:r>
+          </a:p>
+        </p:txBody>
+      </p:sp>
+      <p:sp>
+        <p:nvSpPr>
+          <p:cNvPr id="19" name="Flowchart: Magnetic Disk 18"/>
+          <p:cNvSpPr/>
+          <p:nvPr/>
+        </p:nvSpPr>
+        <p:spPr>
+          <a:xfrm>
+            <a:off x="6321491" y="4591315"/>
+            <a:ext cx="707366" cy="724718"/>
+          </a:xfrm>
+          <a:prstGeom prst="flowChartMagneticDisk">
+            <a:avLst/>
+          </a:prstGeom>
+        </p:spPr>
+        <p:style>
+          <a:lnRef idx="2">
+            <a:schemeClr val="accent1">
+              <a:shade val="50000"/>
+            </a:schemeClr>
+          </a:lnRef>
+          <a:fillRef idx="1">
+            <a:schemeClr val="accent1"/>
+          </a:fillRef>
+          <a:effectRef idx="0">
+            <a:schemeClr val="accent1"/>
+          </a:effectRef>
+          <a:fontRef idx="minor">
+            <a:schemeClr val="lt1"/>
+          </a:fontRef>
+        </p:style>
+        <p:txBody>
+          <a:bodyPr rtlCol="0" anchor="ctr"/>
+          <a:lstStyle/>
+          <a:p>
+            <a:pPr algn="ctr"/>
+            <a:r>
+              <a:rPr lang="en-US" sz="1100"/>
+              <a:t> </a:t>
+            </a:r>
+            <a:r>
+              <a:rPr lang="en-US" sz="1100"/>
+              <a:t>Source </a:t>
+            </a:r>
+            <a:r>
+              <a:rPr lang="en-US" sz="1100" smtClean="0"/>
+              <a:t>List</a:t>
+            </a:r>
+            <a:endParaRPr lang="en-US" sz="1100"/>
+          </a:p>
+        </p:txBody>
+      </p:sp>
+      <p:cxnSp>
+        <p:nvCxnSpPr>
+          <p:cNvPr id="21" name="Straight Arrow Connector 20"/>
+          <p:cNvCxnSpPr>
+            <a:stCxn id="7" idx="3"/>
+            <a:endCxn id="9" idx="1"/>
+          </p:cNvCxnSpPr>
+          <p:nvPr/>
+        </p:nvCxnSpPr>
+        <p:spPr>
+          <a:xfrm flipH="1">
+            <a:off x="5798978" y="4146882"/>
+            <a:ext cx="1474524" cy="438114"/>
+          </a:xfrm>
+          <a:prstGeom prst="straightConnector1">
+            <a:avLst/>
+          </a:prstGeom>
+          <a:ln>
+            <a:tailEnd type="triangle"/>
+          </a:ln>
+        </p:spPr>
+        <p:style>
+          <a:lnRef idx="1">
+            <a:schemeClr val="accent1"/>
+          </a:lnRef>
+          <a:fillRef idx="0">
+            <a:schemeClr val="accent1"/>
+          </a:fillRef>
+          <a:effectRef idx="0">
+            <a:schemeClr val="accent1"/>
+          </a:effectRef>
+          <a:fontRef idx="minor">
+            <a:schemeClr val="tx1"/>
+          </a:fontRef>
+        </p:style>
+      </p:cxnSp>
+      <p:cxnSp>
+        <p:nvCxnSpPr>
+          <p:cNvPr id="23" name="Straight Arrow Connector 22"/>
+          <p:cNvCxnSpPr>
+            <a:stCxn id="7" idx="3"/>
+            <a:endCxn id="19" idx="1"/>
+          </p:cNvCxnSpPr>
+          <p:nvPr/>
+        </p:nvCxnSpPr>
+        <p:spPr>
+          <a:xfrm flipH="1">
+            <a:off x="6675174" y="4146882"/>
+            <a:ext cx="598328" cy="444433"/>
+          </a:xfrm>
+          <a:prstGeom prst="straightConnector1">
+            <a:avLst/>
+          </a:prstGeom>
+          <a:ln>
+            <a:tailEnd type="triangle"/>
+          </a:ln>
+        </p:spPr>
+        <p:style>
+          <a:lnRef idx="1">
+            <a:schemeClr val="accent1"/>
+          </a:lnRef>
+          <a:fillRef idx="0">
+            <a:schemeClr val="accent1"/>
+          </a:fillRef>
+          <a:effectRef idx="0">
+            <a:schemeClr val="accent1"/>
+          </a:effectRef>
+          <a:fontRef idx="minor">
+            <a:schemeClr val="tx1"/>
+          </a:fontRef>
+        </p:style>
+      </p:cxnSp>
+      <p:cxnSp>
+        <p:nvCxnSpPr>
+          <p:cNvPr id="25" name="Straight Arrow Connector 24"/>
+          <p:cNvCxnSpPr>
+            <a:stCxn id="7" idx="3"/>
+            <a:endCxn id="10" idx="1"/>
+          </p:cNvCxnSpPr>
+          <p:nvPr/>
+        </p:nvCxnSpPr>
+        <p:spPr>
+          <a:xfrm>
+            <a:off x="7273502" y="4146882"/>
+            <a:ext cx="314145" cy="442327"/>
+          </a:xfrm>
+          <a:prstGeom prst="straightConnector1">
+            <a:avLst/>
+          </a:prstGeom>
+          <a:ln>
+            <a:tailEnd type="triangle"/>
+          </a:ln>
+        </p:spPr>
+        <p:style>
+          <a:lnRef idx="1">
+            <a:schemeClr val="accent1"/>
+          </a:lnRef>
+          <a:fillRef idx="0">
+            <a:schemeClr val="accent1"/>
+          </a:fillRef>
+          <a:effectRef idx="0">
+            <a:schemeClr val="accent1"/>
+          </a:effectRef>
+          <a:fontRef idx="minor">
+            <a:schemeClr val="tx1"/>
+          </a:fontRef>
+        </p:style>
+      </p:cxnSp>
+      <p:cxnSp>
+        <p:nvCxnSpPr>
+          <p:cNvPr id="27" name="Straight Arrow Connector 26"/>
+          <p:cNvCxnSpPr>
+            <a:stCxn id="7" idx="3"/>
+            <a:endCxn id="6" idx="1"/>
+          </p:cNvCxnSpPr>
+          <p:nvPr/>
+        </p:nvCxnSpPr>
+        <p:spPr>
+          <a:xfrm>
+            <a:off x="7273502" y="4146882"/>
+            <a:ext cx="1350611" cy="399703"/>
+          </a:xfrm>
+          <a:prstGeom prst="straightConnector1">
+            <a:avLst/>
+          </a:prstGeom>
+          <a:ln>
+            <a:tailEnd type="triangle"/>
+          </a:ln>
+        </p:spPr>
+        <p:style>
+          <a:lnRef idx="1">
+            <a:schemeClr val="accent1"/>
+          </a:lnRef>
+          <a:fillRef idx="0">
+            <a:schemeClr val="accent1"/>
+          </a:fillRef>
+          <a:effectRef idx="0">
+            <a:schemeClr val="accent1"/>
+          </a:effectRef>
+          <a:fontRef idx="minor">
+            <a:schemeClr val="tx1"/>
+          </a:fontRef>
+        </p:style>
+      </p:cxnSp>
+      <p:cxnSp>
+        <p:nvCxnSpPr>
+          <p:cNvPr id="29" name="Straight Arrow Connector 28"/>
+          <p:cNvCxnSpPr>
+            <a:stCxn id="5" idx="3"/>
+            <a:endCxn id="7" idx="1"/>
+          </p:cNvCxnSpPr>
+          <p:nvPr/>
+        </p:nvCxnSpPr>
+        <p:spPr>
+          <a:xfrm flipH="1">
+            <a:off x="7273502" y="2984049"/>
+            <a:ext cx="1313332" cy="433902"/>
+          </a:xfrm>
+          <a:prstGeom prst="straightConnector1">
+            <a:avLst/>
+          </a:prstGeom>
+          <a:ln>
+            <a:tailEnd type="triangle"/>
+          </a:ln>
+        </p:spPr>
+        <p:style>
+          <a:lnRef idx="1">
+            <a:schemeClr val="accent1"/>
+          </a:lnRef>
+          <a:fillRef idx="0">
+            <a:schemeClr val="accent1"/>
+          </a:fillRef>
+          <a:effectRef idx="0">
+            <a:schemeClr val="accent1"/>
+          </a:effectRef>
+          <a:fontRef idx="minor">
+            <a:schemeClr val="tx1"/>
+          </a:fontRef>
+        </p:style>
+      </p:cxnSp>
+      <p:cxnSp>
+        <p:nvCxnSpPr>
+          <p:cNvPr id="31" name="Straight Arrow Connector 30"/>
+          <p:cNvCxnSpPr>
+            <a:stCxn id="5" idx="3"/>
+            <a:endCxn id="8" idx="1"/>
+          </p:cNvCxnSpPr>
+          <p:nvPr/>
+        </p:nvCxnSpPr>
+        <p:spPr>
+          <a:xfrm>
+            <a:off x="8586834" y="2984049"/>
+            <a:ext cx="1563992" cy="417662"/>
+          </a:xfrm>
+          <a:prstGeom prst="straightConnector1">
+            <a:avLst/>
+          </a:prstGeom>
+          <a:ln>
+            <a:tailEnd type="triangle"/>
+          </a:ln>
+        </p:spPr>
+        <p:style>
+          <a:lnRef idx="1">
+            <a:schemeClr val="accent1"/>
+          </a:lnRef>
+          <a:fillRef idx="0">
+            <a:schemeClr val="accent1"/>
+          </a:fillRef>
+          <a:effectRef idx="0">
+            <a:schemeClr val="accent1"/>
+          </a:effectRef>
+          <a:fontRef idx="minor">
+            <a:schemeClr val="tx1"/>
+          </a:fontRef>
+        </p:style>
+      </p:cxnSp>
+    </p:spTree>
+    <p:extLst>
+      <p:ext uri="{BB962C8B-B14F-4D97-AF65-F5344CB8AC3E}">
+        <p14:creationId xmlns:p14="http://schemas.microsoft.com/office/powerpoint/2010/main" val="3598747903"/>
+      </p:ext>
+    </p:extLst>
+  </p:cSld>
+  <p:clrMapOvr>
+    <a:masterClrMapping/>
+  </p:clrMapOvr>
+  <mc:AlternateContent xmlns:mc="http://schemas.openxmlformats.org/markup-compatibility/2006" xmlns:p14="http://schemas.microsoft.com/office/powerpoint/2010/main">
+    <mc:Choice Requires="p14">
+      <p:transition spd="slow" p14:dur="900">
+        <p14:warp dir="in"/>
+      </p:transition>
+    </mc:Choice>
+    <mc:Fallback xmlns="">
+      <p:transition spd="slow">
+        <p:fade/>
+      </p:transition>
+    </mc:Fallback>
+  </mc:AlternateContent>
+  <p:timing>
+    <p:tnLst>
+      <p:par>
+        <p:cTn id="1" dur="indefinite" restart="never" nodeType="tmRoot"/>
+      </p:par>
+    </p:tnLst>
+  </p:timing>
+</p:sld>
+</file>
+
+<file path=ppt/slides/slide15.xml><?xml version="1.0" encoding="utf-8"?>
+<p:sld xmlns:a="http://schemas.openxmlformats.org/drawingml/2006/main" xmlns:r="http://schemas.openxmlformats.org/officeDocument/2006/relationships" xmlns:p="http://schemas.openxmlformats.org/presentationml/2006/main">
+  <p:cSld>
+    <p:spTree>
+      <p:nvGrpSpPr>
+        <p:cNvPr id="1" name=""/>
+        <p:cNvGrpSpPr/>
+        <p:nvPr/>
+      </p:nvGrpSpPr>
+      <p:grpSpPr>
+        <a:xfrm>
+          <a:off x="0" y="0"/>
+          <a:ext cx="0" cy="0"/>
+          <a:chOff x="0" y="0"/>
+          <a:chExt cx="0" cy="0"/>
+        </a:xfrm>
+      </p:grpSpPr>
+      <p:sp>
+        <p:nvSpPr>
+          <p:cNvPr id="2" name="Title 1"/>
+          <p:cNvSpPr>
+            <a:spLocks noGrp="1"/>
+          </p:cNvSpPr>
+          <p:nvPr>
+            <p:ph type="title"/>
+          </p:nvPr>
+        </p:nvSpPr>
+        <p:spPr/>
+        <p:txBody>
+          <a:bodyPr/>
+          <a:lstStyle/>
+          <a:p>
+            <a:r>
+              <a:rPr lang="en-US" smtClean="0"/>
+              <a:t>8. Master Data</a:t>
+            </a:r>
+            <a:endParaRPr lang="en-US"/>
+          </a:p>
+        </p:txBody>
+      </p:sp>
+      <p:sp>
+        <p:nvSpPr>
+          <p:cNvPr id="4" name="Slide Number Placeholder 3"/>
+          <p:cNvSpPr>
+            <a:spLocks noGrp="1"/>
+          </p:cNvSpPr>
+          <p:nvPr>
+            <p:ph type="sldNum" sz="quarter" idx="12"/>
+          </p:nvPr>
+        </p:nvSpPr>
+        <p:spPr/>
+        <p:txBody>
+          <a:bodyPr/>
+          <a:lstStyle/>
+          <a:p>
+            <a:fld id="{ADCBEA7B-0C17-4C65-AC04-29AE518F0098}" type="slidenum">
+              <a:rPr lang="en-US" smtClean="0"/>
+              <a:t>15</a:t>
+            </a:fld>
+            <a:endParaRPr lang="en-US"/>
+          </a:p>
+        </p:txBody>
+      </p:sp>
+      <p:sp>
+        <p:nvSpPr>
+          <p:cNvPr id="5" name="Flowchart: Magnetic Disk 4"/>
+          <p:cNvSpPr/>
+          <p:nvPr/>
+        </p:nvSpPr>
+        <p:spPr>
+          <a:xfrm>
+            <a:off x="7850036" y="2121408"/>
+            <a:ext cx="1473595" cy="862641"/>
+          </a:xfrm>
+          <a:prstGeom prst="flowChartMagneticDisk">
+            <a:avLst/>
+          </a:prstGeom>
+        </p:spPr>
+        <p:style>
+          <a:lnRef idx="2">
+            <a:schemeClr val="accent1">
+              <a:shade val="50000"/>
+            </a:schemeClr>
+          </a:lnRef>
+          <a:fillRef idx="1">
+            <a:schemeClr val="accent1"/>
+          </a:fillRef>
+          <a:effectRef idx="0">
+            <a:schemeClr val="accent1"/>
+          </a:effectRef>
+          <a:fontRef idx="minor">
+            <a:schemeClr val="lt1"/>
+          </a:fontRef>
+        </p:style>
+        <p:txBody>
+          <a:bodyPr rtlCol="0" anchor="ctr"/>
+          <a:lstStyle/>
+          <a:p>
+            <a:pPr algn="ctr"/>
+            <a:r>
+              <a:rPr lang="en-US" b="1" smtClean="0"/>
+              <a:t>Data</a:t>
+            </a:r>
+            <a:endParaRPr lang="en-US" b="1"/>
+          </a:p>
+        </p:txBody>
+      </p:sp>
+      <p:sp>
+        <p:nvSpPr>
+          <p:cNvPr id="7" name="Flowchart: Magnetic Disk 6"/>
+          <p:cNvSpPr/>
+          <p:nvPr/>
+        </p:nvSpPr>
+        <p:spPr>
+          <a:xfrm>
+            <a:off x="6579014" y="3417951"/>
+            <a:ext cx="1388975" cy="728931"/>
           </a:xfrm>
           <a:prstGeom prst="flowChartMagneticDisk">
             <a:avLst/>
@@ -31874,21 +32403,21 @@
             <a:pPr algn="ctr"/>
             <a:r>
               <a:rPr lang="en-US"/>
-              <a:t>Material </a:t>
+              <a:t>Master data</a:t>
             </a:r>
           </a:p>
         </p:txBody>
       </p:sp>
       <p:sp>
         <p:nvSpPr>
-          <p:cNvPr id="10" name="Flowchart: Magnetic Disk 9"/>
+          <p:cNvPr id="8" name="Flowchart: Magnetic Disk 7"/>
           <p:cNvSpPr/>
           <p:nvPr/>
         </p:nvSpPr>
         <p:spPr>
           <a:xfrm>
-            <a:off x="7850037" y="4571280"/>
-            <a:ext cx="1473595" cy="728931"/>
+            <a:off x="9340426" y="3401711"/>
+            <a:ext cx="1620799" cy="792651"/>
           </a:xfrm>
           <a:prstGeom prst="flowChartMagneticDisk">
             <a:avLst/>
@@ -31917,23 +32446,23 @@
             <a:pPr algn="ctr"/>
             <a:r>
               <a:rPr lang="en-US"/>
-              <a:t>Vendor </a:t>
+              <a:t>Transactional data</a:t>
             </a:r>
           </a:p>
         </p:txBody>
       </p:sp>
       <p:sp>
         <p:nvSpPr>
-          <p:cNvPr id="11" name="Down Arrow 10"/>
+          <p:cNvPr id="9" name="Flowchart: Magnetic Disk 8"/>
           <p:cNvSpPr/>
           <p:nvPr/>
         </p:nvSpPr>
         <p:spPr>
-          <a:xfrm rot="2842014" flipH="1">
-            <a:off x="7472041" y="2773129"/>
-            <a:ext cx="231212" cy="641138"/>
+          <a:xfrm>
+            <a:off x="5380989" y="4584996"/>
+            <a:ext cx="835978" cy="728931"/>
           </a:xfrm>
-          <a:prstGeom prst="downArrow">
+          <a:prstGeom prst="flowChartMagneticDisk">
             <a:avLst/>
           </a:prstGeom>
         </p:spPr>
@@ -31958,22 +32487,25 @@
           <a:lstStyle/>
           <a:p>
             <a:pPr algn="ctr"/>
-            <a:endParaRPr lang="en-US"/>
+            <a:r>
+              <a:rPr lang="en-US" sz="1100"/>
+              <a:t>Material </a:t>
+            </a:r>
           </a:p>
         </p:txBody>
       </p:sp>
       <p:sp>
         <p:nvSpPr>
-          <p:cNvPr id="12" name="Down Arrow 11"/>
+          <p:cNvPr id="10" name="Flowchart: Magnetic Disk 9"/>
           <p:cNvSpPr/>
           <p:nvPr/>
         </p:nvSpPr>
         <p:spPr>
-          <a:xfrm rot="18757986">
-            <a:off x="9499340" y="2776299"/>
-            <a:ext cx="231212" cy="641138"/>
+          <a:xfrm>
+            <a:off x="7133381" y="4589209"/>
+            <a:ext cx="908532" cy="728931"/>
           </a:xfrm>
-          <a:prstGeom prst="downArrow">
+          <a:prstGeom prst="flowChartMagneticDisk">
             <a:avLst/>
           </a:prstGeom>
         </p:spPr>
@@ -31998,22 +32530,25 @@
           <a:lstStyle/>
           <a:p>
             <a:pPr algn="ctr"/>
-            <a:endParaRPr lang="en-US"/>
+            <a:r>
+              <a:rPr lang="en-US" sz="1100"/>
+              <a:t>Vendor </a:t>
+            </a:r>
           </a:p>
         </p:txBody>
       </p:sp>
       <p:sp>
         <p:nvSpPr>
-          <p:cNvPr id="13" name="Down Arrow 12"/>
+          <p:cNvPr id="6" name="Flowchart: Magnetic Disk 5"/>
           <p:cNvSpPr/>
           <p:nvPr/>
         </p:nvSpPr>
         <p:spPr>
-          <a:xfrm rot="2842014" flipH="1">
-            <a:off x="5912562" y="4002555"/>
-            <a:ext cx="231212" cy="641138"/>
+          <a:xfrm>
+            <a:off x="8146437" y="4546585"/>
+            <a:ext cx="955352" cy="767342"/>
           </a:xfrm>
-          <a:prstGeom prst="downArrow">
+          <a:prstGeom prst="flowChartMagneticDisk">
             <a:avLst/>
           </a:prstGeom>
         </p:spPr>
@@ -32038,22 +32573,25 @@
           <a:lstStyle/>
           <a:p>
             <a:pPr algn="ctr"/>
-            <a:endParaRPr lang="en-US"/>
+            <a:r>
+              <a:rPr lang="en-US" sz="1100"/>
+              <a:t>Purchase Info record</a:t>
+            </a:r>
           </a:p>
         </p:txBody>
       </p:sp>
       <p:sp>
         <p:nvSpPr>
-          <p:cNvPr id="14" name="Down Arrow 13"/>
+          <p:cNvPr id="19" name="Flowchart: Magnetic Disk 18"/>
           <p:cNvSpPr/>
           <p:nvPr/>
         </p:nvSpPr>
         <p:spPr>
-          <a:xfrm rot="18757986">
-            <a:off x="7939861" y="4005725"/>
-            <a:ext cx="231212" cy="641138"/>
+          <a:xfrm>
+            <a:off x="6321491" y="4591315"/>
+            <a:ext cx="707366" cy="724718"/>
           </a:xfrm>
-          <a:prstGeom prst="downArrow">
+          <a:prstGeom prst="flowChartMagneticDisk">
             <a:avLst/>
           </a:prstGeom>
         </p:spPr>
@@ -32078,35 +32616,864 @@
           <a:lstStyle/>
           <a:p>
             <a:pPr algn="ctr"/>
-            <a:endParaRPr lang="en-US"/>
+            <a:r>
+              <a:rPr lang="en-US" sz="1100"/>
+              <a:t> </a:t>
+            </a:r>
+            <a:r>
+              <a:rPr lang="en-US" sz="1100"/>
+              <a:t>Source </a:t>
+            </a:r>
+            <a:r>
+              <a:rPr lang="en-US" sz="1100" smtClean="0"/>
+              <a:t>List</a:t>
+            </a:r>
+            <a:endParaRPr lang="en-US" sz="1100"/>
           </a:p>
         </p:txBody>
       </p:sp>
+      <p:cxnSp>
+        <p:nvCxnSpPr>
+          <p:cNvPr id="21" name="Straight Arrow Connector 20"/>
+          <p:cNvCxnSpPr>
+            <a:stCxn id="7" idx="3"/>
+            <a:endCxn id="9" idx="1"/>
+          </p:cNvCxnSpPr>
+          <p:nvPr/>
+        </p:nvCxnSpPr>
+        <p:spPr>
+          <a:xfrm flipH="1">
+            <a:off x="5798978" y="4146882"/>
+            <a:ext cx="1474524" cy="438114"/>
+          </a:xfrm>
+          <a:prstGeom prst="straightConnector1">
+            <a:avLst/>
+          </a:prstGeom>
+          <a:ln>
+            <a:tailEnd type="triangle"/>
+          </a:ln>
+        </p:spPr>
+        <p:style>
+          <a:lnRef idx="1">
+            <a:schemeClr val="accent1"/>
+          </a:lnRef>
+          <a:fillRef idx="0">
+            <a:schemeClr val="accent1"/>
+          </a:fillRef>
+          <a:effectRef idx="0">
+            <a:schemeClr val="accent1"/>
+          </a:effectRef>
+          <a:fontRef idx="minor">
+            <a:schemeClr val="tx1"/>
+          </a:fontRef>
+        </p:style>
+      </p:cxnSp>
+      <p:cxnSp>
+        <p:nvCxnSpPr>
+          <p:cNvPr id="23" name="Straight Arrow Connector 22"/>
+          <p:cNvCxnSpPr>
+            <a:stCxn id="7" idx="3"/>
+            <a:endCxn id="19" idx="1"/>
+          </p:cNvCxnSpPr>
+          <p:nvPr/>
+        </p:nvCxnSpPr>
+        <p:spPr>
+          <a:xfrm flipH="1">
+            <a:off x="6675174" y="4146882"/>
+            <a:ext cx="598328" cy="444433"/>
+          </a:xfrm>
+          <a:prstGeom prst="straightConnector1">
+            <a:avLst/>
+          </a:prstGeom>
+          <a:ln>
+            <a:tailEnd type="triangle"/>
+          </a:ln>
+        </p:spPr>
+        <p:style>
+          <a:lnRef idx="1">
+            <a:schemeClr val="accent1"/>
+          </a:lnRef>
+          <a:fillRef idx="0">
+            <a:schemeClr val="accent1"/>
+          </a:fillRef>
+          <a:effectRef idx="0">
+            <a:schemeClr val="accent1"/>
+          </a:effectRef>
+          <a:fontRef idx="minor">
+            <a:schemeClr val="tx1"/>
+          </a:fontRef>
+        </p:style>
+      </p:cxnSp>
+      <p:cxnSp>
+        <p:nvCxnSpPr>
+          <p:cNvPr id="25" name="Straight Arrow Connector 24"/>
+          <p:cNvCxnSpPr>
+            <a:stCxn id="7" idx="3"/>
+            <a:endCxn id="10" idx="1"/>
+          </p:cNvCxnSpPr>
+          <p:nvPr/>
+        </p:nvCxnSpPr>
+        <p:spPr>
+          <a:xfrm>
+            <a:off x="7273502" y="4146882"/>
+            <a:ext cx="314145" cy="442327"/>
+          </a:xfrm>
+          <a:prstGeom prst="straightConnector1">
+            <a:avLst/>
+          </a:prstGeom>
+          <a:ln>
+            <a:tailEnd type="triangle"/>
+          </a:ln>
+        </p:spPr>
+        <p:style>
+          <a:lnRef idx="1">
+            <a:schemeClr val="accent1"/>
+          </a:lnRef>
+          <a:fillRef idx="0">
+            <a:schemeClr val="accent1"/>
+          </a:fillRef>
+          <a:effectRef idx="0">
+            <a:schemeClr val="accent1"/>
+          </a:effectRef>
+          <a:fontRef idx="minor">
+            <a:schemeClr val="tx1"/>
+          </a:fontRef>
+        </p:style>
+      </p:cxnSp>
+      <p:cxnSp>
+        <p:nvCxnSpPr>
+          <p:cNvPr id="27" name="Straight Arrow Connector 26"/>
+          <p:cNvCxnSpPr>
+            <a:stCxn id="7" idx="3"/>
+            <a:endCxn id="6" idx="1"/>
+          </p:cNvCxnSpPr>
+          <p:nvPr/>
+        </p:nvCxnSpPr>
+        <p:spPr>
+          <a:xfrm>
+            <a:off x="7273502" y="4146882"/>
+            <a:ext cx="1350611" cy="399703"/>
+          </a:xfrm>
+          <a:prstGeom prst="straightConnector1">
+            <a:avLst/>
+          </a:prstGeom>
+          <a:ln>
+            <a:tailEnd type="triangle"/>
+          </a:ln>
+        </p:spPr>
+        <p:style>
+          <a:lnRef idx="1">
+            <a:schemeClr val="accent1"/>
+          </a:lnRef>
+          <a:fillRef idx="0">
+            <a:schemeClr val="accent1"/>
+          </a:fillRef>
+          <a:effectRef idx="0">
+            <a:schemeClr val="accent1"/>
+          </a:effectRef>
+          <a:fontRef idx="minor">
+            <a:schemeClr val="tx1"/>
+          </a:fontRef>
+        </p:style>
+      </p:cxnSp>
+      <p:cxnSp>
+        <p:nvCxnSpPr>
+          <p:cNvPr id="29" name="Straight Arrow Connector 28"/>
+          <p:cNvCxnSpPr>
+            <a:stCxn id="5" idx="3"/>
+            <a:endCxn id="7" idx="1"/>
+          </p:cNvCxnSpPr>
+          <p:nvPr/>
+        </p:nvCxnSpPr>
+        <p:spPr>
+          <a:xfrm flipH="1">
+            <a:off x="7273502" y="2984049"/>
+            <a:ext cx="1313332" cy="433902"/>
+          </a:xfrm>
+          <a:prstGeom prst="straightConnector1">
+            <a:avLst/>
+          </a:prstGeom>
+          <a:ln>
+            <a:tailEnd type="triangle"/>
+          </a:ln>
+        </p:spPr>
+        <p:style>
+          <a:lnRef idx="1">
+            <a:schemeClr val="accent1"/>
+          </a:lnRef>
+          <a:fillRef idx="0">
+            <a:schemeClr val="accent1"/>
+          </a:fillRef>
+          <a:effectRef idx="0">
+            <a:schemeClr val="accent1"/>
+          </a:effectRef>
+          <a:fontRef idx="minor">
+            <a:schemeClr val="tx1"/>
+          </a:fontRef>
+        </p:style>
+      </p:cxnSp>
+      <p:cxnSp>
+        <p:nvCxnSpPr>
+          <p:cNvPr id="31" name="Straight Arrow Connector 30"/>
+          <p:cNvCxnSpPr>
+            <a:stCxn id="5" idx="3"/>
+            <a:endCxn id="8" idx="1"/>
+          </p:cNvCxnSpPr>
+          <p:nvPr/>
+        </p:nvCxnSpPr>
+        <p:spPr>
+          <a:xfrm>
+            <a:off x="8586834" y="2984049"/>
+            <a:ext cx="1563992" cy="417662"/>
+          </a:xfrm>
+          <a:prstGeom prst="straightConnector1">
+            <a:avLst/>
+          </a:prstGeom>
+          <a:ln>
+            <a:tailEnd type="triangle"/>
+          </a:ln>
+        </p:spPr>
+        <p:style>
+          <a:lnRef idx="1">
+            <a:schemeClr val="accent1"/>
+          </a:lnRef>
+          <a:fillRef idx="0">
+            <a:schemeClr val="accent1"/>
+          </a:fillRef>
+          <a:effectRef idx="0">
+            <a:schemeClr val="accent1"/>
+          </a:effectRef>
+          <a:fontRef idx="minor">
+            <a:schemeClr val="tx1"/>
+          </a:fontRef>
+        </p:style>
+      </p:cxnSp>
       <p:sp>
         <p:nvSpPr>
-          <p:cNvPr id="15" name="TextBox 14"/>
-          <p:cNvSpPr txBox="1"/>
+          <p:cNvPr id="17" name="Flowchart: Magnetic Disk 16"/>
+          <p:cNvSpPr/>
           <p:nvPr/>
         </p:nvSpPr>
         <p:spPr>
           <a:xfrm>
-            <a:off x="4829223" y="5366873"/>
-            <a:ext cx="1247457" cy="369332"/>
+            <a:off x="8146437" y="1608905"/>
+            <a:ext cx="835978" cy="728931"/>
           </a:xfrm>
-          <a:prstGeom prst="rect">
+          <a:prstGeom prst="flowChartMagneticDisk">
             <a:avLst/>
           </a:prstGeom>
-          <a:noFill/>
         </p:spPr>
+        <p:style>
+          <a:lnRef idx="2">
+            <a:schemeClr val="accent1">
+              <a:shade val="50000"/>
+            </a:schemeClr>
+          </a:lnRef>
+          <a:fillRef idx="1">
+            <a:schemeClr val="accent1"/>
+          </a:fillRef>
+          <a:effectRef idx="0">
+            <a:schemeClr val="accent1"/>
+          </a:effectRef>
+          <a:fontRef idx="minor">
+            <a:schemeClr val="lt1"/>
+          </a:fontRef>
+        </p:style>
         <p:txBody>
-          <a:bodyPr wrap="none" rtlCol="0">
-            <a:spAutoFit/>
-          </a:bodyPr>
+          <a:bodyPr rtlCol="0" anchor="ctr"/>
+          <a:lstStyle/>
+          <a:p>
+            <a:pPr algn="ctr"/>
+            <a:r>
+              <a:rPr lang="en-US" sz="1100"/>
+              <a:t>Material </a:t>
+            </a:r>
+          </a:p>
+        </p:txBody>
+      </p:sp>
+    </p:spTree>
+    <p:extLst>
+      <p:ext uri="{BB962C8B-B14F-4D97-AF65-F5344CB8AC3E}">
+        <p14:creationId xmlns:p14="http://schemas.microsoft.com/office/powerpoint/2010/main" val="3784952977"/>
+      </p:ext>
+    </p:extLst>
+  </p:cSld>
+  <p:clrMapOvr>
+    <a:masterClrMapping/>
+  </p:clrMapOvr>
+  <mc:AlternateContent xmlns:mc="http://schemas.openxmlformats.org/markup-compatibility/2006">
+    <mc:Choice xmlns:p14="http://schemas.microsoft.com/office/powerpoint/2010/main" Requires="p14">
+      <p:transition p14:dur="100">
+        <p:cut/>
+      </p:transition>
+    </mc:Choice>
+    <mc:Fallback>
+      <p:transition>
+        <p:cut/>
+      </p:transition>
+    </mc:Fallback>
+  </mc:AlternateContent>
+  <p:timing>
+    <p:tnLst>
+      <p:par>
+        <p:cTn id="1" dur="indefinite" restart="never" nodeType="tmRoot">
+          <p:childTnLst>
+            <p:seq concurrent="1" nextAc="seek">
+              <p:cTn id="2" dur="indefinite" nodeType="mainSeq">
+                <p:childTnLst>
+                  <p:par>
+                    <p:cTn id="3" fill="hold">
+                      <p:stCondLst>
+                        <p:cond delay="indefinite"/>
+                        <p:cond evt="onBegin" delay="0">
+                          <p:tn val="2"/>
+                        </p:cond>
+                      </p:stCondLst>
+                      <p:childTnLst>
+                        <p:par>
+                          <p:cTn id="4" fill="hold">
+                            <p:stCondLst>
+                              <p:cond delay="0"/>
+                            </p:stCondLst>
+                            <p:childTnLst>
+                              <p:par>
+                                <p:cTn id="5" presetID="1" presetClass="exit" presetSubtype="0" fill="hold" grpId="0" nodeType="afterEffect">
+                                  <p:stCondLst>
+                                    <p:cond delay="0"/>
+                                  </p:stCondLst>
+                                  <p:childTnLst>
+                                    <p:set>
+                                      <p:cBhvr>
+                                        <p:cTn id="6" dur="1" fill="hold">
+                                          <p:stCondLst>
+                                            <p:cond delay="49"/>
+                                          </p:stCondLst>
+                                        </p:cTn>
+                                        <p:tgtEl>
+                                          <p:spTgt spid="5"/>
+                                        </p:tgtEl>
+                                        <p:attrNameLst>
+                                          <p:attrName>style.visibility</p:attrName>
+                                        </p:attrNameLst>
+                                      </p:cBhvr>
+                                      <p:to>
+                                        <p:strVal val="hidden"/>
+                                      </p:to>
+                                    </p:set>
+                                  </p:childTnLst>
+                                </p:cTn>
+                              </p:par>
+                            </p:childTnLst>
+                          </p:cTn>
+                        </p:par>
+                        <p:par>
+                          <p:cTn id="7" fill="hold">
+                            <p:stCondLst>
+                              <p:cond delay="50"/>
+                            </p:stCondLst>
+                            <p:childTnLst>
+                              <p:par>
+                                <p:cTn id="8" presetID="1" presetClass="exit" presetSubtype="0" fill="hold" grpId="0" nodeType="afterEffect">
+                                  <p:stCondLst>
+                                    <p:cond delay="0"/>
+                                  </p:stCondLst>
+                                  <p:childTnLst>
+                                    <p:set>
+                                      <p:cBhvr>
+                                        <p:cTn id="9" dur="1" fill="hold">
+                                          <p:stCondLst>
+                                            <p:cond delay="49"/>
+                                          </p:stCondLst>
+                                        </p:cTn>
+                                        <p:tgtEl>
+                                          <p:spTgt spid="7"/>
+                                        </p:tgtEl>
+                                        <p:attrNameLst>
+                                          <p:attrName>style.visibility</p:attrName>
+                                        </p:attrNameLst>
+                                      </p:cBhvr>
+                                      <p:to>
+                                        <p:strVal val="hidden"/>
+                                      </p:to>
+                                    </p:set>
+                                  </p:childTnLst>
+                                </p:cTn>
+                              </p:par>
+                            </p:childTnLst>
+                          </p:cTn>
+                        </p:par>
+                        <p:par>
+                          <p:cTn id="10" fill="hold">
+                            <p:stCondLst>
+                              <p:cond delay="100"/>
+                            </p:stCondLst>
+                            <p:childTnLst>
+                              <p:par>
+                                <p:cTn id="11" presetID="1" presetClass="exit" presetSubtype="0" fill="hold" grpId="0" nodeType="afterEffect">
+                                  <p:stCondLst>
+                                    <p:cond delay="0"/>
+                                  </p:stCondLst>
+                                  <p:childTnLst>
+                                    <p:set>
+                                      <p:cBhvr>
+                                        <p:cTn id="12" dur="1" fill="hold">
+                                          <p:stCondLst>
+                                            <p:cond delay="49"/>
+                                          </p:stCondLst>
+                                        </p:cTn>
+                                        <p:tgtEl>
+                                          <p:spTgt spid="8"/>
+                                        </p:tgtEl>
+                                        <p:attrNameLst>
+                                          <p:attrName>style.visibility</p:attrName>
+                                        </p:attrNameLst>
+                                      </p:cBhvr>
+                                      <p:to>
+                                        <p:strVal val="hidden"/>
+                                      </p:to>
+                                    </p:set>
+                                  </p:childTnLst>
+                                </p:cTn>
+                              </p:par>
+                            </p:childTnLst>
+                          </p:cTn>
+                        </p:par>
+                        <p:par>
+                          <p:cTn id="13" fill="hold">
+                            <p:stCondLst>
+                              <p:cond delay="150"/>
+                            </p:stCondLst>
+                            <p:childTnLst>
+                              <p:par>
+                                <p:cTn id="14" presetID="1" presetClass="exit" presetSubtype="0" fill="hold" grpId="0" nodeType="afterEffect">
+                                  <p:stCondLst>
+                                    <p:cond delay="0"/>
+                                  </p:stCondLst>
+                                  <p:childTnLst>
+                                    <p:set>
+                                      <p:cBhvr>
+                                        <p:cTn id="15" dur="1" fill="hold">
+                                          <p:stCondLst>
+                                            <p:cond delay="49"/>
+                                          </p:stCondLst>
+                                        </p:cTn>
+                                        <p:tgtEl>
+                                          <p:spTgt spid="19"/>
+                                        </p:tgtEl>
+                                        <p:attrNameLst>
+                                          <p:attrName>style.visibility</p:attrName>
+                                        </p:attrNameLst>
+                                      </p:cBhvr>
+                                      <p:to>
+                                        <p:strVal val="hidden"/>
+                                      </p:to>
+                                    </p:set>
+                                  </p:childTnLst>
+                                </p:cTn>
+                              </p:par>
+                            </p:childTnLst>
+                          </p:cTn>
+                        </p:par>
+                        <p:par>
+                          <p:cTn id="16" fill="hold">
+                            <p:stCondLst>
+                              <p:cond delay="200"/>
+                            </p:stCondLst>
+                            <p:childTnLst>
+                              <p:par>
+                                <p:cTn id="17" presetID="1" presetClass="exit" presetSubtype="0" fill="hold" grpId="0" nodeType="afterEffect">
+                                  <p:stCondLst>
+                                    <p:cond delay="0"/>
+                                  </p:stCondLst>
+                                  <p:childTnLst>
+                                    <p:set>
+                                      <p:cBhvr>
+                                        <p:cTn id="18" dur="1" fill="hold">
+                                          <p:stCondLst>
+                                            <p:cond delay="49"/>
+                                          </p:stCondLst>
+                                        </p:cTn>
+                                        <p:tgtEl>
+                                          <p:spTgt spid="10"/>
+                                        </p:tgtEl>
+                                        <p:attrNameLst>
+                                          <p:attrName>style.visibility</p:attrName>
+                                        </p:attrNameLst>
+                                      </p:cBhvr>
+                                      <p:to>
+                                        <p:strVal val="hidden"/>
+                                      </p:to>
+                                    </p:set>
+                                  </p:childTnLst>
+                                </p:cTn>
+                              </p:par>
+                            </p:childTnLst>
+                          </p:cTn>
+                        </p:par>
+                        <p:par>
+                          <p:cTn id="19" fill="hold">
+                            <p:stCondLst>
+                              <p:cond delay="250"/>
+                            </p:stCondLst>
+                            <p:childTnLst>
+                              <p:par>
+                                <p:cTn id="20" presetID="1" presetClass="exit" presetSubtype="0" fill="hold" grpId="0" nodeType="afterEffect">
+                                  <p:stCondLst>
+                                    <p:cond delay="0"/>
+                                  </p:stCondLst>
+                                  <p:childTnLst>
+                                    <p:set>
+                                      <p:cBhvr>
+                                        <p:cTn id="21" dur="1" fill="hold">
+                                          <p:stCondLst>
+                                            <p:cond delay="49"/>
+                                          </p:stCondLst>
+                                        </p:cTn>
+                                        <p:tgtEl>
+                                          <p:spTgt spid="6"/>
+                                        </p:tgtEl>
+                                        <p:attrNameLst>
+                                          <p:attrName>style.visibility</p:attrName>
+                                        </p:attrNameLst>
+                                      </p:cBhvr>
+                                      <p:to>
+                                        <p:strVal val="hidden"/>
+                                      </p:to>
+                                    </p:set>
+                                  </p:childTnLst>
+                                </p:cTn>
+                              </p:par>
+                            </p:childTnLst>
+                          </p:cTn>
+                        </p:par>
+                        <p:par>
+                          <p:cTn id="22" fill="hold">
+                            <p:stCondLst>
+                              <p:cond delay="300"/>
+                            </p:stCondLst>
+                            <p:childTnLst>
+                              <p:par>
+                                <p:cTn id="23" presetID="1" presetClass="exit" presetSubtype="0" fill="hold" nodeType="afterEffect">
+                                  <p:stCondLst>
+                                    <p:cond delay="0"/>
+                                  </p:stCondLst>
+                                  <p:childTnLst>
+                                    <p:set>
+                                      <p:cBhvr>
+                                        <p:cTn id="24" dur="1" fill="hold">
+                                          <p:stCondLst>
+                                            <p:cond delay="49"/>
+                                          </p:stCondLst>
+                                        </p:cTn>
+                                        <p:tgtEl>
+                                          <p:spTgt spid="31"/>
+                                        </p:tgtEl>
+                                        <p:attrNameLst>
+                                          <p:attrName>style.visibility</p:attrName>
+                                        </p:attrNameLst>
+                                      </p:cBhvr>
+                                      <p:to>
+                                        <p:strVal val="hidden"/>
+                                      </p:to>
+                                    </p:set>
+                                  </p:childTnLst>
+                                </p:cTn>
+                              </p:par>
+                            </p:childTnLst>
+                          </p:cTn>
+                        </p:par>
+                        <p:par>
+                          <p:cTn id="25" fill="hold">
+                            <p:stCondLst>
+                              <p:cond delay="350"/>
+                            </p:stCondLst>
+                            <p:childTnLst>
+                              <p:par>
+                                <p:cTn id="26" presetID="1" presetClass="exit" presetSubtype="0" fill="hold" nodeType="afterEffect">
+                                  <p:stCondLst>
+                                    <p:cond delay="0"/>
+                                  </p:stCondLst>
+                                  <p:childTnLst>
+                                    <p:set>
+                                      <p:cBhvr>
+                                        <p:cTn id="27" dur="1" fill="hold">
+                                          <p:stCondLst>
+                                            <p:cond delay="49"/>
+                                          </p:stCondLst>
+                                        </p:cTn>
+                                        <p:tgtEl>
+                                          <p:spTgt spid="29"/>
+                                        </p:tgtEl>
+                                        <p:attrNameLst>
+                                          <p:attrName>style.visibility</p:attrName>
+                                        </p:attrNameLst>
+                                      </p:cBhvr>
+                                      <p:to>
+                                        <p:strVal val="hidden"/>
+                                      </p:to>
+                                    </p:set>
+                                  </p:childTnLst>
+                                </p:cTn>
+                              </p:par>
+                            </p:childTnLst>
+                          </p:cTn>
+                        </p:par>
+                        <p:par>
+                          <p:cTn id="28" fill="hold">
+                            <p:stCondLst>
+                              <p:cond delay="400"/>
+                            </p:stCondLst>
+                            <p:childTnLst>
+                              <p:par>
+                                <p:cTn id="29" presetID="1" presetClass="exit" presetSubtype="0" fill="hold" nodeType="afterEffect">
+                                  <p:stCondLst>
+                                    <p:cond delay="0"/>
+                                  </p:stCondLst>
+                                  <p:childTnLst>
+                                    <p:set>
+                                      <p:cBhvr>
+                                        <p:cTn id="30" dur="1" fill="hold">
+                                          <p:stCondLst>
+                                            <p:cond delay="49"/>
+                                          </p:stCondLst>
+                                        </p:cTn>
+                                        <p:tgtEl>
+                                          <p:spTgt spid="27"/>
+                                        </p:tgtEl>
+                                        <p:attrNameLst>
+                                          <p:attrName>style.visibility</p:attrName>
+                                        </p:attrNameLst>
+                                      </p:cBhvr>
+                                      <p:to>
+                                        <p:strVal val="hidden"/>
+                                      </p:to>
+                                    </p:set>
+                                  </p:childTnLst>
+                                </p:cTn>
+                              </p:par>
+                            </p:childTnLst>
+                          </p:cTn>
+                        </p:par>
+                        <p:par>
+                          <p:cTn id="31" fill="hold">
+                            <p:stCondLst>
+                              <p:cond delay="450"/>
+                            </p:stCondLst>
+                            <p:childTnLst>
+                              <p:par>
+                                <p:cTn id="32" presetID="1" presetClass="exit" presetSubtype="0" fill="hold" nodeType="afterEffect">
+                                  <p:stCondLst>
+                                    <p:cond delay="0"/>
+                                  </p:stCondLst>
+                                  <p:childTnLst>
+                                    <p:set>
+                                      <p:cBhvr>
+                                        <p:cTn id="33" dur="1" fill="hold">
+                                          <p:stCondLst>
+                                            <p:cond delay="49"/>
+                                          </p:stCondLst>
+                                        </p:cTn>
+                                        <p:tgtEl>
+                                          <p:spTgt spid="25"/>
+                                        </p:tgtEl>
+                                        <p:attrNameLst>
+                                          <p:attrName>style.visibility</p:attrName>
+                                        </p:attrNameLst>
+                                      </p:cBhvr>
+                                      <p:to>
+                                        <p:strVal val="hidden"/>
+                                      </p:to>
+                                    </p:set>
+                                  </p:childTnLst>
+                                </p:cTn>
+                              </p:par>
+                            </p:childTnLst>
+                          </p:cTn>
+                        </p:par>
+                        <p:par>
+                          <p:cTn id="34" fill="hold">
+                            <p:stCondLst>
+                              <p:cond delay="500"/>
+                            </p:stCondLst>
+                            <p:childTnLst>
+                              <p:par>
+                                <p:cTn id="35" presetID="1" presetClass="exit" presetSubtype="0" fill="hold" nodeType="afterEffect">
+                                  <p:stCondLst>
+                                    <p:cond delay="0"/>
+                                  </p:stCondLst>
+                                  <p:childTnLst>
+                                    <p:set>
+                                      <p:cBhvr>
+                                        <p:cTn id="36" dur="1" fill="hold">
+                                          <p:stCondLst>
+                                            <p:cond delay="49"/>
+                                          </p:stCondLst>
+                                        </p:cTn>
+                                        <p:tgtEl>
+                                          <p:spTgt spid="23"/>
+                                        </p:tgtEl>
+                                        <p:attrNameLst>
+                                          <p:attrName>style.visibility</p:attrName>
+                                        </p:attrNameLst>
+                                      </p:cBhvr>
+                                      <p:to>
+                                        <p:strVal val="hidden"/>
+                                      </p:to>
+                                    </p:set>
+                                  </p:childTnLst>
+                                </p:cTn>
+                              </p:par>
+                            </p:childTnLst>
+                          </p:cTn>
+                        </p:par>
+                        <p:par>
+                          <p:cTn id="37" fill="hold">
+                            <p:stCondLst>
+                              <p:cond delay="550"/>
+                            </p:stCondLst>
+                            <p:childTnLst>
+                              <p:par>
+                                <p:cTn id="38" presetID="1" presetClass="exit" presetSubtype="0" fill="hold" nodeType="afterEffect">
+                                  <p:stCondLst>
+                                    <p:cond delay="0"/>
+                                  </p:stCondLst>
+                                  <p:childTnLst>
+                                    <p:set>
+                                      <p:cBhvr>
+                                        <p:cTn id="39" dur="1" fill="hold">
+                                          <p:stCondLst>
+                                            <p:cond delay="49"/>
+                                          </p:stCondLst>
+                                        </p:cTn>
+                                        <p:tgtEl>
+                                          <p:spTgt spid="21"/>
+                                        </p:tgtEl>
+                                        <p:attrNameLst>
+                                          <p:attrName>style.visibility</p:attrName>
+                                        </p:attrNameLst>
+                                      </p:cBhvr>
+                                      <p:to>
+                                        <p:strVal val="hidden"/>
+                                      </p:to>
+                                    </p:set>
+                                  </p:childTnLst>
+                                </p:cTn>
+                              </p:par>
+                            </p:childTnLst>
+                          </p:cTn>
+                        </p:par>
+                      </p:childTnLst>
+                    </p:cTn>
+                  </p:par>
+                  <p:par>
+                    <p:cTn id="40" fill="hold">
+                      <p:stCondLst>
+                        <p:cond delay="indefinite"/>
+                      </p:stCondLst>
+                      <p:childTnLst>
+                        <p:par>
+                          <p:cTn id="41" fill="hold">
+                            <p:stCondLst>
+                              <p:cond delay="0"/>
+                            </p:stCondLst>
+                            <p:childTnLst>
+                              <p:par>
+                                <p:cTn id="42" presetID="42" presetClass="path" presetSubtype="0" accel="50000" decel="50000" fill="hold" grpId="0" nodeType="clickEffect">
+                                  <p:stCondLst>
+                                    <p:cond delay="0"/>
+                                  </p:stCondLst>
+                                  <p:childTnLst>
+                                    <p:animMotion origin="layout" path="M -1.04167E-6 2.22222E-6 L 0.22865 -0.43472 " pathEditMode="relative" rAng="0" ptsTypes="AA">
+                                      <p:cBhvr>
+                                        <p:cTn id="43" dur="2000" fill="hold"/>
+                                        <p:tgtEl>
+                                          <p:spTgt spid="9"/>
+                                        </p:tgtEl>
+                                        <p:attrNameLst>
+                                          <p:attrName>ppt_x</p:attrName>
+                                          <p:attrName>ppt_y</p:attrName>
+                                        </p:attrNameLst>
+                                      </p:cBhvr>
+                                      <p:rCtr x="11432" y="-21736"/>
+                                    </p:animMotion>
+                                  </p:childTnLst>
+                                </p:cTn>
+                              </p:par>
+                            </p:childTnLst>
+                          </p:cTn>
+                        </p:par>
+                      </p:childTnLst>
+                    </p:cTn>
+                  </p:par>
+                </p:childTnLst>
+              </p:cTn>
+              <p:prevCondLst>
+                <p:cond evt="onPrev" delay="0">
+                  <p:tgtEl>
+                    <p:sldTgt/>
+                  </p:tgtEl>
+                </p:cond>
+              </p:prevCondLst>
+              <p:nextCondLst>
+                <p:cond evt="onNext" delay="0">
+                  <p:tgtEl>
+                    <p:sldTgt/>
+                  </p:tgtEl>
+                </p:cond>
+              </p:nextCondLst>
+            </p:seq>
+          </p:childTnLst>
+        </p:cTn>
+      </p:par>
+    </p:tnLst>
+    <p:bldLst>
+      <p:bldP spid="5" grpId="0" animBg="1"/>
+      <p:bldP spid="7" grpId="0" animBg="1"/>
+      <p:bldP spid="8" grpId="0" animBg="1"/>
+      <p:bldP spid="9" grpId="0" animBg="1"/>
+      <p:bldP spid="10" grpId="0" animBg="1"/>
+      <p:bldP spid="6" grpId="0" animBg="1"/>
+      <p:bldP spid="19" grpId="0" animBg="1"/>
+    </p:bldLst>
+  </p:timing>
+</p:sld>
+</file>
+
+<file path=ppt/slides/slide16.xml><?xml version="1.0" encoding="utf-8"?>
+<p:sld xmlns:a="http://schemas.openxmlformats.org/drawingml/2006/main" xmlns:r="http://schemas.openxmlformats.org/officeDocument/2006/relationships" xmlns:p="http://schemas.openxmlformats.org/presentationml/2006/main">
+  <p:cSld>
+    <p:spTree>
+      <p:nvGrpSpPr>
+        <p:cNvPr id="1" name=""/>
+        <p:cNvGrpSpPr/>
+        <p:nvPr/>
+      </p:nvGrpSpPr>
+      <p:grpSpPr>
+        <a:xfrm>
+          <a:off x="0" y="0"/>
+          <a:ext cx="0" cy="0"/>
+          <a:chOff x="0" y="0"/>
+          <a:chExt cx="0" cy="0"/>
+        </a:xfrm>
+      </p:grpSpPr>
+      <p:sp>
+        <p:nvSpPr>
+          <p:cNvPr id="2" name="Title 1"/>
+          <p:cNvSpPr>
+            <a:spLocks noGrp="1"/>
+          </p:cNvSpPr>
+          <p:nvPr>
+            <p:ph type="title"/>
+          </p:nvPr>
+        </p:nvSpPr>
+        <p:spPr/>
+        <p:txBody>
+          <a:bodyPr/>
           <a:lstStyle/>
           <a:p>
             <a:r>
               <a:rPr lang="en-US" smtClean="0"/>
-              <a:t>Main Data</a:t>
+              <a:t>8. Master Data</a:t>
             </a:r>
             <a:endParaRPr lang="en-US"/>
           </a:p>
@@ -32114,101 +33481,261 @@
       </p:sp>
       <p:sp>
         <p:nvSpPr>
-          <p:cNvPr id="16" name="TextBox 15"/>
-          <p:cNvSpPr txBox="1"/>
+          <p:cNvPr id="4" name="Slide Number Placeholder 3"/>
+          <p:cNvSpPr>
+            <a:spLocks noGrp="1"/>
+          </p:cNvSpPr>
+          <p:nvPr>
+            <p:ph type="sldNum" sz="quarter" idx="12"/>
+          </p:nvPr>
+        </p:nvSpPr>
+        <p:spPr/>
+        <p:txBody>
+          <a:bodyPr/>
+          <a:lstStyle/>
+          <a:p>
+            <a:fld id="{ADCBEA7B-0C17-4C65-AC04-29AE518F0098}" type="slidenum">
+              <a:rPr lang="en-US" smtClean="0"/>
+              <a:t>16</a:t>
+            </a:fld>
+            <a:endParaRPr lang="en-US"/>
+          </a:p>
+        </p:txBody>
+      </p:sp>
+      <p:sp>
+        <p:nvSpPr>
+          <p:cNvPr id="17" name="Flowchart: Magnetic Disk 16"/>
+          <p:cNvSpPr/>
           <p:nvPr/>
         </p:nvSpPr>
         <p:spPr>
           <a:xfrm>
-            <a:off x="4829222" y="5651533"/>
-            <a:ext cx="1832553" cy="369332"/>
+            <a:off x="8155063" y="1608905"/>
+            <a:ext cx="835978" cy="728931"/>
+          </a:xfrm>
+          <a:prstGeom prst="flowChartMagneticDisk">
+            <a:avLst/>
+          </a:prstGeom>
+        </p:spPr>
+        <p:style>
+          <a:lnRef idx="2">
+            <a:schemeClr val="accent1">
+              <a:shade val="50000"/>
+            </a:schemeClr>
+          </a:lnRef>
+          <a:fillRef idx="1">
+            <a:schemeClr val="accent1"/>
+          </a:fillRef>
+          <a:effectRef idx="0">
+            <a:schemeClr val="accent1"/>
+          </a:effectRef>
+          <a:fontRef idx="minor">
+            <a:schemeClr val="lt1"/>
+          </a:fontRef>
+        </p:style>
+        <p:txBody>
+          <a:bodyPr rtlCol="0" anchor="ctr"/>
+          <a:lstStyle/>
+          <a:p>
+            <a:pPr algn="ctr"/>
+            <a:r>
+              <a:rPr lang="en-US" sz="1100"/>
+              <a:t>Material </a:t>
+            </a:r>
+          </a:p>
+        </p:txBody>
+      </p:sp>
+      <p:graphicFrame>
+        <p:nvGraphicFramePr>
+          <p:cNvPr id="11" name="Table 10"/>
+          <p:cNvGraphicFramePr>
+            <a:graphicFrameLocks noGrp="1"/>
+          </p:cNvGraphicFramePr>
+          <p:nvPr>
+            <p:extLst>
+              <p:ext uri="{D42A27DB-BD31-4B8C-83A1-F6EECF244321}">
+                <p14:modId xmlns:p14="http://schemas.microsoft.com/office/powerpoint/2010/main" val="1127635744"/>
+              </p:ext>
+            </p:extLst>
+          </p:nvPr>
+        </p:nvGraphicFramePr>
+        <p:xfrm>
+          <a:off x="4464649" y="2208440"/>
+          <a:ext cx="2971321" cy="1386840"/>
+        </p:xfrm>
+        <a:graphic>
+          <a:graphicData uri="http://schemas.openxmlformats.org/drawingml/2006/table">
+            <a:tbl>
+              <a:tblPr firstRow="1" bandRow="1">
+                <a:tableStyleId>{5C22544A-7EE6-4342-B048-85BDC9FD1C3A}</a:tableStyleId>
+              </a:tblPr>
+              <a:tblGrid>
+                <a:gridCol w="681803"/>
+                <a:gridCol w="2289518"/>
+              </a:tblGrid>
+              <a:tr h="258715">
+                <a:tc>
+                  <a:txBody>
+                    <a:bodyPr/>
+                    <a:lstStyle/>
+                    <a:p>
+                      <a:r>
+                        <a:rPr lang="en-US" sz="1200" smtClean="0"/>
+                        <a:t>MTpy</a:t>
+                      </a:r>
+                      <a:endParaRPr lang="en-US" sz="1200"/>
+                    </a:p>
+                  </a:txBody>
+                  <a:tcPr/>
+                </a:tc>
+                <a:tc>
+                  <a:txBody>
+                    <a:bodyPr/>
+                    <a:lstStyle/>
+                    <a:p>
+                      <a:r>
+                        <a:rPr lang="en-US" sz="1200" smtClean="0"/>
+                        <a:t>Material</a:t>
+                      </a:r>
+                      <a:r>
+                        <a:rPr lang="en-US" sz="1200" baseline="0" smtClean="0"/>
+                        <a:t> type description</a:t>
+                      </a:r>
+                      <a:endParaRPr lang="en-US" sz="1200"/>
+                    </a:p>
+                  </a:txBody>
+                  <a:tcPr/>
+                </a:tc>
+              </a:tr>
+              <a:tr h="370840">
+                <a:tc>
+                  <a:txBody>
+                    <a:bodyPr/>
+                    <a:lstStyle/>
+                    <a:p>
+                      <a:endParaRPr lang="en-US"/>
+                    </a:p>
+                  </a:txBody>
+                  <a:tcPr/>
+                </a:tc>
+                <a:tc>
+                  <a:txBody>
+                    <a:bodyPr/>
+                    <a:lstStyle/>
+                    <a:p>
+                      <a:endParaRPr lang="en-US"/>
+                    </a:p>
+                  </a:txBody>
+                  <a:tcPr/>
+                </a:tc>
+              </a:tr>
+              <a:tr h="370840">
+                <a:tc>
+                  <a:txBody>
+                    <a:bodyPr/>
+                    <a:lstStyle/>
+                    <a:p>
+                      <a:endParaRPr lang="en-US"/>
+                    </a:p>
+                  </a:txBody>
+                  <a:tcPr/>
+                </a:tc>
+                <a:tc>
+                  <a:txBody>
+                    <a:bodyPr/>
+                    <a:lstStyle/>
+                    <a:p>
+                      <a:endParaRPr lang="en-US"/>
+                    </a:p>
+                  </a:txBody>
+                  <a:tcPr/>
+                </a:tc>
+              </a:tr>
+              <a:tr h="370840">
+                <a:tc>
+                  <a:txBody>
+                    <a:bodyPr/>
+                    <a:lstStyle/>
+                    <a:p>
+                      <a:endParaRPr lang="en-US"/>
+                    </a:p>
+                  </a:txBody>
+                  <a:tcPr/>
+                </a:tc>
+                <a:tc>
+                  <a:txBody>
+                    <a:bodyPr/>
+                    <a:lstStyle/>
+                    <a:p>
+                      <a:endParaRPr lang="en-US"/>
+                    </a:p>
+                  </a:txBody>
+                  <a:tcPr/>
+                </a:tc>
+              </a:tr>
+            </a:tbl>
+          </a:graphicData>
+        </a:graphic>
+      </p:graphicFrame>
+      <p:sp>
+        <p:nvSpPr>
+          <p:cNvPr id="12" name="Rectangle 11"/>
+          <p:cNvSpPr/>
+          <p:nvPr/>
+        </p:nvSpPr>
+        <p:spPr>
+          <a:xfrm>
+            <a:off x="4375499" y="1846574"/>
+            <a:ext cx="1723549" cy="369332"/>
           </a:xfrm>
           <a:prstGeom prst="rect">
             <a:avLst/>
           </a:prstGeom>
-          <a:noFill/>
         </p:spPr>
         <p:txBody>
-          <a:bodyPr wrap="none" rtlCol="0">
+          <a:bodyPr wrap="none">
             <a:spAutoFit/>
           </a:bodyPr>
           <a:lstStyle/>
           <a:p>
             <a:r>
-              <a:rPr lang="en-US"/>
-              <a:t>Additional Data</a:t>
+              <a:rPr lang="en-US" b="1">
+                <a:solidFill>
+                  <a:srgbClr val="000000"/>
+                </a:solidFill>
+                <a:latin typeface="Source Sans Pro"/>
+              </a:rPr>
+              <a:t>Material types</a:t>
             </a:r>
-          </a:p>
-        </p:txBody>
-      </p:sp>
-      <p:sp>
-        <p:nvSpPr>
-          <p:cNvPr id="17" name="TextBox 16"/>
-          <p:cNvSpPr txBox="1"/>
-          <p:nvPr/>
-        </p:nvSpPr>
-        <p:spPr>
-          <a:xfrm>
-            <a:off x="7731598" y="5426701"/>
-            <a:ext cx="2458529" cy="923330"/>
-          </a:xfrm>
-          <a:prstGeom prst="rect">
-            <a:avLst/>
-          </a:prstGeom>
-          <a:noFill/>
-        </p:spPr>
-        <p:txBody>
-          <a:bodyPr wrap="square" rtlCol="0">
-            <a:spAutoFit/>
-          </a:bodyPr>
-          <a:lstStyle/>
-          <a:p>
-            <a:r>
-              <a:rPr lang="en-US"/>
-              <a:t>General </a:t>
-            </a:r>
-            <a:r>
-              <a:rPr lang="en-US" smtClean="0"/>
-              <a:t>Data</a:t>
-            </a:r>
-          </a:p>
-          <a:p>
-            <a:r>
-              <a:rPr lang="en-US"/>
-              <a:t>Accounting </a:t>
-            </a:r>
-            <a:r>
-              <a:rPr lang="en-US" smtClean="0"/>
-              <a:t>Data</a:t>
-            </a:r>
-          </a:p>
-          <a:p>
-            <a:r>
-              <a:rPr lang="en-US"/>
-              <a:t>Purchasing Data</a:t>
-            </a:r>
+            <a:endParaRPr lang="en-US" b="1" i="0">
+              <a:solidFill>
+                <a:srgbClr val="222222"/>
+              </a:solidFill>
+              <a:effectLst/>
+              <a:latin typeface="Source Sans Pro"/>
+            </a:endParaRPr>
           </a:p>
         </p:txBody>
       </p:sp>
     </p:spTree>
     <p:extLst>
       <p:ext uri="{BB962C8B-B14F-4D97-AF65-F5344CB8AC3E}">
-        <p14:creationId xmlns:p14="http://schemas.microsoft.com/office/powerpoint/2010/main" val="3598747903"/>
+        <p14:creationId xmlns:p14="http://schemas.microsoft.com/office/powerpoint/2010/main" val="1080716853"/>
       </p:ext>
     </p:extLst>
   </p:cSld>
   <p:clrMapOvr>
     <a:masterClrMapping/>
   </p:clrMapOvr>
-  <mc:AlternateContent xmlns:mc="http://schemas.openxmlformats.org/markup-compatibility/2006" xmlns:p14="http://schemas.microsoft.com/office/powerpoint/2010/main">
-    <mc:Choice Requires="p14">
-      <p:transition spd="slow" p14:dur="900">
-        <p14:warp dir="in"/>
+  <mc:AlternateContent xmlns:mc="http://schemas.openxmlformats.org/markup-compatibility/2006">
+    <mc:Choice xmlns:p14="http://schemas.microsoft.com/office/powerpoint/2010/main" Requires="p14">
+      <p:transition p14:dur="100">
+        <p:cut/>
       </p:transition>
     </mc:Choice>
-    <mc:Fallback xmlns="">
-      <p:transition spd="slow">
-        <p:fade/>
+    <mc:Fallback>
+      <p:transition>
+        <p:cut/>
       </p:transition>
     </mc:Fallback>
   </mc:AlternateContent>

--- a/week_1/Week1.pptx
+++ b/week_1/Week1.pptx
@@ -5,7 +5,7 @@
     <p:sldMasterId id="2147483660" r:id="rId1"/>
   </p:sldMasterIdLst>
   <p:notesMasterIdLst>
-    <p:notesMasterId r:id="rId20"/>
+    <p:notesMasterId r:id="rId22"/>
   </p:notesMasterIdLst>
   <p:sldIdLst>
     <p:sldId id="256" r:id="rId2"/>
@@ -26,6 +26,8 @@
     <p:sldId id="273" r:id="rId17"/>
     <p:sldId id="280" r:id="rId18"/>
     <p:sldId id="281" r:id="rId19"/>
+    <p:sldId id="288" r:id="rId20"/>
+    <p:sldId id="289" r:id="rId21"/>
   </p:sldIdLst>
   <p:sldSz cx="12192000" cy="6858000"/>
   <p:notesSz cx="6858000" cy="9144000"/>
@@ -155,6 +157,8 @@
             <p14:sldId id="273"/>
             <p14:sldId id="280"/>
             <p14:sldId id="281"/>
+            <p14:sldId id="288"/>
+            <p14:sldId id="289"/>
           </p14:sldIdLst>
         </p14:section>
       </p14:sectionLst>
@@ -6629,6 +6633,13 @@
     <dgm:pt modelId="{14C7077A-09AB-4347-ACD8-9ACB8A5FA29A}" type="pres">
       <dgm:prSet presAssocID="{BC8E4C97-1E9B-437F-B2AD-3119FB872848}" presName="Name37" presStyleLbl="parChTrans1D4" presStyleIdx="2" presStyleCnt="4"/>
       <dgm:spPr/>
+      <dgm:t>
+        <a:bodyPr/>
+        <a:lstStyle/>
+        <a:p>
+          <a:endParaRPr lang="en-US"/>
+        </a:p>
+      </dgm:t>
     </dgm:pt>
     <dgm:pt modelId="{36DD6AC1-3ECC-4A57-A6E4-80DAA3C55594}" type="pres">
       <dgm:prSet presAssocID="{F326EAD4-15B7-4231-8406-3E264D063824}" presName="hierRoot2" presStyleCnt="0">
@@ -6861,46 +6872,46 @@
     </dgm:pt>
   </dgm:ptLst>
   <dgm:cxnLst>
-    <dgm:cxn modelId="{AC8DF9C5-F1E7-416E-806F-F047D3A3CA2D}" type="presOf" srcId="{BC8E4C97-1E9B-437F-B2AD-3119FB872848}" destId="{14C7077A-09AB-4347-ACD8-9ACB8A5FA29A}" srcOrd="0" destOrd="0" presId="urn:microsoft.com/office/officeart/2005/8/layout/orgChart1"/>
-    <dgm:cxn modelId="{6898A1AD-815A-48D7-A49A-7DB18A09787E}" srcId="{B996AD30-A37F-45E2-A56C-4A93578795D0}" destId="{D4A35DF8-6439-4142-932A-D8F181A49255}" srcOrd="1" destOrd="0" parTransId="{CC6DA225-0CA4-4B73-8439-82CF37C05055}" sibTransId="{901BB144-6DE9-49D7-BD79-46AA7C9F2AEB}"/>
-    <dgm:cxn modelId="{11A22E9C-13C6-4836-A018-130465633E8B}" type="presOf" srcId="{5B1A1E9A-0FAA-44E2-83A8-0AA5AEA9101E}" destId="{20AD77B1-F680-4E06-9882-55D33C942548}" srcOrd="0" destOrd="0" presId="urn:microsoft.com/office/officeart/2005/8/layout/orgChart1"/>
-    <dgm:cxn modelId="{8DDDC1EA-271F-474A-886D-B02F617EF878}" type="presOf" srcId="{B996AD30-A37F-45E2-A56C-4A93578795D0}" destId="{7E885989-59E8-43FE-A505-3664FCB6B2ED}" srcOrd="1" destOrd="0" presId="urn:microsoft.com/office/officeart/2005/8/layout/orgChart1"/>
-    <dgm:cxn modelId="{1BDF775C-1FBA-4AD5-A98E-35BD0A4C7286}" type="presOf" srcId="{CC6DA225-0CA4-4B73-8439-82CF37C05055}" destId="{1CCF4A54-1CBE-4684-9EBF-D13F11693C13}" srcOrd="0" destOrd="0" presId="urn:microsoft.com/office/officeart/2005/8/layout/orgChart1"/>
+    <dgm:cxn modelId="{D32946DB-1FCC-46B7-A4EA-C9377831B097}" type="presOf" srcId="{637545FA-5D5C-415A-B251-957A0D292BBF}" destId="{E7256188-D4D6-4675-BD0A-611D86688C5D}" srcOrd="0" destOrd="0" presId="urn:microsoft.com/office/officeart/2005/8/layout/orgChart1"/>
+    <dgm:cxn modelId="{6C19F523-07EE-4851-9E3A-EAD2735DA6AD}" srcId="{B996AD30-A37F-45E2-A56C-4A93578795D0}" destId="{637545FA-5D5C-415A-B251-957A0D292BBF}" srcOrd="0" destOrd="0" parTransId="{51C7E774-777F-4D57-A8F1-8245F2BBBFA4}" sibTransId="{0A1D07E3-1DF8-4CF6-84B4-2539B4BBE579}"/>
+    <dgm:cxn modelId="{253AF003-4425-4B1D-A45C-0D5BAFCE355B}" type="presOf" srcId="{EAE38EFC-7A56-4E9A-A5BD-7278BE090C64}" destId="{B5D8E3D7-0217-4DA0-91EA-98815A10D3BF}" srcOrd="0" destOrd="0" presId="urn:microsoft.com/office/officeart/2005/8/layout/orgChart1"/>
+    <dgm:cxn modelId="{082952DB-50DC-463D-B92A-F54BB413A69B}" type="presOf" srcId="{69FFF6AA-8487-41AC-A6C5-68CE514C3B10}" destId="{4086BC7A-3E71-43F0-87E6-59A2DC4DEF91}" srcOrd="0" destOrd="0" presId="urn:microsoft.com/office/officeart/2005/8/layout/orgChart1"/>
+    <dgm:cxn modelId="{90620CBC-34C9-4C10-916D-92512EFFDADE}" type="presOf" srcId="{84427637-584A-4C2E-BDC9-1F5FA7002E31}" destId="{D8590757-42E6-41B7-BC93-897F6029E768}" srcOrd="0" destOrd="0" presId="urn:microsoft.com/office/officeart/2005/8/layout/orgChart1"/>
+    <dgm:cxn modelId="{78AB9C60-477D-40BE-BCE3-975E7EA241EC}" type="presOf" srcId="{2E9B1675-2CEF-4967-BD5B-0FCE22ACE24B}" destId="{C287EB62-B87F-45CC-9CA9-31682E2D798F}" srcOrd="0" destOrd="0" presId="urn:microsoft.com/office/officeart/2005/8/layout/orgChart1"/>
+    <dgm:cxn modelId="{957D437B-4517-4043-83B5-AA88E9D00921}" type="presOf" srcId="{D02A3EE1-5902-4696-9CBA-832686A13E80}" destId="{94A35554-512B-4F66-98CF-E9EBCF128BE8}" srcOrd="1" destOrd="0" presId="urn:microsoft.com/office/officeart/2005/8/layout/orgChart1"/>
+    <dgm:cxn modelId="{2F587799-11CA-4302-87BF-B97B95D1893B}" type="presOf" srcId="{637545FA-5D5C-415A-B251-957A0D292BBF}" destId="{78A6417D-AA95-499B-A98D-3CCA4E483117}" srcOrd="1" destOrd="0" presId="urn:microsoft.com/office/officeart/2005/8/layout/orgChart1"/>
+    <dgm:cxn modelId="{6B618E46-CA12-4791-BCF5-302472046EA6}" srcId="{590F06B3-EE6B-4773-B2AD-F710558B8DFD}" destId="{D02A3EE1-5902-4696-9CBA-832686A13E80}" srcOrd="1" destOrd="0" parTransId="{5B1A1E9A-0FAA-44E2-83A8-0AA5AEA9101E}" sibTransId="{C95E60D5-E0B8-4108-BFCB-E78D91E64F44}"/>
+    <dgm:cxn modelId="{9C081DA8-5A5B-4E6D-936F-156D5B4105C1}" type="presOf" srcId="{F854E760-87DF-4BCB-8A7D-5C4065CA229A}" destId="{4E0F731A-E96A-4681-A9CF-85C1FA26AF42}" srcOrd="0" destOrd="0" presId="urn:microsoft.com/office/officeart/2005/8/layout/orgChart1"/>
+    <dgm:cxn modelId="{0A3515AF-07A3-4A40-82AD-7AB605394C12}" srcId="{F854E760-87DF-4BCB-8A7D-5C4065CA229A}" destId="{590F06B3-EE6B-4773-B2AD-F710558B8DFD}" srcOrd="0" destOrd="0" parTransId="{2E9B1675-2CEF-4967-BD5B-0FCE22ACE24B}" sibTransId="{5A614B03-8A9A-4850-80F4-18CD0F0C3FFD}"/>
     <dgm:cxn modelId="{EE345ECA-FFB8-440D-ACDE-A50488BE2AC8}" type="presOf" srcId="{D4A35DF8-6439-4142-932A-D8F181A49255}" destId="{0C095B5A-48A4-473B-9732-B7F7F74BEDAA}" srcOrd="1" destOrd="0" presId="urn:microsoft.com/office/officeart/2005/8/layout/orgChart1"/>
-    <dgm:cxn modelId="{A4D14AE2-D678-40D5-AFB8-7360CD130179}" type="presOf" srcId="{FF70C216-5F28-47B0-A95C-716307A14287}" destId="{403A108F-37BD-40A8-AE1B-C6403FAEAAF7}" srcOrd="0" destOrd="0" presId="urn:microsoft.com/office/officeart/2005/8/layout/orgChart1"/>
-    <dgm:cxn modelId="{6300DADB-A186-431C-9ECC-099EAF6D8D77}" type="presOf" srcId="{D4A35DF8-6439-4142-932A-D8F181A49255}" destId="{69BD3152-0932-4C43-B7CB-01459A3A47A6}" srcOrd="0" destOrd="0" presId="urn:microsoft.com/office/officeart/2005/8/layout/orgChart1"/>
-    <dgm:cxn modelId="{A32E803B-9010-4A1E-BDE2-9B3919F1FADD}" type="presOf" srcId="{590F06B3-EE6B-4773-B2AD-F710558B8DFD}" destId="{8ABA5D51-B0DC-4100-A96D-CFE79C91B7AB}" srcOrd="1" destOrd="0" presId="urn:microsoft.com/office/officeart/2005/8/layout/orgChart1"/>
-    <dgm:cxn modelId="{253AF003-4425-4B1D-A45C-0D5BAFCE355B}" type="presOf" srcId="{EAE38EFC-7A56-4E9A-A5BD-7278BE090C64}" destId="{B5D8E3D7-0217-4DA0-91EA-98815A10D3BF}" srcOrd="0" destOrd="0" presId="urn:microsoft.com/office/officeart/2005/8/layout/orgChart1"/>
-    <dgm:cxn modelId="{A5BEC42A-7C2B-4502-A308-08E8357DEC22}" type="presOf" srcId="{F854E760-87DF-4BCB-8A7D-5C4065CA229A}" destId="{90EBC4AF-240E-4974-8968-B217124CEF0D}" srcOrd="1" destOrd="0" presId="urn:microsoft.com/office/officeart/2005/8/layout/orgChart1"/>
     <dgm:cxn modelId="{C4709C80-DEFC-4522-8272-E16A86E95756}" srcId="{84427637-584A-4C2E-BDC9-1F5FA7002E31}" destId="{66B0DA7E-9108-42BB-910B-8A2F3B3DB5E9}" srcOrd="0" destOrd="0" parTransId="{6E922380-A5E0-443E-95A5-7D9591192682}" sibTransId="{E192D33D-C72D-4727-8310-57AC1387E757}"/>
-    <dgm:cxn modelId="{C88B58F7-5313-4A66-969F-73F9E00B930C}" type="presOf" srcId="{F326EAD4-15B7-4231-8406-3E264D063824}" destId="{F5540188-9066-48D4-982A-51EC3FD67974}" srcOrd="1" destOrd="0" presId="urn:microsoft.com/office/officeart/2005/8/layout/orgChart1"/>
-    <dgm:cxn modelId="{D32946DB-1FCC-46B7-A4EA-C9377831B097}" type="presOf" srcId="{637545FA-5D5C-415A-B251-957A0D292BBF}" destId="{E7256188-D4D6-4675-BD0A-611D86688C5D}" srcOrd="0" destOrd="0" presId="urn:microsoft.com/office/officeart/2005/8/layout/orgChart1"/>
-    <dgm:cxn modelId="{B4755B5E-7C3D-41AA-A8EA-43107D6C77D6}" srcId="{590F06B3-EE6B-4773-B2AD-F710558B8DFD}" destId="{B996AD30-A37F-45E2-A56C-4A93578795D0}" srcOrd="0" destOrd="0" parTransId="{2834861F-4B64-4177-8CE7-0216F54EF80A}" sibTransId="{DE82F034-78C4-48B3-9BB2-76D27ADE0A36}"/>
-    <dgm:cxn modelId="{78AB9C60-477D-40BE-BCE3-975E7EA241EC}" type="presOf" srcId="{2E9B1675-2CEF-4967-BD5B-0FCE22ACE24B}" destId="{C287EB62-B87F-45CC-9CA9-31682E2D798F}" srcOrd="0" destOrd="0" presId="urn:microsoft.com/office/officeart/2005/8/layout/orgChart1"/>
     <dgm:cxn modelId="{83154A48-66D1-4129-82F8-633AE503BD09}" type="presOf" srcId="{51C7E774-777F-4D57-A8F1-8245F2BBBFA4}" destId="{8B2F7809-8BC8-4046-A38E-9CF3344948BF}" srcOrd="0" destOrd="0" presId="urn:microsoft.com/office/officeart/2005/8/layout/orgChart1"/>
-    <dgm:cxn modelId="{E2E37FB7-3DED-478E-880C-6A2872603ADA}" type="presOf" srcId="{66B0DA7E-9108-42BB-910B-8A2F3B3DB5E9}" destId="{588EAD13-00D9-4C3B-B7B9-0CAC446C16DB}" srcOrd="0" destOrd="0" presId="urn:microsoft.com/office/officeart/2005/8/layout/orgChart1"/>
-    <dgm:cxn modelId="{2D2E2A53-73DE-43B4-8204-41844CF1D733}" type="presOf" srcId="{D02A3EE1-5902-4696-9CBA-832686A13E80}" destId="{3D9F09DB-AD38-47BB-A011-3E34314F7089}" srcOrd="0" destOrd="0" presId="urn:microsoft.com/office/officeart/2005/8/layout/orgChart1"/>
+    <dgm:cxn modelId="{398434BB-EF05-42CF-8122-282124B28442}" type="presOf" srcId="{F326EAD4-15B7-4231-8406-3E264D063824}" destId="{122592F1-E62E-4F5B-AE13-85CE0A7055D1}" srcOrd="0" destOrd="0" presId="urn:microsoft.com/office/officeart/2005/8/layout/orgChart1"/>
+    <dgm:cxn modelId="{CE55CD27-0E3C-480A-A42E-45F19279FD80}" type="presOf" srcId="{4DD1A02F-0211-45F4-A00D-D280BDDD6D77}" destId="{FEC45B24-8543-45FD-A73D-EE5112A8AA8A}" srcOrd="0" destOrd="0" presId="urn:microsoft.com/office/officeart/2005/8/layout/orgChart1"/>
     <dgm:cxn modelId="{68EBC697-7D7E-4C15-9032-283A0B4C4624}" srcId="{D02A3EE1-5902-4696-9CBA-832686A13E80}" destId="{F326EAD4-15B7-4231-8406-3E264D063824}" srcOrd="0" destOrd="0" parTransId="{BC8E4C97-1E9B-437F-B2AD-3119FB872848}" sibTransId="{C3C10689-DF0F-4B20-80AA-EB2DF6295AA2}"/>
     <dgm:cxn modelId="{4E72F5A8-8635-4B3C-B9D5-9AC12EFE9220}" type="presOf" srcId="{EAE38EFC-7A56-4E9A-A5BD-7278BE090C64}" destId="{D598C98D-0249-4722-94C9-AA466B4F75F0}" srcOrd="1" destOrd="0" presId="urn:microsoft.com/office/officeart/2005/8/layout/orgChart1"/>
     <dgm:cxn modelId="{718886CD-9242-4556-ACD6-D9AAA05AAB27}" type="presOf" srcId="{6E922380-A5E0-443E-95A5-7D9591192682}" destId="{871E373A-9BFC-45C1-AFFC-C92655A96FA6}" srcOrd="0" destOrd="0" presId="urn:microsoft.com/office/officeart/2005/8/layout/orgChart1"/>
+    <dgm:cxn modelId="{AC8DF9C5-F1E7-416E-806F-F047D3A3CA2D}" type="presOf" srcId="{BC8E4C97-1E9B-437F-B2AD-3119FB872848}" destId="{14C7077A-09AB-4347-ACD8-9ACB8A5FA29A}" srcOrd="0" destOrd="0" presId="urn:microsoft.com/office/officeart/2005/8/layout/orgChart1"/>
+    <dgm:cxn modelId="{A5BEC42A-7C2B-4502-A308-08E8357DEC22}" type="presOf" srcId="{F854E760-87DF-4BCB-8A7D-5C4065CA229A}" destId="{90EBC4AF-240E-4974-8968-B217124CEF0D}" srcOrd="1" destOrd="0" presId="urn:microsoft.com/office/officeart/2005/8/layout/orgChart1"/>
+    <dgm:cxn modelId="{3328B5BD-6C09-4DC6-A185-3FC92DB11BAE}" type="presOf" srcId="{66B0DA7E-9108-42BB-910B-8A2F3B3DB5E9}" destId="{70C64187-273D-4980-A611-74C3F65C37E1}" srcOrd="1" destOrd="0" presId="urn:microsoft.com/office/officeart/2005/8/layout/orgChart1"/>
+    <dgm:cxn modelId="{7B082ABC-9A17-4748-8EF9-57D4CBC0803D}" type="presOf" srcId="{2834861F-4B64-4177-8CE7-0216F54EF80A}" destId="{3E069345-9E95-4D94-BBCC-C083C4D9E779}" srcOrd="0" destOrd="0" presId="urn:microsoft.com/office/officeart/2005/8/layout/orgChart1"/>
+    <dgm:cxn modelId="{A32E803B-9010-4A1E-BDE2-9B3919F1FADD}" type="presOf" srcId="{590F06B3-EE6B-4773-B2AD-F710558B8DFD}" destId="{8ABA5D51-B0DC-4100-A96D-CFE79C91B7AB}" srcOrd="1" destOrd="0" presId="urn:microsoft.com/office/officeart/2005/8/layout/orgChart1"/>
+    <dgm:cxn modelId="{6300DADB-A186-431C-9ECC-099EAF6D8D77}" type="presOf" srcId="{D4A35DF8-6439-4142-932A-D8F181A49255}" destId="{69BD3152-0932-4C43-B7CB-01459A3A47A6}" srcOrd="0" destOrd="0" presId="urn:microsoft.com/office/officeart/2005/8/layout/orgChart1"/>
+    <dgm:cxn modelId="{6898A1AD-815A-48D7-A49A-7DB18A09787E}" srcId="{B996AD30-A37F-45E2-A56C-4A93578795D0}" destId="{D4A35DF8-6439-4142-932A-D8F181A49255}" srcOrd="1" destOrd="0" parTransId="{CC6DA225-0CA4-4B73-8439-82CF37C05055}" sibTransId="{901BB144-6DE9-49D7-BD79-46AA7C9F2AEB}"/>
     <dgm:cxn modelId="{B2F595CD-BED7-45D0-A524-D456A1968D35}" type="presOf" srcId="{84427637-584A-4C2E-BDC9-1F5FA7002E31}" destId="{DE005051-D3B4-444D-A8A6-BE1E67BFF72B}" srcOrd="1" destOrd="0" presId="urn:microsoft.com/office/officeart/2005/8/layout/orgChart1"/>
-    <dgm:cxn modelId="{3328B5BD-6C09-4DC6-A185-3FC92DB11BAE}" type="presOf" srcId="{66B0DA7E-9108-42BB-910B-8A2F3B3DB5E9}" destId="{70C64187-273D-4980-A611-74C3F65C37E1}" srcOrd="1" destOrd="0" presId="urn:microsoft.com/office/officeart/2005/8/layout/orgChart1"/>
-    <dgm:cxn modelId="{082952DB-50DC-463D-B92A-F54BB413A69B}" type="presOf" srcId="{69FFF6AA-8487-41AC-A6C5-68CE514C3B10}" destId="{4086BC7A-3E71-43F0-87E6-59A2DC4DEF91}" srcOrd="0" destOrd="0" presId="urn:microsoft.com/office/officeart/2005/8/layout/orgChart1"/>
-    <dgm:cxn modelId="{CE55CD27-0E3C-480A-A42E-45F19279FD80}" type="presOf" srcId="{4DD1A02F-0211-45F4-A00D-D280BDDD6D77}" destId="{FEC45B24-8543-45FD-A73D-EE5112A8AA8A}" srcOrd="0" destOrd="0" presId="urn:microsoft.com/office/officeart/2005/8/layout/orgChart1"/>
+    <dgm:cxn modelId="{8DDDC1EA-271F-474A-886D-B02F617EF878}" type="presOf" srcId="{B996AD30-A37F-45E2-A56C-4A93578795D0}" destId="{7E885989-59E8-43FE-A505-3664FCB6B2ED}" srcOrd="1" destOrd="0" presId="urn:microsoft.com/office/officeart/2005/8/layout/orgChart1"/>
+    <dgm:cxn modelId="{B4755B5E-7C3D-41AA-A8EA-43107D6C77D6}" srcId="{590F06B3-EE6B-4773-B2AD-F710558B8DFD}" destId="{B996AD30-A37F-45E2-A56C-4A93578795D0}" srcOrd="0" destOrd="0" parTransId="{2834861F-4B64-4177-8CE7-0216F54EF80A}" sibTransId="{DE82F034-78C4-48B3-9BB2-76D27ADE0A36}"/>
+    <dgm:cxn modelId="{A4D14AE2-D678-40D5-AFB8-7360CD130179}" type="presOf" srcId="{FF70C216-5F28-47B0-A95C-716307A14287}" destId="{403A108F-37BD-40A8-AE1B-C6403FAEAAF7}" srcOrd="0" destOrd="0" presId="urn:microsoft.com/office/officeart/2005/8/layout/orgChart1"/>
+    <dgm:cxn modelId="{11A22E9C-13C6-4836-A018-130465633E8B}" type="presOf" srcId="{5B1A1E9A-0FAA-44E2-83A8-0AA5AEA9101E}" destId="{20AD77B1-F680-4E06-9882-55D33C942548}" srcOrd="0" destOrd="0" presId="urn:microsoft.com/office/officeart/2005/8/layout/orgChart1"/>
+    <dgm:cxn modelId="{C88B58F7-5313-4A66-969F-73F9E00B930C}" type="presOf" srcId="{F326EAD4-15B7-4231-8406-3E264D063824}" destId="{F5540188-9066-48D4-982A-51EC3FD67974}" srcOrd="1" destOrd="0" presId="urn:microsoft.com/office/officeart/2005/8/layout/orgChart1"/>
     <dgm:cxn modelId="{26F54EE0-8C60-4C83-A737-916A159BB9F5}" srcId="{69FFF6AA-8487-41AC-A6C5-68CE514C3B10}" destId="{F854E760-87DF-4BCB-8A7D-5C4065CA229A}" srcOrd="0" destOrd="0" parTransId="{61DB815F-A4B7-4933-B9CF-358A6CFA88B4}" sibTransId="{B3C7AD49-C188-4964-B3ED-CDACE0F6B6B4}"/>
+    <dgm:cxn modelId="{E2E37FB7-3DED-478E-880C-6A2872603ADA}" type="presOf" srcId="{66B0DA7E-9108-42BB-910B-8A2F3B3DB5E9}" destId="{588EAD13-00D9-4C3B-B7B9-0CAC446C16DB}" srcOrd="0" destOrd="0" presId="urn:microsoft.com/office/officeart/2005/8/layout/orgChart1"/>
+    <dgm:cxn modelId="{3A8A169F-2BF3-447A-9C89-729493A49589}" srcId="{66B0DA7E-9108-42BB-910B-8A2F3B3DB5E9}" destId="{EAE38EFC-7A56-4E9A-A5BD-7278BE090C64}" srcOrd="0" destOrd="0" parTransId="{FF70C216-5F28-47B0-A95C-716307A14287}" sibTransId="{C79CD6E5-70D8-4BBC-9789-5ED975634F33}"/>
+    <dgm:cxn modelId="{1BDF775C-1FBA-4AD5-A98E-35BD0A4C7286}" type="presOf" srcId="{CC6DA225-0CA4-4B73-8439-82CF37C05055}" destId="{1CCF4A54-1CBE-4684-9EBF-D13F11693C13}" srcOrd="0" destOrd="0" presId="urn:microsoft.com/office/officeart/2005/8/layout/orgChart1"/>
+    <dgm:cxn modelId="{21967FFC-37FE-4FCF-B228-F716BB5E339A}" type="presOf" srcId="{B996AD30-A37F-45E2-A56C-4A93578795D0}" destId="{2005F81A-F0C2-48AE-A0BF-6A9F2E297A53}" srcOrd="0" destOrd="0" presId="urn:microsoft.com/office/officeart/2005/8/layout/orgChart1"/>
+    <dgm:cxn modelId="{39773A6A-7619-4B78-995F-6E605263A9DD}" type="presOf" srcId="{590F06B3-EE6B-4773-B2AD-F710558B8DFD}" destId="{14C6610E-C918-436A-9082-1E2E9B135F84}" srcOrd="0" destOrd="0" presId="urn:microsoft.com/office/officeart/2005/8/layout/orgChart1"/>
     <dgm:cxn modelId="{90F953FB-B28D-410D-966A-059343592817}" srcId="{F854E760-87DF-4BCB-8A7D-5C4065CA229A}" destId="{84427637-584A-4C2E-BDC9-1F5FA7002E31}" srcOrd="1" destOrd="0" parTransId="{4DD1A02F-0211-45F4-A00D-D280BDDD6D77}" sibTransId="{F02B00B6-0E00-4F4F-B26A-BE29A4EFC926}"/>
-    <dgm:cxn modelId="{0A3515AF-07A3-4A40-82AD-7AB605394C12}" srcId="{F854E760-87DF-4BCB-8A7D-5C4065CA229A}" destId="{590F06B3-EE6B-4773-B2AD-F710558B8DFD}" srcOrd="0" destOrd="0" parTransId="{2E9B1675-2CEF-4967-BD5B-0FCE22ACE24B}" sibTransId="{5A614B03-8A9A-4850-80F4-18CD0F0C3FFD}"/>
-    <dgm:cxn modelId="{398434BB-EF05-42CF-8122-282124B28442}" type="presOf" srcId="{F326EAD4-15B7-4231-8406-3E264D063824}" destId="{122592F1-E62E-4F5B-AE13-85CE0A7055D1}" srcOrd="0" destOrd="0" presId="urn:microsoft.com/office/officeart/2005/8/layout/orgChart1"/>
-    <dgm:cxn modelId="{957D437B-4517-4043-83B5-AA88E9D00921}" type="presOf" srcId="{D02A3EE1-5902-4696-9CBA-832686A13E80}" destId="{94A35554-512B-4F66-98CF-E9EBCF128BE8}" srcOrd="1" destOrd="0" presId="urn:microsoft.com/office/officeart/2005/8/layout/orgChart1"/>
-    <dgm:cxn modelId="{9C081DA8-5A5B-4E6D-936F-156D5B4105C1}" type="presOf" srcId="{F854E760-87DF-4BCB-8A7D-5C4065CA229A}" destId="{4E0F731A-E96A-4681-A9CF-85C1FA26AF42}" srcOrd="0" destOrd="0" presId="urn:microsoft.com/office/officeart/2005/8/layout/orgChart1"/>
-    <dgm:cxn modelId="{39773A6A-7619-4B78-995F-6E605263A9DD}" type="presOf" srcId="{590F06B3-EE6B-4773-B2AD-F710558B8DFD}" destId="{14C6610E-C918-436A-9082-1E2E9B135F84}" srcOrd="0" destOrd="0" presId="urn:microsoft.com/office/officeart/2005/8/layout/orgChart1"/>
-    <dgm:cxn modelId="{2F587799-11CA-4302-87BF-B97B95D1893B}" type="presOf" srcId="{637545FA-5D5C-415A-B251-957A0D292BBF}" destId="{78A6417D-AA95-499B-A98D-3CCA4E483117}" srcOrd="1" destOrd="0" presId="urn:microsoft.com/office/officeart/2005/8/layout/orgChart1"/>
-    <dgm:cxn modelId="{6B618E46-CA12-4791-BCF5-302472046EA6}" srcId="{590F06B3-EE6B-4773-B2AD-F710558B8DFD}" destId="{D02A3EE1-5902-4696-9CBA-832686A13E80}" srcOrd="1" destOrd="0" parTransId="{5B1A1E9A-0FAA-44E2-83A8-0AA5AEA9101E}" sibTransId="{C95E60D5-E0B8-4108-BFCB-E78D91E64F44}"/>
-    <dgm:cxn modelId="{21967FFC-37FE-4FCF-B228-F716BB5E339A}" type="presOf" srcId="{B996AD30-A37F-45E2-A56C-4A93578795D0}" destId="{2005F81A-F0C2-48AE-A0BF-6A9F2E297A53}" srcOrd="0" destOrd="0" presId="urn:microsoft.com/office/officeart/2005/8/layout/orgChart1"/>
-    <dgm:cxn modelId="{6C19F523-07EE-4851-9E3A-EAD2735DA6AD}" srcId="{B996AD30-A37F-45E2-A56C-4A93578795D0}" destId="{637545FA-5D5C-415A-B251-957A0D292BBF}" srcOrd="0" destOrd="0" parTransId="{51C7E774-777F-4D57-A8F1-8245F2BBBFA4}" sibTransId="{0A1D07E3-1DF8-4CF6-84B4-2539B4BBE579}"/>
-    <dgm:cxn modelId="{3A8A169F-2BF3-447A-9C89-729493A49589}" srcId="{66B0DA7E-9108-42BB-910B-8A2F3B3DB5E9}" destId="{EAE38EFC-7A56-4E9A-A5BD-7278BE090C64}" srcOrd="0" destOrd="0" parTransId="{FF70C216-5F28-47B0-A95C-716307A14287}" sibTransId="{C79CD6E5-70D8-4BBC-9789-5ED975634F33}"/>
-    <dgm:cxn modelId="{90620CBC-34C9-4C10-916D-92512EFFDADE}" type="presOf" srcId="{84427637-584A-4C2E-BDC9-1F5FA7002E31}" destId="{D8590757-42E6-41B7-BC93-897F6029E768}" srcOrd="0" destOrd="0" presId="urn:microsoft.com/office/officeart/2005/8/layout/orgChart1"/>
-    <dgm:cxn modelId="{7B082ABC-9A17-4748-8EF9-57D4CBC0803D}" type="presOf" srcId="{2834861F-4B64-4177-8CE7-0216F54EF80A}" destId="{3E069345-9E95-4D94-BBCC-C083C4D9E779}" srcOrd="0" destOrd="0" presId="urn:microsoft.com/office/officeart/2005/8/layout/orgChart1"/>
+    <dgm:cxn modelId="{2D2E2A53-73DE-43B4-8204-41844CF1D733}" type="presOf" srcId="{D02A3EE1-5902-4696-9CBA-832686A13E80}" destId="{3D9F09DB-AD38-47BB-A011-3E34314F7089}" srcOrd="0" destOrd="0" presId="urn:microsoft.com/office/officeart/2005/8/layout/orgChart1"/>
     <dgm:cxn modelId="{58D7CFAF-8C0A-408B-B8EF-DEE5B26DB50C}" type="presParOf" srcId="{4086BC7A-3E71-43F0-87E6-59A2DC4DEF91}" destId="{4FDB547B-2EA8-47C7-827D-CC3D75700FDF}" srcOrd="0" destOrd="0" presId="urn:microsoft.com/office/officeart/2005/8/layout/orgChart1"/>
     <dgm:cxn modelId="{BD2BA629-4695-4589-A443-38E846C303A9}" type="presParOf" srcId="{4FDB547B-2EA8-47C7-827D-CC3D75700FDF}" destId="{048EFA62-9AD0-4431-A2B6-F2CF42AB7024}" srcOrd="0" destOrd="0" presId="urn:microsoft.com/office/officeart/2005/8/layout/orgChart1"/>
     <dgm:cxn modelId="{EA6202D5-52F8-4F57-9B64-9CA4EC81BDEA}" type="presParOf" srcId="{048EFA62-9AD0-4431-A2B6-F2CF42AB7024}" destId="{4E0F731A-E96A-4681-A9CF-85C1FA26AF42}" srcOrd="0" destOrd="0" presId="urn:microsoft.com/office/officeart/2005/8/layout/orgChart1"/>
@@ -7699,6 +7710,13 @@
     <dgm:pt modelId="{42E69085-A959-4A0A-AE26-3E5721FD2BD5}" type="pres">
       <dgm:prSet presAssocID="{2D549B9C-1287-42FE-95E5-ECA624153D5D}" presName="Name37" presStyleLbl="parChTrans1D4" presStyleIdx="1" presStyleCnt="3"/>
       <dgm:spPr/>
+      <dgm:t>
+        <a:bodyPr/>
+        <a:lstStyle/>
+        <a:p>
+          <a:endParaRPr lang="en-US"/>
+        </a:p>
+      </dgm:t>
     </dgm:pt>
     <dgm:pt modelId="{55733A4C-EC9C-4A96-A234-8A2FDDA7EEC0}" type="pres">
       <dgm:prSet presAssocID="{522B2117-FCAA-4900-9920-1E2C5A0242BD}" presName="hierRoot2" presStyleCnt="0">
@@ -7719,10 +7737,24 @@
         </dgm:presLayoutVars>
       </dgm:prSet>
       <dgm:spPr/>
+      <dgm:t>
+        <a:bodyPr/>
+        <a:lstStyle/>
+        <a:p>
+          <a:endParaRPr lang="en-US"/>
+        </a:p>
+      </dgm:t>
     </dgm:pt>
     <dgm:pt modelId="{7B3B703E-C572-42AA-84E1-3554C4DB65AB}" type="pres">
       <dgm:prSet presAssocID="{522B2117-FCAA-4900-9920-1E2C5A0242BD}" presName="rootConnector" presStyleLbl="node4" presStyleIdx="1" presStyleCnt="3"/>
       <dgm:spPr/>
+      <dgm:t>
+        <a:bodyPr/>
+        <a:lstStyle/>
+        <a:p>
+          <a:endParaRPr lang="en-US"/>
+        </a:p>
+      </dgm:t>
     </dgm:pt>
     <dgm:pt modelId="{DC5A0506-01AD-436F-AEF9-783E785DD6A5}" type="pres">
       <dgm:prSet presAssocID="{522B2117-FCAA-4900-9920-1E2C5A0242BD}" presName="hierChild4" presStyleCnt="0"/>
@@ -7917,8 +7949,8 @@
     </dgm:pt>
   </dgm:ptLst>
   <dgm:cxnLst>
+    <dgm:cxn modelId="{BD660A58-1B06-4F5A-B7B3-7AC9ECD69DD5}" type="presOf" srcId="{66B0DA7E-9108-42BB-910B-8A2F3B3DB5E9}" destId="{70C64187-273D-4980-A611-74C3F65C37E1}" srcOrd="1" destOrd="0" presId="urn:microsoft.com/office/officeart/2005/8/layout/orgChart1"/>
     <dgm:cxn modelId="{3A8A169F-2BF3-447A-9C89-729493A49589}" srcId="{66B0DA7E-9108-42BB-910B-8A2F3B3DB5E9}" destId="{EAE38EFC-7A56-4E9A-A5BD-7278BE090C64}" srcOrd="0" destOrd="0" parTransId="{FF70C216-5F28-47B0-A95C-716307A14287}" sibTransId="{C79CD6E5-70D8-4BBC-9789-5ED975634F33}"/>
-    <dgm:cxn modelId="{BD660A58-1B06-4F5A-B7B3-7AC9ECD69DD5}" type="presOf" srcId="{66B0DA7E-9108-42BB-910B-8A2F3B3DB5E9}" destId="{70C64187-273D-4980-A611-74C3F65C37E1}" srcOrd="1" destOrd="0" presId="urn:microsoft.com/office/officeart/2005/8/layout/orgChart1"/>
     <dgm:cxn modelId="{716C232D-EE2F-4E17-96CB-0AA2C25EBFC6}" type="presOf" srcId="{84427637-584A-4C2E-BDC9-1F5FA7002E31}" destId="{D8590757-42E6-41B7-BC93-897F6029E768}" srcOrd="0" destOrd="0" presId="urn:microsoft.com/office/officeart/2005/8/layout/orgChart1"/>
     <dgm:cxn modelId="{898D3A34-D45C-468F-8A8C-66C87223B66E}" type="presOf" srcId="{522B2117-FCAA-4900-9920-1E2C5A0242BD}" destId="{719748C0-5F1A-47DB-8997-EACD4DDE1EC0}" srcOrd="0" destOrd="0" presId="urn:microsoft.com/office/officeart/2005/8/layout/orgChart1"/>
     <dgm:cxn modelId="{90F953FB-B28D-410D-966A-059343592817}" srcId="{F854E760-87DF-4BCB-8A7D-5C4065CA229A}" destId="{84427637-584A-4C2E-BDC9-1F5FA7002E31}" srcOrd="1" destOrd="0" parTransId="{4DD1A02F-0211-45F4-A00D-D280BDDD6D77}" sibTransId="{F02B00B6-0E00-4F4F-B26A-BE29A4EFC926}"/>
@@ -8755,6 +8787,13 @@
     <dgm:pt modelId="{42E69085-A959-4A0A-AE26-3E5721FD2BD5}" type="pres">
       <dgm:prSet presAssocID="{2D549B9C-1287-42FE-95E5-ECA624153D5D}" presName="Name37" presStyleLbl="parChTrans1D4" presStyleIdx="1" presStyleCnt="3"/>
       <dgm:spPr/>
+      <dgm:t>
+        <a:bodyPr/>
+        <a:lstStyle/>
+        <a:p>
+          <a:endParaRPr lang="en-US"/>
+        </a:p>
+      </dgm:t>
     </dgm:pt>
     <dgm:pt modelId="{55733A4C-EC9C-4A96-A234-8A2FDDA7EEC0}" type="pres">
       <dgm:prSet presAssocID="{522B2117-FCAA-4900-9920-1E2C5A0242BD}" presName="hierRoot2" presStyleCnt="0">
@@ -8775,10 +8814,24 @@
         </dgm:presLayoutVars>
       </dgm:prSet>
       <dgm:spPr/>
+      <dgm:t>
+        <a:bodyPr/>
+        <a:lstStyle/>
+        <a:p>
+          <a:endParaRPr lang="en-US"/>
+        </a:p>
+      </dgm:t>
     </dgm:pt>
     <dgm:pt modelId="{7B3B703E-C572-42AA-84E1-3554C4DB65AB}" type="pres">
       <dgm:prSet presAssocID="{522B2117-FCAA-4900-9920-1E2C5A0242BD}" presName="rootConnector" presStyleLbl="node4" presStyleIdx="1" presStyleCnt="3"/>
       <dgm:spPr/>
+      <dgm:t>
+        <a:bodyPr/>
+        <a:lstStyle/>
+        <a:p>
+          <a:endParaRPr lang="en-US"/>
+        </a:p>
+      </dgm:t>
     </dgm:pt>
     <dgm:pt modelId="{DC5A0506-01AD-436F-AEF9-783E785DD6A5}" type="pres">
       <dgm:prSet presAssocID="{522B2117-FCAA-4900-9920-1E2C5A0242BD}" presName="hierChild4" presStyleCnt="0"/>
@@ -8989,8 +9042,8 @@
     <dgm:cxn modelId="{BFAF0193-4BA9-4F32-8890-01BC5929B51A}" type="presOf" srcId="{84427637-584A-4C2E-BDC9-1F5FA7002E31}" destId="{D8590757-42E6-41B7-BC93-897F6029E768}" srcOrd="0" destOrd="0" presId="urn:microsoft.com/office/officeart/2005/8/layout/orgChart1"/>
     <dgm:cxn modelId="{ACFB8CB6-9FB9-400D-B6E0-4BF8E2E205CA}" type="presOf" srcId="{2D549B9C-1287-42FE-95E5-ECA624153D5D}" destId="{42E69085-A959-4A0A-AE26-3E5721FD2BD5}" srcOrd="0" destOrd="0" presId="urn:microsoft.com/office/officeart/2005/8/layout/orgChart1"/>
     <dgm:cxn modelId="{26F54EE0-8C60-4C83-A737-916A159BB9F5}" srcId="{69FFF6AA-8487-41AC-A6C5-68CE514C3B10}" destId="{F854E760-87DF-4BCB-8A7D-5C4065CA229A}" srcOrd="0" destOrd="0" parTransId="{61DB815F-A4B7-4933-B9CF-358A6CFA88B4}" sibTransId="{B3C7AD49-C188-4964-B3ED-CDACE0F6B6B4}"/>
+    <dgm:cxn modelId="{F8D835B3-FA8C-4A3C-801A-8C6A2BB554CF}" type="presOf" srcId="{66B0DA7E-9108-42BB-910B-8A2F3B3DB5E9}" destId="{588EAD13-00D9-4C3B-B7B9-0CAC446C16DB}" srcOrd="0" destOrd="0" presId="urn:microsoft.com/office/officeart/2005/8/layout/orgChart1"/>
     <dgm:cxn modelId="{91DEF691-E7AC-4FF1-BDE5-0E997DD939CF}" srcId="{D02A3EE1-5902-4696-9CBA-832686A13E80}" destId="{522B2117-FCAA-4900-9920-1E2C5A0242BD}" srcOrd="0" destOrd="0" parTransId="{2D549B9C-1287-42FE-95E5-ECA624153D5D}" sibTransId="{A12E553E-2EC7-44E8-AAE1-FC663B3DFEF0}"/>
-    <dgm:cxn modelId="{F8D835B3-FA8C-4A3C-801A-8C6A2BB554CF}" type="presOf" srcId="{66B0DA7E-9108-42BB-910B-8A2F3B3DB5E9}" destId="{588EAD13-00D9-4C3B-B7B9-0CAC446C16DB}" srcOrd="0" destOrd="0" presId="urn:microsoft.com/office/officeart/2005/8/layout/orgChart1"/>
     <dgm:cxn modelId="{6898A1AD-815A-48D7-A49A-7DB18A09787E}" srcId="{B996AD30-A37F-45E2-A56C-4A93578795D0}" destId="{D4A35DF8-6439-4142-932A-D8F181A49255}" srcOrd="0" destOrd="0" parTransId="{CC6DA225-0CA4-4B73-8439-82CF37C05055}" sibTransId="{901BB144-6DE9-49D7-BD79-46AA7C9F2AEB}"/>
     <dgm:cxn modelId="{C4709C80-DEFC-4522-8272-E16A86E95756}" srcId="{84427637-584A-4C2E-BDC9-1F5FA7002E31}" destId="{66B0DA7E-9108-42BB-910B-8A2F3B3DB5E9}" srcOrd="0" destOrd="0" parTransId="{6E922380-A5E0-443E-95A5-7D9591192682}" sibTransId="{E192D33D-C72D-4727-8310-57AC1387E757}"/>
     <dgm:cxn modelId="{567334C0-3CAE-4598-A59F-D501A728618A}" type="presOf" srcId="{EAE38EFC-7A56-4E9A-A5BD-7278BE090C64}" destId="{B5D8E3D7-0217-4DA0-91EA-98815A10D3BF}" srcOrd="0" destOrd="0" presId="urn:microsoft.com/office/officeart/2005/8/layout/orgChart1"/>
@@ -9843,6 +9896,13 @@
     <dgm:pt modelId="{42E69085-A959-4A0A-AE26-3E5721FD2BD5}" type="pres">
       <dgm:prSet presAssocID="{2D549B9C-1287-42FE-95E5-ECA624153D5D}" presName="Name37" presStyleLbl="parChTrans1D4" presStyleIdx="1" presStyleCnt="3"/>
       <dgm:spPr/>
+      <dgm:t>
+        <a:bodyPr/>
+        <a:lstStyle/>
+        <a:p>
+          <a:endParaRPr lang="en-US"/>
+        </a:p>
+      </dgm:t>
     </dgm:pt>
     <dgm:pt modelId="{55733A4C-EC9C-4A96-A234-8A2FDDA7EEC0}" type="pres">
       <dgm:prSet presAssocID="{522B2117-FCAA-4900-9920-1E2C5A0242BD}" presName="hierRoot2" presStyleCnt="0">
@@ -34361,7 +34421,7 @@
         </p:blipFill>
         <p:spPr>
           <a:xfrm>
-            <a:off x="3748560" y="3793870"/>
+            <a:off x="3679552" y="3793870"/>
             <a:ext cx="410063" cy="410063"/>
           </a:xfrm>
           <a:prstGeom prst="rect">
@@ -37217,8 +37277,12 @@
           <a:lstStyle/>
           <a:p>
             <a:r>
+              <a:rPr lang="en-US" smtClean="0"/>
+              <a:t>Strategic </a:t>
+            </a:r>
+            <a:r>
               <a:rPr lang="en-US" dirty="0"/>
-              <a:t>strategic aspects of purchasing, such as negotiating contracts with vendors</a:t>
+              <a:t>aspects of purchasing, such as negotiating contracts with vendors</a:t>
             </a:r>
           </a:p>
         </p:txBody>
@@ -37606,6 +37670,13 @@
   <p:clrMapOvr>
     <a:masterClrMapping/>
   </p:clrMapOvr>
+  <p:timing>
+    <p:tnLst>
+      <p:par>
+        <p:cTn id="1" dur="indefinite" restart="never" nodeType="tmRoot"/>
+      </p:par>
+    </p:tnLst>
+  </p:timing>
 </p:sld>
 </file>
 
@@ -37847,7 +37918,9 @@
       </p:sp>
       <p:sp>
         <p:nvSpPr>
-          <p:cNvPr id="10" name="Flowchart: Magnetic Disk 9"/>
+          <p:cNvPr id="10" name="Flowchart: Magnetic Disk 9">
+            <a:hlinkClick r:id="rId2" action="ppaction://hlinksldjump"/>
+          </p:cNvPr>
           <p:cNvSpPr/>
           <p:nvPr/>
         </p:nvSpPr>
@@ -38813,49 +38886,6 @@
           </a:fontRef>
         </p:style>
       </p:cxnSp>
-      <p:sp>
-        <p:nvSpPr>
-          <p:cNvPr id="17" name="Flowchart: Magnetic Disk 16"/>
-          <p:cNvSpPr/>
-          <p:nvPr/>
-        </p:nvSpPr>
-        <p:spPr>
-          <a:xfrm>
-            <a:off x="8146437" y="1608905"/>
-            <a:ext cx="835978" cy="728931"/>
-          </a:xfrm>
-          <a:prstGeom prst="flowChartMagneticDisk">
-            <a:avLst/>
-          </a:prstGeom>
-        </p:spPr>
-        <p:style>
-          <a:lnRef idx="2">
-            <a:schemeClr val="accent1">
-              <a:shade val="50000"/>
-            </a:schemeClr>
-          </a:lnRef>
-          <a:fillRef idx="1">
-            <a:schemeClr val="accent1"/>
-          </a:fillRef>
-          <a:effectRef idx="0">
-            <a:schemeClr val="accent1"/>
-          </a:effectRef>
-          <a:fontRef idx="minor">
-            <a:schemeClr val="lt1"/>
-          </a:fontRef>
-        </p:style>
-        <p:txBody>
-          <a:bodyPr rtlCol="0" anchor="ctr"/>
-          <a:lstStyle/>
-          <a:p>
-            <a:pPr algn="ctr"/>
-            <a:r>
-              <a:rPr lang="en-US" sz="1100"/>
-              <a:t>Material </a:t>
-            </a:r>
-          </a:p>
-        </p:txBody>
-      </p:sp>
     </p:spTree>
     <p:extLst>
       <p:ext uri="{BB962C8B-B14F-4D97-AF65-F5344CB8AC3E}">
@@ -38938,7 +38968,7 @@
                             </p:stCondLst>
                             <p:childTnLst>
                               <p:par>
-                                <p:cTn id="8" presetID="1" presetClass="exit" presetSubtype="0" fill="hold" grpId="0" nodeType="afterEffect">
+                                <p:cTn id="8" presetID="1" presetClass="exit" presetSubtype="0" fill="hold" nodeType="afterEffect">
                                   <p:stCondLst>
                                     <p:cond delay="0"/>
                                   </p:stCondLst>
@@ -38951,7 +38981,7 @@
                                           </p:stCondLst>
                                         </p:cTn>
                                         <p:tgtEl>
-                                          <p:spTgt spid="7"/>
+                                          <p:spTgt spid="31"/>
                                         </p:tgtEl>
                                         <p:attrNameLst>
                                           <p:attrName>style.visibility</p:attrName>
@@ -38974,7 +39004,7 @@
                             </p:stCondLst>
                             <p:childTnLst>
                               <p:par>
-                                <p:cTn id="11" presetID="1" presetClass="exit" presetSubtype="0" fill="hold" grpId="0" nodeType="afterEffect">
+                                <p:cTn id="11" presetID="1" presetClass="exit" presetSubtype="0" fill="hold" nodeType="afterEffect">
                                   <p:stCondLst>
                                     <p:cond delay="0"/>
                                   </p:stCondLst>
@@ -38987,7 +39017,7 @@
                                           </p:stCondLst>
                                         </p:cTn>
                                         <p:tgtEl>
-                                          <p:spTgt spid="8"/>
+                                          <p:spTgt spid="29"/>
                                         </p:tgtEl>
                                         <p:attrNameLst>
                                           <p:attrName>style.visibility</p:attrName>
@@ -39023,7 +39053,7 @@
                                           </p:stCondLst>
                                         </p:cTn>
                                         <p:tgtEl>
-                                          <p:spTgt spid="19"/>
+                                          <p:spTgt spid="7"/>
                                         </p:tgtEl>
                                         <p:attrNameLst>
                                           <p:attrName>style.visibility</p:attrName>
@@ -39046,7 +39076,7 @@
                             </p:stCondLst>
                             <p:childTnLst>
                               <p:par>
-                                <p:cTn id="17" presetID="1" presetClass="exit" presetSubtype="0" fill="hold" grpId="0" nodeType="afterEffect">
+                                <p:cTn id="17" presetID="1" presetClass="exit" presetSubtype="0" fill="hold" nodeType="afterEffect">
                                   <p:stCondLst>
                                     <p:cond delay="0"/>
                                   </p:stCondLst>
@@ -39059,7 +39089,7 @@
                                           </p:stCondLst>
                                         </p:cTn>
                                         <p:tgtEl>
-                                          <p:spTgt spid="10"/>
+                                          <p:spTgt spid="27"/>
                                         </p:tgtEl>
                                         <p:attrNameLst>
                                           <p:attrName>style.visibility</p:attrName>
@@ -39082,7 +39112,7 @@
                             </p:stCondLst>
                             <p:childTnLst>
                               <p:par>
-                                <p:cTn id="20" presetID="1" presetClass="exit" presetSubtype="0" fill="hold" grpId="0" nodeType="afterEffect">
+                                <p:cTn id="20" presetID="1" presetClass="exit" presetSubtype="0" fill="hold" nodeType="afterEffect">
                                   <p:stCondLst>
                                     <p:cond delay="0"/>
                                   </p:stCondLst>
@@ -39095,7 +39125,7 @@
                                           </p:stCondLst>
                                         </p:cTn>
                                         <p:tgtEl>
-                                          <p:spTgt spid="6"/>
+                                          <p:spTgt spid="25"/>
                                         </p:tgtEl>
                                         <p:attrNameLst>
                                           <p:attrName>style.visibility</p:attrName>
@@ -39118,7 +39148,7 @@
                             </p:stCondLst>
                             <p:childTnLst>
                               <p:par>
-                                <p:cTn id="23" presetID="1" presetClass="exit" presetSubtype="0" fill="hold" nodeType="afterEffect">
+                                <p:cTn id="23" presetID="1" presetClass="exit" presetSubtype="0" fill="hold" grpId="0" nodeType="afterEffect">
                                   <p:stCondLst>
                                     <p:cond delay="0"/>
                                   </p:stCondLst>
@@ -39131,7 +39161,7 @@
                                           </p:stCondLst>
                                         </p:cTn>
                                         <p:tgtEl>
-                                          <p:spTgt spid="31"/>
+                                          <p:spTgt spid="8"/>
                                         </p:tgtEl>
                                         <p:attrNameLst>
                                           <p:attrName>style.visibility</p:attrName>
@@ -39154,7 +39184,7 @@
                             </p:stCondLst>
                             <p:childTnLst>
                               <p:par>
-                                <p:cTn id="26" presetID="1" presetClass="exit" presetSubtype="0" fill="hold" nodeType="afterEffect">
+                                <p:cTn id="26" presetID="1" presetClass="exit" presetSubtype="0" fill="hold" grpId="0" nodeType="afterEffect">
                                   <p:stCondLst>
                                     <p:cond delay="0"/>
                                   </p:stCondLst>
@@ -39167,7 +39197,7 @@
                                           </p:stCondLst>
                                         </p:cTn>
                                         <p:tgtEl>
-                                          <p:spTgt spid="29"/>
+                                          <p:spTgt spid="19"/>
                                         </p:tgtEl>
                                         <p:attrNameLst>
                                           <p:attrName>style.visibility</p:attrName>
@@ -39203,7 +39233,7 @@
                                           </p:stCondLst>
                                         </p:cTn>
                                         <p:tgtEl>
-                                          <p:spTgt spid="27"/>
+                                          <p:spTgt spid="23"/>
                                         </p:tgtEl>
                                         <p:attrNameLst>
                                           <p:attrName>style.visibility</p:attrName>
@@ -39239,7 +39269,7 @@
                                           </p:stCondLst>
                                         </p:cTn>
                                         <p:tgtEl>
-                                          <p:spTgt spid="25"/>
+                                          <p:spTgt spid="21"/>
                                         </p:tgtEl>
                                         <p:attrNameLst>
                                           <p:attrName>style.visibility</p:attrName>
@@ -39262,7 +39292,7 @@
                             </p:stCondLst>
                             <p:childTnLst>
                               <p:par>
-                                <p:cTn id="35" presetID="1" presetClass="exit" presetSubtype="0" fill="hold" nodeType="afterEffect">
+                                <p:cTn id="35" presetID="1" presetClass="exit" presetSubtype="0" fill="hold" grpId="0" nodeType="afterEffect">
                                   <p:stCondLst>
                                     <p:cond delay="0"/>
                                   </p:stCondLst>
@@ -39275,7 +39305,7 @@
                                           </p:stCondLst>
                                         </p:cTn>
                                         <p:tgtEl>
-                                          <p:spTgt spid="23"/>
+                                          <p:spTgt spid="10"/>
                                         </p:tgtEl>
                                         <p:attrNameLst>
                                           <p:attrName>style.visibility</p:attrName>
@@ -39298,7 +39328,7 @@
                             </p:stCondLst>
                             <p:childTnLst>
                               <p:par>
-                                <p:cTn id="38" presetID="1" presetClass="exit" presetSubtype="0" fill="hold" nodeType="afterEffect">
+                                <p:cTn id="38" presetID="1" presetClass="exit" presetSubtype="0" fill="hold" grpId="0" nodeType="afterEffect">
                                   <p:stCondLst>
                                     <p:cond delay="0"/>
                                   </p:stCondLst>
@@ -39311,7 +39341,7 @@
                                           </p:stCondLst>
                                         </p:cTn>
                                         <p:tgtEl>
-                                          <p:spTgt spid="21"/>
+                                          <p:spTgt spid="6"/>
                                         </p:tgtEl>
                                         <p:attrNameLst>
                                           <p:attrName>style.visibility</p:attrName>
@@ -39327,30 +39357,21 @@
                             </p:childTnLst>
                           </p:cTn>
                         </p:par>
-                      </p:childTnLst>
-                    </p:cTn>
-                  </p:par>
-                  <p:par>
-                    <p:cTn id="40" fill="hold">
-                      <p:stCondLst>
-                        <p:cond delay="indefinite"/>
-                      </p:stCondLst>
-                      <p:childTnLst>
                         <p:par>
-                          <p:cTn id="41" fill="hold">
+                          <p:cTn id="40" fill="hold">
                             <p:stCondLst>
-                              <p:cond delay="0"/>
+                              <p:cond delay="600"/>
                             </p:stCondLst>
                             <p:childTnLst>
                               <p:par>
-                                <p:cTn id="42" presetID="42" presetClass="path" presetSubtype="0" accel="50000" decel="50000" fill="hold" grpId="0" nodeType="clickEffect">
+                                <p:cTn id="41" presetID="42" presetClass="path" presetSubtype="0" accel="50000" decel="50000" fill="hold" grpId="0" nodeType="afterEffect">
                                   <p:stCondLst>
                                     <p:cond delay="0"/>
                                   </p:stCondLst>
                                   <p:childTnLst>
                                     <p:animMotion origin="layout" path="M -1.04167E-6 2.22222E-6 L 0.22865 -0.43472 " pathEditMode="relative" rAng="0" ptsTypes="AA">
                                       <p:cBhvr>
-                                        <p:cTn id="43" dur="2000" fill="hold"/>
+                                        <p:cTn id="42" dur="1000" fill="hold"/>
                                         <p:tgtEl>
                                           <p:spTgt spid="9"/>
                                         </p:tgtEl>
@@ -39475,7 +39496,456 @@
         </p:nvSpPr>
         <p:spPr>
           <a:xfrm>
-            <a:off x="8155063" y="1608905"/>
+            <a:off x="8155062" y="1475117"/>
+            <a:ext cx="1368499" cy="862719"/>
+          </a:xfrm>
+          <a:prstGeom prst="flowChartMagneticDisk">
+            <a:avLst/>
+          </a:prstGeom>
+        </p:spPr>
+        <p:style>
+          <a:lnRef idx="2">
+            <a:schemeClr val="accent1">
+              <a:shade val="50000"/>
+            </a:schemeClr>
+          </a:lnRef>
+          <a:fillRef idx="1">
+            <a:schemeClr val="accent1"/>
+          </a:fillRef>
+          <a:effectRef idx="0">
+            <a:schemeClr val="accent1"/>
+          </a:effectRef>
+          <a:fontRef idx="minor">
+            <a:schemeClr val="lt1"/>
+          </a:fontRef>
+        </p:style>
+        <p:txBody>
+          <a:bodyPr rtlCol="0" anchor="ctr"/>
+          <a:lstStyle/>
+          <a:p>
+            <a:pPr algn="ctr"/>
+            <a:r>
+              <a:rPr lang="en-US" sz="1100" smtClean="0"/>
+              <a:t>Material </a:t>
+            </a:r>
+            <a:r>
+              <a:rPr lang="en-US" sz="1100"/>
+              <a:t>master data</a:t>
+            </a:r>
+            <a:r>
+              <a:rPr lang="en-US" sz="1100"/>
+              <a:t> </a:t>
+            </a:r>
+          </a:p>
+        </p:txBody>
+      </p:sp>
+      <p:sp>
+        <p:nvSpPr>
+          <p:cNvPr id="12" name="Rectangle 11"/>
+          <p:cNvSpPr/>
+          <p:nvPr/>
+        </p:nvSpPr>
+        <p:spPr>
+          <a:xfrm>
+            <a:off x="7989967" y="2484929"/>
+            <a:ext cx="1990097" cy="2585323"/>
+          </a:xfrm>
+          <a:prstGeom prst="rect">
+            <a:avLst/>
+          </a:prstGeom>
+        </p:spPr>
+        <p:txBody>
+          <a:bodyPr wrap="none">
+            <a:spAutoFit/>
+          </a:bodyPr>
+          <a:lstStyle/>
+          <a:p>
+            <a:r>
+              <a:rPr lang="en-US" u="sng" smtClean="0">
+                <a:solidFill>
+                  <a:srgbClr val="000000"/>
+                </a:solidFill>
+                <a:latin typeface="Source Sans Pro"/>
+              </a:rPr>
+              <a:t>2 categories:</a:t>
+            </a:r>
+          </a:p>
+          <a:p>
+            <a:r>
+              <a:rPr lang="en-US"/>
+              <a:t>Main </a:t>
+            </a:r>
+            <a:r>
+              <a:rPr lang="en-US" smtClean="0"/>
+              <a:t>Data</a:t>
+            </a:r>
+          </a:p>
+          <a:p>
+            <a:r>
+              <a:rPr lang="en-US"/>
+              <a:t>Additional Data</a:t>
+            </a:r>
+            <a:endParaRPr lang="en-US" u="sng" smtClean="0">
+              <a:solidFill>
+                <a:srgbClr val="000000"/>
+              </a:solidFill>
+              <a:latin typeface="Source Sans Pro"/>
+            </a:endParaRPr>
+          </a:p>
+          <a:p>
+            <a:r>
+              <a:rPr lang="en-US" u="sng" smtClean="0">
+                <a:solidFill>
+                  <a:srgbClr val="000000"/>
+                </a:solidFill>
+                <a:latin typeface="Source Sans Pro"/>
+              </a:rPr>
+              <a:t>4 </a:t>
+            </a:r>
+            <a:r>
+              <a:rPr lang="en-US" u="sng" smtClean="0"/>
+              <a:t>characteristics:</a:t>
+            </a:r>
+          </a:p>
+          <a:p>
+            <a:r>
+              <a:rPr lang="en-US">
+                <a:solidFill>
+                  <a:srgbClr val="000000"/>
+                </a:solidFill>
+                <a:latin typeface="Source Sans Pro"/>
+              </a:rPr>
+              <a:t>Material types</a:t>
+            </a:r>
+          </a:p>
+          <a:p>
+            <a:r>
+              <a:rPr lang="en-US">
+                <a:solidFill>
+                  <a:srgbClr val="000000"/>
+                </a:solidFill>
+                <a:latin typeface="Source Sans Pro"/>
+              </a:rPr>
+              <a:t>Material </a:t>
+            </a:r>
+            <a:r>
+              <a:rPr lang="en-US" smtClean="0">
+                <a:solidFill>
+                  <a:srgbClr val="000000"/>
+                </a:solidFill>
+                <a:latin typeface="Source Sans Pro"/>
+              </a:rPr>
+              <a:t>group</a:t>
+            </a:r>
+          </a:p>
+          <a:p>
+            <a:r>
+              <a:rPr lang="en-US"/>
+              <a:t>Number Range</a:t>
+            </a:r>
+          </a:p>
+          <a:p>
+            <a:r>
+              <a:rPr lang="en-US">
+                <a:solidFill>
+                  <a:srgbClr val="000000"/>
+                </a:solidFill>
+                <a:latin typeface="Source Sans Pro"/>
+              </a:rPr>
+              <a:t>Material </a:t>
+            </a:r>
+            <a:r>
+              <a:rPr lang="en-US" smtClean="0">
+                <a:solidFill>
+                  <a:srgbClr val="000000"/>
+                </a:solidFill>
+                <a:latin typeface="Source Sans Pro"/>
+              </a:rPr>
+              <a:t>Master</a:t>
+            </a:r>
+            <a:endParaRPr lang="en-US">
+              <a:solidFill>
+                <a:srgbClr val="000000"/>
+              </a:solidFill>
+              <a:latin typeface="Source Sans Pro"/>
+            </a:endParaRPr>
+          </a:p>
+          <a:p>
+            <a:endParaRPr lang="en-US">
+              <a:solidFill>
+                <a:srgbClr val="000000"/>
+              </a:solidFill>
+              <a:latin typeface="Source Sans Pro"/>
+            </a:endParaRPr>
+          </a:p>
+        </p:txBody>
+      </p:sp>
+      <p:sp>
+        <p:nvSpPr>
+          <p:cNvPr id="3" name="Rectangle 2"/>
+          <p:cNvSpPr/>
+          <p:nvPr/>
+        </p:nvSpPr>
+        <p:spPr>
+          <a:xfrm>
+            <a:off x="1069848" y="1964798"/>
+            <a:ext cx="6096000" cy="1200329"/>
+          </a:xfrm>
+          <a:prstGeom prst="rect">
+            <a:avLst/>
+          </a:prstGeom>
+        </p:spPr>
+        <p:txBody>
+          <a:bodyPr>
+            <a:spAutoFit/>
+          </a:bodyPr>
+          <a:lstStyle/>
+          <a:p>
+            <a:pPr marL="285750" indent="-285750" algn="just">
+              <a:buFont typeface="Wingdings" panose="05000000000000000000" pitchFamily="2" charset="2"/>
+              <a:buChar char="Ø"/>
+            </a:pPr>
+            <a:r>
+              <a:rPr lang="en-US"/>
+              <a:t>This is the enterprise main source of material-specific data. This data will include information on the materials that a company can procure, produce, store, or sell.</a:t>
+            </a:r>
+          </a:p>
+        </p:txBody>
+      </p:sp>
+    </p:spTree>
+    <p:extLst>
+      <p:ext uri="{BB962C8B-B14F-4D97-AF65-F5344CB8AC3E}">
+        <p14:creationId xmlns:p14="http://schemas.microsoft.com/office/powerpoint/2010/main" val="1080716853"/>
+      </p:ext>
+    </p:extLst>
+  </p:cSld>
+  <p:clrMapOvr>
+    <a:masterClrMapping/>
+  </p:clrMapOvr>
+  <mc:AlternateContent xmlns:mc="http://schemas.openxmlformats.org/markup-compatibility/2006" xmlns:p14="http://schemas.microsoft.com/office/powerpoint/2010/main">
+    <mc:Choice Requires="p14">
+      <p:transition p14:dur="100">
+        <p:cut/>
+      </p:transition>
+    </mc:Choice>
+    <mc:Fallback xmlns="">
+      <p:transition>
+        <p:cut/>
+      </p:transition>
+    </mc:Fallback>
+  </mc:AlternateContent>
+  <p:timing>
+    <p:tnLst>
+      <p:par>
+        <p:cTn id="1" dur="indefinite" restart="never" nodeType="tmRoot"/>
+      </p:par>
+    </p:tnLst>
+  </p:timing>
+</p:sld>
+</file>
+
+<file path=ppt/slides/slide19.xml><?xml version="1.0" encoding="utf-8"?>
+<p:sld xmlns:a="http://schemas.openxmlformats.org/drawingml/2006/main" xmlns:r="http://schemas.openxmlformats.org/officeDocument/2006/relationships" xmlns:p="http://schemas.openxmlformats.org/presentationml/2006/main">
+  <p:cSld>
+    <p:spTree>
+      <p:nvGrpSpPr>
+        <p:cNvPr id="1" name=""/>
+        <p:cNvGrpSpPr/>
+        <p:nvPr/>
+      </p:nvGrpSpPr>
+      <p:grpSpPr>
+        <a:xfrm>
+          <a:off x="0" y="0"/>
+          <a:ext cx="0" cy="0"/>
+          <a:chOff x="0" y="0"/>
+          <a:chExt cx="0" cy="0"/>
+        </a:xfrm>
+      </p:grpSpPr>
+      <p:sp>
+        <p:nvSpPr>
+          <p:cNvPr id="2" name="Title 1"/>
+          <p:cNvSpPr>
+            <a:spLocks noGrp="1"/>
+          </p:cNvSpPr>
+          <p:nvPr>
+            <p:ph type="title"/>
+          </p:nvPr>
+        </p:nvSpPr>
+        <p:spPr/>
+        <p:txBody>
+          <a:bodyPr/>
+          <a:lstStyle/>
+          <a:p>
+            <a:r>
+              <a:rPr lang="en-US" smtClean="0"/>
+              <a:t>8. Master Data</a:t>
+            </a:r>
+            <a:endParaRPr lang="en-US"/>
+          </a:p>
+        </p:txBody>
+      </p:sp>
+      <p:sp>
+        <p:nvSpPr>
+          <p:cNvPr id="4" name="Slide Number Placeholder 3"/>
+          <p:cNvSpPr>
+            <a:spLocks noGrp="1"/>
+          </p:cNvSpPr>
+          <p:nvPr>
+            <p:ph type="sldNum" sz="quarter" idx="12"/>
+          </p:nvPr>
+        </p:nvSpPr>
+        <p:spPr/>
+        <p:txBody>
+          <a:bodyPr/>
+          <a:lstStyle/>
+          <a:p>
+            <a:fld id="{ADCBEA7B-0C17-4C65-AC04-29AE518F0098}" type="slidenum">
+              <a:rPr lang="en-US" smtClean="0"/>
+              <a:t>19</a:t>
+            </a:fld>
+            <a:endParaRPr lang="en-US"/>
+          </a:p>
+        </p:txBody>
+      </p:sp>
+      <p:sp>
+        <p:nvSpPr>
+          <p:cNvPr id="5" name="Flowchart: Magnetic Disk 4"/>
+          <p:cNvSpPr/>
+          <p:nvPr/>
+        </p:nvSpPr>
+        <p:spPr>
+          <a:xfrm>
+            <a:off x="7850036" y="2121408"/>
+            <a:ext cx="1473595" cy="862641"/>
+          </a:xfrm>
+          <a:prstGeom prst="flowChartMagneticDisk">
+            <a:avLst/>
+          </a:prstGeom>
+        </p:spPr>
+        <p:style>
+          <a:lnRef idx="2">
+            <a:schemeClr val="accent1">
+              <a:shade val="50000"/>
+            </a:schemeClr>
+          </a:lnRef>
+          <a:fillRef idx="1">
+            <a:schemeClr val="accent1"/>
+          </a:fillRef>
+          <a:effectRef idx="0">
+            <a:schemeClr val="accent1"/>
+          </a:effectRef>
+          <a:fontRef idx="minor">
+            <a:schemeClr val="lt1"/>
+          </a:fontRef>
+        </p:style>
+        <p:txBody>
+          <a:bodyPr rtlCol="0" anchor="ctr"/>
+          <a:lstStyle/>
+          <a:p>
+            <a:pPr algn="ctr"/>
+            <a:r>
+              <a:rPr lang="en-US" b="1" smtClean="0"/>
+              <a:t>Data</a:t>
+            </a:r>
+            <a:endParaRPr lang="en-US" b="1"/>
+          </a:p>
+        </p:txBody>
+      </p:sp>
+      <p:sp>
+        <p:nvSpPr>
+          <p:cNvPr id="7" name="Flowchart: Magnetic Disk 6"/>
+          <p:cNvSpPr/>
+          <p:nvPr/>
+        </p:nvSpPr>
+        <p:spPr>
+          <a:xfrm>
+            <a:off x="6579014" y="3417951"/>
+            <a:ext cx="1388975" cy="728931"/>
+          </a:xfrm>
+          <a:prstGeom prst="flowChartMagneticDisk">
+            <a:avLst/>
+          </a:prstGeom>
+        </p:spPr>
+        <p:style>
+          <a:lnRef idx="2">
+            <a:schemeClr val="accent1">
+              <a:shade val="50000"/>
+            </a:schemeClr>
+          </a:lnRef>
+          <a:fillRef idx="1">
+            <a:schemeClr val="accent1"/>
+          </a:fillRef>
+          <a:effectRef idx="0">
+            <a:schemeClr val="accent1"/>
+          </a:effectRef>
+          <a:fontRef idx="minor">
+            <a:schemeClr val="lt1"/>
+          </a:fontRef>
+        </p:style>
+        <p:txBody>
+          <a:bodyPr rtlCol="0" anchor="ctr"/>
+          <a:lstStyle/>
+          <a:p>
+            <a:pPr algn="ctr"/>
+            <a:r>
+              <a:rPr lang="en-US"/>
+              <a:t>Master data</a:t>
+            </a:r>
+          </a:p>
+        </p:txBody>
+      </p:sp>
+      <p:sp>
+        <p:nvSpPr>
+          <p:cNvPr id="8" name="Flowchart: Magnetic Disk 7"/>
+          <p:cNvSpPr/>
+          <p:nvPr/>
+        </p:nvSpPr>
+        <p:spPr>
+          <a:xfrm>
+            <a:off x="9340426" y="3401711"/>
+            <a:ext cx="1620799" cy="792651"/>
+          </a:xfrm>
+          <a:prstGeom prst="flowChartMagneticDisk">
+            <a:avLst/>
+          </a:prstGeom>
+        </p:spPr>
+        <p:style>
+          <a:lnRef idx="2">
+            <a:schemeClr val="accent1">
+              <a:shade val="50000"/>
+            </a:schemeClr>
+          </a:lnRef>
+          <a:fillRef idx="1">
+            <a:schemeClr val="accent1"/>
+          </a:fillRef>
+          <a:effectRef idx="0">
+            <a:schemeClr val="accent1"/>
+          </a:effectRef>
+          <a:fontRef idx="minor">
+            <a:schemeClr val="lt1"/>
+          </a:fontRef>
+        </p:style>
+        <p:txBody>
+          <a:bodyPr rtlCol="0" anchor="ctr"/>
+          <a:lstStyle/>
+          <a:p>
+            <a:pPr algn="ctr"/>
+            <a:r>
+              <a:rPr lang="en-US"/>
+              <a:t>Transactional data</a:t>
+            </a:r>
+          </a:p>
+        </p:txBody>
+      </p:sp>
+      <p:sp>
+        <p:nvSpPr>
+          <p:cNvPr id="9" name="Flowchart: Magnetic Disk 8"/>
+          <p:cNvSpPr/>
+          <p:nvPr/>
+        </p:nvSpPr>
+        <p:spPr>
+          <a:xfrm>
+            <a:off x="5380989" y="4584996"/>
             <a:ext cx="835978" cy="728931"/>
           </a:xfrm>
           <a:prstGeom prst="flowChartMagneticDisk">
@@ -39510,206 +39980,891 @@
           </a:p>
         </p:txBody>
       </p:sp>
-      <p:graphicFrame>
-        <p:nvGraphicFramePr>
-          <p:cNvPr id="11" name="Table 10"/>
-          <p:cNvGraphicFramePr>
-            <a:graphicFrameLocks noGrp="1"/>
-          </p:cNvGraphicFramePr>
-          <p:nvPr>
-            <p:extLst>
-              <p:ext uri="{D42A27DB-BD31-4B8C-83A1-F6EECF244321}">
-                <p14:modId xmlns:p14="http://schemas.microsoft.com/office/powerpoint/2010/main" val="1127635744"/>
-              </p:ext>
-            </p:extLst>
-          </p:nvPr>
-        </p:nvGraphicFramePr>
-        <p:xfrm>
-          <a:off x="4464649" y="2208440"/>
-          <a:ext cx="2971321" cy="1386840"/>
-        </p:xfrm>
-        <a:graphic>
-          <a:graphicData uri="http://schemas.openxmlformats.org/drawingml/2006/table">
-            <a:tbl>
-              <a:tblPr firstRow="1" bandRow="1">
-                <a:tableStyleId>{5C22544A-7EE6-4342-B048-85BDC9FD1C3A}</a:tableStyleId>
-              </a:tblPr>
-              <a:tblGrid>
-                <a:gridCol w="681803"/>
-                <a:gridCol w="2289518"/>
-              </a:tblGrid>
-              <a:tr h="258715">
-                <a:tc>
-                  <a:txBody>
-                    <a:bodyPr/>
-                    <a:lstStyle/>
-                    <a:p>
-                      <a:r>
-                        <a:rPr lang="en-US" sz="1200" smtClean="0"/>
-                        <a:t>MTpy</a:t>
-                      </a:r>
-                      <a:endParaRPr lang="en-US" sz="1200"/>
-                    </a:p>
-                  </a:txBody>
-                  <a:tcPr/>
-                </a:tc>
-                <a:tc>
-                  <a:txBody>
-                    <a:bodyPr/>
-                    <a:lstStyle/>
-                    <a:p>
-                      <a:r>
-                        <a:rPr lang="en-US" sz="1200" smtClean="0"/>
-                        <a:t>Material</a:t>
-                      </a:r>
-                      <a:r>
-                        <a:rPr lang="en-US" sz="1200" baseline="0" smtClean="0"/>
-                        <a:t> type description</a:t>
-                      </a:r>
-                      <a:endParaRPr lang="en-US" sz="1200"/>
-                    </a:p>
-                  </a:txBody>
-                  <a:tcPr/>
-                </a:tc>
-              </a:tr>
-              <a:tr h="370840">
-                <a:tc>
-                  <a:txBody>
-                    <a:bodyPr/>
-                    <a:lstStyle/>
-                    <a:p>
-                      <a:endParaRPr lang="en-US"/>
-                    </a:p>
-                  </a:txBody>
-                  <a:tcPr/>
-                </a:tc>
-                <a:tc>
-                  <a:txBody>
-                    <a:bodyPr/>
-                    <a:lstStyle/>
-                    <a:p>
-                      <a:endParaRPr lang="en-US"/>
-                    </a:p>
-                  </a:txBody>
-                  <a:tcPr/>
-                </a:tc>
-              </a:tr>
-              <a:tr h="370840">
-                <a:tc>
-                  <a:txBody>
-                    <a:bodyPr/>
-                    <a:lstStyle/>
-                    <a:p>
-                      <a:endParaRPr lang="en-US"/>
-                    </a:p>
-                  </a:txBody>
-                  <a:tcPr/>
-                </a:tc>
-                <a:tc>
-                  <a:txBody>
-                    <a:bodyPr/>
-                    <a:lstStyle/>
-                    <a:p>
-                      <a:endParaRPr lang="en-US"/>
-                    </a:p>
-                  </a:txBody>
-                  <a:tcPr/>
-                </a:tc>
-              </a:tr>
-              <a:tr h="370840">
-                <a:tc>
-                  <a:txBody>
-                    <a:bodyPr/>
-                    <a:lstStyle/>
-                    <a:p>
-                      <a:endParaRPr lang="en-US"/>
-                    </a:p>
-                  </a:txBody>
-                  <a:tcPr/>
-                </a:tc>
-                <a:tc>
-                  <a:txBody>
-                    <a:bodyPr/>
-                    <a:lstStyle/>
-                    <a:p>
-                      <a:endParaRPr lang="en-US"/>
-                    </a:p>
-                  </a:txBody>
-                  <a:tcPr/>
-                </a:tc>
-              </a:tr>
-            </a:tbl>
-          </a:graphicData>
-        </a:graphic>
-      </p:graphicFrame>
       <p:sp>
         <p:nvSpPr>
-          <p:cNvPr id="12" name="Rectangle 11"/>
+          <p:cNvPr id="10" name="Flowchart: Magnetic Disk 9"/>
           <p:cNvSpPr/>
           <p:nvPr/>
         </p:nvSpPr>
         <p:spPr>
           <a:xfrm>
-            <a:off x="4375499" y="1846574"/>
-            <a:ext cx="1723549" cy="369332"/>
+            <a:off x="7133381" y="4589209"/>
+            <a:ext cx="908532" cy="728931"/>
           </a:xfrm>
-          <a:prstGeom prst="rect">
+          <a:prstGeom prst="flowChartMagneticDisk">
             <a:avLst/>
           </a:prstGeom>
         </p:spPr>
+        <p:style>
+          <a:lnRef idx="2">
+            <a:schemeClr val="accent1">
+              <a:shade val="50000"/>
+            </a:schemeClr>
+          </a:lnRef>
+          <a:fillRef idx="1">
+            <a:schemeClr val="accent1"/>
+          </a:fillRef>
+          <a:effectRef idx="0">
+            <a:schemeClr val="accent1"/>
+          </a:effectRef>
+          <a:fontRef idx="minor">
+            <a:schemeClr val="lt1"/>
+          </a:fontRef>
+        </p:style>
         <p:txBody>
-          <a:bodyPr wrap="none">
-            <a:spAutoFit/>
-          </a:bodyPr>
+          <a:bodyPr rtlCol="0" anchor="ctr"/>
           <a:lstStyle/>
           <a:p>
+            <a:pPr algn="ctr"/>
             <a:r>
-              <a:rPr lang="en-US" b="1">
-                <a:solidFill>
-                  <a:srgbClr val="000000"/>
-                </a:solidFill>
-                <a:latin typeface="Source Sans Pro"/>
-              </a:rPr>
-              <a:t>Material types</a:t>
+              <a:rPr lang="en-US" sz="1100"/>
+              <a:t>Vendor </a:t>
             </a:r>
-            <a:endParaRPr lang="en-US" b="1" i="0">
-              <a:solidFill>
-                <a:srgbClr val="222222"/>
-              </a:solidFill>
-              <a:effectLst/>
-              <a:latin typeface="Source Sans Pro"/>
-            </a:endParaRPr>
           </a:p>
         </p:txBody>
       </p:sp>
+      <p:sp>
+        <p:nvSpPr>
+          <p:cNvPr id="6" name="Flowchart: Magnetic Disk 5"/>
+          <p:cNvSpPr/>
+          <p:nvPr/>
+        </p:nvSpPr>
+        <p:spPr>
+          <a:xfrm>
+            <a:off x="8146437" y="4546585"/>
+            <a:ext cx="955352" cy="767342"/>
+          </a:xfrm>
+          <a:prstGeom prst="flowChartMagneticDisk">
+            <a:avLst/>
+          </a:prstGeom>
+        </p:spPr>
+        <p:style>
+          <a:lnRef idx="2">
+            <a:schemeClr val="accent1">
+              <a:shade val="50000"/>
+            </a:schemeClr>
+          </a:lnRef>
+          <a:fillRef idx="1">
+            <a:schemeClr val="accent1"/>
+          </a:fillRef>
+          <a:effectRef idx="0">
+            <a:schemeClr val="accent1"/>
+          </a:effectRef>
+          <a:fontRef idx="minor">
+            <a:schemeClr val="lt1"/>
+          </a:fontRef>
+        </p:style>
+        <p:txBody>
+          <a:bodyPr rtlCol="0" anchor="ctr"/>
+          <a:lstStyle/>
+          <a:p>
+            <a:pPr algn="ctr"/>
+            <a:r>
+              <a:rPr lang="en-US" sz="1100"/>
+              <a:t>Purchase Info record</a:t>
+            </a:r>
+          </a:p>
+        </p:txBody>
+      </p:sp>
+      <p:sp>
+        <p:nvSpPr>
+          <p:cNvPr id="19" name="Flowchart: Magnetic Disk 18"/>
+          <p:cNvSpPr/>
+          <p:nvPr/>
+        </p:nvSpPr>
+        <p:spPr>
+          <a:xfrm>
+            <a:off x="6321491" y="4591315"/>
+            <a:ext cx="707366" cy="724718"/>
+          </a:xfrm>
+          <a:prstGeom prst="flowChartMagneticDisk">
+            <a:avLst/>
+          </a:prstGeom>
+        </p:spPr>
+        <p:style>
+          <a:lnRef idx="2">
+            <a:schemeClr val="accent1">
+              <a:shade val="50000"/>
+            </a:schemeClr>
+          </a:lnRef>
+          <a:fillRef idx="1">
+            <a:schemeClr val="accent1"/>
+          </a:fillRef>
+          <a:effectRef idx="0">
+            <a:schemeClr val="accent1"/>
+          </a:effectRef>
+          <a:fontRef idx="minor">
+            <a:schemeClr val="lt1"/>
+          </a:fontRef>
+        </p:style>
+        <p:txBody>
+          <a:bodyPr rtlCol="0" anchor="ctr"/>
+          <a:lstStyle/>
+          <a:p>
+            <a:pPr algn="ctr"/>
+            <a:r>
+              <a:rPr lang="en-US" sz="1100"/>
+              <a:t> Source </a:t>
+            </a:r>
+            <a:r>
+              <a:rPr lang="en-US" sz="1100" smtClean="0"/>
+              <a:t>List</a:t>
+            </a:r>
+            <a:endParaRPr lang="en-US" sz="1100"/>
+          </a:p>
+        </p:txBody>
+      </p:sp>
+      <p:cxnSp>
+        <p:nvCxnSpPr>
+          <p:cNvPr id="21" name="Straight Arrow Connector 20"/>
+          <p:cNvCxnSpPr>
+            <a:stCxn id="7" idx="3"/>
+            <a:endCxn id="9" idx="1"/>
+          </p:cNvCxnSpPr>
+          <p:nvPr/>
+        </p:nvCxnSpPr>
+        <p:spPr>
+          <a:xfrm flipH="1">
+            <a:off x="5798978" y="4146882"/>
+            <a:ext cx="1474524" cy="438114"/>
+          </a:xfrm>
+          <a:prstGeom prst="straightConnector1">
+            <a:avLst/>
+          </a:prstGeom>
+          <a:ln>
+            <a:tailEnd type="triangle"/>
+          </a:ln>
+        </p:spPr>
+        <p:style>
+          <a:lnRef idx="1">
+            <a:schemeClr val="accent1"/>
+          </a:lnRef>
+          <a:fillRef idx="0">
+            <a:schemeClr val="accent1"/>
+          </a:fillRef>
+          <a:effectRef idx="0">
+            <a:schemeClr val="accent1"/>
+          </a:effectRef>
+          <a:fontRef idx="minor">
+            <a:schemeClr val="tx1"/>
+          </a:fontRef>
+        </p:style>
+      </p:cxnSp>
+      <p:cxnSp>
+        <p:nvCxnSpPr>
+          <p:cNvPr id="23" name="Straight Arrow Connector 22"/>
+          <p:cNvCxnSpPr>
+            <a:stCxn id="7" idx="3"/>
+            <a:endCxn id="19" idx="1"/>
+          </p:cNvCxnSpPr>
+          <p:nvPr/>
+        </p:nvCxnSpPr>
+        <p:spPr>
+          <a:xfrm flipH="1">
+            <a:off x="6675174" y="4146882"/>
+            <a:ext cx="598328" cy="444433"/>
+          </a:xfrm>
+          <a:prstGeom prst="straightConnector1">
+            <a:avLst/>
+          </a:prstGeom>
+          <a:ln>
+            <a:tailEnd type="triangle"/>
+          </a:ln>
+        </p:spPr>
+        <p:style>
+          <a:lnRef idx="1">
+            <a:schemeClr val="accent1"/>
+          </a:lnRef>
+          <a:fillRef idx="0">
+            <a:schemeClr val="accent1"/>
+          </a:fillRef>
+          <a:effectRef idx="0">
+            <a:schemeClr val="accent1"/>
+          </a:effectRef>
+          <a:fontRef idx="minor">
+            <a:schemeClr val="tx1"/>
+          </a:fontRef>
+        </p:style>
+      </p:cxnSp>
+      <p:cxnSp>
+        <p:nvCxnSpPr>
+          <p:cNvPr id="25" name="Straight Arrow Connector 24"/>
+          <p:cNvCxnSpPr>
+            <a:stCxn id="7" idx="3"/>
+            <a:endCxn id="10" idx="1"/>
+          </p:cNvCxnSpPr>
+          <p:nvPr/>
+        </p:nvCxnSpPr>
+        <p:spPr>
+          <a:xfrm>
+            <a:off x="7273502" y="4146882"/>
+            <a:ext cx="314145" cy="442327"/>
+          </a:xfrm>
+          <a:prstGeom prst="straightConnector1">
+            <a:avLst/>
+          </a:prstGeom>
+          <a:ln>
+            <a:tailEnd type="triangle"/>
+          </a:ln>
+        </p:spPr>
+        <p:style>
+          <a:lnRef idx="1">
+            <a:schemeClr val="accent1"/>
+          </a:lnRef>
+          <a:fillRef idx="0">
+            <a:schemeClr val="accent1"/>
+          </a:fillRef>
+          <a:effectRef idx="0">
+            <a:schemeClr val="accent1"/>
+          </a:effectRef>
+          <a:fontRef idx="minor">
+            <a:schemeClr val="tx1"/>
+          </a:fontRef>
+        </p:style>
+      </p:cxnSp>
+      <p:cxnSp>
+        <p:nvCxnSpPr>
+          <p:cNvPr id="27" name="Straight Arrow Connector 26"/>
+          <p:cNvCxnSpPr>
+            <a:stCxn id="7" idx="3"/>
+            <a:endCxn id="6" idx="1"/>
+          </p:cNvCxnSpPr>
+          <p:nvPr/>
+        </p:nvCxnSpPr>
+        <p:spPr>
+          <a:xfrm>
+            <a:off x="7273502" y="4146882"/>
+            <a:ext cx="1350611" cy="399703"/>
+          </a:xfrm>
+          <a:prstGeom prst="straightConnector1">
+            <a:avLst/>
+          </a:prstGeom>
+          <a:ln>
+            <a:tailEnd type="triangle"/>
+          </a:ln>
+        </p:spPr>
+        <p:style>
+          <a:lnRef idx="1">
+            <a:schemeClr val="accent1"/>
+          </a:lnRef>
+          <a:fillRef idx="0">
+            <a:schemeClr val="accent1"/>
+          </a:fillRef>
+          <a:effectRef idx="0">
+            <a:schemeClr val="accent1"/>
+          </a:effectRef>
+          <a:fontRef idx="minor">
+            <a:schemeClr val="tx1"/>
+          </a:fontRef>
+        </p:style>
+      </p:cxnSp>
+      <p:cxnSp>
+        <p:nvCxnSpPr>
+          <p:cNvPr id="29" name="Straight Arrow Connector 28"/>
+          <p:cNvCxnSpPr>
+            <a:stCxn id="5" idx="3"/>
+            <a:endCxn id="7" idx="1"/>
+          </p:cNvCxnSpPr>
+          <p:nvPr/>
+        </p:nvCxnSpPr>
+        <p:spPr>
+          <a:xfrm flipH="1">
+            <a:off x="7273502" y="2984049"/>
+            <a:ext cx="1313332" cy="433902"/>
+          </a:xfrm>
+          <a:prstGeom prst="straightConnector1">
+            <a:avLst/>
+          </a:prstGeom>
+          <a:ln>
+            <a:tailEnd type="triangle"/>
+          </a:ln>
+        </p:spPr>
+        <p:style>
+          <a:lnRef idx="1">
+            <a:schemeClr val="accent1"/>
+          </a:lnRef>
+          <a:fillRef idx="0">
+            <a:schemeClr val="accent1"/>
+          </a:fillRef>
+          <a:effectRef idx="0">
+            <a:schemeClr val="accent1"/>
+          </a:effectRef>
+          <a:fontRef idx="minor">
+            <a:schemeClr val="tx1"/>
+          </a:fontRef>
+        </p:style>
+      </p:cxnSp>
+      <p:cxnSp>
+        <p:nvCxnSpPr>
+          <p:cNvPr id="31" name="Straight Arrow Connector 30"/>
+          <p:cNvCxnSpPr>
+            <a:stCxn id="5" idx="3"/>
+            <a:endCxn id="8" idx="1"/>
+          </p:cNvCxnSpPr>
+          <p:nvPr/>
+        </p:nvCxnSpPr>
+        <p:spPr>
+          <a:xfrm>
+            <a:off x="8586834" y="2984049"/>
+            <a:ext cx="1563992" cy="417662"/>
+          </a:xfrm>
+          <a:prstGeom prst="straightConnector1">
+            <a:avLst/>
+          </a:prstGeom>
+          <a:ln>
+            <a:tailEnd type="triangle"/>
+          </a:ln>
+        </p:spPr>
+        <p:style>
+          <a:lnRef idx="1">
+            <a:schemeClr val="accent1"/>
+          </a:lnRef>
+          <a:fillRef idx="0">
+            <a:schemeClr val="accent1"/>
+          </a:fillRef>
+          <a:effectRef idx="0">
+            <a:schemeClr val="accent1"/>
+          </a:effectRef>
+          <a:fontRef idx="minor">
+            <a:schemeClr val="tx1"/>
+          </a:fontRef>
+        </p:style>
+      </p:cxnSp>
     </p:spTree>
     <p:extLst>
       <p:ext uri="{BB962C8B-B14F-4D97-AF65-F5344CB8AC3E}">
-        <p14:creationId xmlns:p14="http://schemas.microsoft.com/office/powerpoint/2010/main" val="1080716853"/>
+        <p14:creationId xmlns:p14="http://schemas.microsoft.com/office/powerpoint/2010/main" val="963415284"/>
       </p:ext>
     </p:extLst>
   </p:cSld>
   <p:clrMapOvr>
     <a:masterClrMapping/>
   </p:clrMapOvr>
-  <mc:AlternateContent xmlns:mc="http://schemas.openxmlformats.org/markup-compatibility/2006" xmlns:p14="http://schemas.microsoft.com/office/powerpoint/2010/main">
-    <mc:Choice Requires="p14">
-      <p:transition p14:dur="100">
-        <p:cut/>
+  <mc:AlternateContent xmlns:mc="http://schemas.openxmlformats.org/markup-compatibility/2006">
+    <mc:Choice xmlns:p14="http://schemas.microsoft.com/office/powerpoint/2010/main" Requires="p14">
+      <p:transition spd="slow" p14:dur="900">
+        <p14:warp dir="in"/>
       </p:transition>
     </mc:Choice>
-    <mc:Fallback xmlns="">
-      <p:transition>
-        <p:cut/>
+    <mc:Fallback>
+      <p:transition spd="slow">
+        <p:fade/>
       </p:transition>
     </mc:Fallback>
   </mc:AlternateContent>
   <p:timing>
     <p:tnLst>
       <p:par>
-        <p:cTn id="1" dur="indefinite" restart="never" nodeType="tmRoot"/>
+        <p:cTn id="1" dur="indefinite" restart="never" nodeType="tmRoot">
+          <p:childTnLst>
+            <p:seq concurrent="1" nextAc="seek">
+              <p:cTn id="2" dur="indefinite" nodeType="mainSeq">
+                <p:childTnLst>
+                  <p:par>
+                    <p:cTn id="3" fill="hold">
+                      <p:stCondLst>
+                        <p:cond delay="indefinite"/>
+                        <p:cond evt="onBegin" delay="0">
+                          <p:tn val="2"/>
+                        </p:cond>
+                      </p:stCondLst>
+                      <p:childTnLst>
+                        <p:par>
+                          <p:cTn id="4" fill="hold">
+                            <p:stCondLst>
+                              <p:cond delay="0"/>
+                            </p:stCondLst>
+                            <p:childTnLst>
+                              <p:par>
+                                <p:cTn id="5" presetID="1" presetClass="exit" presetSubtype="0" fill="hold" grpId="0" nodeType="afterEffect">
+                                  <p:stCondLst>
+                                    <p:cond delay="0"/>
+                                  </p:stCondLst>
+                                  <p:childTnLst>
+                                    <p:set>
+                                      <p:cBhvr>
+                                        <p:cTn id="6" dur="1" fill="hold">
+                                          <p:stCondLst>
+                                            <p:cond delay="49"/>
+                                          </p:stCondLst>
+                                        </p:cTn>
+                                        <p:tgtEl>
+                                          <p:spTgt spid="5"/>
+                                        </p:tgtEl>
+                                        <p:attrNameLst>
+                                          <p:attrName>style.visibility</p:attrName>
+                                        </p:attrNameLst>
+                                      </p:cBhvr>
+                                      <p:to>
+                                        <p:strVal val="hidden"/>
+                                      </p:to>
+                                    </p:set>
+                                  </p:childTnLst>
+                                </p:cTn>
+                              </p:par>
+                            </p:childTnLst>
+                          </p:cTn>
+                        </p:par>
+                        <p:par>
+                          <p:cTn id="7" fill="hold">
+                            <p:stCondLst>
+                              <p:cond delay="50"/>
+                            </p:stCondLst>
+                            <p:childTnLst>
+                              <p:par>
+                                <p:cTn id="8" presetID="1" presetClass="exit" presetSubtype="0" fill="hold" nodeType="afterEffect">
+                                  <p:stCondLst>
+                                    <p:cond delay="0"/>
+                                  </p:stCondLst>
+                                  <p:childTnLst>
+                                    <p:set>
+                                      <p:cBhvr>
+                                        <p:cTn id="9" dur="1" fill="hold">
+                                          <p:stCondLst>
+                                            <p:cond delay="49"/>
+                                          </p:stCondLst>
+                                        </p:cTn>
+                                        <p:tgtEl>
+                                          <p:spTgt spid="29"/>
+                                        </p:tgtEl>
+                                        <p:attrNameLst>
+                                          <p:attrName>style.visibility</p:attrName>
+                                        </p:attrNameLst>
+                                      </p:cBhvr>
+                                      <p:to>
+                                        <p:strVal val="hidden"/>
+                                      </p:to>
+                                    </p:set>
+                                  </p:childTnLst>
+                                </p:cTn>
+                              </p:par>
+                            </p:childTnLst>
+                          </p:cTn>
+                        </p:par>
+                        <p:par>
+                          <p:cTn id="10" fill="hold">
+                            <p:stCondLst>
+                              <p:cond delay="100"/>
+                            </p:stCondLst>
+                            <p:childTnLst>
+                              <p:par>
+                                <p:cTn id="11" presetID="1" presetClass="exit" presetSubtype="0" fill="hold" nodeType="afterEffect">
+                                  <p:stCondLst>
+                                    <p:cond delay="0"/>
+                                  </p:stCondLst>
+                                  <p:childTnLst>
+                                    <p:set>
+                                      <p:cBhvr>
+                                        <p:cTn id="12" dur="1" fill="hold">
+                                          <p:stCondLst>
+                                            <p:cond delay="49"/>
+                                          </p:stCondLst>
+                                        </p:cTn>
+                                        <p:tgtEl>
+                                          <p:spTgt spid="31"/>
+                                        </p:tgtEl>
+                                        <p:attrNameLst>
+                                          <p:attrName>style.visibility</p:attrName>
+                                        </p:attrNameLst>
+                                      </p:cBhvr>
+                                      <p:to>
+                                        <p:strVal val="hidden"/>
+                                      </p:to>
+                                    </p:set>
+                                  </p:childTnLst>
+                                </p:cTn>
+                              </p:par>
+                            </p:childTnLst>
+                          </p:cTn>
+                        </p:par>
+                        <p:par>
+                          <p:cTn id="13" fill="hold">
+                            <p:stCondLst>
+                              <p:cond delay="150"/>
+                            </p:stCondLst>
+                            <p:childTnLst>
+                              <p:par>
+                                <p:cTn id="14" presetID="1" presetClass="exit" presetSubtype="0" fill="hold" grpId="0" nodeType="afterEffect">
+                                  <p:stCondLst>
+                                    <p:cond delay="0"/>
+                                  </p:stCondLst>
+                                  <p:childTnLst>
+                                    <p:set>
+                                      <p:cBhvr>
+                                        <p:cTn id="15" dur="1" fill="hold">
+                                          <p:stCondLst>
+                                            <p:cond delay="49"/>
+                                          </p:stCondLst>
+                                        </p:cTn>
+                                        <p:tgtEl>
+                                          <p:spTgt spid="7"/>
+                                        </p:tgtEl>
+                                        <p:attrNameLst>
+                                          <p:attrName>style.visibility</p:attrName>
+                                        </p:attrNameLst>
+                                      </p:cBhvr>
+                                      <p:to>
+                                        <p:strVal val="hidden"/>
+                                      </p:to>
+                                    </p:set>
+                                  </p:childTnLst>
+                                </p:cTn>
+                              </p:par>
+                            </p:childTnLst>
+                          </p:cTn>
+                        </p:par>
+                        <p:par>
+                          <p:cTn id="16" fill="hold">
+                            <p:stCondLst>
+                              <p:cond delay="200"/>
+                            </p:stCondLst>
+                            <p:childTnLst>
+                              <p:par>
+                                <p:cTn id="17" presetID="1" presetClass="exit" presetSubtype="0" fill="hold" grpId="0" nodeType="afterEffect">
+                                  <p:stCondLst>
+                                    <p:cond delay="0"/>
+                                  </p:stCondLst>
+                                  <p:childTnLst>
+                                    <p:set>
+                                      <p:cBhvr>
+                                        <p:cTn id="18" dur="1" fill="hold">
+                                          <p:stCondLst>
+                                            <p:cond delay="49"/>
+                                          </p:stCondLst>
+                                        </p:cTn>
+                                        <p:tgtEl>
+                                          <p:spTgt spid="8"/>
+                                        </p:tgtEl>
+                                        <p:attrNameLst>
+                                          <p:attrName>style.visibility</p:attrName>
+                                        </p:attrNameLst>
+                                      </p:cBhvr>
+                                      <p:to>
+                                        <p:strVal val="hidden"/>
+                                      </p:to>
+                                    </p:set>
+                                  </p:childTnLst>
+                                </p:cTn>
+                              </p:par>
+                            </p:childTnLst>
+                          </p:cTn>
+                        </p:par>
+                        <p:par>
+                          <p:cTn id="19" fill="hold">
+                            <p:stCondLst>
+                              <p:cond delay="250"/>
+                            </p:stCondLst>
+                            <p:childTnLst>
+                              <p:par>
+                                <p:cTn id="20" presetID="1" presetClass="exit" presetSubtype="0" fill="hold" nodeType="afterEffect">
+                                  <p:stCondLst>
+                                    <p:cond delay="0"/>
+                                  </p:stCondLst>
+                                  <p:childTnLst>
+                                    <p:set>
+                                      <p:cBhvr>
+                                        <p:cTn id="21" dur="1" fill="hold">
+                                          <p:stCondLst>
+                                            <p:cond delay="49"/>
+                                          </p:stCondLst>
+                                        </p:cTn>
+                                        <p:tgtEl>
+                                          <p:spTgt spid="21"/>
+                                        </p:tgtEl>
+                                        <p:attrNameLst>
+                                          <p:attrName>style.visibility</p:attrName>
+                                        </p:attrNameLst>
+                                      </p:cBhvr>
+                                      <p:to>
+                                        <p:strVal val="hidden"/>
+                                      </p:to>
+                                    </p:set>
+                                  </p:childTnLst>
+                                </p:cTn>
+                              </p:par>
+                            </p:childTnLst>
+                          </p:cTn>
+                        </p:par>
+                        <p:par>
+                          <p:cTn id="22" fill="hold">
+                            <p:stCondLst>
+                              <p:cond delay="300"/>
+                            </p:stCondLst>
+                            <p:childTnLst>
+                              <p:par>
+                                <p:cTn id="23" presetID="1" presetClass="exit" presetSubtype="0" fill="hold" nodeType="afterEffect">
+                                  <p:stCondLst>
+                                    <p:cond delay="0"/>
+                                  </p:stCondLst>
+                                  <p:childTnLst>
+                                    <p:set>
+                                      <p:cBhvr>
+                                        <p:cTn id="24" dur="1" fill="hold">
+                                          <p:stCondLst>
+                                            <p:cond delay="49"/>
+                                          </p:stCondLst>
+                                        </p:cTn>
+                                        <p:tgtEl>
+                                          <p:spTgt spid="23"/>
+                                        </p:tgtEl>
+                                        <p:attrNameLst>
+                                          <p:attrName>style.visibility</p:attrName>
+                                        </p:attrNameLst>
+                                      </p:cBhvr>
+                                      <p:to>
+                                        <p:strVal val="hidden"/>
+                                      </p:to>
+                                    </p:set>
+                                  </p:childTnLst>
+                                </p:cTn>
+                              </p:par>
+                            </p:childTnLst>
+                          </p:cTn>
+                        </p:par>
+                        <p:par>
+                          <p:cTn id="25" fill="hold">
+                            <p:stCondLst>
+                              <p:cond delay="350"/>
+                            </p:stCondLst>
+                            <p:childTnLst>
+                              <p:par>
+                                <p:cTn id="26" presetID="1" presetClass="exit" presetSubtype="0" fill="hold" nodeType="afterEffect">
+                                  <p:stCondLst>
+                                    <p:cond delay="0"/>
+                                  </p:stCondLst>
+                                  <p:childTnLst>
+                                    <p:set>
+                                      <p:cBhvr>
+                                        <p:cTn id="27" dur="1" fill="hold">
+                                          <p:stCondLst>
+                                            <p:cond delay="49"/>
+                                          </p:stCondLst>
+                                        </p:cTn>
+                                        <p:tgtEl>
+                                          <p:spTgt spid="25"/>
+                                        </p:tgtEl>
+                                        <p:attrNameLst>
+                                          <p:attrName>style.visibility</p:attrName>
+                                        </p:attrNameLst>
+                                      </p:cBhvr>
+                                      <p:to>
+                                        <p:strVal val="hidden"/>
+                                      </p:to>
+                                    </p:set>
+                                  </p:childTnLst>
+                                </p:cTn>
+                              </p:par>
+                            </p:childTnLst>
+                          </p:cTn>
+                        </p:par>
+                        <p:par>
+                          <p:cTn id="28" fill="hold">
+                            <p:stCondLst>
+                              <p:cond delay="400"/>
+                            </p:stCondLst>
+                            <p:childTnLst>
+                              <p:par>
+                                <p:cTn id="29" presetID="1" presetClass="exit" presetSubtype="0" fill="hold" nodeType="afterEffect">
+                                  <p:stCondLst>
+                                    <p:cond delay="0"/>
+                                  </p:stCondLst>
+                                  <p:childTnLst>
+                                    <p:set>
+                                      <p:cBhvr>
+                                        <p:cTn id="30" dur="1" fill="hold">
+                                          <p:stCondLst>
+                                            <p:cond delay="49"/>
+                                          </p:stCondLst>
+                                        </p:cTn>
+                                        <p:tgtEl>
+                                          <p:spTgt spid="27"/>
+                                        </p:tgtEl>
+                                        <p:attrNameLst>
+                                          <p:attrName>style.visibility</p:attrName>
+                                        </p:attrNameLst>
+                                      </p:cBhvr>
+                                      <p:to>
+                                        <p:strVal val="hidden"/>
+                                      </p:to>
+                                    </p:set>
+                                  </p:childTnLst>
+                                </p:cTn>
+                              </p:par>
+                            </p:childTnLst>
+                          </p:cTn>
+                        </p:par>
+                        <p:par>
+                          <p:cTn id="31" fill="hold">
+                            <p:stCondLst>
+                              <p:cond delay="450"/>
+                            </p:stCondLst>
+                            <p:childTnLst>
+                              <p:par>
+                                <p:cTn id="32" presetID="1" presetClass="exit" presetSubtype="0" fill="hold" grpId="0" nodeType="afterEffect">
+                                  <p:stCondLst>
+                                    <p:cond delay="0"/>
+                                  </p:stCondLst>
+                                  <p:childTnLst>
+                                    <p:set>
+                                      <p:cBhvr>
+                                        <p:cTn id="33" dur="1" fill="hold">
+                                          <p:stCondLst>
+                                            <p:cond delay="49"/>
+                                          </p:stCondLst>
+                                        </p:cTn>
+                                        <p:tgtEl>
+                                          <p:spTgt spid="9"/>
+                                        </p:tgtEl>
+                                        <p:attrNameLst>
+                                          <p:attrName>style.visibility</p:attrName>
+                                        </p:attrNameLst>
+                                      </p:cBhvr>
+                                      <p:to>
+                                        <p:strVal val="hidden"/>
+                                      </p:to>
+                                    </p:set>
+                                  </p:childTnLst>
+                                </p:cTn>
+                              </p:par>
+                            </p:childTnLst>
+                          </p:cTn>
+                        </p:par>
+                        <p:par>
+                          <p:cTn id="34" fill="hold">
+                            <p:stCondLst>
+                              <p:cond delay="500"/>
+                            </p:stCondLst>
+                            <p:childTnLst>
+                              <p:par>
+                                <p:cTn id="35" presetID="1" presetClass="exit" presetSubtype="0" fill="hold" grpId="0" nodeType="afterEffect">
+                                  <p:stCondLst>
+                                    <p:cond delay="0"/>
+                                  </p:stCondLst>
+                                  <p:childTnLst>
+                                    <p:set>
+                                      <p:cBhvr>
+                                        <p:cTn id="36" dur="1" fill="hold">
+                                          <p:stCondLst>
+                                            <p:cond delay="49"/>
+                                          </p:stCondLst>
+                                        </p:cTn>
+                                        <p:tgtEl>
+                                          <p:spTgt spid="19"/>
+                                        </p:tgtEl>
+                                        <p:attrNameLst>
+                                          <p:attrName>style.visibility</p:attrName>
+                                        </p:attrNameLst>
+                                      </p:cBhvr>
+                                      <p:to>
+                                        <p:strVal val="hidden"/>
+                                      </p:to>
+                                    </p:set>
+                                  </p:childTnLst>
+                                </p:cTn>
+                              </p:par>
+                            </p:childTnLst>
+                          </p:cTn>
+                        </p:par>
+                        <p:par>
+                          <p:cTn id="37" fill="hold">
+                            <p:stCondLst>
+                              <p:cond delay="550"/>
+                            </p:stCondLst>
+                            <p:childTnLst>
+                              <p:par>
+                                <p:cTn id="38" presetID="1" presetClass="exit" presetSubtype="0" fill="hold" grpId="0" nodeType="afterEffect">
+                                  <p:stCondLst>
+                                    <p:cond delay="0"/>
+                                  </p:stCondLst>
+                                  <p:childTnLst>
+                                    <p:set>
+                                      <p:cBhvr>
+                                        <p:cTn id="39" dur="1" fill="hold">
+                                          <p:stCondLst>
+                                            <p:cond delay="49"/>
+                                          </p:stCondLst>
+                                        </p:cTn>
+                                        <p:tgtEl>
+                                          <p:spTgt spid="6"/>
+                                        </p:tgtEl>
+                                        <p:attrNameLst>
+                                          <p:attrName>style.visibility</p:attrName>
+                                        </p:attrNameLst>
+                                      </p:cBhvr>
+                                      <p:to>
+                                        <p:strVal val="hidden"/>
+                                      </p:to>
+                                    </p:set>
+                                  </p:childTnLst>
+                                </p:cTn>
+                              </p:par>
+                            </p:childTnLst>
+                          </p:cTn>
+                        </p:par>
+                        <p:par>
+                          <p:cTn id="40" fill="hold">
+                            <p:stCondLst>
+                              <p:cond delay="600"/>
+                            </p:stCondLst>
+                            <p:childTnLst>
+                              <p:par>
+                                <p:cTn id="41" presetID="42" presetClass="path" presetSubtype="0" accel="50000" decel="50000" fill="hold" grpId="0" nodeType="afterEffect">
+                                  <p:stCondLst>
+                                    <p:cond delay="0"/>
+                                  </p:stCondLst>
+                                  <p:childTnLst>
+                                    <p:animMotion origin="layout" path="M 4.375E-6 -2.22222E-6 L 0.08203 -0.39514 " pathEditMode="relative" rAng="0" ptsTypes="AA">
+                                      <p:cBhvr>
+                                        <p:cTn id="42" dur="1000" fill="hold"/>
+                                        <p:tgtEl>
+                                          <p:spTgt spid="10"/>
+                                        </p:tgtEl>
+                                        <p:attrNameLst>
+                                          <p:attrName>ppt_x</p:attrName>
+                                          <p:attrName>ppt_y</p:attrName>
+                                        </p:attrNameLst>
+                                      </p:cBhvr>
+                                      <p:rCtr x="4102" y="-19769"/>
+                                    </p:animMotion>
+                                  </p:childTnLst>
+                                </p:cTn>
+                              </p:par>
+                            </p:childTnLst>
+                          </p:cTn>
+                        </p:par>
+                      </p:childTnLst>
+                    </p:cTn>
+                  </p:par>
+                </p:childTnLst>
+              </p:cTn>
+              <p:prevCondLst>
+                <p:cond evt="onPrev" delay="0">
+                  <p:tgtEl>
+                    <p:sldTgt/>
+                  </p:tgtEl>
+                </p:cond>
+              </p:prevCondLst>
+              <p:nextCondLst>
+                <p:cond evt="onNext" delay="0">
+                  <p:tgtEl>
+                    <p:sldTgt/>
+                  </p:tgtEl>
+                </p:cond>
+              </p:nextCondLst>
+            </p:seq>
+          </p:childTnLst>
+        </p:cTn>
       </p:par>
     </p:tnLst>
+    <p:bldLst>
+      <p:bldP spid="5" grpId="0" animBg="1"/>
+      <p:bldP spid="7" grpId="0" animBg="1"/>
+      <p:bldP spid="8" grpId="0" animBg="1"/>
+      <p:bldP spid="9" grpId="0" animBg="1"/>
+      <p:bldP spid="10" grpId="0" animBg="1"/>
+      <p:bldP spid="6" grpId="0" animBg="1"/>
+      <p:bldP spid="19" grpId="0" animBg="1"/>
+    </p:bldLst>
   </p:timing>
 </p:sld>
 </file>
@@ -40530,6 +41685,281 @@
       <p:bldP spid="11" grpId="0"/>
       <p:bldP spid="12" grpId="0"/>
     </p:bldLst>
+  </p:timing>
+</p:sld>
+</file>
+
+<file path=ppt/slides/slide20.xml><?xml version="1.0" encoding="utf-8"?>
+<p:sld xmlns:a="http://schemas.openxmlformats.org/drawingml/2006/main" xmlns:r="http://schemas.openxmlformats.org/officeDocument/2006/relationships" xmlns:p="http://schemas.openxmlformats.org/presentationml/2006/main">
+  <p:cSld>
+    <p:spTree>
+      <p:nvGrpSpPr>
+        <p:cNvPr id="1" name=""/>
+        <p:cNvGrpSpPr/>
+        <p:nvPr/>
+      </p:nvGrpSpPr>
+      <p:grpSpPr>
+        <a:xfrm>
+          <a:off x="0" y="0"/>
+          <a:ext cx="0" cy="0"/>
+          <a:chOff x="0" y="0"/>
+          <a:chExt cx="0" cy="0"/>
+        </a:xfrm>
+      </p:grpSpPr>
+      <p:sp>
+        <p:nvSpPr>
+          <p:cNvPr id="2" name="Title 1"/>
+          <p:cNvSpPr>
+            <a:spLocks noGrp="1"/>
+          </p:cNvSpPr>
+          <p:nvPr>
+            <p:ph type="title"/>
+          </p:nvPr>
+        </p:nvSpPr>
+        <p:spPr/>
+        <p:txBody>
+          <a:bodyPr/>
+          <a:lstStyle/>
+          <a:p>
+            <a:r>
+              <a:rPr lang="en-US" smtClean="0"/>
+              <a:t>8. Master Data</a:t>
+            </a:r>
+            <a:endParaRPr lang="en-US"/>
+          </a:p>
+        </p:txBody>
+      </p:sp>
+      <p:sp>
+        <p:nvSpPr>
+          <p:cNvPr id="4" name="Slide Number Placeholder 3"/>
+          <p:cNvSpPr>
+            <a:spLocks noGrp="1"/>
+          </p:cNvSpPr>
+          <p:nvPr>
+            <p:ph type="sldNum" sz="quarter" idx="12"/>
+          </p:nvPr>
+        </p:nvSpPr>
+        <p:spPr/>
+        <p:txBody>
+          <a:bodyPr/>
+          <a:lstStyle/>
+          <a:p>
+            <a:fld id="{ADCBEA7B-0C17-4C65-AC04-29AE518F0098}" type="slidenum">
+              <a:rPr lang="en-US" smtClean="0"/>
+              <a:t>20</a:t>
+            </a:fld>
+            <a:endParaRPr lang="en-US"/>
+          </a:p>
+        </p:txBody>
+      </p:sp>
+      <p:sp>
+        <p:nvSpPr>
+          <p:cNvPr id="17" name="Flowchart: Magnetic Disk 16"/>
+          <p:cNvSpPr/>
+          <p:nvPr/>
+        </p:nvSpPr>
+        <p:spPr>
+          <a:xfrm>
+            <a:off x="8132567" y="1874412"/>
+            <a:ext cx="908532" cy="728931"/>
+          </a:xfrm>
+          <a:prstGeom prst="flowChartMagneticDisk">
+            <a:avLst/>
+          </a:prstGeom>
+        </p:spPr>
+        <p:style>
+          <a:lnRef idx="2">
+            <a:schemeClr val="accent1">
+              <a:shade val="50000"/>
+            </a:schemeClr>
+          </a:lnRef>
+          <a:fillRef idx="1">
+            <a:schemeClr val="accent1"/>
+          </a:fillRef>
+          <a:effectRef idx="0">
+            <a:schemeClr val="accent1"/>
+          </a:effectRef>
+          <a:fontRef idx="minor">
+            <a:schemeClr val="lt1"/>
+          </a:fontRef>
+        </p:style>
+        <p:txBody>
+          <a:bodyPr rtlCol="0" anchor="ctr"/>
+          <a:lstStyle/>
+          <a:p>
+            <a:pPr algn="ctr"/>
+            <a:r>
+              <a:rPr lang="en-US" sz="1100"/>
+              <a:t>Vendor </a:t>
+            </a:r>
+          </a:p>
+        </p:txBody>
+      </p:sp>
+      <p:sp>
+        <p:nvSpPr>
+          <p:cNvPr id="3" name="Rectangle 2"/>
+          <p:cNvSpPr/>
+          <p:nvPr/>
+        </p:nvSpPr>
+        <p:spPr>
+          <a:xfrm>
+            <a:off x="7648114" y="2778342"/>
+            <a:ext cx="2623475" cy="2585323"/>
+          </a:xfrm>
+          <a:prstGeom prst="rect">
+            <a:avLst/>
+          </a:prstGeom>
+        </p:spPr>
+        <p:txBody>
+          <a:bodyPr wrap="none">
+            <a:spAutoFit/>
+          </a:bodyPr>
+          <a:lstStyle/>
+          <a:p>
+            <a:r>
+              <a:rPr lang="en-US" u="sng" smtClean="0"/>
+              <a:t>3 categories</a:t>
+            </a:r>
+            <a:r>
+              <a:rPr lang="en-US" u="sng"/>
+              <a:t> </a:t>
+            </a:r>
+            <a:r>
+              <a:rPr lang="en-US" u="sng" smtClean="0"/>
+              <a:t>:</a:t>
+            </a:r>
+            <a:endParaRPr lang="en-US" b="1" u="sng" smtClean="0">
+              <a:solidFill>
+                <a:srgbClr val="000000"/>
+              </a:solidFill>
+              <a:latin typeface="Verdana" panose="020B0604030504040204" pitchFamily="34" charset="0"/>
+            </a:endParaRPr>
+          </a:p>
+          <a:p>
+            <a:r>
+              <a:rPr lang="en-US" smtClean="0">
+                <a:solidFill>
+                  <a:srgbClr val="000000"/>
+                </a:solidFill>
+                <a:latin typeface="Verdana" panose="020B0604030504040204" pitchFamily="34" charset="0"/>
+              </a:rPr>
+              <a:t>General Data</a:t>
+            </a:r>
+          </a:p>
+          <a:p>
+            <a:r>
+              <a:rPr lang="en-US"/>
+              <a:t>Accounting </a:t>
+            </a:r>
+            <a:r>
+              <a:rPr lang="en-US" smtClean="0"/>
+              <a:t>Data</a:t>
+            </a:r>
+          </a:p>
+          <a:p>
+            <a:r>
+              <a:rPr lang="en-US"/>
+              <a:t>Purchasing </a:t>
+            </a:r>
+            <a:r>
+              <a:rPr lang="en-US" smtClean="0"/>
+              <a:t>Data</a:t>
+            </a:r>
+          </a:p>
+          <a:p>
+            <a:r>
+              <a:rPr lang="en-US" u="sng" smtClean="0"/>
+              <a:t>3 characteristics:</a:t>
+            </a:r>
+          </a:p>
+          <a:p>
+            <a:r>
+              <a:rPr lang="en-US"/>
+              <a:t>Vendor Account Group</a:t>
+            </a:r>
+          </a:p>
+          <a:p>
+            <a:r>
+              <a:rPr lang="en-US"/>
+              <a:t>Number Range</a:t>
+            </a:r>
+          </a:p>
+          <a:p>
+            <a:r>
+              <a:rPr lang="en-US"/>
+              <a:t>Vendor Master</a:t>
+            </a:r>
+          </a:p>
+          <a:p>
+            <a:endParaRPr lang="en-US" u="sng" smtClean="0"/>
+          </a:p>
+        </p:txBody>
+      </p:sp>
+      <p:sp>
+        <p:nvSpPr>
+          <p:cNvPr id="11" name="Rectangle 10"/>
+          <p:cNvSpPr/>
+          <p:nvPr/>
+        </p:nvSpPr>
+        <p:spPr>
+          <a:xfrm>
+            <a:off x="1219200" y="2003178"/>
+            <a:ext cx="6096000" cy="1200329"/>
+          </a:xfrm>
+          <a:prstGeom prst="rect">
+            <a:avLst/>
+          </a:prstGeom>
+        </p:spPr>
+        <p:txBody>
+          <a:bodyPr>
+            <a:spAutoFit/>
+          </a:bodyPr>
+          <a:lstStyle/>
+          <a:p>
+            <a:pPr marL="285750" indent="-285750">
+              <a:buFont typeface="Wingdings" panose="05000000000000000000" pitchFamily="2" charset="2"/>
+              <a:buChar char="Ø"/>
+            </a:pPr>
+            <a:r>
+              <a:rPr lang="en-US">
+                <a:solidFill>
+                  <a:srgbClr val="000000"/>
+                </a:solidFill>
+              </a:rPr>
+              <a:t>Vendor Master Data is the enterprise main source of vendor-specific data. It includes information on vendors from which a company can procure, or can sell.</a:t>
+            </a:r>
+            <a:endParaRPr lang="en-US"/>
+          </a:p>
+        </p:txBody>
+      </p:sp>
+    </p:spTree>
+    <p:extLst>
+      <p:ext uri="{BB962C8B-B14F-4D97-AF65-F5344CB8AC3E}">
+        <p14:creationId xmlns:p14="http://schemas.microsoft.com/office/powerpoint/2010/main" val="2994777809"/>
+      </p:ext>
+    </p:extLst>
+  </p:cSld>
+  <p:clrMapOvr>
+    <a:masterClrMapping/>
+  </p:clrMapOvr>
+  <mc:AlternateContent xmlns:mc="http://schemas.openxmlformats.org/markup-compatibility/2006">
+    <mc:Choice xmlns:p14="http://schemas.microsoft.com/office/powerpoint/2010/main" Requires="p14">
+      <p:transition spd="slow" p14:dur="900">
+        <p14:warp dir="in"/>
+      </p:transition>
+    </mc:Choice>
+    <mc:Fallback>
+      <p:transition spd="slow">
+        <p:fade/>
+      </p:transition>
+    </mc:Fallback>
+  </mc:AlternateContent>
+  <p:timing>
+    <p:tnLst>
+      <p:par>
+        <p:cTn id="1" dur="indefinite" restart="never" nodeType="tmRoot"/>
+      </p:par>
+    </p:tnLst>
   </p:timing>
 </p:sld>
 </file>
@@ -43478,7 +44908,7 @@
         </p:nvGrpSpPr>
         <p:grpSpPr>
           <a:xfrm>
-            <a:off x="5030371" y="1530646"/>
+            <a:off x="3581134" y="1599657"/>
             <a:ext cx="4770854" cy="4044357"/>
             <a:chOff x="1572796" y="1395236"/>
             <a:chExt cx="4770854" cy="4044357"/>
@@ -43556,7 +44986,7 @@
         </p:nvCxnSpPr>
         <p:spPr>
           <a:xfrm>
-            <a:off x="6357847" y="2911056"/>
+            <a:off x="4899988" y="2971438"/>
             <a:ext cx="435859" cy="641769"/>
           </a:xfrm>
           <a:prstGeom prst="line">
@@ -43587,7 +45017,7 @@
         </p:nvCxnSpPr>
         <p:spPr>
           <a:xfrm flipV="1">
-            <a:off x="6357847" y="3552825"/>
+            <a:off x="4899988" y="3613207"/>
             <a:ext cx="435859" cy="671514"/>
           </a:xfrm>
           <a:prstGeom prst="line">
